--- a/Presentation/DL_project_presentation.pptx
+++ b/Presentation/DL_project_presentation.pptx
@@ -5,7 +5,7 @@
     <p:sldMasterId id="2147483672" r:id="rId1"/>
   </p:sldMasterIdLst>
   <p:notesMasterIdLst>
-    <p:notesMasterId r:id="rId11"/>
+    <p:notesMasterId r:id="rId18"/>
   </p:notesMasterIdLst>
   <p:sldIdLst>
     <p:sldId id="256" r:id="rId2"/>
@@ -17,6 +17,13 @@
     <p:sldId id="292" r:id="rId8"/>
     <p:sldId id="293" r:id="rId9"/>
     <p:sldId id="290" r:id="rId10"/>
+    <p:sldId id="295" r:id="rId11"/>
+    <p:sldId id="299" r:id="rId12"/>
+    <p:sldId id="296" r:id="rId13"/>
+    <p:sldId id="298" r:id="rId14"/>
+    <p:sldId id="300" r:id="rId15"/>
+    <p:sldId id="297" r:id="rId16"/>
+    <p:sldId id="301" r:id="rId17"/>
   </p:sldIdLst>
   <p:sldSz cx="12192000" cy="6858000"/>
   <p:notesSz cx="6858000" cy="9144000"/>
@@ -205,7 +212,7 @@
           <a:p>
             <a:fld id="{2E45F2F5-60C8-4962-BCDB-4E5FE59EA305}" type="datetimeFigureOut">
               <a:rPr lang="en-US" smtClean="0"/>
-              <a:t>2/15/2022</a:t>
+              <a:t>2/16/2022</a:t>
             </a:fld>
             <a:endParaRPr lang="en-US"/>
           </a:p>
@@ -556,6 +563,510 @@
 </p:notes>
 </file>
 
+<file path=ppt/notesSlides/notesSlide10.xml><?xml version="1.0" encoding="utf-8"?>
+<p:notes xmlns:a="http://schemas.openxmlformats.org/drawingml/2006/main" xmlns:r="http://schemas.openxmlformats.org/officeDocument/2006/relationships" xmlns:p="http://schemas.openxmlformats.org/presentationml/2006/main">
+  <p:cSld>
+    <p:spTree>
+      <p:nvGrpSpPr>
+        <p:cNvPr id="1" name=""/>
+        <p:cNvGrpSpPr/>
+        <p:nvPr/>
+      </p:nvGrpSpPr>
+      <p:grpSpPr>
+        <a:xfrm>
+          <a:off x="0" y="0"/>
+          <a:ext cx="0" cy="0"/>
+          <a:chOff x="0" y="0"/>
+          <a:chExt cx="0" cy="0"/>
+        </a:xfrm>
+      </p:grpSpPr>
+      <p:sp>
+        <p:nvSpPr>
+          <p:cNvPr id="2" name="Slide Image Placeholder 1"/>
+          <p:cNvSpPr>
+            <a:spLocks noGrp="1" noRot="1" noChangeAspect="1"/>
+          </p:cNvSpPr>
+          <p:nvPr>
+            <p:ph type="sldImg"/>
+          </p:nvPr>
+        </p:nvSpPr>
+        <p:spPr/>
+      </p:sp>
+      <p:sp>
+        <p:nvSpPr>
+          <p:cNvPr id="3" name="Notes Placeholder 2"/>
+          <p:cNvSpPr>
+            <a:spLocks noGrp="1"/>
+          </p:cNvSpPr>
+          <p:nvPr>
+            <p:ph type="body" idx="1"/>
+          </p:nvPr>
+        </p:nvSpPr>
+        <p:spPr/>
+        <p:txBody>
+          <a:bodyPr/>
+          <a:lstStyle/>
+          <a:p>
+            <a:endParaRPr lang="en-US" dirty="0"/>
+          </a:p>
+        </p:txBody>
+      </p:sp>
+      <p:sp>
+        <p:nvSpPr>
+          <p:cNvPr id="4" name="Slide Number Placeholder 3"/>
+          <p:cNvSpPr>
+            <a:spLocks noGrp="1"/>
+          </p:cNvSpPr>
+          <p:nvPr>
+            <p:ph type="sldNum" sz="quarter" idx="5"/>
+          </p:nvPr>
+        </p:nvSpPr>
+        <p:spPr/>
+        <p:txBody>
+          <a:bodyPr/>
+          <a:lstStyle/>
+          <a:p>
+            <a:fld id="{BB072CD4-8151-4317-B517-71349F960F6F}" type="slidenum">
+              <a:rPr lang="en-US" smtClean="0"/>
+              <a:t>11</a:t>
+            </a:fld>
+            <a:endParaRPr lang="en-US"/>
+          </a:p>
+        </p:txBody>
+      </p:sp>
+    </p:spTree>
+    <p:extLst>
+      <p:ext uri="{BB962C8B-B14F-4D97-AF65-F5344CB8AC3E}">
+        <p14:creationId xmlns:p14="http://schemas.microsoft.com/office/powerpoint/2010/main" val="2106868845"/>
+      </p:ext>
+    </p:extLst>
+  </p:cSld>
+  <p:clrMapOvr>
+    <a:masterClrMapping/>
+  </p:clrMapOvr>
+</p:notes>
+</file>
+
+<file path=ppt/notesSlides/notesSlide11.xml><?xml version="1.0" encoding="utf-8"?>
+<p:notes xmlns:a="http://schemas.openxmlformats.org/drawingml/2006/main" xmlns:r="http://schemas.openxmlformats.org/officeDocument/2006/relationships" xmlns:p="http://schemas.openxmlformats.org/presentationml/2006/main">
+  <p:cSld>
+    <p:spTree>
+      <p:nvGrpSpPr>
+        <p:cNvPr id="1" name=""/>
+        <p:cNvGrpSpPr/>
+        <p:nvPr/>
+      </p:nvGrpSpPr>
+      <p:grpSpPr>
+        <a:xfrm>
+          <a:off x="0" y="0"/>
+          <a:ext cx="0" cy="0"/>
+          <a:chOff x="0" y="0"/>
+          <a:chExt cx="0" cy="0"/>
+        </a:xfrm>
+      </p:grpSpPr>
+      <p:sp>
+        <p:nvSpPr>
+          <p:cNvPr id="2" name="Slide Image Placeholder 1"/>
+          <p:cNvSpPr>
+            <a:spLocks noGrp="1" noRot="1" noChangeAspect="1"/>
+          </p:cNvSpPr>
+          <p:nvPr>
+            <p:ph type="sldImg"/>
+          </p:nvPr>
+        </p:nvSpPr>
+        <p:spPr/>
+      </p:sp>
+      <p:sp>
+        <p:nvSpPr>
+          <p:cNvPr id="3" name="Notes Placeholder 2"/>
+          <p:cNvSpPr>
+            <a:spLocks noGrp="1"/>
+          </p:cNvSpPr>
+          <p:nvPr>
+            <p:ph type="body" idx="1"/>
+          </p:nvPr>
+        </p:nvSpPr>
+        <p:spPr/>
+        <p:txBody>
+          <a:bodyPr/>
+          <a:lstStyle/>
+          <a:p>
+            <a:endParaRPr lang="en-US" dirty="0"/>
+          </a:p>
+        </p:txBody>
+      </p:sp>
+      <p:sp>
+        <p:nvSpPr>
+          <p:cNvPr id="4" name="Slide Number Placeholder 3"/>
+          <p:cNvSpPr>
+            <a:spLocks noGrp="1"/>
+          </p:cNvSpPr>
+          <p:nvPr>
+            <p:ph type="sldNum" sz="quarter" idx="5"/>
+          </p:nvPr>
+        </p:nvSpPr>
+        <p:spPr/>
+        <p:txBody>
+          <a:bodyPr/>
+          <a:lstStyle/>
+          <a:p>
+            <a:fld id="{BB072CD4-8151-4317-B517-71349F960F6F}" type="slidenum">
+              <a:rPr lang="en-US" smtClean="0"/>
+              <a:t>12</a:t>
+            </a:fld>
+            <a:endParaRPr lang="en-US"/>
+          </a:p>
+        </p:txBody>
+      </p:sp>
+    </p:spTree>
+    <p:extLst>
+      <p:ext uri="{BB962C8B-B14F-4D97-AF65-F5344CB8AC3E}">
+        <p14:creationId xmlns:p14="http://schemas.microsoft.com/office/powerpoint/2010/main" val="1352852170"/>
+      </p:ext>
+    </p:extLst>
+  </p:cSld>
+  <p:clrMapOvr>
+    <a:masterClrMapping/>
+  </p:clrMapOvr>
+</p:notes>
+</file>
+
+<file path=ppt/notesSlides/notesSlide12.xml><?xml version="1.0" encoding="utf-8"?>
+<p:notes xmlns:a="http://schemas.openxmlformats.org/drawingml/2006/main" xmlns:r="http://schemas.openxmlformats.org/officeDocument/2006/relationships" xmlns:p="http://schemas.openxmlformats.org/presentationml/2006/main">
+  <p:cSld>
+    <p:spTree>
+      <p:nvGrpSpPr>
+        <p:cNvPr id="1" name=""/>
+        <p:cNvGrpSpPr/>
+        <p:nvPr/>
+      </p:nvGrpSpPr>
+      <p:grpSpPr>
+        <a:xfrm>
+          <a:off x="0" y="0"/>
+          <a:ext cx="0" cy="0"/>
+          <a:chOff x="0" y="0"/>
+          <a:chExt cx="0" cy="0"/>
+        </a:xfrm>
+      </p:grpSpPr>
+      <p:sp>
+        <p:nvSpPr>
+          <p:cNvPr id="2" name="Slide Image Placeholder 1"/>
+          <p:cNvSpPr>
+            <a:spLocks noGrp="1" noRot="1" noChangeAspect="1"/>
+          </p:cNvSpPr>
+          <p:nvPr>
+            <p:ph type="sldImg"/>
+          </p:nvPr>
+        </p:nvSpPr>
+        <p:spPr/>
+      </p:sp>
+      <p:sp>
+        <p:nvSpPr>
+          <p:cNvPr id="3" name="Notes Placeholder 2"/>
+          <p:cNvSpPr>
+            <a:spLocks noGrp="1"/>
+          </p:cNvSpPr>
+          <p:nvPr>
+            <p:ph type="body" idx="1"/>
+          </p:nvPr>
+        </p:nvSpPr>
+        <p:spPr/>
+        <p:txBody>
+          <a:bodyPr/>
+          <a:lstStyle/>
+          <a:p>
+            <a:endParaRPr lang="en-US" dirty="0"/>
+          </a:p>
+        </p:txBody>
+      </p:sp>
+      <p:sp>
+        <p:nvSpPr>
+          <p:cNvPr id="4" name="Slide Number Placeholder 3"/>
+          <p:cNvSpPr>
+            <a:spLocks noGrp="1"/>
+          </p:cNvSpPr>
+          <p:nvPr>
+            <p:ph type="sldNum" sz="quarter" idx="5"/>
+          </p:nvPr>
+        </p:nvSpPr>
+        <p:spPr/>
+        <p:txBody>
+          <a:bodyPr/>
+          <a:lstStyle/>
+          <a:p>
+            <a:fld id="{BB072CD4-8151-4317-B517-71349F960F6F}" type="slidenum">
+              <a:rPr lang="en-US" smtClean="0"/>
+              <a:t>13</a:t>
+            </a:fld>
+            <a:endParaRPr lang="en-US"/>
+          </a:p>
+        </p:txBody>
+      </p:sp>
+    </p:spTree>
+    <p:extLst>
+      <p:ext uri="{BB962C8B-B14F-4D97-AF65-F5344CB8AC3E}">
+        <p14:creationId xmlns:p14="http://schemas.microsoft.com/office/powerpoint/2010/main" val="1026006167"/>
+      </p:ext>
+    </p:extLst>
+  </p:cSld>
+  <p:clrMapOvr>
+    <a:masterClrMapping/>
+  </p:clrMapOvr>
+</p:notes>
+</file>
+
+<file path=ppt/notesSlides/notesSlide13.xml><?xml version="1.0" encoding="utf-8"?>
+<p:notes xmlns:a="http://schemas.openxmlformats.org/drawingml/2006/main" xmlns:r="http://schemas.openxmlformats.org/officeDocument/2006/relationships" xmlns:p="http://schemas.openxmlformats.org/presentationml/2006/main">
+  <p:cSld>
+    <p:spTree>
+      <p:nvGrpSpPr>
+        <p:cNvPr id="1" name=""/>
+        <p:cNvGrpSpPr/>
+        <p:nvPr/>
+      </p:nvGrpSpPr>
+      <p:grpSpPr>
+        <a:xfrm>
+          <a:off x="0" y="0"/>
+          <a:ext cx="0" cy="0"/>
+          <a:chOff x="0" y="0"/>
+          <a:chExt cx="0" cy="0"/>
+        </a:xfrm>
+      </p:grpSpPr>
+      <p:sp>
+        <p:nvSpPr>
+          <p:cNvPr id="2" name="Slide Image Placeholder 1"/>
+          <p:cNvSpPr>
+            <a:spLocks noGrp="1" noRot="1" noChangeAspect="1"/>
+          </p:cNvSpPr>
+          <p:nvPr>
+            <p:ph type="sldImg"/>
+          </p:nvPr>
+        </p:nvSpPr>
+        <p:spPr/>
+      </p:sp>
+      <p:sp>
+        <p:nvSpPr>
+          <p:cNvPr id="3" name="Notes Placeholder 2"/>
+          <p:cNvSpPr>
+            <a:spLocks noGrp="1"/>
+          </p:cNvSpPr>
+          <p:nvPr>
+            <p:ph type="body" idx="1"/>
+          </p:nvPr>
+        </p:nvSpPr>
+        <p:spPr/>
+        <p:txBody>
+          <a:bodyPr/>
+          <a:lstStyle/>
+          <a:p>
+            <a:endParaRPr lang="en-US" dirty="0"/>
+          </a:p>
+        </p:txBody>
+      </p:sp>
+      <p:sp>
+        <p:nvSpPr>
+          <p:cNvPr id="4" name="Slide Number Placeholder 3"/>
+          <p:cNvSpPr>
+            <a:spLocks noGrp="1"/>
+          </p:cNvSpPr>
+          <p:nvPr>
+            <p:ph type="sldNum" sz="quarter" idx="5"/>
+          </p:nvPr>
+        </p:nvSpPr>
+        <p:spPr/>
+        <p:txBody>
+          <a:bodyPr/>
+          <a:lstStyle/>
+          <a:p>
+            <a:fld id="{BB072CD4-8151-4317-B517-71349F960F6F}" type="slidenum">
+              <a:rPr lang="en-US" smtClean="0"/>
+              <a:t>14</a:t>
+            </a:fld>
+            <a:endParaRPr lang="en-US"/>
+          </a:p>
+        </p:txBody>
+      </p:sp>
+    </p:spTree>
+    <p:extLst>
+      <p:ext uri="{BB962C8B-B14F-4D97-AF65-F5344CB8AC3E}">
+        <p14:creationId xmlns:p14="http://schemas.microsoft.com/office/powerpoint/2010/main" val="3757271797"/>
+      </p:ext>
+    </p:extLst>
+  </p:cSld>
+  <p:clrMapOvr>
+    <a:masterClrMapping/>
+  </p:clrMapOvr>
+</p:notes>
+</file>
+
+<file path=ppt/notesSlides/notesSlide14.xml><?xml version="1.0" encoding="utf-8"?>
+<p:notes xmlns:a="http://schemas.openxmlformats.org/drawingml/2006/main" xmlns:r="http://schemas.openxmlformats.org/officeDocument/2006/relationships" xmlns:p="http://schemas.openxmlformats.org/presentationml/2006/main">
+  <p:cSld>
+    <p:spTree>
+      <p:nvGrpSpPr>
+        <p:cNvPr id="1" name=""/>
+        <p:cNvGrpSpPr/>
+        <p:nvPr/>
+      </p:nvGrpSpPr>
+      <p:grpSpPr>
+        <a:xfrm>
+          <a:off x="0" y="0"/>
+          <a:ext cx="0" cy="0"/>
+          <a:chOff x="0" y="0"/>
+          <a:chExt cx="0" cy="0"/>
+        </a:xfrm>
+      </p:grpSpPr>
+      <p:sp>
+        <p:nvSpPr>
+          <p:cNvPr id="2" name="Slide Image Placeholder 1"/>
+          <p:cNvSpPr>
+            <a:spLocks noGrp="1" noRot="1" noChangeAspect="1"/>
+          </p:cNvSpPr>
+          <p:nvPr>
+            <p:ph type="sldImg"/>
+          </p:nvPr>
+        </p:nvSpPr>
+        <p:spPr/>
+      </p:sp>
+      <p:sp>
+        <p:nvSpPr>
+          <p:cNvPr id="3" name="Notes Placeholder 2"/>
+          <p:cNvSpPr>
+            <a:spLocks noGrp="1"/>
+          </p:cNvSpPr>
+          <p:nvPr>
+            <p:ph type="body" idx="1"/>
+          </p:nvPr>
+        </p:nvSpPr>
+        <p:spPr/>
+        <p:txBody>
+          <a:bodyPr/>
+          <a:lstStyle/>
+          <a:p>
+            <a:endParaRPr lang="en-US" dirty="0"/>
+          </a:p>
+        </p:txBody>
+      </p:sp>
+      <p:sp>
+        <p:nvSpPr>
+          <p:cNvPr id="4" name="Slide Number Placeholder 3"/>
+          <p:cNvSpPr>
+            <a:spLocks noGrp="1"/>
+          </p:cNvSpPr>
+          <p:nvPr>
+            <p:ph type="sldNum" sz="quarter" idx="5"/>
+          </p:nvPr>
+        </p:nvSpPr>
+        <p:spPr/>
+        <p:txBody>
+          <a:bodyPr/>
+          <a:lstStyle/>
+          <a:p>
+            <a:fld id="{BB072CD4-8151-4317-B517-71349F960F6F}" type="slidenum">
+              <a:rPr lang="en-US" smtClean="0"/>
+              <a:t>15</a:t>
+            </a:fld>
+            <a:endParaRPr lang="en-US"/>
+          </a:p>
+        </p:txBody>
+      </p:sp>
+    </p:spTree>
+    <p:extLst>
+      <p:ext uri="{BB962C8B-B14F-4D97-AF65-F5344CB8AC3E}">
+        <p14:creationId xmlns:p14="http://schemas.microsoft.com/office/powerpoint/2010/main" val="2052505315"/>
+      </p:ext>
+    </p:extLst>
+  </p:cSld>
+  <p:clrMapOvr>
+    <a:masterClrMapping/>
+  </p:clrMapOvr>
+</p:notes>
+</file>
+
+<file path=ppt/notesSlides/notesSlide15.xml><?xml version="1.0" encoding="utf-8"?>
+<p:notes xmlns:a="http://schemas.openxmlformats.org/drawingml/2006/main" xmlns:r="http://schemas.openxmlformats.org/officeDocument/2006/relationships" xmlns:p="http://schemas.openxmlformats.org/presentationml/2006/main">
+  <p:cSld>
+    <p:spTree>
+      <p:nvGrpSpPr>
+        <p:cNvPr id="1" name=""/>
+        <p:cNvGrpSpPr/>
+        <p:nvPr/>
+      </p:nvGrpSpPr>
+      <p:grpSpPr>
+        <a:xfrm>
+          <a:off x="0" y="0"/>
+          <a:ext cx="0" cy="0"/>
+          <a:chOff x="0" y="0"/>
+          <a:chExt cx="0" cy="0"/>
+        </a:xfrm>
+      </p:grpSpPr>
+      <p:sp>
+        <p:nvSpPr>
+          <p:cNvPr id="2" name="Slide Image Placeholder 1"/>
+          <p:cNvSpPr>
+            <a:spLocks noGrp="1" noRot="1" noChangeAspect="1"/>
+          </p:cNvSpPr>
+          <p:nvPr>
+            <p:ph type="sldImg"/>
+          </p:nvPr>
+        </p:nvSpPr>
+        <p:spPr/>
+      </p:sp>
+      <p:sp>
+        <p:nvSpPr>
+          <p:cNvPr id="3" name="Notes Placeholder 2"/>
+          <p:cNvSpPr>
+            <a:spLocks noGrp="1"/>
+          </p:cNvSpPr>
+          <p:nvPr>
+            <p:ph type="body" idx="1"/>
+          </p:nvPr>
+        </p:nvSpPr>
+        <p:spPr/>
+        <p:txBody>
+          <a:bodyPr/>
+          <a:lstStyle/>
+          <a:p>
+            <a:endParaRPr lang="en-US" dirty="0"/>
+          </a:p>
+        </p:txBody>
+      </p:sp>
+      <p:sp>
+        <p:nvSpPr>
+          <p:cNvPr id="4" name="Slide Number Placeholder 3"/>
+          <p:cNvSpPr>
+            <a:spLocks noGrp="1"/>
+          </p:cNvSpPr>
+          <p:nvPr>
+            <p:ph type="sldNum" sz="quarter" idx="5"/>
+          </p:nvPr>
+        </p:nvSpPr>
+        <p:spPr/>
+        <p:txBody>
+          <a:bodyPr/>
+          <a:lstStyle/>
+          <a:p>
+            <a:fld id="{BB072CD4-8151-4317-B517-71349F960F6F}" type="slidenum">
+              <a:rPr lang="en-US" smtClean="0"/>
+              <a:t>16</a:t>
+            </a:fld>
+            <a:endParaRPr lang="en-US"/>
+          </a:p>
+        </p:txBody>
+      </p:sp>
+    </p:spTree>
+    <p:extLst>
+      <p:ext uri="{BB962C8B-B14F-4D97-AF65-F5344CB8AC3E}">
+        <p14:creationId xmlns:p14="http://schemas.microsoft.com/office/powerpoint/2010/main" val="55514954"/>
+      </p:ext>
+    </p:extLst>
+  </p:cSld>
+  <p:clrMapOvr>
+    <a:masterClrMapping/>
+  </p:clrMapOvr>
+</p:notes>
+</file>
+
 <file path=ppt/notesSlides/notesSlide2.xml><?xml version="1.0" encoding="utf-8"?>
 <p:notes xmlns:a="http://schemas.openxmlformats.org/drawingml/2006/main" xmlns:r="http://schemas.openxmlformats.org/officeDocument/2006/relationships" xmlns:p="http://schemas.openxmlformats.org/presentationml/2006/main">
   <p:cSld>
@@ -1135,6 +1646,90 @@
     <p:extLst>
       <p:ext uri="{BB962C8B-B14F-4D97-AF65-F5344CB8AC3E}">
         <p14:creationId xmlns:p14="http://schemas.microsoft.com/office/powerpoint/2010/main" val="875483981"/>
+      </p:ext>
+    </p:extLst>
+  </p:cSld>
+  <p:clrMapOvr>
+    <a:masterClrMapping/>
+  </p:clrMapOvr>
+</p:notes>
+</file>
+
+<file path=ppt/notesSlides/notesSlide9.xml><?xml version="1.0" encoding="utf-8"?>
+<p:notes xmlns:a="http://schemas.openxmlformats.org/drawingml/2006/main" xmlns:r="http://schemas.openxmlformats.org/officeDocument/2006/relationships" xmlns:p="http://schemas.openxmlformats.org/presentationml/2006/main">
+  <p:cSld>
+    <p:spTree>
+      <p:nvGrpSpPr>
+        <p:cNvPr id="1" name=""/>
+        <p:cNvGrpSpPr/>
+        <p:nvPr/>
+      </p:nvGrpSpPr>
+      <p:grpSpPr>
+        <a:xfrm>
+          <a:off x="0" y="0"/>
+          <a:ext cx="0" cy="0"/>
+          <a:chOff x="0" y="0"/>
+          <a:chExt cx="0" cy="0"/>
+        </a:xfrm>
+      </p:grpSpPr>
+      <p:sp>
+        <p:nvSpPr>
+          <p:cNvPr id="2" name="Slide Image Placeholder 1"/>
+          <p:cNvSpPr>
+            <a:spLocks noGrp="1" noRot="1" noChangeAspect="1"/>
+          </p:cNvSpPr>
+          <p:nvPr>
+            <p:ph type="sldImg"/>
+          </p:nvPr>
+        </p:nvSpPr>
+        <p:spPr/>
+      </p:sp>
+      <p:sp>
+        <p:nvSpPr>
+          <p:cNvPr id="3" name="Notes Placeholder 2"/>
+          <p:cNvSpPr>
+            <a:spLocks noGrp="1"/>
+          </p:cNvSpPr>
+          <p:nvPr>
+            <p:ph type="body" idx="1"/>
+          </p:nvPr>
+        </p:nvSpPr>
+        <p:spPr/>
+        <p:txBody>
+          <a:bodyPr/>
+          <a:lstStyle/>
+          <a:p>
+            <a:endParaRPr lang="en-US" dirty="0"/>
+          </a:p>
+        </p:txBody>
+      </p:sp>
+      <p:sp>
+        <p:nvSpPr>
+          <p:cNvPr id="4" name="Slide Number Placeholder 3"/>
+          <p:cNvSpPr>
+            <a:spLocks noGrp="1"/>
+          </p:cNvSpPr>
+          <p:nvPr>
+            <p:ph type="sldNum" sz="quarter" idx="5"/>
+          </p:nvPr>
+        </p:nvSpPr>
+        <p:spPr/>
+        <p:txBody>
+          <a:bodyPr/>
+          <a:lstStyle/>
+          <a:p>
+            <a:fld id="{BB072CD4-8151-4317-B517-71349F960F6F}" type="slidenum">
+              <a:rPr lang="en-US" smtClean="0"/>
+              <a:t>10</a:t>
+            </a:fld>
+            <a:endParaRPr lang="en-US"/>
+          </a:p>
+        </p:txBody>
+      </p:sp>
+    </p:spTree>
+    <p:extLst>
+      <p:ext uri="{BB962C8B-B14F-4D97-AF65-F5344CB8AC3E}">
+        <p14:creationId xmlns:p14="http://schemas.microsoft.com/office/powerpoint/2010/main" val="773206228"/>
       </p:ext>
     </p:extLst>
   </p:cSld>
@@ -1451,7 +2046,7 @@
           <a:p>
             <a:fld id="{545108C3-70A6-47BD-B82F-0EA2FAD6B009}" type="datetime1">
               <a:rPr lang="en-US" smtClean="0"/>
-              <a:t>2/15/2022</a:t>
+              <a:t>2/16/2022</a:t>
             </a:fld>
             <a:endParaRPr lang="en-US"/>
           </a:p>
@@ -1634,7 +2229,7 @@
           <a:p>
             <a:fld id="{5663B1E1-4FA2-4311-BC59-64E1519F35CC}" type="datetime1">
               <a:rPr lang="en-US" smtClean="0"/>
-              <a:t>2/15/2022</a:t>
+              <a:t>2/16/2022</a:t>
             </a:fld>
             <a:endParaRPr lang="en-US"/>
           </a:p>
@@ -1737,7 +2332,7 @@
           <a:p>
             <a:fld id="{F736EC4A-E5B7-42C2-9943-4D2477F0E2BA}" type="datetime1">
               <a:rPr lang="en-US" smtClean="0"/>
-              <a:t>2/15/2022</a:t>
+              <a:t>2/16/2022</a:t>
             </a:fld>
             <a:endParaRPr lang="en-US" dirty="0"/>
           </a:p>
@@ -2257,7 +2852,7 @@
           <a:p>
             <a:fld id="{4B383BBD-22EB-4D32-858E-F56917F6792F}" type="datetime1">
               <a:rPr lang="en-US" smtClean="0"/>
-              <a:t>2/15/2022</a:t>
+              <a:t>2/16/2022</a:t>
             </a:fld>
             <a:endParaRPr lang="en-US"/>
           </a:p>
@@ -2492,7 +3087,7 @@
           <a:p>
             <a:fld id="{B3929B50-98C6-4865-903C-FF2C6D76A1DB}" type="datetime1">
               <a:rPr lang="en-US" smtClean="0"/>
-              <a:t>2/15/2022</a:t>
+              <a:t>2/16/2022</a:t>
             </a:fld>
             <a:endParaRPr lang="en-US"/>
           </a:p>
@@ -2862,7 +3457,7 @@
           <a:p>
             <a:fld id="{71E4DFB5-247F-4215-927B-206F1F043CA8}" type="datetime1">
               <a:rPr lang="en-US" smtClean="0"/>
-              <a:t>2/15/2022</a:t>
+              <a:t>2/16/2022</a:t>
             </a:fld>
             <a:endParaRPr lang="en-US"/>
           </a:p>
@@ -2983,7 +3578,7 @@
           <a:p>
             <a:fld id="{5ABF18F4-69E9-4A75-9A30-63D58841484D}" type="datetime1">
               <a:rPr lang="en-US" smtClean="0"/>
-              <a:t>2/15/2022</a:t>
+              <a:t>2/16/2022</a:t>
             </a:fld>
             <a:endParaRPr lang="en-US"/>
           </a:p>
@@ -3081,7 +3676,7 @@
           <a:p>
             <a:fld id="{8F9E73B5-85AC-4F64-8F1F-86C7C3DE3888}" type="datetime1">
               <a:rPr lang="en-US" smtClean="0"/>
-              <a:t>2/15/2022</a:t>
+              <a:t>2/16/2022</a:t>
             </a:fld>
             <a:endParaRPr lang="en-US"/>
           </a:p>
@@ -3361,7 +3956,7 @@
           <a:p>
             <a:fld id="{DBF8F826-0166-4DC8-9928-02F1397EF5F6}" type="datetime1">
               <a:rPr lang="en-US" smtClean="0"/>
-              <a:t>2/15/2022</a:t>
+              <a:t>2/16/2022</a:t>
             </a:fld>
             <a:endParaRPr lang="en-US"/>
           </a:p>
@@ -3621,7 +4216,7 @@
           <a:p>
             <a:fld id="{5387FCA0-6D15-493A-9DD4-DF68CECA6E0E}" type="datetime1">
               <a:rPr lang="en-US" smtClean="0"/>
-              <a:t>2/15/2022</a:t>
+              <a:t>2/16/2022</a:t>
             </a:fld>
             <a:endParaRPr lang="en-US"/>
           </a:p>
@@ -4033,7 +4628,7 @@
           <a:p>
             <a:fld id="{754E7515-5D39-4D5F-907F-93F61511D9D9}" type="datetime1">
               <a:rPr lang="en-US" smtClean="0"/>
-              <a:t>2/15/2022</a:t>
+              <a:t>2/16/2022</a:t>
             </a:fld>
             <a:endParaRPr lang="en-US" dirty="0"/>
           </a:p>
@@ -4794,6 +5389,2434 @@
 </p:sld>
 </file>
 
+<file path=ppt/slides/slide10.xml><?xml version="1.0" encoding="utf-8"?>
+<p:sld xmlns:a="http://schemas.openxmlformats.org/drawingml/2006/main" xmlns:r="http://schemas.openxmlformats.org/officeDocument/2006/relationships" xmlns:p="http://schemas.openxmlformats.org/presentationml/2006/main">
+  <p:cSld>
+    <p:spTree>
+      <p:nvGrpSpPr>
+        <p:cNvPr id="1" name=""/>
+        <p:cNvGrpSpPr/>
+        <p:nvPr/>
+      </p:nvGrpSpPr>
+      <p:grpSpPr>
+        <a:xfrm>
+          <a:off x="0" y="0"/>
+          <a:ext cx="0" cy="0"/>
+          <a:chOff x="0" y="0"/>
+          <a:chExt cx="0" cy="0"/>
+        </a:xfrm>
+      </p:grpSpPr>
+      <p:sp>
+        <p:nvSpPr>
+          <p:cNvPr id="2" name="Title 1">
+            <a:extLst>
+              <a:ext uri="{FF2B5EF4-FFF2-40B4-BE49-F238E27FC236}">
+                <a16:creationId xmlns:a16="http://schemas.microsoft.com/office/drawing/2014/main" id="{143B5247-4B5C-44D2-AE13-25DD403557B4}"/>
+              </a:ext>
+            </a:extLst>
+          </p:cNvPr>
+          <p:cNvSpPr>
+            <a:spLocks noGrp="1"/>
+          </p:cNvSpPr>
+          <p:nvPr>
+            <p:ph type="title"/>
+          </p:nvPr>
+        </p:nvSpPr>
+        <p:spPr>
+          <a:xfrm>
+            <a:off x="483475" y="365127"/>
+            <a:ext cx="10870323" cy="920750"/>
+          </a:xfrm>
+        </p:spPr>
+        <p:txBody>
+          <a:bodyPr>
+            <a:normAutofit/>
+          </a:bodyPr>
+          <a:lstStyle/>
+          <a:p>
+            <a:r>
+              <a:rPr lang="en-US" dirty="0" err="1"/>
+              <a:t>AlphaRefine</a:t>
+            </a:r>
+            <a:r>
+              <a:rPr lang="en-US" dirty="0"/>
+              <a:t> - Overview</a:t>
+            </a:r>
+          </a:p>
+        </p:txBody>
+      </p:sp>
+      <p:sp>
+        <p:nvSpPr>
+          <p:cNvPr id="4" name="Date Placeholder 3">
+            <a:extLst>
+              <a:ext uri="{FF2B5EF4-FFF2-40B4-BE49-F238E27FC236}">
+                <a16:creationId xmlns:a16="http://schemas.microsoft.com/office/drawing/2014/main" id="{59913B85-3B4F-43D3-A7E9-D06F5E37C6C1}"/>
+              </a:ext>
+            </a:extLst>
+          </p:cNvPr>
+          <p:cNvSpPr>
+            <a:spLocks noGrp="1"/>
+          </p:cNvSpPr>
+          <p:nvPr>
+            <p:ph type="dt" sz="half" idx="10"/>
+          </p:nvPr>
+        </p:nvSpPr>
+        <p:spPr/>
+        <p:txBody>
+          <a:bodyPr/>
+          <a:lstStyle/>
+          <a:p>
+            <a:fld id="{F736EC4A-E5B7-42C2-9943-4D2477F0E2BA}" type="datetime1">
+              <a:rPr lang="en-US" smtClean="0"/>
+              <a:t>2/16/2022</a:t>
+            </a:fld>
+            <a:endParaRPr lang="en-US" dirty="0"/>
+          </a:p>
+        </p:txBody>
+      </p:sp>
+      <p:sp>
+        <p:nvSpPr>
+          <p:cNvPr id="5" name="Footer Placeholder 4">
+            <a:extLst>
+              <a:ext uri="{FF2B5EF4-FFF2-40B4-BE49-F238E27FC236}">
+                <a16:creationId xmlns:a16="http://schemas.microsoft.com/office/drawing/2014/main" id="{C5649577-8229-4DC9-AE82-59C3A5BA0515}"/>
+              </a:ext>
+            </a:extLst>
+          </p:cNvPr>
+          <p:cNvSpPr>
+            <a:spLocks noGrp="1"/>
+          </p:cNvSpPr>
+          <p:nvPr>
+            <p:ph type="ftr" sz="quarter" idx="11"/>
+          </p:nvPr>
+        </p:nvSpPr>
+        <p:spPr/>
+        <p:txBody>
+          <a:bodyPr/>
+          <a:lstStyle/>
+          <a:p>
+            <a:r>
+              <a:rPr lang="en-US" dirty="0"/>
+              <a:t>Yarden Akaby &amp; Etai Sella</a:t>
+            </a:r>
+          </a:p>
+        </p:txBody>
+      </p:sp>
+      <p:sp>
+        <p:nvSpPr>
+          <p:cNvPr id="6" name="Slide Number Placeholder 5">
+            <a:extLst>
+              <a:ext uri="{FF2B5EF4-FFF2-40B4-BE49-F238E27FC236}">
+                <a16:creationId xmlns:a16="http://schemas.microsoft.com/office/drawing/2014/main" id="{1B57282B-C25D-48B2-A667-C1D467EB1137}"/>
+              </a:ext>
+            </a:extLst>
+          </p:cNvPr>
+          <p:cNvSpPr>
+            <a:spLocks noGrp="1"/>
+          </p:cNvSpPr>
+          <p:nvPr>
+            <p:ph type="sldNum" sz="quarter" idx="12"/>
+          </p:nvPr>
+        </p:nvSpPr>
+        <p:spPr/>
+        <p:txBody>
+          <a:bodyPr/>
+          <a:lstStyle/>
+          <a:p>
+            <a:fld id="{C629165E-D59B-453D-B763-34340D7036F6}" type="slidenum">
+              <a:rPr lang="en-US" smtClean="0"/>
+              <a:t>10</a:t>
+            </a:fld>
+            <a:endParaRPr lang="en-US" dirty="0"/>
+          </a:p>
+        </p:txBody>
+      </p:sp>
+      <p:pic>
+        <p:nvPicPr>
+          <p:cNvPr id="7" name="Picture 6">
+            <a:extLst>
+              <a:ext uri="{FF2B5EF4-FFF2-40B4-BE49-F238E27FC236}">
+                <a16:creationId xmlns:a16="http://schemas.microsoft.com/office/drawing/2014/main" id="{0BB3BA71-7FBE-420E-8192-E85BABB78A87}"/>
+              </a:ext>
+            </a:extLst>
+          </p:cNvPr>
+          <p:cNvPicPr>
+            <a:picLocks noChangeAspect="1"/>
+          </p:cNvPicPr>
+          <p:nvPr/>
+        </p:nvPicPr>
+        <p:blipFill>
+          <a:blip r:embed="rId3"/>
+          <a:stretch>
+            <a:fillRect/>
+          </a:stretch>
+        </p:blipFill>
+        <p:spPr>
+          <a:xfrm>
+            <a:off x="483475" y="2500671"/>
+            <a:ext cx="10870323" cy="3668901"/>
+          </a:xfrm>
+          <a:prstGeom prst="rect">
+            <a:avLst/>
+          </a:prstGeom>
+        </p:spPr>
+      </p:pic>
+      <p:sp>
+        <p:nvSpPr>
+          <p:cNvPr id="8" name="TextBox 7">
+            <a:extLst>
+              <a:ext uri="{FF2B5EF4-FFF2-40B4-BE49-F238E27FC236}">
+                <a16:creationId xmlns:a16="http://schemas.microsoft.com/office/drawing/2014/main" id="{81301C21-59D5-4A8C-963A-2CA8315B4562}"/>
+              </a:ext>
+            </a:extLst>
+          </p:cNvPr>
+          <p:cNvSpPr txBox="1"/>
+          <p:nvPr/>
+        </p:nvSpPr>
+        <p:spPr>
+          <a:xfrm>
+            <a:off x="483474" y="1587851"/>
+            <a:ext cx="10870323" cy="954107"/>
+          </a:xfrm>
+          <a:prstGeom prst="rect">
+            <a:avLst/>
+          </a:prstGeom>
+          <a:noFill/>
+        </p:spPr>
+        <p:txBody>
+          <a:bodyPr wrap="square">
+            <a:spAutoFit/>
+          </a:bodyPr>
+          <a:lstStyle/>
+          <a:p>
+            <a:pPr algn="l"/>
+            <a:r>
+              <a:rPr lang="en-US" sz="1400" b="0" i="0" u="none" strike="noStrike" baseline="0" dirty="0">
+                <a:latin typeface="Times New Roman" panose="02020603050405020304" pitchFamily="18" charset="0"/>
+                <a:cs typeface="Times New Roman" panose="02020603050405020304" pitchFamily="18" charset="0"/>
+              </a:rPr>
+              <a:t>Alpha-Refine is a refinement module which can</a:t>
+            </a:r>
+            <a:r>
+              <a:rPr lang="en-US" sz="1400" dirty="0">
+                <a:latin typeface="Times New Roman" panose="02020603050405020304" pitchFamily="18" charset="0"/>
+                <a:cs typeface="Times New Roman" panose="02020603050405020304" pitchFamily="18" charset="0"/>
+              </a:rPr>
+              <a:t> </a:t>
+            </a:r>
+            <a:r>
+              <a:rPr lang="en-US" sz="1400" b="0" i="0" u="none" strike="noStrike" baseline="0" dirty="0">
+                <a:latin typeface="Times New Roman" panose="02020603050405020304" pitchFamily="18" charset="0"/>
+                <a:cs typeface="Times New Roman" panose="02020603050405020304" pitchFamily="18" charset="0"/>
+              </a:rPr>
+              <a:t>efficiently refine the base tracker’s outputs and significantly improve the tracking performance in terms of </a:t>
+            </a:r>
+            <a:r>
+              <a:rPr lang="en-US" sz="1400" b="1" i="0" u="none" strike="noStrike" baseline="0" dirty="0">
+                <a:latin typeface="Times New Roman" panose="02020603050405020304" pitchFamily="18" charset="0"/>
+                <a:cs typeface="Times New Roman" panose="02020603050405020304" pitchFamily="18" charset="0"/>
+              </a:rPr>
+              <a:t>precision </a:t>
+            </a:r>
+            <a:r>
+              <a:rPr lang="en-US" sz="1400" i="0" u="none" strike="noStrike" baseline="0" dirty="0">
+                <a:latin typeface="Times New Roman" panose="02020603050405020304" pitchFamily="18" charset="0"/>
+                <a:cs typeface="Times New Roman" panose="02020603050405020304" pitchFamily="18" charset="0"/>
+              </a:rPr>
+              <a:t>(the center of the box compared to the center of the tracked object)</a:t>
+            </a:r>
+            <a:r>
+              <a:rPr lang="en-US" sz="1400" b="0" i="0" u="none" strike="noStrike" baseline="0" dirty="0">
+                <a:latin typeface="Times New Roman" panose="02020603050405020304" pitchFamily="18" charset="0"/>
+                <a:cs typeface="Times New Roman" panose="02020603050405020304" pitchFamily="18" charset="0"/>
+              </a:rPr>
+              <a:t> and </a:t>
+            </a:r>
+            <a:r>
+              <a:rPr lang="en-US" sz="1400" b="1" i="0" u="none" strike="noStrike" baseline="0" dirty="0">
+                <a:latin typeface="Times New Roman" panose="02020603050405020304" pitchFamily="18" charset="0"/>
+                <a:cs typeface="Times New Roman" panose="02020603050405020304" pitchFamily="18" charset="0"/>
+              </a:rPr>
+              <a:t>overlapping</a:t>
+            </a:r>
+            <a:r>
+              <a:rPr lang="en-US" sz="1400" b="0" i="0" u="none" strike="noStrike" baseline="0" dirty="0">
+                <a:latin typeface="Times New Roman" panose="02020603050405020304" pitchFamily="18" charset="0"/>
+                <a:cs typeface="Times New Roman" panose="02020603050405020304" pitchFamily="18" charset="0"/>
+              </a:rPr>
+              <a:t> (between the box and the tracked object).</a:t>
+            </a:r>
+          </a:p>
+          <a:p>
+            <a:pPr algn="l"/>
+            <a:r>
+              <a:rPr lang="en-US" sz="1400" dirty="0">
+                <a:latin typeface="Times New Roman" panose="02020603050405020304" pitchFamily="18" charset="0"/>
+                <a:cs typeface="Times New Roman" panose="02020603050405020304" pitchFamily="18" charset="0"/>
+              </a:rPr>
+              <a:t>This is an </a:t>
+            </a:r>
+            <a:r>
+              <a:rPr lang="en-US" sz="1400" b="0" i="0" u="none" strike="noStrike" baseline="0" dirty="0">
+                <a:latin typeface="Times New Roman" panose="02020603050405020304" pitchFamily="18" charset="0"/>
+                <a:cs typeface="Times New Roman" panose="02020603050405020304" pitchFamily="18" charset="0"/>
+              </a:rPr>
+              <a:t>overview of the architecture of the proposed Alpha-Refine module. </a:t>
+            </a:r>
+            <a:r>
+              <a:rPr lang="en-US" sz="1400" dirty="0">
+                <a:latin typeface="Times New Roman" panose="02020603050405020304" pitchFamily="18" charset="0"/>
+                <a:cs typeface="Times New Roman" panose="02020603050405020304" pitchFamily="18" charset="0"/>
+              </a:rPr>
+              <a:t>The figure also shows how it can be added in a “</a:t>
+            </a:r>
+            <a:r>
+              <a:rPr lang="en-US" sz="1400" b="1" dirty="0">
+                <a:latin typeface="Times New Roman" panose="02020603050405020304" pitchFamily="18" charset="0"/>
+                <a:cs typeface="Times New Roman" panose="02020603050405020304" pitchFamily="18" charset="0"/>
+              </a:rPr>
+              <a:t>Plug and Play</a:t>
+            </a:r>
+            <a:r>
+              <a:rPr lang="en-US" sz="1400" dirty="0">
+                <a:latin typeface="Times New Roman" panose="02020603050405020304" pitchFamily="18" charset="0"/>
+                <a:cs typeface="Times New Roman" panose="02020603050405020304" pitchFamily="18" charset="0"/>
+              </a:rPr>
+              <a:t>” style to the base tracker in order to get better results.</a:t>
+            </a:r>
+            <a:endParaRPr lang="en-IL" sz="1400" dirty="0">
+              <a:latin typeface="Times New Roman" panose="02020603050405020304" pitchFamily="18" charset="0"/>
+              <a:cs typeface="Times New Roman" panose="02020603050405020304" pitchFamily="18" charset="0"/>
+            </a:endParaRPr>
+          </a:p>
+        </p:txBody>
+      </p:sp>
+    </p:spTree>
+    <p:extLst>
+      <p:ext uri="{BB962C8B-B14F-4D97-AF65-F5344CB8AC3E}">
+        <p14:creationId xmlns:p14="http://schemas.microsoft.com/office/powerpoint/2010/main" val="2107737462"/>
+      </p:ext>
+    </p:extLst>
+  </p:cSld>
+  <p:clrMapOvr>
+    <a:masterClrMapping/>
+  </p:clrMapOvr>
+</p:sld>
+</file>
+
+<file path=ppt/slides/slide11.xml><?xml version="1.0" encoding="utf-8"?>
+<p:sld xmlns:a="http://schemas.openxmlformats.org/drawingml/2006/main" xmlns:r="http://schemas.openxmlformats.org/officeDocument/2006/relationships" xmlns:p="http://schemas.openxmlformats.org/presentationml/2006/main">
+  <p:cSld>
+    <p:spTree>
+      <p:nvGrpSpPr>
+        <p:cNvPr id="1" name=""/>
+        <p:cNvGrpSpPr/>
+        <p:nvPr/>
+      </p:nvGrpSpPr>
+      <p:grpSpPr>
+        <a:xfrm>
+          <a:off x="0" y="0"/>
+          <a:ext cx="0" cy="0"/>
+          <a:chOff x="0" y="0"/>
+          <a:chExt cx="0" cy="0"/>
+        </a:xfrm>
+      </p:grpSpPr>
+      <p:sp>
+        <p:nvSpPr>
+          <p:cNvPr id="2" name="Title 1">
+            <a:extLst>
+              <a:ext uri="{FF2B5EF4-FFF2-40B4-BE49-F238E27FC236}">
+                <a16:creationId xmlns:a16="http://schemas.microsoft.com/office/drawing/2014/main" id="{143B5247-4B5C-44D2-AE13-25DD403557B4}"/>
+              </a:ext>
+            </a:extLst>
+          </p:cNvPr>
+          <p:cNvSpPr>
+            <a:spLocks noGrp="1"/>
+          </p:cNvSpPr>
+          <p:nvPr>
+            <p:ph type="title"/>
+          </p:nvPr>
+        </p:nvSpPr>
+        <p:spPr>
+          <a:xfrm>
+            <a:off x="483475" y="365127"/>
+            <a:ext cx="10870323" cy="920750"/>
+          </a:xfrm>
+        </p:spPr>
+        <p:txBody>
+          <a:bodyPr>
+            <a:normAutofit/>
+          </a:bodyPr>
+          <a:lstStyle/>
+          <a:p>
+            <a:r>
+              <a:rPr lang="en-US" dirty="0" err="1"/>
+              <a:t>AlphaRefine</a:t>
+            </a:r>
+            <a:r>
+              <a:rPr lang="en-US" dirty="0"/>
+              <a:t> – Main Components</a:t>
+            </a:r>
+          </a:p>
+        </p:txBody>
+      </p:sp>
+      <p:sp>
+        <p:nvSpPr>
+          <p:cNvPr id="4" name="Date Placeholder 3">
+            <a:extLst>
+              <a:ext uri="{FF2B5EF4-FFF2-40B4-BE49-F238E27FC236}">
+                <a16:creationId xmlns:a16="http://schemas.microsoft.com/office/drawing/2014/main" id="{59913B85-3B4F-43D3-A7E9-D06F5E37C6C1}"/>
+              </a:ext>
+            </a:extLst>
+          </p:cNvPr>
+          <p:cNvSpPr>
+            <a:spLocks noGrp="1"/>
+          </p:cNvSpPr>
+          <p:nvPr>
+            <p:ph type="dt" sz="half" idx="10"/>
+          </p:nvPr>
+        </p:nvSpPr>
+        <p:spPr/>
+        <p:txBody>
+          <a:bodyPr/>
+          <a:lstStyle/>
+          <a:p>
+            <a:fld id="{F736EC4A-E5B7-42C2-9943-4D2477F0E2BA}" type="datetime1">
+              <a:rPr lang="en-US" smtClean="0"/>
+              <a:t>2/16/2022</a:t>
+            </a:fld>
+            <a:endParaRPr lang="en-US" dirty="0"/>
+          </a:p>
+        </p:txBody>
+      </p:sp>
+      <p:sp>
+        <p:nvSpPr>
+          <p:cNvPr id="5" name="Footer Placeholder 4">
+            <a:extLst>
+              <a:ext uri="{FF2B5EF4-FFF2-40B4-BE49-F238E27FC236}">
+                <a16:creationId xmlns:a16="http://schemas.microsoft.com/office/drawing/2014/main" id="{C5649577-8229-4DC9-AE82-59C3A5BA0515}"/>
+              </a:ext>
+            </a:extLst>
+          </p:cNvPr>
+          <p:cNvSpPr>
+            <a:spLocks noGrp="1"/>
+          </p:cNvSpPr>
+          <p:nvPr>
+            <p:ph type="ftr" sz="quarter" idx="11"/>
+          </p:nvPr>
+        </p:nvSpPr>
+        <p:spPr/>
+        <p:txBody>
+          <a:bodyPr/>
+          <a:lstStyle/>
+          <a:p>
+            <a:r>
+              <a:rPr lang="en-US" dirty="0"/>
+              <a:t>Yarden Akaby &amp; Etai Sella</a:t>
+            </a:r>
+          </a:p>
+        </p:txBody>
+      </p:sp>
+      <p:sp>
+        <p:nvSpPr>
+          <p:cNvPr id="6" name="Slide Number Placeholder 5">
+            <a:extLst>
+              <a:ext uri="{FF2B5EF4-FFF2-40B4-BE49-F238E27FC236}">
+                <a16:creationId xmlns:a16="http://schemas.microsoft.com/office/drawing/2014/main" id="{1B57282B-C25D-48B2-A667-C1D467EB1137}"/>
+              </a:ext>
+            </a:extLst>
+          </p:cNvPr>
+          <p:cNvSpPr>
+            <a:spLocks noGrp="1"/>
+          </p:cNvSpPr>
+          <p:nvPr>
+            <p:ph type="sldNum" sz="quarter" idx="12"/>
+          </p:nvPr>
+        </p:nvSpPr>
+        <p:spPr/>
+        <p:txBody>
+          <a:bodyPr/>
+          <a:lstStyle/>
+          <a:p>
+            <a:fld id="{C629165E-D59B-453D-B763-34340D7036F6}" type="slidenum">
+              <a:rPr lang="en-US" smtClean="0"/>
+              <a:t>11</a:t>
+            </a:fld>
+            <a:endParaRPr lang="en-US" dirty="0"/>
+          </a:p>
+        </p:txBody>
+      </p:sp>
+      <p:sp>
+        <p:nvSpPr>
+          <p:cNvPr id="8" name="TextBox 7">
+            <a:extLst>
+              <a:ext uri="{FF2B5EF4-FFF2-40B4-BE49-F238E27FC236}">
+                <a16:creationId xmlns:a16="http://schemas.microsoft.com/office/drawing/2014/main" id="{81301C21-59D5-4A8C-963A-2CA8315B4562}"/>
+              </a:ext>
+            </a:extLst>
+          </p:cNvPr>
+          <p:cNvSpPr txBox="1"/>
+          <p:nvPr/>
+        </p:nvSpPr>
+        <p:spPr>
+          <a:xfrm>
+            <a:off x="483474" y="1587851"/>
+            <a:ext cx="10870323" cy="4093428"/>
+          </a:xfrm>
+          <a:prstGeom prst="rect">
+            <a:avLst/>
+          </a:prstGeom>
+          <a:noFill/>
+        </p:spPr>
+        <p:txBody>
+          <a:bodyPr wrap="square">
+            <a:spAutoFit/>
+          </a:bodyPr>
+          <a:lstStyle/>
+          <a:p>
+            <a:pPr algn="l"/>
+            <a:r>
+              <a:rPr lang="en-US" sz="2000" b="0" i="0" u="none" strike="noStrike" baseline="0" dirty="0">
+                <a:latin typeface="Times New Roman" panose="02020603050405020304" pitchFamily="18" charset="0"/>
+                <a:cs typeface="Times New Roman" panose="02020603050405020304" pitchFamily="18" charset="0"/>
+              </a:rPr>
+              <a:t>First, the module has two input branches, namely, the </a:t>
+            </a:r>
+            <a:r>
+              <a:rPr lang="en-US" sz="2000" b="1" i="0" u="none" strike="noStrike" baseline="0" dirty="0">
+                <a:latin typeface="Times New Roman" panose="02020603050405020304" pitchFamily="18" charset="0"/>
+                <a:cs typeface="Times New Roman" panose="02020603050405020304" pitchFamily="18" charset="0"/>
+              </a:rPr>
+              <a:t>reference branch </a:t>
+            </a:r>
+            <a:r>
+              <a:rPr lang="en-US" sz="2000" i="0" u="none" strike="noStrike" baseline="0" dirty="0">
+                <a:latin typeface="Times New Roman" panose="02020603050405020304" pitchFamily="18" charset="0"/>
+                <a:cs typeface="Times New Roman" panose="02020603050405020304" pitchFamily="18" charset="0"/>
+              </a:rPr>
+              <a:t>(first frame)</a:t>
+            </a:r>
+            <a:r>
+              <a:rPr lang="en-US" sz="2000" b="0" i="0" u="none" strike="noStrike" baseline="0" dirty="0">
+                <a:latin typeface="Times New Roman" panose="02020603050405020304" pitchFamily="18" charset="0"/>
+                <a:cs typeface="Times New Roman" panose="02020603050405020304" pitchFamily="18" charset="0"/>
+              </a:rPr>
+              <a:t> and the </a:t>
+            </a:r>
+            <a:r>
+              <a:rPr lang="en-US" sz="2000" b="1" i="0" u="none" strike="noStrike" baseline="0" dirty="0">
+                <a:latin typeface="Times New Roman" panose="02020603050405020304" pitchFamily="18" charset="0"/>
+                <a:cs typeface="Times New Roman" panose="02020603050405020304" pitchFamily="18" charset="0"/>
+              </a:rPr>
+              <a:t>test branch</a:t>
+            </a:r>
+            <a:r>
+              <a:rPr lang="en-US" sz="2000" i="0" u="none" strike="noStrike" baseline="0" dirty="0">
+                <a:latin typeface="Times New Roman" panose="02020603050405020304" pitchFamily="18" charset="0"/>
+                <a:cs typeface="Times New Roman" panose="02020603050405020304" pitchFamily="18" charset="0"/>
+              </a:rPr>
+              <a:t> (current frame)</a:t>
+            </a:r>
+            <a:r>
+              <a:rPr lang="en-US" sz="2000" b="0" i="0" u="none" strike="noStrike" baseline="0" dirty="0">
+                <a:latin typeface="Times New Roman" panose="02020603050405020304" pitchFamily="18" charset="0"/>
+                <a:cs typeface="Times New Roman" panose="02020603050405020304" pitchFamily="18" charset="0"/>
+              </a:rPr>
+              <a:t>. </a:t>
+            </a:r>
+          </a:p>
+          <a:p>
+            <a:pPr algn="l"/>
+            <a:r>
+              <a:rPr lang="en-US" sz="2000" b="0" i="0" u="none" strike="noStrike" baseline="0" dirty="0">
+                <a:latin typeface="Times New Roman" panose="02020603050405020304" pitchFamily="18" charset="0"/>
+                <a:cs typeface="Times New Roman" panose="02020603050405020304" pitchFamily="18" charset="0"/>
+              </a:rPr>
+              <a:t>As we can clearly see from the figure, the </a:t>
+            </a:r>
+            <a:r>
+              <a:rPr lang="en-US" sz="2000" b="0" i="0" u="none" strike="noStrike" baseline="0" dirty="0" err="1">
+                <a:latin typeface="Times New Roman" panose="02020603050405020304" pitchFamily="18" charset="0"/>
+                <a:cs typeface="Times New Roman" panose="02020603050405020304" pitchFamily="18" charset="0"/>
+              </a:rPr>
+              <a:t>AlphaRefine</a:t>
+            </a:r>
+            <a:r>
+              <a:rPr lang="en-US" sz="2000" b="0" i="0" u="none" strike="noStrike" baseline="0" dirty="0">
+                <a:latin typeface="Times New Roman" panose="02020603050405020304" pitchFamily="18" charset="0"/>
+                <a:cs typeface="Times New Roman" panose="02020603050405020304" pitchFamily="18" charset="0"/>
+              </a:rPr>
+              <a:t> module is consisted of 3 main components:</a:t>
+            </a:r>
+          </a:p>
+          <a:p>
+            <a:pPr algn="l"/>
+            <a:endParaRPr lang="en-US" sz="2000" dirty="0">
+              <a:latin typeface="Times New Roman" panose="02020603050405020304" pitchFamily="18" charset="0"/>
+              <a:cs typeface="Times New Roman" panose="02020603050405020304" pitchFamily="18" charset="0"/>
+            </a:endParaRPr>
+          </a:p>
+          <a:p>
+            <a:pPr marL="285750" indent="-285750" algn="l">
+              <a:buFont typeface="Arial" panose="020B0604020202020204" pitchFamily="34" charset="0"/>
+              <a:buChar char="•"/>
+            </a:pPr>
+            <a:r>
+              <a:rPr lang="en-US" sz="2000" b="1" dirty="0">
+                <a:latin typeface="Times New Roman" panose="02020603050405020304" pitchFamily="18" charset="0"/>
+                <a:cs typeface="Times New Roman" panose="02020603050405020304" pitchFamily="18" charset="0"/>
+              </a:rPr>
+              <a:t>Backbone</a:t>
+            </a:r>
+            <a:r>
+              <a:rPr lang="en-US" sz="2000" dirty="0">
+                <a:latin typeface="Times New Roman" panose="02020603050405020304" pitchFamily="18" charset="0"/>
+                <a:cs typeface="Times New Roman" panose="02020603050405020304" pitchFamily="18" charset="0"/>
+              </a:rPr>
+              <a:t> - </a:t>
+            </a:r>
+            <a:r>
+              <a:rPr lang="en-US" sz="2000" b="0" i="0" u="none" strike="noStrike" baseline="0" dirty="0">
+                <a:latin typeface="Times New Roman" panose="02020603050405020304" pitchFamily="18" charset="0"/>
+                <a:cs typeface="Times New Roman" panose="02020603050405020304" pitchFamily="18" charset="0"/>
+              </a:rPr>
+              <a:t>A parameter-shared backbone</a:t>
+            </a:r>
+            <a:r>
+              <a:rPr lang="en-US" sz="2000" dirty="0">
+                <a:latin typeface="Times New Roman" panose="02020603050405020304" pitchFamily="18" charset="0"/>
+                <a:cs typeface="Times New Roman" panose="02020603050405020304" pitchFamily="18" charset="0"/>
+              </a:rPr>
+              <a:t> </a:t>
+            </a:r>
+            <a:r>
+              <a:rPr lang="en-US" sz="2000" b="0" i="0" u="none" strike="noStrike" baseline="0" dirty="0">
+                <a:latin typeface="Times New Roman" panose="02020603050405020304" pitchFamily="18" charset="0"/>
+                <a:cs typeface="Times New Roman" panose="02020603050405020304" pitchFamily="18" charset="0"/>
+              </a:rPr>
+              <a:t>is applied to both branches for feature extraction (using </a:t>
+            </a:r>
+            <a:r>
+              <a:rPr lang="en-US" sz="2000" b="0" i="0" u="none" strike="noStrike" baseline="0" dirty="0" err="1">
+                <a:latin typeface="Times New Roman" panose="02020603050405020304" pitchFamily="18" charset="0"/>
+                <a:cs typeface="Times New Roman" panose="02020603050405020304" pitchFamily="18" charset="0"/>
+              </a:rPr>
+              <a:t>ResNet</a:t>
+            </a:r>
+            <a:r>
+              <a:rPr lang="en-US" sz="2000" b="0" i="0" u="none" strike="noStrike" baseline="0" dirty="0">
+                <a:latin typeface="Times New Roman" panose="02020603050405020304" pitchFamily="18" charset="0"/>
+                <a:cs typeface="Times New Roman" panose="02020603050405020304" pitchFamily="18" charset="0"/>
+              </a:rPr>
+              <a:t>).</a:t>
+            </a:r>
+          </a:p>
+          <a:p>
+            <a:pPr marL="285750" indent="-285750" algn="l">
+              <a:buFont typeface="Arial" panose="020B0604020202020204" pitchFamily="34" charset="0"/>
+              <a:buChar char="•"/>
+            </a:pPr>
+            <a:r>
+              <a:rPr lang="en-US" sz="2000" b="1" dirty="0">
+                <a:latin typeface="Times New Roman" panose="02020603050405020304" pitchFamily="18" charset="0"/>
+                <a:cs typeface="Times New Roman" panose="02020603050405020304" pitchFamily="18" charset="0"/>
+              </a:rPr>
+              <a:t>Feature Fusion</a:t>
+            </a:r>
+            <a:r>
+              <a:rPr lang="en-US" sz="2000" dirty="0">
+                <a:latin typeface="Times New Roman" panose="02020603050405020304" pitchFamily="18" charset="0"/>
+                <a:cs typeface="Times New Roman" panose="02020603050405020304" pitchFamily="18" charset="0"/>
+              </a:rPr>
+              <a:t> - </a:t>
+            </a:r>
+            <a:r>
+              <a:rPr lang="en-US" sz="2000" b="0" i="0" u="none" strike="noStrike" baseline="0" dirty="0">
+                <a:latin typeface="Times New Roman" panose="02020603050405020304" pitchFamily="18" charset="0"/>
+                <a:cs typeface="Times New Roman" panose="02020603050405020304" pitchFamily="18" charset="0"/>
+              </a:rPr>
+              <a:t>Features extracted from the two branches (reference and test) by the backbone are aggregated by a fusion module, which is typically a </a:t>
+            </a:r>
+            <a:r>
+              <a:rPr lang="en-US" sz="2000" b="1" i="0" u="none" strike="noStrike" baseline="0" dirty="0">
+                <a:latin typeface="Times New Roman" panose="02020603050405020304" pitchFamily="18" charset="0"/>
+                <a:cs typeface="Times New Roman" panose="02020603050405020304" pitchFamily="18" charset="0"/>
+              </a:rPr>
+              <a:t>correlation</a:t>
+            </a:r>
+            <a:r>
+              <a:rPr lang="en-US" sz="2000" b="0" i="0" u="none" strike="noStrike" baseline="0" dirty="0">
+                <a:latin typeface="Times New Roman" panose="02020603050405020304" pitchFamily="18" charset="0"/>
+                <a:cs typeface="Times New Roman" panose="02020603050405020304" pitchFamily="18" charset="0"/>
+              </a:rPr>
+              <a:t> module (pixel-wise correlation). The fused feature is further processed by some convolutional layers, producing the features for the prediction heads.</a:t>
+            </a:r>
+          </a:p>
+          <a:p>
+            <a:pPr marL="285750" indent="-285750" algn="l">
+              <a:buFont typeface="Arial" panose="020B0604020202020204" pitchFamily="34" charset="0"/>
+              <a:buChar char="•"/>
+            </a:pPr>
+            <a:r>
+              <a:rPr lang="en-US" sz="2000" b="1" i="0" u="none" strike="noStrike" baseline="0" dirty="0">
+                <a:latin typeface="Times New Roman" panose="02020603050405020304" pitchFamily="18" charset="0"/>
+                <a:cs typeface="Times New Roman" panose="02020603050405020304" pitchFamily="18" charset="0"/>
+              </a:rPr>
+              <a:t>Prediction Heads</a:t>
+            </a:r>
+            <a:r>
+              <a:rPr lang="en-US" sz="2000" dirty="0">
+                <a:latin typeface="Times New Roman" panose="02020603050405020304" pitchFamily="18" charset="0"/>
+                <a:cs typeface="Times New Roman" panose="02020603050405020304" pitchFamily="18" charset="0"/>
+              </a:rPr>
+              <a:t> - </a:t>
+            </a:r>
+            <a:r>
+              <a:rPr lang="en-US" sz="2000" b="0" i="0" u="none" strike="noStrike" baseline="0" dirty="0">
+                <a:latin typeface="Times New Roman" panose="02020603050405020304" pitchFamily="18" charset="0"/>
+                <a:cs typeface="Times New Roman" panose="02020603050405020304" pitchFamily="18" charset="0"/>
+              </a:rPr>
+              <a:t>Predicting the bounding box</a:t>
+            </a:r>
+            <a:r>
+              <a:rPr lang="en-US" sz="2000" dirty="0">
+                <a:latin typeface="Times New Roman" panose="02020603050405020304" pitchFamily="18" charset="0"/>
+                <a:cs typeface="Times New Roman" panose="02020603050405020304" pitchFamily="18" charset="0"/>
+              </a:rPr>
+              <a:t> and the mask (only during the training).</a:t>
+            </a:r>
+            <a:endParaRPr lang="en-US" sz="2000" b="0" i="0" u="none" strike="noStrike" baseline="0" dirty="0">
+              <a:latin typeface="Times New Roman" panose="02020603050405020304" pitchFamily="18" charset="0"/>
+              <a:cs typeface="Times New Roman" panose="02020603050405020304" pitchFamily="18" charset="0"/>
+            </a:endParaRPr>
+          </a:p>
+          <a:p>
+            <a:pPr marL="285750" indent="-285750" algn="l">
+              <a:buFont typeface="Arial" panose="020B0604020202020204" pitchFamily="34" charset="0"/>
+              <a:buChar char="•"/>
+            </a:pPr>
+            <a:endParaRPr lang="en-US" sz="2000" b="0" i="0" u="none" strike="noStrike" baseline="0" dirty="0">
+              <a:latin typeface="Times New Roman" panose="02020603050405020304" pitchFamily="18" charset="0"/>
+              <a:cs typeface="Times New Roman" panose="02020603050405020304" pitchFamily="18" charset="0"/>
+            </a:endParaRPr>
+          </a:p>
+          <a:p>
+            <a:pPr algn="l"/>
+            <a:endParaRPr lang="en-IL" sz="2000" dirty="0">
+              <a:latin typeface="Times New Roman" panose="02020603050405020304" pitchFamily="18" charset="0"/>
+              <a:cs typeface="Times New Roman" panose="02020603050405020304" pitchFamily="18" charset="0"/>
+            </a:endParaRPr>
+          </a:p>
+        </p:txBody>
+      </p:sp>
+    </p:spTree>
+    <p:extLst>
+      <p:ext uri="{BB962C8B-B14F-4D97-AF65-F5344CB8AC3E}">
+        <p14:creationId xmlns:p14="http://schemas.microsoft.com/office/powerpoint/2010/main" val="2145163679"/>
+      </p:ext>
+    </p:extLst>
+  </p:cSld>
+  <p:clrMapOvr>
+    <a:masterClrMapping/>
+  </p:clrMapOvr>
+</p:sld>
+</file>
+
+<file path=ppt/slides/slide12.xml><?xml version="1.0" encoding="utf-8"?>
+<p:sld xmlns:a="http://schemas.openxmlformats.org/drawingml/2006/main" xmlns:r="http://schemas.openxmlformats.org/officeDocument/2006/relationships" xmlns:p="http://schemas.openxmlformats.org/presentationml/2006/main">
+  <p:cSld>
+    <p:spTree>
+      <p:nvGrpSpPr>
+        <p:cNvPr id="1" name=""/>
+        <p:cNvGrpSpPr/>
+        <p:nvPr/>
+      </p:nvGrpSpPr>
+      <p:grpSpPr>
+        <a:xfrm>
+          <a:off x="0" y="0"/>
+          <a:ext cx="0" cy="0"/>
+          <a:chOff x="0" y="0"/>
+          <a:chExt cx="0" cy="0"/>
+        </a:xfrm>
+      </p:grpSpPr>
+      <p:sp>
+        <p:nvSpPr>
+          <p:cNvPr id="2" name="Title 1">
+            <a:extLst>
+              <a:ext uri="{FF2B5EF4-FFF2-40B4-BE49-F238E27FC236}">
+                <a16:creationId xmlns:a16="http://schemas.microsoft.com/office/drawing/2014/main" id="{143B5247-4B5C-44D2-AE13-25DD403557B4}"/>
+              </a:ext>
+            </a:extLst>
+          </p:cNvPr>
+          <p:cNvSpPr>
+            <a:spLocks noGrp="1"/>
+          </p:cNvSpPr>
+          <p:nvPr>
+            <p:ph type="title"/>
+          </p:nvPr>
+        </p:nvSpPr>
+        <p:spPr/>
+        <p:txBody>
+          <a:bodyPr>
+            <a:normAutofit/>
+          </a:bodyPr>
+          <a:lstStyle/>
+          <a:p>
+            <a:r>
+              <a:rPr lang="en-US" dirty="0"/>
+              <a:t>Backbone – Feature Extraction </a:t>
+            </a:r>
+          </a:p>
+        </p:txBody>
+      </p:sp>
+      <p:sp>
+        <p:nvSpPr>
+          <p:cNvPr id="4" name="Date Placeholder 3">
+            <a:extLst>
+              <a:ext uri="{FF2B5EF4-FFF2-40B4-BE49-F238E27FC236}">
+                <a16:creationId xmlns:a16="http://schemas.microsoft.com/office/drawing/2014/main" id="{59913B85-3B4F-43D3-A7E9-D06F5E37C6C1}"/>
+              </a:ext>
+            </a:extLst>
+          </p:cNvPr>
+          <p:cNvSpPr>
+            <a:spLocks noGrp="1"/>
+          </p:cNvSpPr>
+          <p:nvPr>
+            <p:ph type="dt" sz="half" idx="10"/>
+          </p:nvPr>
+        </p:nvSpPr>
+        <p:spPr/>
+        <p:txBody>
+          <a:bodyPr/>
+          <a:lstStyle/>
+          <a:p>
+            <a:fld id="{F736EC4A-E5B7-42C2-9943-4D2477F0E2BA}" type="datetime1">
+              <a:rPr lang="en-US" smtClean="0"/>
+              <a:t>2/16/2022</a:t>
+            </a:fld>
+            <a:endParaRPr lang="en-US" dirty="0"/>
+          </a:p>
+        </p:txBody>
+      </p:sp>
+      <p:sp>
+        <p:nvSpPr>
+          <p:cNvPr id="5" name="Footer Placeholder 4">
+            <a:extLst>
+              <a:ext uri="{FF2B5EF4-FFF2-40B4-BE49-F238E27FC236}">
+                <a16:creationId xmlns:a16="http://schemas.microsoft.com/office/drawing/2014/main" id="{C5649577-8229-4DC9-AE82-59C3A5BA0515}"/>
+              </a:ext>
+            </a:extLst>
+          </p:cNvPr>
+          <p:cNvSpPr>
+            <a:spLocks noGrp="1"/>
+          </p:cNvSpPr>
+          <p:nvPr>
+            <p:ph type="ftr" sz="quarter" idx="11"/>
+          </p:nvPr>
+        </p:nvSpPr>
+        <p:spPr/>
+        <p:txBody>
+          <a:bodyPr/>
+          <a:lstStyle/>
+          <a:p>
+            <a:r>
+              <a:rPr lang="en-US" dirty="0"/>
+              <a:t>Yarden Akaby &amp; Etai Sella</a:t>
+            </a:r>
+          </a:p>
+        </p:txBody>
+      </p:sp>
+      <p:sp>
+        <p:nvSpPr>
+          <p:cNvPr id="6" name="Slide Number Placeholder 5">
+            <a:extLst>
+              <a:ext uri="{FF2B5EF4-FFF2-40B4-BE49-F238E27FC236}">
+                <a16:creationId xmlns:a16="http://schemas.microsoft.com/office/drawing/2014/main" id="{1B57282B-C25D-48B2-A667-C1D467EB1137}"/>
+              </a:ext>
+            </a:extLst>
+          </p:cNvPr>
+          <p:cNvSpPr>
+            <a:spLocks noGrp="1"/>
+          </p:cNvSpPr>
+          <p:nvPr>
+            <p:ph type="sldNum" sz="quarter" idx="12"/>
+          </p:nvPr>
+        </p:nvSpPr>
+        <p:spPr/>
+        <p:txBody>
+          <a:bodyPr/>
+          <a:lstStyle/>
+          <a:p>
+            <a:fld id="{C629165E-D59B-453D-B763-34340D7036F6}" type="slidenum">
+              <a:rPr lang="en-US" smtClean="0"/>
+              <a:t>12</a:t>
+            </a:fld>
+            <a:endParaRPr lang="en-US" dirty="0"/>
+          </a:p>
+        </p:txBody>
+      </p:sp>
+      <p:sp>
+        <p:nvSpPr>
+          <p:cNvPr id="7" name="TextBox 6">
+            <a:extLst>
+              <a:ext uri="{FF2B5EF4-FFF2-40B4-BE49-F238E27FC236}">
+                <a16:creationId xmlns:a16="http://schemas.microsoft.com/office/drawing/2014/main" id="{B60AB77E-81E5-4DEC-AE42-C801022C9A56}"/>
+              </a:ext>
+            </a:extLst>
+          </p:cNvPr>
+          <p:cNvSpPr txBox="1"/>
+          <p:nvPr/>
+        </p:nvSpPr>
+        <p:spPr>
+          <a:xfrm>
+            <a:off x="756745" y="1700922"/>
+            <a:ext cx="5306410" cy="3693319"/>
+          </a:xfrm>
+          <a:prstGeom prst="rect">
+            <a:avLst/>
+          </a:prstGeom>
+          <a:noFill/>
+        </p:spPr>
+        <p:txBody>
+          <a:bodyPr wrap="square">
+            <a:spAutoFit/>
+          </a:bodyPr>
+          <a:lstStyle/>
+          <a:p>
+            <a:pPr marL="285750" indent="-285750" algn="l">
+              <a:buFont typeface="Arial" panose="020B0604020202020204" pitchFamily="34" charset="0"/>
+              <a:buChar char="•"/>
+            </a:pPr>
+            <a:r>
+              <a:rPr lang="en-US" sz="1800" b="0" i="0" u="none" strike="noStrike" baseline="0" dirty="0">
+                <a:solidFill>
+                  <a:srgbClr val="000000"/>
+                </a:solidFill>
+                <a:latin typeface="Times New Roman" panose="02020603050405020304" pitchFamily="18" charset="0"/>
+                <a:cs typeface="Times New Roman" panose="02020603050405020304" pitchFamily="18" charset="0"/>
+              </a:rPr>
+              <a:t>This module is used for extracting the features of the two branches used as the AR module’s input. </a:t>
+            </a:r>
+          </a:p>
+          <a:p>
+            <a:pPr marL="285750" indent="-285750" algn="l">
+              <a:buFont typeface="Arial" panose="020B0604020202020204" pitchFamily="34" charset="0"/>
+              <a:buChar char="•"/>
+            </a:pPr>
+            <a:r>
+              <a:rPr lang="en-US" sz="1800" b="0" i="0" u="none" strike="noStrike" baseline="0" dirty="0">
+                <a:solidFill>
+                  <a:srgbClr val="000000"/>
+                </a:solidFill>
+                <a:latin typeface="Times New Roman" panose="02020603050405020304" pitchFamily="18" charset="0"/>
+                <a:cs typeface="Times New Roman" panose="02020603050405020304" pitchFamily="18" charset="0"/>
+              </a:rPr>
+              <a:t>The given table compares Alpha-Refine module with different backbones and reports the comparison</a:t>
+            </a:r>
+            <a:r>
+              <a:rPr lang="en-US" dirty="0">
+                <a:solidFill>
+                  <a:srgbClr val="000000"/>
+                </a:solidFill>
+                <a:latin typeface="Times New Roman" panose="02020603050405020304" pitchFamily="18" charset="0"/>
+                <a:cs typeface="Times New Roman" panose="02020603050405020304" pitchFamily="18" charset="0"/>
+              </a:rPr>
+              <a:t> </a:t>
+            </a:r>
+            <a:r>
+              <a:rPr lang="en-US" sz="1800" b="0" i="0" u="none" strike="noStrike" baseline="0" dirty="0">
+                <a:solidFill>
+                  <a:srgbClr val="000000"/>
+                </a:solidFill>
+                <a:latin typeface="Times New Roman" panose="02020603050405020304" pitchFamily="18" charset="0"/>
+                <a:cs typeface="Times New Roman" panose="02020603050405020304" pitchFamily="18" charset="0"/>
+              </a:rPr>
+              <a:t>results.</a:t>
+            </a:r>
+          </a:p>
+          <a:p>
+            <a:pPr marL="285750" indent="-285750" algn="l">
+              <a:buFont typeface="Arial" panose="020B0604020202020204" pitchFamily="34" charset="0"/>
+              <a:buChar char="•"/>
+            </a:pPr>
+            <a:r>
+              <a:rPr lang="en-US" sz="1800" b="0" i="0" u="none" strike="noStrike" baseline="0" dirty="0">
+                <a:solidFill>
+                  <a:srgbClr val="000000"/>
+                </a:solidFill>
+                <a:latin typeface="Times New Roman" panose="02020603050405020304" pitchFamily="18" charset="0"/>
+                <a:cs typeface="Times New Roman" panose="02020603050405020304" pitchFamily="18" charset="0"/>
+              </a:rPr>
+              <a:t>When the ResNet-18 backbone is used, the latency of our AR model is very low, but the corresponding performance is also lower than those we get for deeper </a:t>
+            </a:r>
+            <a:r>
+              <a:rPr lang="en-US" sz="1800" b="0" i="0" u="none" strike="noStrike" baseline="0" dirty="0" err="1">
+                <a:solidFill>
+                  <a:srgbClr val="000000"/>
+                </a:solidFill>
+                <a:latin typeface="Times New Roman" panose="02020603050405020304" pitchFamily="18" charset="0"/>
+                <a:cs typeface="Times New Roman" panose="02020603050405020304" pitchFamily="18" charset="0"/>
+              </a:rPr>
+              <a:t>ResNet</a:t>
+            </a:r>
+            <a:r>
+              <a:rPr lang="en-US" sz="1800" b="0" i="0" u="none" strike="noStrike" baseline="0" dirty="0">
+                <a:solidFill>
+                  <a:srgbClr val="000000"/>
+                </a:solidFill>
+                <a:latin typeface="Times New Roman" panose="02020603050405020304" pitchFamily="18" charset="0"/>
+                <a:cs typeface="Times New Roman" panose="02020603050405020304" pitchFamily="18" charset="0"/>
+              </a:rPr>
+              <a:t> networks. As the backbone goes deeper, the AUC score (performance) is better, but the speed is slower.</a:t>
+            </a:r>
+          </a:p>
+          <a:p>
+            <a:pPr marL="285750" indent="-285750" algn="l">
+              <a:buFont typeface="Arial" panose="020B0604020202020204" pitchFamily="34" charset="0"/>
+              <a:buChar char="•"/>
+            </a:pPr>
+            <a:r>
+              <a:rPr lang="en-US" sz="1800" b="0" i="0" u="none" strike="noStrike" baseline="0" dirty="0">
+                <a:solidFill>
+                  <a:srgbClr val="000000"/>
+                </a:solidFill>
+                <a:latin typeface="Times New Roman" panose="02020603050405020304" pitchFamily="18" charset="0"/>
+                <a:cs typeface="Times New Roman" panose="02020603050405020304" pitchFamily="18" charset="0"/>
+              </a:rPr>
+              <a:t>The chosen backbone</a:t>
+            </a:r>
+            <a:r>
+              <a:rPr lang="en-US" dirty="0">
+                <a:solidFill>
+                  <a:srgbClr val="000000"/>
+                </a:solidFill>
+                <a:latin typeface="Times New Roman" panose="02020603050405020304" pitchFamily="18" charset="0"/>
+                <a:cs typeface="Times New Roman" panose="02020603050405020304" pitchFamily="18" charset="0"/>
+              </a:rPr>
+              <a:t> was </a:t>
+            </a:r>
+            <a:r>
+              <a:rPr lang="en-US" sz="1800" b="0" i="0" u="none" strike="noStrike" baseline="0" dirty="0">
+                <a:solidFill>
+                  <a:srgbClr val="000000"/>
+                </a:solidFill>
+                <a:latin typeface="Times New Roman" panose="02020603050405020304" pitchFamily="18" charset="0"/>
+                <a:cs typeface="Times New Roman" panose="02020603050405020304" pitchFamily="18" charset="0"/>
+              </a:rPr>
+              <a:t>ResNet-34 in order to balance accuracy and speed.</a:t>
+            </a:r>
+            <a:endParaRPr lang="en-IL" dirty="0">
+              <a:latin typeface="Times New Roman" panose="02020603050405020304" pitchFamily="18" charset="0"/>
+              <a:cs typeface="Times New Roman" panose="02020603050405020304" pitchFamily="18" charset="0"/>
+            </a:endParaRPr>
+          </a:p>
+        </p:txBody>
+      </p:sp>
+      <p:pic>
+        <p:nvPicPr>
+          <p:cNvPr id="9" name="Picture 8">
+            <a:extLst>
+              <a:ext uri="{FF2B5EF4-FFF2-40B4-BE49-F238E27FC236}">
+                <a16:creationId xmlns:a16="http://schemas.microsoft.com/office/drawing/2014/main" id="{0DDC5956-F796-4772-9C7A-7C195ECAE76A}"/>
+              </a:ext>
+            </a:extLst>
+          </p:cNvPr>
+          <p:cNvPicPr>
+            <a:picLocks noChangeAspect="1"/>
+          </p:cNvPicPr>
+          <p:nvPr/>
+        </p:nvPicPr>
+        <p:blipFill>
+          <a:blip r:embed="rId3"/>
+          <a:stretch>
+            <a:fillRect/>
+          </a:stretch>
+        </p:blipFill>
+        <p:spPr>
+          <a:xfrm>
+            <a:off x="5980384" y="3429000"/>
+            <a:ext cx="5172404" cy="2334118"/>
+          </a:xfrm>
+          <a:prstGeom prst="rect">
+            <a:avLst/>
+          </a:prstGeom>
+        </p:spPr>
+      </p:pic>
+    </p:spTree>
+    <p:extLst>
+      <p:ext uri="{BB962C8B-B14F-4D97-AF65-F5344CB8AC3E}">
+        <p14:creationId xmlns:p14="http://schemas.microsoft.com/office/powerpoint/2010/main" val="657253662"/>
+      </p:ext>
+    </p:extLst>
+  </p:cSld>
+  <p:clrMapOvr>
+    <a:masterClrMapping/>
+  </p:clrMapOvr>
+</p:sld>
+</file>
+
+<file path=ppt/slides/slide13.xml><?xml version="1.0" encoding="utf-8"?>
+<p:sld xmlns:a="http://schemas.openxmlformats.org/drawingml/2006/main" xmlns:r="http://schemas.openxmlformats.org/officeDocument/2006/relationships" xmlns:p="http://schemas.openxmlformats.org/presentationml/2006/main">
+  <p:cSld>
+    <p:spTree>
+      <p:nvGrpSpPr>
+        <p:cNvPr id="1" name=""/>
+        <p:cNvGrpSpPr/>
+        <p:nvPr/>
+      </p:nvGrpSpPr>
+      <p:grpSpPr>
+        <a:xfrm>
+          <a:off x="0" y="0"/>
+          <a:ext cx="0" cy="0"/>
+          <a:chOff x="0" y="0"/>
+          <a:chExt cx="0" cy="0"/>
+        </a:xfrm>
+      </p:grpSpPr>
+      <p:sp>
+        <p:nvSpPr>
+          <p:cNvPr id="2" name="Title 1">
+            <a:extLst>
+              <a:ext uri="{FF2B5EF4-FFF2-40B4-BE49-F238E27FC236}">
+                <a16:creationId xmlns:a16="http://schemas.microsoft.com/office/drawing/2014/main" id="{143B5247-4B5C-44D2-AE13-25DD403557B4}"/>
+              </a:ext>
+            </a:extLst>
+          </p:cNvPr>
+          <p:cNvSpPr>
+            <a:spLocks noGrp="1"/>
+          </p:cNvSpPr>
+          <p:nvPr>
+            <p:ph type="title"/>
+          </p:nvPr>
+        </p:nvSpPr>
+        <p:spPr/>
+        <p:txBody>
+          <a:bodyPr>
+            <a:noAutofit/>
+          </a:bodyPr>
+          <a:lstStyle/>
+          <a:p>
+            <a:r>
+              <a:rPr lang="en-US" i="0" u="none" strike="noStrike" baseline="0" dirty="0">
+                <a:latin typeface="NimbusRomNo9L-Medi"/>
+              </a:rPr>
+              <a:t>Feature Fusion – </a:t>
+            </a:r>
+            <a:r>
+              <a:rPr lang="en-US" dirty="0">
+                <a:latin typeface="NimbusRomNo9L-Medi"/>
+              </a:rPr>
+              <a:t>Pixelwise </a:t>
+            </a:r>
+            <a:r>
+              <a:rPr lang="en-US" i="0" u="none" strike="noStrike" baseline="0" dirty="0">
+                <a:latin typeface="NimbusRomNo9L-Medi"/>
+              </a:rPr>
+              <a:t>Correlation</a:t>
+            </a:r>
+            <a:endParaRPr lang="en-US" dirty="0"/>
+          </a:p>
+        </p:txBody>
+      </p:sp>
+      <p:sp>
+        <p:nvSpPr>
+          <p:cNvPr id="4" name="Date Placeholder 3">
+            <a:extLst>
+              <a:ext uri="{FF2B5EF4-FFF2-40B4-BE49-F238E27FC236}">
+                <a16:creationId xmlns:a16="http://schemas.microsoft.com/office/drawing/2014/main" id="{59913B85-3B4F-43D3-A7E9-D06F5E37C6C1}"/>
+              </a:ext>
+            </a:extLst>
+          </p:cNvPr>
+          <p:cNvSpPr>
+            <a:spLocks noGrp="1"/>
+          </p:cNvSpPr>
+          <p:nvPr>
+            <p:ph type="dt" sz="half" idx="10"/>
+          </p:nvPr>
+        </p:nvSpPr>
+        <p:spPr/>
+        <p:txBody>
+          <a:bodyPr/>
+          <a:lstStyle/>
+          <a:p>
+            <a:fld id="{F736EC4A-E5B7-42C2-9943-4D2477F0E2BA}" type="datetime1">
+              <a:rPr lang="en-US" smtClean="0"/>
+              <a:t>2/16/2022</a:t>
+            </a:fld>
+            <a:endParaRPr lang="en-US" dirty="0"/>
+          </a:p>
+        </p:txBody>
+      </p:sp>
+      <p:sp>
+        <p:nvSpPr>
+          <p:cNvPr id="5" name="Footer Placeholder 4">
+            <a:extLst>
+              <a:ext uri="{FF2B5EF4-FFF2-40B4-BE49-F238E27FC236}">
+                <a16:creationId xmlns:a16="http://schemas.microsoft.com/office/drawing/2014/main" id="{C5649577-8229-4DC9-AE82-59C3A5BA0515}"/>
+              </a:ext>
+            </a:extLst>
+          </p:cNvPr>
+          <p:cNvSpPr>
+            <a:spLocks noGrp="1"/>
+          </p:cNvSpPr>
+          <p:nvPr>
+            <p:ph type="ftr" sz="quarter" idx="11"/>
+          </p:nvPr>
+        </p:nvSpPr>
+        <p:spPr/>
+        <p:txBody>
+          <a:bodyPr/>
+          <a:lstStyle/>
+          <a:p>
+            <a:r>
+              <a:rPr lang="en-US" dirty="0"/>
+              <a:t>Yarden Akaby &amp; Etai Sella</a:t>
+            </a:r>
+          </a:p>
+        </p:txBody>
+      </p:sp>
+      <p:sp>
+        <p:nvSpPr>
+          <p:cNvPr id="6" name="Slide Number Placeholder 5">
+            <a:extLst>
+              <a:ext uri="{FF2B5EF4-FFF2-40B4-BE49-F238E27FC236}">
+                <a16:creationId xmlns:a16="http://schemas.microsoft.com/office/drawing/2014/main" id="{1B57282B-C25D-48B2-A667-C1D467EB1137}"/>
+              </a:ext>
+            </a:extLst>
+          </p:cNvPr>
+          <p:cNvSpPr>
+            <a:spLocks noGrp="1"/>
+          </p:cNvSpPr>
+          <p:nvPr>
+            <p:ph type="sldNum" sz="quarter" idx="12"/>
+          </p:nvPr>
+        </p:nvSpPr>
+        <p:spPr/>
+        <p:txBody>
+          <a:bodyPr/>
+          <a:lstStyle/>
+          <a:p>
+            <a:fld id="{C629165E-D59B-453D-B763-34340D7036F6}" type="slidenum">
+              <a:rPr lang="en-US" smtClean="0"/>
+              <a:t>13</a:t>
+            </a:fld>
+            <a:endParaRPr lang="en-US" dirty="0"/>
+          </a:p>
+        </p:txBody>
+      </p:sp>
+      <p:sp>
+        <p:nvSpPr>
+          <p:cNvPr id="7" name="TextBox 6">
+            <a:extLst>
+              <a:ext uri="{FF2B5EF4-FFF2-40B4-BE49-F238E27FC236}">
+                <a16:creationId xmlns:a16="http://schemas.microsoft.com/office/drawing/2014/main" id="{F907CFB4-EC9A-434A-B73D-7474715B5347}"/>
+              </a:ext>
+            </a:extLst>
+          </p:cNvPr>
+          <p:cNvSpPr txBox="1"/>
+          <p:nvPr/>
+        </p:nvSpPr>
+        <p:spPr>
+          <a:xfrm>
+            <a:off x="565917" y="1574344"/>
+            <a:ext cx="5994182" cy="1815882"/>
+          </a:xfrm>
+          <a:prstGeom prst="rect">
+            <a:avLst/>
+          </a:prstGeom>
+          <a:noFill/>
+        </p:spPr>
+        <p:txBody>
+          <a:bodyPr wrap="square">
+            <a:spAutoFit/>
+          </a:bodyPr>
+          <a:lstStyle/>
+          <a:p>
+            <a:pPr algn="l"/>
+            <a:r>
+              <a:rPr lang="en-US" sz="1400" b="0" i="0" u="none" strike="noStrike" baseline="0" dirty="0">
+                <a:solidFill>
+                  <a:srgbClr val="000000"/>
+                </a:solidFill>
+                <a:latin typeface="Times New Roman" panose="02020603050405020304" pitchFamily="18" charset="0"/>
+                <a:cs typeface="Times New Roman" panose="02020603050405020304" pitchFamily="18" charset="0"/>
+              </a:rPr>
+              <a:t>The given figure shows some feature fusion outputs:</a:t>
+            </a:r>
+          </a:p>
+          <a:p>
+            <a:pPr marL="285750" indent="-285750" algn="l">
+              <a:buFont typeface="Arial" panose="020B0604020202020204" pitchFamily="34" charset="0"/>
+              <a:buChar char="•"/>
+            </a:pPr>
+            <a:r>
+              <a:rPr lang="en-US" sz="1400" b="1" i="0" u="none" strike="noStrike" baseline="0" dirty="0">
+                <a:solidFill>
+                  <a:srgbClr val="000000"/>
+                </a:solidFill>
+                <a:latin typeface="Times New Roman" panose="02020603050405020304" pitchFamily="18" charset="0"/>
+                <a:cs typeface="Times New Roman" panose="02020603050405020304" pitchFamily="18" charset="0"/>
+              </a:rPr>
+              <a:t>Naive</a:t>
+            </a:r>
+            <a:r>
+              <a:rPr lang="en-US" sz="1400" b="0" i="0" u="none" strike="noStrike" baseline="0" dirty="0">
+                <a:solidFill>
+                  <a:srgbClr val="000000"/>
+                </a:solidFill>
+                <a:latin typeface="Times New Roman" panose="02020603050405020304" pitchFamily="18" charset="0"/>
+                <a:cs typeface="Times New Roman" panose="02020603050405020304" pitchFamily="18" charset="0"/>
+              </a:rPr>
+              <a:t> correlation can only roughly represent the center location of the object while losing most of the shape and scale information. </a:t>
+            </a:r>
+          </a:p>
+          <a:p>
+            <a:pPr marL="285750" indent="-285750" algn="l">
+              <a:buFont typeface="Arial" panose="020B0604020202020204" pitchFamily="34" charset="0"/>
+              <a:buChar char="•"/>
+            </a:pPr>
+            <a:r>
+              <a:rPr lang="en-US" sz="1400" b="1" i="0" u="none" strike="noStrike" baseline="0" dirty="0">
+                <a:solidFill>
+                  <a:srgbClr val="000000"/>
+                </a:solidFill>
+                <a:latin typeface="Times New Roman" panose="02020603050405020304" pitchFamily="18" charset="0"/>
+                <a:cs typeface="Times New Roman" panose="02020603050405020304" pitchFamily="18" charset="0"/>
+              </a:rPr>
+              <a:t>Depth-wise</a:t>
+            </a:r>
+            <a:r>
+              <a:rPr lang="en-US" sz="1400" b="0" i="0" u="none" strike="noStrike" baseline="0" dirty="0">
+                <a:solidFill>
+                  <a:srgbClr val="000000"/>
+                </a:solidFill>
+                <a:latin typeface="Times New Roman" panose="02020603050405020304" pitchFamily="18" charset="0"/>
+                <a:cs typeface="Times New Roman" panose="02020603050405020304" pitchFamily="18" charset="0"/>
+              </a:rPr>
+              <a:t> correlation must encode the blurred location into channels, which is less explainable and inefficient.</a:t>
+            </a:r>
+          </a:p>
+          <a:p>
+            <a:pPr marL="285750" indent="-285750">
+              <a:buFont typeface="Arial" panose="020B0604020202020204" pitchFamily="34" charset="0"/>
+              <a:buChar char="•"/>
+            </a:pPr>
+            <a:r>
+              <a:rPr lang="en-US" sz="1400" b="1" i="0" u="none" strike="noStrike" baseline="0" dirty="0">
+                <a:solidFill>
+                  <a:srgbClr val="000000"/>
+                </a:solidFill>
+                <a:latin typeface="Times New Roman" panose="02020603050405020304" pitchFamily="18" charset="0"/>
+                <a:cs typeface="Times New Roman" panose="02020603050405020304" pitchFamily="18" charset="0"/>
+              </a:rPr>
+              <a:t>Pixel-wise</a:t>
+            </a:r>
+            <a:r>
+              <a:rPr lang="en-US" sz="1400" b="0" i="0" u="none" strike="noStrike" baseline="0" dirty="0">
+                <a:solidFill>
+                  <a:srgbClr val="000000"/>
+                </a:solidFill>
+                <a:latin typeface="Times New Roman" panose="02020603050405020304" pitchFamily="18" charset="0"/>
+                <a:cs typeface="Times New Roman" panose="02020603050405020304" pitchFamily="18" charset="0"/>
+              </a:rPr>
+              <a:t> correlation is better</a:t>
+            </a:r>
+            <a:r>
+              <a:rPr lang="en-US" sz="1400" dirty="0">
+                <a:solidFill>
+                  <a:srgbClr val="000000"/>
+                </a:solidFill>
+                <a:latin typeface="Times New Roman" panose="02020603050405020304" pitchFamily="18" charset="0"/>
+                <a:cs typeface="Times New Roman" panose="02020603050405020304" pitchFamily="18" charset="0"/>
+              </a:rPr>
+              <a:t> </a:t>
+            </a:r>
+            <a:r>
+              <a:rPr lang="en-US" sz="1400" b="0" i="0" u="none" strike="noStrike" baseline="0" dirty="0">
+                <a:latin typeface="Times New Roman" panose="02020603050405020304" pitchFamily="18" charset="0"/>
+                <a:cs typeface="Times New Roman" panose="02020603050405020304" pitchFamily="18" charset="0"/>
+              </a:rPr>
+              <a:t>at retaining the target’s boundary and other detailed spatial information. Pixel-wise correlation avoiding an extremely large correlation window from blurring the feature.</a:t>
+            </a:r>
+          </a:p>
+        </p:txBody>
+      </p:sp>
+      <p:pic>
+        <p:nvPicPr>
+          <p:cNvPr id="9" name="Picture 8">
+            <a:extLst>
+              <a:ext uri="{FF2B5EF4-FFF2-40B4-BE49-F238E27FC236}">
+                <a16:creationId xmlns:a16="http://schemas.microsoft.com/office/drawing/2014/main" id="{D9AA850E-AEAF-4670-A016-E56660730B62}"/>
+              </a:ext>
+            </a:extLst>
+          </p:cNvPr>
+          <p:cNvPicPr>
+            <a:picLocks noChangeAspect="1"/>
+          </p:cNvPicPr>
+          <p:nvPr/>
+        </p:nvPicPr>
+        <p:blipFill>
+          <a:blip r:embed="rId3"/>
+          <a:stretch>
+            <a:fillRect/>
+          </a:stretch>
+        </p:blipFill>
+        <p:spPr>
+          <a:xfrm>
+            <a:off x="6800194" y="3544614"/>
+            <a:ext cx="4315976" cy="2249222"/>
+          </a:xfrm>
+          <a:prstGeom prst="rect">
+            <a:avLst/>
+          </a:prstGeom>
+        </p:spPr>
+      </p:pic>
+      <p:sp>
+        <p:nvSpPr>
+          <p:cNvPr id="15" name="TextBox 14">
+            <a:extLst>
+              <a:ext uri="{FF2B5EF4-FFF2-40B4-BE49-F238E27FC236}">
+                <a16:creationId xmlns:a16="http://schemas.microsoft.com/office/drawing/2014/main" id="{4783EDAC-B1E1-4840-8F87-16C552A5D026}"/>
+              </a:ext>
+            </a:extLst>
+          </p:cNvPr>
+          <p:cNvSpPr txBox="1"/>
+          <p:nvPr/>
+        </p:nvSpPr>
+        <p:spPr>
+          <a:xfrm>
+            <a:off x="6800193" y="1574344"/>
+            <a:ext cx="4315977" cy="1600438"/>
+          </a:xfrm>
+          <a:prstGeom prst="rect">
+            <a:avLst/>
+          </a:prstGeom>
+          <a:noFill/>
+        </p:spPr>
+        <p:txBody>
+          <a:bodyPr wrap="square">
+            <a:spAutoFit/>
+          </a:bodyPr>
+          <a:lstStyle/>
+          <a:p>
+            <a:pPr algn="l"/>
+            <a:r>
+              <a:rPr lang="en-US" sz="1400" b="0" i="0" u="none" strike="noStrike" baseline="0" dirty="0">
+                <a:solidFill>
+                  <a:srgbClr val="000000"/>
+                </a:solidFill>
+                <a:latin typeface="Times New Roman" panose="02020603050405020304" pitchFamily="18" charset="0"/>
+                <a:cs typeface="Times New Roman" panose="02020603050405020304" pitchFamily="18" charset="0"/>
+              </a:rPr>
+              <a:t>The given table compares the AR variants using different feature fusion options (Naive, Depth-wise, or Pixel-wise).</a:t>
+            </a:r>
+          </a:p>
+          <a:p>
+            <a:pPr algn="l"/>
+            <a:r>
+              <a:rPr lang="en-US" sz="1400" b="0" i="0" u="none" strike="noStrike" baseline="0" dirty="0">
+                <a:latin typeface="Times New Roman" panose="02020603050405020304" pitchFamily="18" charset="0"/>
+                <a:cs typeface="Times New Roman" panose="02020603050405020304" pitchFamily="18" charset="0"/>
+              </a:rPr>
+              <a:t>The results show that the adopted </a:t>
+            </a:r>
+            <a:r>
+              <a:rPr lang="en-US" sz="1400" b="1" i="0" u="none" strike="noStrike" baseline="0" dirty="0">
+                <a:latin typeface="Times New Roman" panose="02020603050405020304" pitchFamily="18" charset="0"/>
+                <a:cs typeface="Times New Roman" panose="02020603050405020304" pitchFamily="18" charset="0"/>
+              </a:rPr>
+              <a:t>pixelwise correlation</a:t>
+            </a:r>
+            <a:r>
+              <a:rPr lang="en-US" sz="1400" b="0" i="0" u="none" strike="noStrike" baseline="0" dirty="0">
+                <a:latin typeface="Times New Roman" panose="02020603050405020304" pitchFamily="18" charset="0"/>
+                <a:cs typeface="Times New Roman" panose="02020603050405020304" pitchFamily="18" charset="0"/>
+              </a:rPr>
+              <a:t> performs the best, indicating that the pixelwise correlation is better at extracting and maintaining spatial information than the depth-wise correlation or naïve correlation.</a:t>
+            </a:r>
+          </a:p>
+        </p:txBody>
+      </p:sp>
+      <p:pic>
+        <p:nvPicPr>
+          <p:cNvPr id="19" name="Picture 18">
+            <a:extLst>
+              <a:ext uri="{FF2B5EF4-FFF2-40B4-BE49-F238E27FC236}">
+                <a16:creationId xmlns:a16="http://schemas.microsoft.com/office/drawing/2014/main" id="{BD49B6B5-6E54-47ED-93CA-7078A8952688}"/>
+              </a:ext>
+            </a:extLst>
+          </p:cNvPr>
+          <p:cNvPicPr>
+            <a:picLocks noChangeAspect="1"/>
+          </p:cNvPicPr>
+          <p:nvPr/>
+        </p:nvPicPr>
+        <p:blipFill>
+          <a:blip r:embed="rId4"/>
+          <a:stretch>
+            <a:fillRect/>
+          </a:stretch>
+        </p:blipFill>
+        <p:spPr>
+          <a:xfrm>
+            <a:off x="565917" y="3544614"/>
+            <a:ext cx="5994182" cy="2249224"/>
+          </a:xfrm>
+          <a:prstGeom prst="rect">
+            <a:avLst/>
+          </a:prstGeom>
+        </p:spPr>
+      </p:pic>
+    </p:spTree>
+    <p:extLst>
+      <p:ext uri="{BB962C8B-B14F-4D97-AF65-F5344CB8AC3E}">
+        <p14:creationId xmlns:p14="http://schemas.microsoft.com/office/powerpoint/2010/main" val="2432917588"/>
+      </p:ext>
+    </p:extLst>
+  </p:cSld>
+  <p:clrMapOvr>
+    <a:masterClrMapping/>
+  </p:clrMapOvr>
+</p:sld>
+</file>
+
+<file path=ppt/slides/slide14.xml><?xml version="1.0" encoding="utf-8"?>
+<p:sld xmlns:a="http://schemas.openxmlformats.org/drawingml/2006/main" xmlns:r="http://schemas.openxmlformats.org/officeDocument/2006/relationships" xmlns:p="http://schemas.openxmlformats.org/presentationml/2006/main">
+  <p:cSld>
+    <p:spTree>
+      <p:nvGrpSpPr>
+        <p:cNvPr id="1" name=""/>
+        <p:cNvGrpSpPr/>
+        <p:nvPr/>
+      </p:nvGrpSpPr>
+      <p:grpSpPr>
+        <a:xfrm>
+          <a:off x="0" y="0"/>
+          <a:ext cx="0" cy="0"/>
+          <a:chOff x="0" y="0"/>
+          <a:chExt cx="0" cy="0"/>
+        </a:xfrm>
+      </p:grpSpPr>
+      <p:sp>
+        <p:nvSpPr>
+          <p:cNvPr id="2" name="Title 1">
+            <a:extLst>
+              <a:ext uri="{FF2B5EF4-FFF2-40B4-BE49-F238E27FC236}">
+                <a16:creationId xmlns:a16="http://schemas.microsoft.com/office/drawing/2014/main" id="{143B5247-4B5C-44D2-AE13-25DD403557B4}"/>
+              </a:ext>
+            </a:extLst>
+          </p:cNvPr>
+          <p:cNvSpPr>
+            <a:spLocks noGrp="1"/>
+          </p:cNvSpPr>
+          <p:nvPr>
+            <p:ph type="title"/>
+          </p:nvPr>
+        </p:nvSpPr>
+        <p:spPr/>
+        <p:txBody>
+          <a:bodyPr>
+            <a:normAutofit/>
+          </a:bodyPr>
+          <a:lstStyle/>
+          <a:p>
+            <a:r>
+              <a:rPr lang="en-US" b="0" i="0" u="none" strike="noStrike" baseline="0" dirty="0">
+                <a:latin typeface="NimbusRomNo9L-Medi"/>
+              </a:rPr>
+              <a:t>Prediction Heads – Box and Mask</a:t>
+            </a:r>
+            <a:endParaRPr lang="en-US" dirty="0"/>
+          </a:p>
+        </p:txBody>
+      </p:sp>
+      <p:sp>
+        <p:nvSpPr>
+          <p:cNvPr id="4" name="Date Placeholder 3">
+            <a:extLst>
+              <a:ext uri="{FF2B5EF4-FFF2-40B4-BE49-F238E27FC236}">
+                <a16:creationId xmlns:a16="http://schemas.microsoft.com/office/drawing/2014/main" id="{59913B85-3B4F-43D3-A7E9-D06F5E37C6C1}"/>
+              </a:ext>
+            </a:extLst>
+          </p:cNvPr>
+          <p:cNvSpPr>
+            <a:spLocks noGrp="1"/>
+          </p:cNvSpPr>
+          <p:nvPr>
+            <p:ph type="dt" sz="half" idx="10"/>
+          </p:nvPr>
+        </p:nvSpPr>
+        <p:spPr/>
+        <p:txBody>
+          <a:bodyPr/>
+          <a:lstStyle/>
+          <a:p>
+            <a:fld id="{F736EC4A-E5B7-42C2-9943-4D2477F0E2BA}" type="datetime1">
+              <a:rPr lang="en-US" smtClean="0"/>
+              <a:t>2/16/2022</a:t>
+            </a:fld>
+            <a:endParaRPr lang="en-US" dirty="0"/>
+          </a:p>
+        </p:txBody>
+      </p:sp>
+      <p:sp>
+        <p:nvSpPr>
+          <p:cNvPr id="5" name="Footer Placeholder 4">
+            <a:extLst>
+              <a:ext uri="{FF2B5EF4-FFF2-40B4-BE49-F238E27FC236}">
+                <a16:creationId xmlns:a16="http://schemas.microsoft.com/office/drawing/2014/main" id="{C5649577-8229-4DC9-AE82-59C3A5BA0515}"/>
+              </a:ext>
+            </a:extLst>
+          </p:cNvPr>
+          <p:cNvSpPr>
+            <a:spLocks noGrp="1"/>
+          </p:cNvSpPr>
+          <p:nvPr>
+            <p:ph type="ftr" sz="quarter" idx="11"/>
+          </p:nvPr>
+        </p:nvSpPr>
+        <p:spPr/>
+        <p:txBody>
+          <a:bodyPr/>
+          <a:lstStyle/>
+          <a:p>
+            <a:r>
+              <a:rPr lang="en-US" dirty="0"/>
+              <a:t>Yarden Akaby &amp; Etai Sella</a:t>
+            </a:r>
+          </a:p>
+        </p:txBody>
+      </p:sp>
+      <p:sp>
+        <p:nvSpPr>
+          <p:cNvPr id="6" name="Slide Number Placeholder 5">
+            <a:extLst>
+              <a:ext uri="{FF2B5EF4-FFF2-40B4-BE49-F238E27FC236}">
+                <a16:creationId xmlns:a16="http://schemas.microsoft.com/office/drawing/2014/main" id="{1B57282B-C25D-48B2-A667-C1D467EB1137}"/>
+              </a:ext>
+            </a:extLst>
+          </p:cNvPr>
+          <p:cNvSpPr>
+            <a:spLocks noGrp="1"/>
+          </p:cNvSpPr>
+          <p:nvPr>
+            <p:ph type="sldNum" sz="quarter" idx="12"/>
+          </p:nvPr>
+        </p:nvSpPr>
+        <p:spPr/>
+        <p:txBody>
+          <a:bodyPr/>
+          <a:lstStyle/>
+          <a:p>
+            <a:fld id="{C629165E-D59B-453D-B763-34340D7036F6}" type="slidenum">
+              <a:rPr lang="en-US" smtClean="0"/>
+              <a:t>14</a:t>
+            </a:fld>
+            <a:endParaRPr lang="en-US" dirty="0"/>
+          </a:p>
+        </p:txBody>
+      </p:sp>
+      <p:sp>
+        <p:nvSpPr>
+          <p:cNvPr id="7" name="TextBox 6">
+            <a:extLst>
+              <a:ext uri="{FF2B5EF4-FFF2-40B4-BE49-F238E27FC236}">
+                <a16:creationId xmlns:a16="http://schemas.microsoft.com/office/drawing/2014/main" id="{23148C7F-4485-4495-8B8F-6C655E435DFE}"/>
+              </a:ext>
+            </a:extLst>
+          </p:cNvPr>
+          <p:cNvSpPr txBox="1"/>
+          <p:nvPr/>
+        </p:nvSpPr>
+        <p:spPr>
+          <a:xfrm>
+            <a:off x="493986" y="1605253"/>
+            <a:ext cx="5160579" cy="3785652"/>
+          </a:xfrm>
+          <a:prstGeom prst="rect">
+            <a:avLst/>
+          </a:prstGeom>
+          <a:noFill/>
+        </p:spPr>
+        <p:txBody>
+          <a:bodyPr wrap="square">
+            <a:spAutoFit/>
+          </a:bodyPr>
+          <a:lstStyle/>
+          <a:p>
+            <a:pPr marL="285750" indent="-285750" algn="l">
+              <a:buFont typeface="Arial" panose="020B0604020202020204" pitchFamily="34" charset="0"/>
+              <a:buChar char="•"/>
+            </a:pPr>
+            <a:r>
+              <a:rPr lang="en-US" sz="1600" b="0" i="0" u="none" strike="noStrike" baseline="0" dirty="0">
+                <a:latin typeface="Times New Roman" panose="02020603050405020304" pitchFamily="18" charset="0"/>
+                <a:cs typeface="Times New Roman" panose="02020603050405020304" pitchFamily="18" charset="0"/>
+              </a:rPr>
+              <a:t>As Alpha-Refine is a module for precisely estimating the bounding box, additional detailed shape information would be helpful. To this end, an auxiliary mask head was added parallel to the box head, which introduces pixel-level supervision into training. </a:t>
+            </a:r>
+          </a:p>
+          <a:p>
+            <a:pPr marL="285750" indent="-285750" algn="l">
+              <a:buFont typeface="Arial" panose="020B0604020202020204" pitchFamily="34" charset="0"/>
+              <a:buChar char="•"/>
+            </a:pPr>
+            <a:r>
+              <a:rPr lang="en-US" sz="1600" b="0" i="0" u="none" strike="noStrike" baseline="0" dirty="0">
+                <a:latin typeface="Times New Roman" panose="02020603050405020304" pitchFamily="18" charset="0"/>
+                <a:cs typeface="Times New Roman" panose="02020603050405020304" pitchFamily="18" charset="0"/>
+              </a:rPr>
+              <a:t>When the box head is trained with the auxiliary mask head, the network is encouraged to extract more detailed spatial information which is required by the mask head and facilitates precise box estimation. </a:t>
+            </a:r>
+          </a:p>
+          <a:p>
+            <a:pPr marL="285750" indent="-285750" algn="l">
+              <a:buFont typeface="Arial" panose="020B0604020202020204" pitchFamily="34" charset="0"/>
+              <a:buChar char="•"/>
+            </a:pPr>
+            <a:r>
+              <a:rPr lang="en-US" sz="1600" b="0" i="0" u="none" strike="noStrike" baseline="0" dirty="0">
+                <a:latin typeface="Times New Roman" panose="02020603050405020304" pitchFamily="18" charset="0"/>
+                <a:cs typeface="Times New Roman" panose="02020603050405020304" pitchFamily="18" charset="0"/>
+              </a:rPr>
+              <a:t>In addition, supervision from mask annotation also teach the model to better discriminate foreground and background, which is required by the segmentation task and beneficial to tracking. </a:t>
+            </a:r>
+          </a:p>
+          <a:p>
+            <a:pPr marL="285750" indent="-285750" algn="l">
+              <a:buFont typeface="Arial" panose="020B0604020202020204" pitchFamily="34" charset="0"/>
+              <a:buChar char="•"/>
+            </a:pPr>
+            <a:r>
+              <a:rPr lang="en-US" sz="1600" b="0" i="0" u="none" strike="noStrike" baseline="0" dirty="0">
+                <a:latin typeface="Times New Roman" panose="02020603050405020304" pitchFamily="18" charset="0"/>
+                <a:cs typeface="Times New Roman" panose="02020603050405020304" pitchFamily="18" charset="0"/>
+              </a:rPr>
+              <a:t>At the inference stage, the mask head is by default disabled to speed up Alpha-Refine.</a:t>
+            </a:r>
+            <a:r>
+              <a:rPr lang="en-US" sz="1600" dirty="0">
+                <a:latin typeface="Times New Roman" panose="02020603050405020304" pitchFamily="18" charset="0"/>
+                <a:cs typeface="Times New Roman" panose="02020603050405020304" pitchFamily="18" charset="0"/>
+              </a:rPr>
+              <a:t> </a:t>
+            </a:r>
+            <a:endParaRPr lang="en-IL" sz="1600" dirty="0">
+              <a:latin typeface="Times New Roman" panose="02020603050405020304" pitchFamily="18" charset="0"/>
+              <a:cs typeface="Times New Roman" panose="02020603050405020304" pitchFamily="18" charset="0"/>
+            </a:endParaRPr>
+          </a:p>
+        </p:txBody>
+      </p:sp>
+      <p:pic>
+        <p:nvPicPr>
+          <p:cNvPr id="9" name="Picture 8">
+            <a:extLst>
+              <a:ext uri="{FF2B5EF4-FFF2-40B4-BE49-F238E27FC236}">
+                <a16:creationId xmlns:a16="http://schemas.microsoft.com/office/drawing/2014/main" id="{32A62DB6-1CF3-4402-9B96-06773A6FF5C0}"/>
+              </a:ext>
+            </a:extLst>
+          </p:cNvPr>
+          <p:cNvPicPr>
+            <a:picLocks noChangeAspect="1"/>
+          </p:cNvPicPr>
+          <p:nvPr/>
+        </p:nvPicPr>
+        <p:blipFill>
+          <a:blip r:embed="rId3"/>
+          <a:stretch>
+            <a:fillRect/>
+          </a:stretch>
+        </p:blipFill>
+        <p:spPr>
+          <a:xfrm>
+            <a:off x="5786764" y="3436866"/>
+            <a:ext cx="5438775" cy="2286907"/>
+          </a:xfrm>
+          <a:prstGeom prst="rect">
+            <a:avLst/>
+          </a:prstGeom>
+        </p:spPr>
+      </p:pic>
+      <p:sp>
+        <p:nvSpPr>
+          <p:cNvPr id="11" name="TextBox 10">
+            <a:extLst>
+              <a:ext uri="{FF2B5EF4-FFF2-40B4-BE49-F238E27FC236}">
+                <a16:creationId xmlns:a16="http://schemas.microsoft.com/office/drawing/2014/main" id="{0DEB132E-3953-46BD-80CD-C8E3E9EF447F}"/>
+              </a:ext>
+            </a:extLst>
+          </p:cNvPr>
+          <p:cNvSpPr txBox="1"/>
+          <p:nvPr/>
+        </p:nvSpPr>
+        <p:spPr>
+          <a:xfrm>
+            <a:off x="5786765" y="1605253"/>
+            <a:ext cx="5438774" cy="1815882"/>
+          </a:xfrm>
+          <a:prstGeom prst="rect">
+            <a:avLst/>
+          </a:prstGeom>
+          <a:noFill/>
+        </p:spPr>
+        <p:txBody>
+          <a:bodyPr wrap="square">
+            <a:spAutoFit/>
+          </a:bodyPr>
+          <a:lstStyle/>
+          <a:p>
+            <a:pPr algn="l"/>
+            <a:r>
+              <a:rPr lang="en-US" sz="1600" b="0" i="0" u="none" strike="noStrike" baseline="0" dirty="0">
+                <a:solidFill>
+                  <a:srgbClr val="000000"/>
+                </a:solidFill>
+                <a:latin typeface="Times New Roman" panose="02020603050405020304" pitchFamily="18" charset="0"/>
+                <a:cs typeface="Times New Roman" panose="02020603050405020304" pitchFamily="18" charset="0"/>
+              </a:rPr>
+              <a:t>From the given table, we have the following two conclusions: </a:t>
+            </a:r>
+          </a:p>
+          <a:p>
+            <a:pPr marL="285750" indent="-285750" algn="l">
+              <a:buFont typeface="Arial" panose="020B0604020202020204" pitchFamily="34" charset="0"/>
+              <a:buChar char="•"/>
+            </a:pPr>
+            <a:r>
+              <a:rPr lang="en-US" sz="1600" b="1" i="0" u="none" strike="noStrike" baseline="0" dirty="0">
+                <a:solidFill>
+                  <a:srgbClr val="000000"/>
+                </a:solidFill>
+                <a:latin typeface="Times New Roman" panose="02020603050405020304" pitchFamily="18" charset="0"/>
+                <a:cs typeface="Times New Roman" panose="02020603050405020304" pitchFamily="18" charset="0"/>
+              </a:rPr>
+              <a:t>All</a:t>
+            </a:r>
+            <a:r>
+              <a:rPr lang="en-US" sz="1600" b="0" i="0" u="none" strike="noStrike" baseline="0" dirty="0">
+                <a:solidFill>
+                  <a:srgbClr val="000000"/>
+                </a:solidFill>
+                <a:latin typeface="Times New Roman" panose="02020603050405020304" pitchFamily="18" charset="0"/>
+                <a:cs typeface="Times New Roman" panose="02020603050405020304" pitchFamily="18" charset="0"/>
+              </a:rPr>
+              <a:t> adopted box estimation heads improve the original </a:t>
+            </a:r>
+            <a:r>
+              <a:rPr lang="en-US" sz="1600" b="0" i="0" u="none" strike="noStrike" baseline="0" dirty="0" err="1">
+                <a:solidFill>
+                  <a:srgbClr val="000000"/>
+                </a:solidFill>
+                <a:latin typeface="Times New Roman" panose="02020603050405020304" pitchFamily="18" charset="0"/>
+                <a:cs typeface="Times New Roman" panose="02020603050405020304" pitchFamily="18" charset="0"/>
+              </a:rPr>
+              <a:t>SiamRPNpp</a:t>
+            </a:r>
+            <a:r>
+              <a:rPr lang="en-US" sz="1600" b="0" i="0" u="none" strike="noStrike" baseline="0" dirty="0">
+                <a:solidFill>
+                  <a:srgbClr val="000000"/>
+                </a:solidFill>
+                <a:latin typeface="Times New Roman" panose="02020603050405020304" pitchFamily="18" charset="0"/>
+                <a:cs typeface="Times New Roman" panose="02020603050405020304" pitchFamily="18" charset="0"/>
+              </a:rPr>
+              <a:t> method, and the </a:t>
+            </a:r>
+            <a:r>
+              <a:rPr lang="en-US" sz="1600" b="1" i="0" u="none" strike="noStrike" baseline="0" dirty="0">
+                <a:solidFill>
+                  <a:srgbClr val="000000"/>
+                </a:solidFill>
+                <a:latin typeface="Times New Roman" panose="02020603050405020304" pitchFamily="18" charset="0"/>
+                <a:cs typeface="Times New Roman" panose="02020603050405020304" pitchFamily="18" charset="0"/>
+              </a:rPr>
+              <a:t>corner head</a:t>
+            </a:r>
+            <a:r>
+              <a:rPr lang="en-US" sz="1600" b="0" i="0" u="none" strike="noStrike" baseline="0" dirty="0">
+                <a:solidFill>
+                  <a:srgbClr val="000000"/>
+                </a:solidFill>
+                <a:latin typeface="Times New Roman" panose="02020603050405020304" pitchFamily="18" charset="0"/>
+                <a:cs typeface="Times New Roman" panose="02020603050405020304" pitchFamily="18" charset="0"/>
+              </a:rPr>
+              <a:t> performs much better than the other two.</a:t>
+            </a:r>
+          </a:p>
+          <a:p>
+            <a:pPr marL="285750" indent="-285750" algn="l">
+              <a:buFont typeface="Arial" panose="020B0604020202020204" pitchFamily="34" charset="0"/>
+              <a:buChar char="•"/>
+            </a:pPr>
+            <a:r>
+              <a:rPr lang="en-US" sz="1600" b="0" i="0" u="none" strike="noStrike" baseline="0" dirty="0">
+                <a:solidFill>
+                  <a:srgbClr val="000000"/>
+                </a:solidFill>
+                <a:latin typeface="Times New Roman" panose="02020603050405020304" pitchFamily="18" charset="0"/>
+                <a:cs typeface="Times New Roman" panose="02020603050405020304" pitchFamily="18" charset="0"/>
+              </a:rPr>
+              <a:t>The </a:t>
+            </a:r>
+            <a:r>
+              <a:rPr lang="en-US" sz="1600" b="1" i="0" u="none" strike="noStrike" baseline="0" dirty="0">
+                <a:solidFill>
+                  <a:srgbClr val="000000"/>
+                </a:solidFill>
+                <a:latin typeface="Times New Roman" panose="02020603050405020304" pitchFamily="18" charset="0"/>
+                <a:cs typeface="Times New Roman" panose="02020603050405020304" pitchFamily="18" charset="0"/>
+              </a:rPr>
+              <a:t>auxiliary mask</a:t>
+            </a:r>
+            <a:r>
+              <a:rPr lang="en-US" sz="1600" b="0" i="0" u="none" strike="noStrike" baseline="0" dirty="0">
+                <a:solidFill>
+                  <a:srgbClr val="000000"/>
+                </a:solidFill>
+                <a:latin typeface="Times New Roman" panose="02020603050405020304" pitchFamily="18" charset="0"/>
+                <a:cs typeface="Times New Roman" panose="02020603050405020304" pitchFamily="18" charset="0"/>
+              </a:rPr>
+              <a:t> head further makes additional improvements, and the </a:t>
+            </a:r>
+            <a:r>
+              <a:rPr lang="en-US" sz="1600" b="1" i="0" u="none" strike="noStrike" baseline="0" dirty="0">
+                <a:solidFill>
+                  <a:srgbClr val="000000"/>
+                </a:solidFill>
+                <a:latin typeface="Times New Roman" panose="02020603050405020304" pitchFamily="18" charset="0"/>
+                <a:cs typeface="Times New Roman" panose="02020603050405020304" pitchFamily="18" charset="0"/>
+              </a:rPr>
+              <a:t>combination of the corner and mask heads </a:t>
+            </a:r>
+            <a:r>
+              <a:rPr lang="en-US" sz="1600" b="0" i="0" u="none" strike="noStrike" baseline="0" dirty="0">
+                <a:solidFill>
+                  <a:srgbClr val="000000"/>
+                </a:solidFill>
+                <a:latin typeface="Times New Roman" panose="02020603050405020304" pitchFamily="18" charset="0"/>
+                <a:cs typeface="Times New Roman" panose="02020603050405020304" pitchFamily="18" charset="0"/>
+              </a:rPr>
+              <a:t>obtains the best performance.</a:t>
+            </a:r>
+            <a:endParaRPr lang="en-IL" sz="1600" dirty="0">
+              <a:latin typeface="Times New Roman" panose="02020603050405020304" pitchFamily="18" charset="0"/>
+              <a:cs typeface="Times New Roman" panose="02020603050405020304" pitchFamily="18" charset="0"/>
+            </a:endParaRPr>
+          </a:p>
+        </p:txBody>
+      </p:sp>
+    </p:spTree>
+    <p:extLst>
+      <p:ext uri="{BB962C8B-B14F-4D97-AF65-F5344CB8AC3E}">
+        <p14:creationId xmlns:p14="http://schemas.microsoft.com/office/powerpoint/2010/main" val="3838943604"/>
+      </p:ext>
+    </p:extLst>
+  </p:cSld>
+  <p:clrMapOvr>
+    <a:masterClrMapping/>
+  </p:clrMapOvr>
+</p:sld>
+</file>
+
+<file path=ppt/slides/slide15.xml><?xml version="1.0" encoding="utf-8"?>
+<p:sld xmlns:a="http://schemas.openxmlformats.org/drawingml/2006/main" xmlns:r="http://schemas.openxmlformats.org/officeDocument/2006/relationships" xmlns:p="http://schemas.openxmlformats.org/presentationml/2006/main">
+  <p:cSld>
+    <p:spTree>
+      <p:nvGrpSpPr>
+        <p:cNvPr id="1" name=""/>
+        <p:cNvGrpSpPr/>
+        <p:nvPr/>
+      </p:nvGrpSpPr>
+      <p:grpSpPr>
+        <a:xfrm>
+          <a:off x="0" y="0"/>
+          <a:ext cx="0" cy="0"/>
+          <a:chOff x="0" y="0"/>
+          <a:chExt cx="0" cy="0"/>
+        </a:xfrm>
+      </p:grpSpPr>
+      <p:sp>
+        <p:nvSpPr>
+          <p:cNvPr id="2" name="Title 1">
+            <a:extLst>
+              <a:ext uri="{FF2B5EF4-FFF2-40B4-BE49-F238E27FC236}">
+                <a16:creationId xmlns:a16="http://schemas.microsoft.com/office/drawing/2014/main" id="{143B5247-4B5C-44D2-AE13-25DD403557B4}"/>
+              </a:ext>
+            </a:extLst>
+          </p:cNvPr>
+          <p:cNvSpPr>
+            <a:spLocks noGrp="1"/>
+          </p:cNvSpPr>
+          <p:nvPr>
+            <p:ph type="title"/>
+          </p:nvPr>
+        </p:nvSpPr>
+        <p:spPr/>
+        <p:txBody>
+          <a:bodyPr>
+            <a:normAutofit/>
+          </a:bodyPr>
+          <a:lstStyle/>
+          <a:p>
+            <a:r>
+              <a:rPr lang="en-US" dirty="0"/>
+              <a:t>Questions?</a:t>
+            </a:r>
+          </a:p>
+        </p:txBody>
+      </p:sp>
+      <p:sp>
+        <p:nvSpPr>
+          <p:cNvPr id="4" name="Date Placeholder 3">
+            <a:extLst>
+              <a:ext uri="{FF2B5EF4-FFF2-40B4-BE49-F238E27FC236}">
+                <a16:creationId xmlns:a16="http://schemas.microsoft.com/office/drawing/2014/main" id="{59913B85-3B4F-43D3-A7E9-D06F5E37C6C1}"/>
+              </a:ext>
+            </a:extLst>
+          </p:cNvPr>
+          <p:cNvSpPr>
+            <a:spLocks noGrp="1"/>
+          </p:cNvSpPr>
+          <p:nvPr>
+            <p:ph type="dt" sz="half" idx="10"/>
+          </p:nvPr>
+        </p:nvSpPr>
+        <p:spPr/>
+        <p:txBody>
+          <a:bodyPr/>
+          <a:lstStyle/>
+          <a:p>
+            <a:fld id="{F736EC4A-E5B7-42C2-9943-4D2477F0E2BA}" type="datetime1">
+              <a:rPr lang="en-US" smtClean="0"/>
+              <a:t>2/16/2022</a:t>
+            </a:fld>
+            <a:endParaRPr lang="en-US" dirty="0"/>
+          </a:p>
+        </p:txBody>
+      </p:sp>
+      <p:sp>
+        <p:nvSpPr>
+          <p:cNvPr id="5" name="Footer Placeholder 4">
+            <a:extLst>
+              <a:ext uri="{FF2B5EF4-FFF2-40B4-BE49-F238E27FC236}">
+                <a16:creationId xmlns:a16="http://schemas.microsoft.com/office/drawing/2014/main" id="{C5649577-8229-4DC9-AE82-59C3A5BA0515}"/>
+              </a:ext>
+            </a:extLst>
+          </p:cNvPr>
+          <p:cNvSpPr>
+            <a:spLocks noGrp="1"/>
+          </p:cNvSpPr>
+          <p:nvPr>
+            <p:ph type="ftr" sz="quarter" idx="11"/>
+          </p:nvPr>
+        </p:nvSpPr>
+        <p:spPr/>
+        <p:txBody>
+          <a:bodyPr/>
+          <a:lstStyle/>
+          <a:p>
+            <a:r>
+              <a:rPr lang="en-US" dirty="0"/>
+              <a:t>Yarden Akaby &amp; Etai Sella</a:t>
+            </a:r>
+          </a:p>
+        </p:txBody>
+      </p:sp>
+      <p:sp>
+        <p:nvSpPr>
+          <p:cNvPr id="6" name="Slide Number Placeholder 5">
+            <a:extLst>
+              <a:ext uri="{FF2B5EF4-FFF2-40B4-BE49-F238E27FC236}">
+                <a16:creationId xmlns:a16="http://schemas.microsoft.com/office/drawing/2014/main" id="{1B57282B-C25D-48B2-A667-C1D467EB1137}"/>
+              </a:ext>
+            </a:extLst>
+          </p:cNvPr>
+          <p:cNvSpPr>
+            <a:spLocks noGrp="1"/>
+          </p:cNvSpPr>
+          <p:nvPr>
+            <p:ph type="sldNum" sz="quarter" idx="12"/>
+          </p:nvPr>
+        </p:nvSpPr>
+        <p:spPr/>
+        <p:txBody>
+          <a:bodyPr/>
+          <a:lstStyle/>
+          <a:p>
+            <a:fld id="{C629165E-D59B-453D-B763-34340D7036F6}" type="slidenum">
+              <a:rPr lang="en-US" smtClean="0"/>
+              <a:t>15</a:t>
+            </a:fld>
+            <a:endParaRPr lang="en-US" dirty="0"/>
+          </a:p>
+        </p:txBody>
+      </p:sp>
+    </p:spTree>
+    <p:extLst>
+      <p:ext uri="{BB962C8B-B14F-4D97-AF65-F5344CB8AC3E}">
+        <p14:creationId xmlns:p14="http://schemas.microsoft.com/office/powerpoint/2010/main" val="3084981542"/>
+      </p:ext>
+    </p:extLst>
+  </p:cSld>
+  <p:clrMapOvr>
+    <a:masterClrMapping/>
+  </p:clrMapOvr>
+</p:sld>
+</file>
+
+<file path=ppt/slides/slide16.xml><?xml version="1.0" encoding="utf-8"?>
+<p:sld xmlns:a="http://schemas.openxmlformats.org/drawingml/2006/main" xmlns:r="http://schemas.openxmlformats.org/officeDocument/2006/relationships" xmlns:p="http://schemas.openxmlformats.org/presentationml/2006/main">
+  <p:cSld>
+    <p:spTree>
+      <p:nvGrpSpPr>
+        <p:cNvPr id="1" name=""/>
+        <p:cNvGrpSpPr/>
+        <p:nvPr/>
+      </p:nvGrpSpPr>
+      <p:grpSpPr>
+        <a:xfrm>
+          <a:off x="0" y="0"/>
+          <a:ext cx="0" cy="0"/>
+          <a:chOff x="0" y="0"/>
+          <a:chExt cx="0" cy="0"/>
+        </a:xfrm>
+      </p:grpSpPr>
+      <p:sp>
+        <p:nvSpPr>
+          <p:cNvPr id="2" name="Title 1">
+            <a:extLst>
+              <a:ext uri="{FF2B5EF4-FFF2-40B4-BE49-F238E27FC236}">
+                <a16:creationId xmlns:a16="http://schemas.microsoft.com/office/drawing/2014/main" id="{143B5247-4B5C-44D2-AE13-25DD403557B4}"/>
+              </a:ext>
+            </a:extLst>
+          </p:cNvPr>
+          <p:cNvSpPr>
+            <a:spLocks noGrp="1"/>
+          </p:cNvSpPr>
+          <p:nvPr>
+            <p:ph type="title"/>
+          </p:nvPr>
+        </p:nvSpPr>
+        <p:spPr/>
+        <p:txBody>
+          <a:bodyPr>
+            <a:normAutofit/>
+          </a:bodyPr>
+          <a:lstStyle/>
+          <a:p>
+            <a:r>
+              <a:rPr lang="en-US" b="0" i="0" u="none" strike="noStrike" baseline="0" dirty="0">
+                <a:latin typeface="NimbusRomNo9L-Medi"/>
+              </a:rPr>
+              <a:t>Main Advantages of </a:t>
+            </a:r>
+            <a:r>
+              <a:rPr lang="en-US" b="0" i="0" u="none" strike="noStrike" baseline="0" dirty="0" err="1">
+                <a:latin typeface="NimbusRomNo9L-Medi"/>
+              </a:rPr>
+              <a:t>AlphaRefine</a:t>
+            </a:r>
+            <a:r>
+              <a:rPr lang="en-US" b="0" i="0" u="none" strike="noStrike" baseline="0" dirty="0">
+                <a:latin typeface="NimbusRomNo9L-Medi"/>
+              </a:rPr>
+              <a:t>:</a:t>
+            </a:r>
+            <a:endParaRPr lang="en-US" dirty="0"/>
+          </a:p>
+        </p:txBody>
+      </p:sp>
+      <p:sp>
+        <p:nvSpPr>
+          <p:cNvPr id="4" name="Date Placeholder 3">
+            <a:extLst>
+              <a:ext uri="{FF2B5EF4-FFF2-40B4-BE49-F238E27FC236}">
+                <a16:creationId xmlns:a16="http://schemas.microsoft.com/office/drawing/2014/main" id="{59913B85-3B4F-43D3-A7E9-D06F5E37C6C1}"/>
+              </a:ext>
+            </a:extLst>
+          </p:cNvPr>
+          <p:cNvSpPr>
+            <a:spLocks noGrp="1"/>
+          </p:cNvSpPr>
+          <p:nvPr>
+            <p:ph type="dt" sz="half" idx="10"/>
+          </p:nvPr>
+        </p:nvSpPr>
+        <p:spPr/>
+        <p:txBody>
+          <a:bodyPr/>
+          <a:lstStyle/>
+          <a:p>
+            <a:fld id="{F736EC4A-E5B7-42C2-9943-4D2477F0E2BA}" type="datetime1">
+              <a:rPr lang="en-US" smtClean="0"/>
+              <a:t>2/16/2022</a:t>
+            </a:fld>
+            <a:endParaRPr lang="en-US" dirty="0"/>
+          </a:p>
+        </p:txBody>
+      </p:sp>
+      <p:sp>
+        <p:nvSpPr>
+          <p:cNvPr id="5" name="Footer Placeholder 4">
+            <a:extLst>
+              <a:ext uri="{FF2B5EF4-FFF2-40B4-BE49-F238E27FC236}">
+                <a16:creationId xmlns:a16="http://schemas.microsoft.com/office/drawing/2014/main" id="{C5649577-8229-4DC9-AE82-59C3A5BA0515}"/>
+              </a:ext>
+            </a:extLst>
+          </p:cNvPr>
+          <p:cNvSpPr>
+            <a:spLocks noGrp="1"/>
+          </p:cNvSpPr>
+          <p:nvPr>
+            <p:ph type="ftr" sz="quarter" idx="11"/>
+          </p:nvPr>
+        </p:nvSpPr>
+        <p:spPr/>
+        <p:txBody>
+          <a:bodyPr/>
+          <a:lstStyle/>
+          <a:p>
+            <a:r>
+              <a:rPr lang="en-US" dirty="0"/>
+              <a:t>Yarden Akaby &amp; Etai Sella</a:t>
+            </a:r>
+          </a:p>
+        </p:txBody>
+      </p:sp>
+      <p:sp>
+        <p:nvSpPr>
+          <p:cNvPr id="6" name="Slide Number Placeholder 5">
+            <a:extLst>
+              <a:ext uri="{FF2B5EF4-FFF2-40B4-BE49-F238E27FC236}">
+                <a16:creationId xmlns:a16="http://schemas.microsoft.com/office/drawing/2014/main" id="{1B57282B-C25D-48B2-A667-C1D467EB1137}"/>
+              </a:ext>
+            </a:extLst>
+          </p:cNvPr>
+          <p:cNvSpPr>
+            <a:spLocks noGrp="1"/>
+          </p:cNvSpPr>
+          <p:nvPr>
+            <p:ph type="sldNum" sz="quarter" idx="12"/>
+          </p:nvPr>
+        </p:nvSpPr>
+        <p:spPr/>
+        <p:txBody>
+          <a:bodyPr/>
+          <a:lstStyle/>
+          <a:p>
+            <a:fld id="{C629165E-D59B-453D-B763-34340D7036F6}" type="slidenum">
+              <a:rPr lang="en-US" smtClean="0"/>
+              <a:t>16</a:t>
+            </a:fld>
+            <a:endParaRPr lang="en-US" dirty="0"/>
+          </a:p>
+        </p:txBody>
+      </p:sp>
+      <p:sp>
+        <p:nvSpPr>
+          <p:cNvPr id="7" name="TextBox 6">
+            <a:extLst>
+              <a:ext uri="{FF2B5EF4-FFF2-40B4-BE49-F238E27FC236}">
+                <a16:creationId xmlns:a16="http://schemas.microsoft.com/office/drawing/2014/main" id="{95E01837-C43A-413E-B2C9-00B4406B07C0}"/>
+              </a:ext>
+            </a:extLst>
+          </p:cNvPr>
+          <p:cNvSpPr txBox="1"/>
+          <p:nvPr/>
+        </p:nvSpPr>
+        <p:spPr>
+          <a:xfrm>
+            <a:off x="472966" y="1618024"/>
+            <a:ext cx="10880832" cy="2308324"/>
+          </a:xfrm>
+          <a:prstGeom prst="rect">
+            <a:avLst/>
+          </a:prstGeom>
+          <a:noFill/>
+        </p:spPr>
+        <p:txBody>
+          <a:bodyPr wrap="square">
+            <a:spAutoFit/>
+          </a:bodyPr>
+          <a:lstStyle/>
+          <a:p>
+            <a:pPr marL="285750" indent="-285750" algn="l">
+              <a:buFont typeface="Arial" panose="020B0604020202020204" pitchFamily="34" charset="0"/>
+              <a:buChar char="•"/>
+            </a:pPr>
+            <a:r>
+              <a:rPr lang="en-US" sz="1800" b="1" i="0" u="none" strike="noStrike" baseline="0" dirty="0">
+                <a:latin typeface="Times New Roman" panose="02020603050405020304" pitchFamily="18" charset="0"/>
+                <a:cs typeface="Times New Roman" panose="02020603050405020304" pitchFamily="18" charset="0"/>
+              </a:rPr>
+              <a:t>Plug and Play:</a:t>
+            </a:r>
+            <a:r>
+              <a:rPr lang="en-US" sz="1800" b="0" i="0" u="none" strike="noStrike" baseline="0" dirty="0">
+                <a:latin typeface="Times New Roman" panose="02020603050405020304" pitchFamily="18" charset="0"/>
+                <a:cs typeface="Times New Roman" panose="02020603050405020304" pitchFamily="18" charset="0"/>
+              </a:rPr>
+              <a:t> Alpha- Refine can be combined with arbitrary trackers in a Plug and Play style and improve their performance.</a:t>
+            </a:r>
+          </a:p>
+          <a:p>
+            <a:pPr marL="285750" indent="-285750" algn="l">
+              <a:buFont typeface="Arial" panose="020B0604020202020204" pitchFamily="34" charset="0"/>
+              <a:buChar char="•"/>
+            </a:pPr>
+            <a:r>
+              <a:rPr lang="en-US" sz="1800" b="1" i="0" u="none" strike="noStrike" baseline="0" dirty="0">
+                <a:latin typeface="Times New Roman" panose="02020603050405020304" pitchFamily="18" charset="0"/>
+                <a:cs typeface="Times New Roman" panose="02020603050405020304" pitchFamily="18" charset="0"/>
+              </a:rPr>
+              <a:t>Smaller search region:</a:t>
+            </a:r>
+            <a:r>
+              <a:rPr lang="en-US" sz="1800" b="0" i="0" u="none" strike="noStrike" baseline="0" dirty="0">
+                <a:latin typeface="Times New Roman" panose="02020603050405020304" pitchFamily="18" charset="0"/>
+                <a:cs typeface="Times New Roman" panose="02020603050405020304" pitchFamily="18" charset="0"/>
+              </a:rPr>
+              <a:t> Notably, compared with independent trackers, the size of Alpha-</a:t>
+            </a:r>
+            <a:r>
+              <a:rPr lang="en-US" sz="1800" b="0" i="0" u="none" strike="noStrike" baseline="0" dirty="0" err="1">
+                <a:latin typeface="Times New Roman" panose="02020603050405020304" pitchFamily="18" charset="0"/>
+                <a:cs typeface="Times New Roman" panose="02020603050405020304" pitchFamily="18" charset="0"/>
+              </a:rPr>
+              <a:t>Refine’s</a:t>
+            </a:r>
+            <a:r>
+              <a:rPr lang="en-US" sz="1800" b="0" i="0" u="none" strike="noStrike" baseline="0" dirty="0">
+                <a:latin typeface="Times New Roman" panose="02020603050405020304" pitchFamily="18" charset="0"/>
+                <a:cs typeface="Times New Roman" panose="02020603050405020304" pitchFamily="18" charset="0"/>
+              </a:rPr>
+              <a:t> search region is roughly two times the size of the object, which is smaller than normal trackers (four times in most cases). The smaller search region can depress the cluttered background and enable the model to focus on </a:t>
+            </a:r>
+            <a:r>
+              <a:rPr lang="en-US" sz="1800" b="1" i="0" u="none" strike="noStrike" baseline="0" dirty="0">
+                <a:latin typeface="Times New Roman" panose="02020603050405020304" pitchFamily="18" charset="0"/>
+                <a:cs typeface="Times New Roman" panose="02020603050405020304" pitchFamily="18" charset="0"/>
+              </a:rPr>
+              <a:t>more detailed spatial information</a:t>
+            </a:r>
+            <a:r>
+              <a:rPr lang="en-US" sz="1800" b="0" i="0" u="none" strike="noStrike" baseline="0" dirty="0">
+                <a:latin typeface="Times New Roman" panose="02020603050405020304" pitchFamily="18" charset="0"/>
+                <a:cs typeface="Times New Roman" panose="02020603050405020304" pitchFamily="18" charset="0"/>
+              </a:rPr>
+              <a:t>, which is </a:t>
+            </a:r>
+            <a:r>
+              <a:rPr lang="en-US" sz="1800" b="1" i="0" u="none" strike="noStrike" baseline="0" dirty="0">
+                <a:latin typeface="Times New Roman" panose="02020603050405020304" pitchFamily="18" charset="0"/>
+                <a:cs typeface="Times New Roman" panose="02020603050405020304" pitchFamily="18" charset="0"/>
+              </a:rPr>
+              <a:t>beneficial to precise localization</a:t>
+            </a:r>
+            <a:r>
+              <a:rPr lang="en-US" sz="1800" b="0" i="0" u="none" strike="noStrike" baseline="0" dirty="0">
+                <a:latin typeface="Times New Roman" panose="02020603050405020304" pitchFamily="18" charset="0"/>
+                <a:cs typeface="Times New Roman" panose="02020603050405020304" pitchFamily="18" charset="0"/>
+              </a:rPr>
+              <a:t>. Small search region also lowers the computation cost, so that Alpha-Refine can improve the base tracker with </a:t>
+            </a:r>
+            <a:r>
+              <a:rPr lang="en-US" sz="1800" b="1" i="0" u="none" strike="noStrike" baseline="0" dirty="0">
+                <a:latin typeface="Times New Roman" panose="02020603050405020304" pitchFamily="18" charset="0"/>
+                <a:cs typeface="Times New Roman" panose="02020603050405020304" pitchFamily="18" charset="0"/>
+              </a:rPr>
+              <a:t>little latency increase</a:t>
+            </a:r>
+            <a:r>
+              <a:rPr lang="en-US" sz="1800" b="0" i="0" u="none" strike="noStrike" baseline="0" dirty="0">
+                <a:latin typeface="Times New Roman" panose="02020603050405020304" pitchFamily="18" charset="0"/>
+                <a:cs typeface="Times New Roman" panose="02020603050405020304" pitchFamily="18" charset="0"/>
+              </a:rPr>
+              <a:t>. </a:t>
+            </a:r>
+          </a:p>
+          <a:p>
+            <a:pPr marL="285750" indent="-285750" algn="l">
+              <a:buFont typeface="Arial" panose="020B0604020202020204" pitchFamily="34" charset="0"/>
+              <a:buChar char="•"/>
+            </a:pPr>
+            <a:endParaRPr lang="en-IL" dirty="0"/>
+          </a:p>
+        </p:txBody>
+      </p:sp>
+      <p:pic>
+        <p:nvPicPr>
+          <p:cNvPr id="9" name="Picture 8">
+            <a:extLst>
+              <a:ext uri="{FF2B5EF4-FFF2-40B4-BE49-F238E27FC236}">
+                <a16:creationId xmlns:a16="http://schemas.microsoft.com/office/drawing/2014/main" id="{44482DEB-16D9-463F-9FC4-14565D65EA5B}"/>
+              </a:ext>
+            </a:extLst>
+          </p:cNvPr>
+          <p:cNvPicPr>
+            <a:picLocks noChangeAspect="1"/>
+          </p:cNvPicPr>
+          <p:nvPr/>
+        </p:nvPicPr>
+        <p:blipFill>
+          <a:blip r:embed="rId3"/>
+          <a:stretch>
+            <a:fillRect/>
+          </a:stretch>
+        </p:blipFill>
+        <p:spPr>
+          <a:xfrm>
+            <a:off x="6318359" y="1857046"/>
+            <a:ext cx="5400675" cy="2933700"/>
+          </a:xfrm>
+          <a:prstGeom prst="rect">
+            <a:avLst/>
+          </a:prstGeom>
+        </p:spPr>
+      </p:pic>
+      <p:pic>
+        <p:nvPicPr>
+          <p:cNvPr id="11" name="Picture 10">
+            <a:extLst>
+              <a:ext uri="{FF2B5EF4-FFF2-40B4-BE49-F238E27FC236}">
+                <a16:creationId xmlns:a16="http://schemas.microsoft.com/office/drawing/2014/main" id="{CC28C84B-215C-41AC-A5D9-F8486D064694}"/>
+              </a:ext>
+            </a:extLst>
+          </p:cNvPr>
+          <p:cNvPicPr>
+            <a:picLocks noChangeAspect="1"/>
+          </p:cNvPicPr>
+          <p:nvPr/>
+        </p:nvPicPr>
+        <p:blipFill>
+          <a:blip r:embed="rId4"/>
+          <a:stretch>
+            <a:fillRect/>
+          </a:stretch>
+        </p:blipFill>
+        <p:spPr>
+          <a:xfrm>
+            <a:off x="650984" y="3723313"/>
+            <a:ext cx="5667375" cy="1971675"/>
+          </a:xfrm>
+          <a:prstGeom prst="rect">
+            <a:avLst/>
+          </a:prstGeom>
+        </p:spPr>
+      </p:pic>
+    </p:spTree>
+    <p:extLst>
+      <p:ext uri="{BB962C8B-B14F-4D97-AF65-F5344CB8AC3E}">
+        <p14:creationId xmlns:p14="http://schemas.microsoft.com/office/powerpoint/2010/main" val="1287575629"/>
+      </p:ext>
+    </p:extLst>
+  </p:cSld>
+  <p:clrMapOvr>
+    <a:masterClrMapping/>
+  </p:clrMapOvr>
+</p:sld>
+</file>
+
 <file path=ppt/slides/slide2.xml><?xml version="1.0" encoding="utf-8"?>
 <p:sld xmlns:a="http://schemas.openxmlformats.org/drawingml/2006/main" xmlns:r="http://schemas.openxmlformats.org/officeDocument/2006/relationships" xmlns:p="http://schemas.openxmlformats.org/presentationml/2006/main">
   <p:cSld>
@@ -4951,7 +7974,7 @@
           <a:p>
             <a:fld id="{6590B5CF-03C4-4DB5-B1EC-5C9E3BE40147}" type="datetime1">
               <a:rPr lang="en-US" smtClean="0"/>
-              <a:t>2/15/2022</a:t>
+              <a:t>2/16/2022</a:t>
             </a:fld>
             <a:endParaRPr lang="en-US" dirty="0"/>
           </a:p>
@@ -5125,7 +8148,7 @@
           <a:p>
             <a:fld id="{F736EC4A-E5B7-42C2-9943-4D2477F0E2BA}" type="datetime1">
               <a:rPr lang="en-US" smtClean="0"/>
-              <a:t>2/15/2022</a:t>
+              <a:t>2/16/2022</a:t>
             </a:fld>
             <a:endParaRPr lang="en-US" dirty="0"/>
           </a:p>
@@ -5627,7 +8650,7 @@
           <a:p>
             <a:fld id="{F736EC4A-E5B7-42C2-9943-4D2477F0E2BA}" type="datetime1">
               <a:rPr lang="en-US" smtClean="0"/>
-              <a:t>2/15/2022</a:t>
+              <a:t>2/16/2022</a:t>
             </a:fld>
             <a:endParaRPr lang="en-US" dirty="0"/>
           </a:p>
@@ -6179,7 +9202,7 @@
           <a:p>
             <a:fld id="{F736EC4A-E5B7-42C2-9943-4D2477F0E2BA}" type="datetime1">
               <a:rPr lang="en-US" smtClean="0"/>
-              <a:t>2/15/2022</a:t>
+              <a:t>2/16/2022</a:t>
             </a:fld>
             <a:endParaRPr lang="en-US" dirty="0"/>
           </a:p>
@@ -6382,7 +9405,7 @@
           <a:p>
             <a:fld id="{F736EC4A-E5B7-42C2-9943-4D2477F0E2BA}" type="datetime1">
               <a:rPr lang="en-US" smtClean="0"/>
-              <a:t>2/15/2022</a:t>
+              <a:t>2/16/2022</a:t>
             </a:fld>
             <a:endParaRPr lang="en-US" dirty="0"/>
           </a:p>
@@ -6564,7 +9587,7 @@
           <a:p>
             <a:fld id="{F736EC4A-E5B7-42C2-9943-4D2477F0E2BA}" type="datetime1">
               <a:rPr lang="en-US" smtClean="0"/>
-              <a:t>2/15/2022</a:t>
+              <a:t>2/16/2022</a:t>
             </a:fld>
             <a:endParaRPr lang="en-US" dirty="0"/>
           </a:p>
@@ -6771,7 +9794,7 @@
           <a:p>
             <a:fld id="{F736EC4A-E5B7-42C2-9943-4D2477F0E2BA}" type="datetime1">
               <a:rPr lang="en-US" smtClean="0"/>
-              <a:t>2/15/2022</a:t>
+              <a:t>2/16/2022</a:t>
             </a:fld>
             <a:endParaRPr lang="en-US" dirty="0"/>
           </a:p>
@@ -6917,7 +9940,7 @@
           <a:p>
             <a:fld id="{F736EC4A-E5B7-42C2-9943-4D2477F0E2BA}" type="datetime1">
               <a:rPr lang="en-US" smtClean="0"/>
-              <a:t>2/15/2022</a:t>
+              <a:t>2/16/2022</a:t>
             </a:fld>
             <a:endParaRPr lang="en-US" dirty="0"/>
           </a:p>

--- a/Presentation/DL_project_presentation.pptx
+++ b/Presentation/DL_project_presentation.pptx
@@ -3,27 +3,27 @@
 <p:presentation xmlns:a="http://schemas.openxmlformats.org/drawingml/2006/main" xmlns:r="http://schemas.openxmlformats.org/officeDocument/2006/relationships" xmlns:p="http://schemas.openxmlformats.org/presentationml/2006/main" showSpecialPlsOnTitleSld="0" saveSubsetFonts="1">
   <p:sldMasterIdLst>
     <p:sldMasterId id="2147483672" r:id="rId1"/>
+    <p:sldMasterId id="2147483684" r:id="rId2"/>
   </p:sldMasterIdLst>
   <p:notesMasterIdLst>
     <p:notesMasterId r:id="rId18"/>
   </p:notesMasterIdLst>
   <p:sldIdLst>
-    <p:sldId id="256" r:id="rId2"/>
-    <p:sldId id="257" r:id="rId3"/>
-    <p:sldId id="258" r:id="rId4"/>
-    <p:sldId id="288" r:id="rId5"/>
-    <p:sldId id="289" r:id="rId6"/>
-    <p:sldId id="291" r:id="rId7"/>
-    <p:sldId id="292" r:id="rId8"/>
-    <p:sldId id="293" r:id="rId9"/>
+    <p:sldId id="256" r:id="rId3"/>
+    <p:sldId id="257" r:id="rId4"/>
+    <p:sldId id="258" r:id="rId5"/>
+    <p:sldId id="288" r:id="rId6"/>
+    <p:sldId id="289" r:id="rId7"/>
+    <p:sldId id="291" r:id="rId8"/>
+    <p:sldId id="292" r:id="rId9"/>
     <p:sldId id="290" r:id="rId10"/>
     <p:sldId id="295" r:id="rId11"/>
     <p:sldId id="299" r:id="rId12"/>
     <p:sldId id="296" r:id="rId13"/>
     <p:sldId id="298" r:id="rId14"/>
     <p:sldId id="300" r:id="rId15"/>
-    <p:sldId id="297" r:id="rId16"/>
-    <p:sldId id="301" r:id="rId17"/>
+    <p:sldId id="301" r:id="rId16"/>
+    <p:sldId id="297" r:id="rId17"/>
   </p:sldIdLst>
   <p:sldSz cx="12192000" cy="6858000"/>
   <p:notesSz cx="6858000" cy="9144000"/>
@@ -637,7 +637,7 @@
     </p:spTree>
     <p:extLst>
       <p:ext uri="{BB962C8B-B14F-4D97-AF65-F5344CB8AC3E}">
-        <p14:creationId xmlns:p14="http://schemas.microsoft.com/office/powerpoint/2010/main" val="2106868845"/>
+        <p14:creationId xmlns:p14="http://schemas.microsoft.com/office/powerpoint/2010/main" val="1352852170"/>
       </p:ext>
     </p:extLst>
   </p:cSld>
@@ -721,7 +721,7 @@
     </p:spTree>
     <p:extLst>
       <p:ext uri="{BB962C8B-B14F-4D97-AF65-F5344CB8AC3E}">
-        <p14:creationId xmlns:p14="http://schemas.microsoft.com/office/powerpoint/2010/main" val="1352852170"/>
+        <p14:creationId xmlns:p14="http://schemas.microsoft.com/office/powerpoint/2010/main" val="1026006167"/>
       </p:ext>
     </p:extLst>
   </p:cSld>
@@ -805,7 +805,7 @@
     </p:spTree>
     <p:extLst>
       <p:ext uri="{BB962C8B-B14F-4D97-AF65-F5344CB8AC3E}">
-        <p14:creationId xmlns:p14="http://schemas.microsoft.com/office/powerpoint/2010/main" val="1026006167"/>
+        <p14:creationId xmlns:p14="http://schemas.microsoft.com/office/powerpoint/2010/main" val="3757271797"/>
       </p:ext>
     </p:extLst>
   </p:cSld>
@@ -889,7 +889,7 @@
     </p:spTree>
     <p:extLst>
       <p:ext uri="{BB962C8B-B14F-4D97-AF65-F5344CB8AC3E}">
-        <p14:creationId xmlns:p14="http://schemas.microsoft.com/office/powerpoint/2010/main" val="3757271797"/>
+        <p14:creationId xmlns:p14="http://schemas.microsoft.com/office/powerpoint/2010/main" val="55514954"/>
       </p:ext>
     </p:extLst>
   </p:cSld>
@@ -974,90 +974,6 @@
     <p:extLst>
       <p:ext uri="{BB962C8B-B14F-4D97-AF65-F5344CB8AC3E}">
         <p14:creationId xmlns:p14="http://schemas.microsoft.com/office/powerpoint/2010/main" val="2052505315"/>
-      </p:ext>
-    </p:extLst>
-  </p:cSld>
-  <p:clrMapOvr>
-    <a:masterClrMapping/>
-  </p:clrMapOvr>
-</p:notes>
-</file>
-
-<file path=ppt/notesSlides/notesSlide15.xml><?xml version="1.0" encoding="utf-8"?>
-<p:notes xmlns:a="http://schemas.openxmlformats.org/drawingml/2006/main" xmlns:r="http://schemas.openxmlformats.org/officeDocument/2006/relationships" xmlns:p="http://schemas.openxmlformats.org/presentationml/2006/main">
-  <p:cSld>
-    <p:spTree>
-      <p:nvGrpSpPr>
-        <p:cNvPr id="1" name=""/>
-        <p:cNvGrpSpPr/>
-        <p:nvPr/>
-      </p:nvGrpSpPr>
-      <p:grpSpPr>
-        <a:xfrm>
-          <a:off x="0" y="0"/>
-          <a:ext cx="0" cy="0"/>
-          <a:chOff x="0" y="0"/>
-          <a:chExt cx="0" cy="0"/>
-        </a:xfrm>
-      </p:grpSpPr>
-      <p:sp>
-        <p:nvSpPr>
-          <p:cNvPr id="2" name="Slide Image Placeholder 1"/>
-          <p:cNvSpPr>
-            <a:spLocks noGrp="1" noRot="1" noChangeAspect="1"/>
-          </p:cNvSpPr>
-          <p:nvPr>
-            <p:ph type="sldImg"/>
-          </p:nvPr>
-        </p:nvSpPr>
-        <p:spPr/>
-      </p:sp>
-      <p:sp>
-        <p:nvSpPr>
-          <p:cNvPr id="3" name="Notes Placeholder 2"/>
-          <p:cNvSpPr>
-            <a:spLocks noGrp="1"/>
-          </p:cNvSpPr>
-          <p:nvPr>
-            <p:ph type="body" idx="1"/>
-          </p:nvPr>
-        </p:nvSpPr>
-        <p:spPr/>
-        <p:txBody>
-          <a:bodyPr/>
-          <a:lstStyle/>
-          <a:p>
-            <a:endParaRPr lang="en-US" dirty="0"/>
-          </a:p>
-        </p:txBody>
-      </p:sp>
-      <p:sp>
-        <p:nvSpPr>
-          <p:cNvPr id="4" name="Slide Number Placeholder 3"/>
-          <p:cNvSpPr>
-            <a:spLocks noGrp="1"/>
-          </p:cNvSpPr>
-          <p:nvPr>
-            <p:ph type="sldNum" sz="quarter" idx="5"/>
-          </p:nvPr>
-        </p:nvSpPr>
-        <p:spPr/>
-        <p:txBody>
-          <a:bodyPr/>
-          <a:lstStyle/>
-          <a:p>
-            <a:fld id="{BB072CD4-8151-4317-B517-71349F960F6F}" type="slidenum">
-              <a:rPr lang="en-US" smtClean="0"/>
-              <a:t>16</a:t>
-            </a:fld>
-            <a:endParaRPr lang="en-US"/>
-          </a:p>
-        </p:txBody>
-      </p:sp>
-    </p:spTree>
-    <p:extLst>
-      <p:ext uri="{BB962C8B-B14F-4D97-AF65-F5344CB8AC3E}">
-        <p14:creationId xmlns:p14="http://schemas.microsoft.com/office/powerpoint/2010/main" val="55514954"/>
       </p:ext>
     </p:extLst>
   </p:cSld>
@@ -1561,7 +1477,7 @@
     </p:spTree>
     <p:extLst>
       <p:ext uri="{BB962C8B-B14F-4D97-AF65-F5344CB8AC3E}">
-        <p14:creationId xmlns:p14="http://schemas.microsoft.com/office/powerpoint/2010/main" val="124153307"/>
+        <p14:creationId xmlns:p14="http://schemas.microsoft.com/office/powerpoint/2010/main" val="875483981"/>
       </p:ext>
     </p:extLst>
   </p:cSld>
@@ -1645,7 +1561,7 @@
     </p:spTree>
     <p:extLst>
       <p:ext uri="{BB962C8B-B14F-4D97-AF65-F5344CB8AC3E}">
-        <p14:creationId xmlns:p14="http://schemas.microsoft.com/office/powerpoint/2010/main" val="875483981"/>
+        <p14:creationId xmlns:p14="http://schemas.microsoft.com/office/powerpoint/2010/main" val="773206228"/>
       </p:ext>
     </p:extLst>
   </p:cSld>
@@ -1729,7 +1645,7 @@
     </p:spTree>
     <p:extLst>
       <p:ext uri="{BB962C8B-B14F-4D97-AF65-F5344CB8AC3E}">
-        <p14:creationId xmlns:p14="http://schemas.microsoft.com/office/powerpoint/2010/main" val="773206228"/>
+        <p14:creationId xmlns:p14="http://schemas.microsoft.com/office/powerpoint/2010/main" val="2106868845"/>
       </p:ext>
     </p:extLst>
   </p:cSld>
@@ -2293,7 +2209,227 @@
 </p:sldLayout>
 </file>
 
-<file path=ppt/slideLayouts/slideLayout2.xml><?xml version="1.0" encoding="utf-8"?>
+<file path=ppt/slideLayouts/slideLayout12.xml><?xml version="1.0" encoding="utf-8"?>
+<p:sldLayout xmlns:a="http://schemas.openxmlformats.org/drawingml/2006/main" xmlns:r="http://schemas.openxmlformats.org/officeDocument/2006/relationships" xmlns:p="http://schemas.openxmlformats.org/presentationml/2006/main" type="title" preserve="1">
+  <p:cSld name="Title Slide">
+    <p:spTree>
+      <p:nvGrpSpPr>
+        <p:cNvPr id="1" name=""/>
+        <p:cNvGrpSpPr/>
+        <p:nvPr/>
+      </p:nvGrpSpPr>
+      <p:grpSpPr>
+        <a:xfrm>
+          <a:off x="0" y="0"/>
+          <a:ext cx="0" cy="0"/>
+          <a:chOff x="0" y="0"/>
+          <a:chExt cx="0" cy="0"/>
+        </a:xfrm>
+      </p:grpSpPr>
+      <p:sp>
+        <p:nvSpPr>
+          <p:cNvPr id="2" name="Title 1">
+            <a:extLst>
+              <a:ext uri="{FF2B5EF4-FFF2-40B4-BE49-F238E27FC236}">
+                <a16:creationId xmlns:a16="http://schemas.microsoft.com/office/drawing/2014/main" id="{172178B8-F078-49BB-AFE2-2668B64E14EB}"/>
+              </a:ext>
+            </a:extLst>
+          </p:cNvPr>
+          <p:cNvSpPr>
+            <a:spLocks noGrp="1"/>
+          </p:cNvSpPr>
+          <p:nvPr>
+            <p:ph type="ctrTitle"/>
+          </p:nvPr>
+        </p:nvSpPr>
+        <p:spPr>
+          <a:xfrm>
+            <a:off x="1524000" y="1122363"/>
+            <a:ext cx="9144000" cy="2387600"/>
+          </a:xfrm>
+        </p:spPr>
+        <p:txBody>
+          <a:bodyPr anchor="b"/>
+          <a:lstStyle>
+            <a:lvl1pPr algn="ctr">
+              <a:defRPr sz="6000"/>
+            </a:lvl1pPr>
+          </a:lstStyle>
+          <a:p>
+            <a:r>
+              <a:rPr lang="en-US"/>
+              <a:t>Click to edit Master title style</a:t>
+            </a:r>
+          </a:p>
+        </p:txBody>
+      </p:sp>
+      <p:sp>
+        <p:nvSpPr>
+          <p:cNvPr id="3" name="Subtitle 2">
+            <a:extLst>
+              <a:ext uri="{FF2B5EF4-FFF2-40B4-BE49-F238E27FC236}">
+                <a16:creationId xmlns:a16="http://schemas.microsoft.com/office/drawing/2014/main" id="{0FEF31AC-E7EE-40C4-A63B-4D087D2FE580}"/>
+              </a:ext>
+            </a:extLst>
+          </p:cNvPr>
+          <p:cNvSpPr>
+            <a:spLocks noGrp="1"/>
+          </p:cNvSpPr>
+          <p:nvPr>
+            <p:ph type="subTitle" idx="1"/>
+          </p:nvPr>
+        </p:nvSpPr>
+        <p:spPr>
+          <a:xfrm>
+            <a:off x="1524000" y="3602038"/>
+            <a:ext cx="9144000" cy="1655762"/>
+          </a:xfrm>
+        </p:spPr>
+        <p:txBody>
+          <a:bodyPr/>
+          <a:lstStyle>
+            <a:lvl1pPr marL="0" indent="0" algn="ctr">
+              <a:buNone/>
+              <a:defRPr sz="2400"/>
+            </a:lvl1pPr>
+            <a:lvl2pPr marL="457200" indent="0" algn="ctr">
+              <a:buNone/>
+              <a:defRPr sz="2000"/>
+            </a:lvl2pPr>
+            <a:lvl3pPr marL="914400" indent="0" algn="ctr">
+              <a:buNone/>
+              <a:defRPr sz="1800"/>
+            </a:lvl3pPr>
+            <a:lvl4pPr marL="1371600" indent="0" algn="ctr">
+              <a:buNone/>
+              <a:defRPr sz="1600"/>
+            </a:lvl4pPr>
+            <a:lvl5pPr marL="1828800" indent="0" algn="ctr">
+              <a:buNone/>
+              <a:defRPr sz="1600"/>
+            </a:lvl5pPr>
+            <a:lvl6pPr marL="2286000" indent="0" algn="ctr">
+              <a:buNone/>
+              <a:defRPr sz="1600"/>
+            </a:lvl6pPr>
+            <a:lvl7pPr marL="2743200" indent="0" algn="ctr">
+              <a:buNone/>
+              <a:defRPr sz="1600"/>
+            </a:lvl7pPr>
+            <a:lvl8pPr marL="3200400" indent="0" algn="ctr">
+              <a:buNone/>
+              <a:defRPr sz="1600"/>
+            </a:lvl8pPr>
+            <a:lvl9pPr marL="3657600" indent="0" algn="ctr">
+              <a:buNone/>
+              <a:defRPr sz="1600"/>
+            </a:lvl9pPr>
+          </a:lstStyle>
+          <a:p>
+            <a:r>
+              <a:rPr lang="en-US"/>
+              <a:t>Click to edit Master subtitle style</a:t>
+            </a:r>
+          </a:p>
+        </p:txBody>
+      </p:sp>
+      <p:sp>
+        <p:nvSpPr>
+          <p:cNvPr id="4" name="Date Placeholder 3">
+            <a:extLst>
+              <a:ext uri="{FF2B5EF4-FFF2-40B4-BE49-F238E27FC236}">
+                <a16:creationId xmlns:a16="http://schemas.microsoft.com/office/drawing/2014/main" id="{3CA5750B-9632-4E8B-8170-493B1B404139}"/>
+              </a:ext>
+            </a:extLst>
+          </p:cNvPr>
+          <p:cNvSpPr>
+            <a:spLocks noGrp="1"/>
+          </p:cNvSpPr>
+          <p:nvPr>
+            <p:ph type="dt" sz="half" idx="10"/>
+          </p:nvPr>
+        </p:nvSpPr>
+        <p:spPr/>
+        <p:txBody>
+          <a:bodyPr/>
+          <a:lstStyle/>
+          <a:p>
+            <a:fld id="{42CC8FCC-431C-4728-AF08-AAB43AA35F20}" type="datetimeFigureOut">
+              <a:rPr lang="en-US" smtClean="0"/>
+              <a:t>2/16/2022</a:t>
+            </a:fld>
+            <a:endParaRPr lang="en-US"/>
+          </a:p>
+        </p:txBody>
+      </p:sp>
+      <p:sp>
+        <p:nvSpPr>
+          <p:cNvPr id="5" name="Footer Placeholder 4">
+            <a:extLst>
+              <a:ext uri="{FF2B5EF4-FFF2-40B4-BE49-F238E27FC236}">
+                <a16:creationId xmlns:a16="http://schemas.microsoft.com/office/drawing/2014/main" id="{CA86F8B1-02FD-4FD6-9985-6605E5DA81A1}"/>
+              </a:ext>
+            </a:extLst>
+          </p:cNvPr>
+          <p:cNvSpPr>
+            <a:spLocks noGrp="1"/>
+          </p:cNvSpPr>
+          <p:nvPr>
+            <p:ph type="ftr" sz="quarter" idx="11"/>
+          </p:nvPr>
+        </p:nvSpPr>
+        <p:spPr/>
+        <p:txBody>
+          <a:bodyPr/>
+          <a:lstStyle/>
+          <a:p>
+            <a:endParaRPr lang="en-US"/>
+          </a:p>
+        </p:txBody>
+      </p:sp>
+      <p:sp>
+        <p:nvSpPr>
+          <p:cNvPr id="6" name="Slide Number Placeholder 5">
+            <a:extLst>
+              <a:ext uri="{FF2B5EF4-FFF2-40B4-BE49-F238E27FC236}">
+                <a16:creationId xmlns:a16="http://schemas.microsoft.com/office/drawing/2014/main" id="{F31F1802-8B62-4F41-9EDD-F6963194FC1A}"/>
+              </a:ext>
+            </a:extLst>
+          </p:cNvPr>
+          <p:cNvSpPr>
+            <a:spLocks noGrp="1"/>
+          </p:cNvSpPr>
+          <p:nvPr>
+            <p:ph type="sldNum" sz="quarter" idx="12"/>
+          </p:nvPr>
+        </p:nvSpPr>
+        <p:spPr/>
+        <p:txBody>
+          <a:bodyPr/>
+          <a:lstStyle/>
+          <a:p>
+            <a:fld id="{06FC1D7C-651C-46AF-AA3B-457EC5ED280A}" type="slidenum">
+              <a:rPr lang="en-US" smtClean="0"/>
+              <a:t>‹#›</a:t>
+            </a:fld>
+            <a:endParaRPr lang="en-US"/>
+          </a:p>
+        </p:txBody>
+      </p:sp>
+    </p:spTree>
+    <p:extLst>
+      <p:ext uri="{BB962C8B-B14F-4D97-AF65-F5344CB8AC3E}">
+        <p14:creationId xmlns:p14="http://schemas.microsoft.com/office/powerpoint/2010/main" val="3651322078"/>
+      </p:ext>
+    </p:extLst>
+  </p:cSld>
+  <p:clrMapOvr>
+    <a:masterClrMapping/>
+  </p:clrMapOvr>
+</p:sldLayout>
+</file>
+
+<file path=ppt/slideLayouts/slideLayout13.xml><?xml version="1.0" encoding="utf-8"?>
 <p:sldLayout xmlns:a="http://schemas.openxmlformats.org/drawingml/2006/main" xmlns:r="http://schemas.openxmlformats.org/officeDocument/2006/relationships" xmlns:p="http://schemas.openxmlformats.org/presentationml/2006/main" type="obj" preserve="1">
   <p:cSld name="Title and Content">
     <p:spTree>
@@ -2312,7 +2448,98 @@
       </p:grpSpPr>
       <p:sp>
         <p:nvSpPr>
-          <p:cNvPr id="4" name="Date Placeholder 3"/>
+          <p:cNvPr id="2" name="Title 1">
+            <a:extLst>
+              <a:ext uri="{FF2B5EF4-FFF2-40B4-BE49-F238E27FC236}">
+                <a16:creationId xmlns:a16="http://schemas.microsoft.com/office/drawing/2014/main" id="{A7D473E0-5BBC-4784-9FC2-760EEB3D11DF}"/>
+              </a:ext>
+            </a:extLst>
+          </p:cNvPr>
+          <p:cNvSpPr>
+            <a:spLocks noGrp="1"/>
+          </p:cNvSpPr>
+          <p:nvPr>
+            <p:ph type="title"/>
+          </p:nvPr>
+        </p:nvSpPr>
+        <p:spPr/>
+        <p:txBody>
+          <a:bodyPr/>
+          <a:lstStyle/>
+          <a:p>
+            <a:r>
+              <a:rPr lang="en-US"/>
+              <a:t>Click to edit Master title style</a:t>
+            </a:r>
+          </a:p>
+        </p:txBody>
+      </p:sp>
+      <p:sp>
+        <p:nvSpPr>
+          <p:cNvPr id="3" name="Content Placeholder 2">
+            <a:extLst>
+              <a:ext uri="{FF2B5EF4-FFF2-40B4-BE49-F238E27FC236}">
+                <a16:creationId xmlns:a16="http://schemas.microsoft.com/office/drawing/2014/main" id="{032BE16A-92C5-4A74-8924-DC65120B484D}"/>
+              </a:ext>
+            </a:extLst>
+          </p:cNvPr>
+          <p:cNvSpPr>
+            <a:spLocks noGrp="1"/>
+          </p:cNvSpPr>
+          <p:nvPr>
+            <p:ph idx="1"/>
+          </p:nvPr>
+        </p:nvSpPr>
+        <p:spPr/>
+        <p:txBody>
+          <a:bodyPr/>
+          <a:lstStyle/>
+          <a:p>
+            <a:pPr lvl="0"/>
+            <a:r>
+              <a:rPr lang="en-US"/>
+              <a:t>Click to edit Master text styles</a:t>
+            </a:r>
+          </a:p>
+          <a:p>
+            <a:pPr lvl="1"/>
+            <a:r>
+              <a:rPr lang="en-US"/>
+              <a:t>Second level</a:t>
+            </a:r>
+          </a:p>
+          <a:p>
+            <a:pPr lvl="2"/>
+            <a:r>
+              <a:rPr lang="en-US"/>
+              <a:t>Third level</a:t>
+            </a:r>
+          </a:p>
+          <a:p>
+            <a:pPr lvl="3"/>
+            <a:r>
+              <a:rPr lang="en-US"/>
+              <a:t>Fourth level</a:t>
+            </a:r>
+          </a:p>
+          <a:p>
+            <a:pPr lvl="4"/>
+            <a:r>
+              <a:rPr lang="en-US"/>
+              <a:t>Fifth level</a:t>
+            </a:r>
+          </a:p>
+        </p:txBody>
+      </p:sp>
+      <p:sp>
+        <p:nvSpPr>
+          <p:cNvPr id="4" name="Date Placeholder 3">
+            <a:extLst>
+              <a:ext uri="{FF2B5EF4-FFF2-40B4-BE49-F238E27FC236}">
+                <a16:creationId xmlns:a16="http://schemas.microsoft.com/office/drawing/2014/main" id="{CEFC9BE2-B836-4507-8EF8-25F12ED10C86}"/>
+              </a:ext>
+            </a:extLst>
+          </p:cNvPr>
           <p:cNvSpPr>
             <a:spLocks noGrp="1"/>
           </p:cNvSpPr>
@@ -2320,27 +2547,28 @@
             <p:ph type="dt" sz="half" idx="10"/>
           </p:nvPr>
         </p:nvSpPr>
-        <p:spPr>
-          <a:xfrm>
-            <a:off x="838201" y="6299200"/>
-            <a:ext cx="876299" cy="365125"/>
-          </a:xfrm>
-        </p:spPr>
-        <p:txBody>
-          <a:bodyPr/>
-          <a:lstStyle/>
-          <a:p>
-            <a:fld id="{F736EC4A-E5B7-42C2-9943-4D2477F0E2BA}" type="datetime1">
+        <p:spPr/>
+        <p:txBody>
+          <a:bodyPr/>
+          <a:lstStyle/>
+          <a:p>
+            <a:fld id="{42CC8FCC-431C-4728-AF08-AAB43AA35F20}" type="datetimeFigureOut">
               <a:rPr lang="en-US" smtClean="0"/>
               <a:t>2/16/2022</a:t>
             </a:fld>
-            <a:endParaRPr lang="en-US" dirty="0"/>
-          </a:p>
-        </p:txBody>
-      </p:sp>
-      <p:sp>
-        <p:nvSpPr>
-          <p:cNvPr id="5" name="Footer Placeholder 4"/>
+            <a:endParaRPr lang="en-US"/>
+          </a:p>
+        </p:txBody>
+      </p:sp>
+      <p:sp>
+        <p:nvSpPr>
+          <p:cNvPr id="5" name="Footer Placeholder 4">
+            <a:extLst>
+              <a:ext uri="{FF2B5EF4-FFF2-40B4-BE49-F238E27FC236}">
+                <a16:creationId xmlns:a16="http://schemas.microsoft.com/office/drawing/2014/main" id="{0C0CCD56-408A-4F12-9103-AEC327DEB255}"/>
+              </a:ext>
+            </a:extLst>
+          </p:cNvPr>
           <p:cNvSpPr>
             <a:spLocks noGrp="1"/>
           </p:cNvSpPr>
@@ -2348,81 +2576,24 @@
             <p:ph type="ftr" sz="quarter" idx="11"/>
           </p:nvPr>
         </p:nvSpPr>
-        <p:spPr>
-          <a:xfrm>
-            <a:off x="1828135" y="6299200"/>
-            <a:ext cx="1829466" cy="365126"/>
-          </a:xfrm>
-        </p:spPr>
-        <p:txBody>
-          <a:bodyPr/>
-          <a:lstStyle/>
-          <a:p>
-            <a:r>
-              <a:rPr lang="en-US" dirty="0"/>
-              <a:t>Or Sagiv &amp; Etai Sella</a:t>
-            </a:r>
-          </a:p>
-        </p:txBody>
-      </p:sp>
-      <p:sp>
-        <p:nvSpPr>
-          <p:cNvPr id="9" name="Rectangle 8">
-            <a:extLst>
-              <a:ext uri="{FF2B5EF4-FFF2-40B4-BE49-F238E27FC236}">
-                <a16:creationId xmlns:a16="http://schemas.microsoft.com/office/drawing/2014/main" id="{82DC7C06-D977-485E-B552-1F22D3B0ABC9}"/>
-              </a:ext>
-            </a:extLst>
-          </p:cNvPr>
-          <p:cNvSpPr/>
-          <p:nvPr userDrawn="1"/>
-        </p:nvSpPr>
-        <p:spPr>
-          <a:xfrm>
-            <a:off x="504824" y="1568450"/>
-            <a:ext cx="10848973" cy="4351338"/>
-          </a:xfrm>
-          <a:prstGeom prst="rect">
-            <a:avLst/>
-          </a:prstGeom>
-          <a:solidFill>
-            <a:schemeClr val="accent5">
-              <a:lumMod val="20000"/>
-              <a:lumOff val="80000"/>
-            </a:schemeClr>
-          </a:solidFill>
-          <a:ln>
-            <a:noFill/>
-          </a:ln>
-        </p:spPr>
-        <p:style>
-          <a:lnRef idx="2">
-            <a:schemeClr val="accent1">
-              <a:shade val="50000"/>
-            </a:schemeClr>
-          </a:lnRef>
-          <a:fillRef idx="1">
-            <a:schemeClr val="accent1"/>
-          </a:fillRef>
-          <a:effectRef idx="0">
-            <a:schemeClr val="accent1"/>
-          </a:effectRef>
-          <a:fontRef idx="minor">
-            <a:schemeClr val="lt1"/>
-          </a:fontRef>
-        </p:style>
-        <p:txBody>
-          <a:bodyPr rtlCol="0" anchor="ctr"/>
-          <a:lstStyle/>
-          <a:p>
-            <a:pPr algn="ctr"/>
-            <a:endParaRPr lang="en-US" dirty="0"/>
-          </a:p>
-        </p:txBody>
-      </p:sp>
-      <p:sp>
-        <p:nvSpPr>
-          <p:cNvPr id="6" name="Slide Number Placeholder 5"/>
+        <p:spPr/>
+        <p:txBody>
+          <a:bodyPr/>
+          <a:lstStyle/>
+          <a:p>
+            <a:endParaRPr lang="en-US"/>
+          </a:p>
+        </p:txBody>
+      </p:sp>
+      <p:sp>
+        <p:nvSpPr>
+          <p:cNvPr id="6" name="Slide Number Placeholder 5">
+            <a:extLst>
+              <a:ext uri="{FF2B5EF4-FFF2-40B4-BE49-F238E27FC236}">
+                <a16:creationId xmlns:a16="http://schemas.microsoft.com/office/drawing/2014/main" id="{3024FD24-B995-4A58-8D39-ED341FC87AB1}"/>
+              </a:ext>
+            </a:extLst>
+          </p:cNvPr>
           <p:cNvSpPr>
             <a:spLocks noGrp="1"/>
           </p:cNvSpPr>
@@ -2435,229 +2606,18 @@
           <a:bodyPr/>
           <a:lstStyle/>
           <a:p>
-            <a:fld id="{C629165E-D59B-453D-B763-34340D7036F6}" type="slidenum">
+            <a:fld id="{06FC1D7C-651C-46AF-AA3B-457EC5ED280A}" type="slidenum">
               <a:rPr lang="en-US" smtClean="0"/>
               <a:t>‹#›</a:t>
             </a:fld>
-            <a:endParaRPr lang="en-US" dirty="0"/>
-          </a:p>
-        </p:txBody>
-      </p:sp>
-      <p:cxnSp>
-        <p:nvCxnSpPr>
-          <p:cNvPr id="8" name="Straight Connector 7">
-            <a:extLst>
-              <a:ext uri="{FF2B5EF4-FFF2-40B4-BE49-F238E27FC236}">
-                <a16:creationId xmlns:a16="http://schemas.microsoft.com/office/drawing/2014/main" id="{BCC7051E-9774-4F7D-9FBE-CAE7369E0F12}"/>
-              </a:ext>
-            </a:extLst>
-          </p:cNvPr>
-          <p:cNvCxnSpPr>
-            <a:cxnSpLocks/>
-          </p:cNvCxnSpPr>
-          <p:nvPr userDrawn="1"/>
-        </p:nvCxnSpPr>
-        <p:spPr>
-          <a:xfrm>
-            <a:off x="0" y="1428750"/>
-            <a:ext cx="10848975" cy="0"/>
-          </a:xfrm>
-          <a:prstGeom prst="line">
-            <a:avLst/>
-          </a:prstGeom>
-          <a:ln w="28575">
-            <a:gradFill flip="none" rotWithShape="1">
-              <a:gsLst>
-                <a:gs pos="0">
-                  <a:schemeClr val="accent1">
-                    <a:lumMod val="5000"/>
-                    <a:lumOff val="95000"/>
-                  </a:schemeClr>
-                </a:gs>
-                <a:gs pos="74000">
-                  <a:schemeClr val="accent1">
-                    <a:lumMod val="45000"/>
-                    <a:lumOff val="55000"/>
-                  </a:schemeClr>
-                </a:gs>
-                <a:gs pos="83000">
-                  <a:schemeClr val="accent1">
-                    <a:lumMod val="45000"/>
-                    <a:lumOff val="55000"/>
-                  </a:schemeClr>
-                </a:gs>
-                <a:gs pos="100000">
-                  <a:schemeClr val="accent1">
-                    <a:lumMod val="30000"/>
-                    <a:lumOff val="70000"/>
-                  </a:schemeClr>
-                </a:gs>
-              </a:gsLst>
-              <a:lin ang="10800000" scaled="1"/>
-              <a:tileRect/>
-            </a:gradFill>
-          </a:ln>
-        </p:spPr>
-        <p:style>
-          <a:lnRef idx="1">
-            <a:schemeClr val="accent1"/>
-          </a:lnRef>
-          <a:fillRef idx="0">
-            <a:schemeClr val="accent1"/>
-          </a:fillRef>
-          <a:effectRef idx="0">
-            <a:schemeClr val="accent1"/>
-          </a:effectRef>
-          <a:fontRef idx="minor">
-            <a:schemeClr val="tx1"/>
-          </a:fontRef>
-        </p:style>
-      </p:cxnSp>
-      <p:sp>
-        <p:nvSpPr>
-          <p:cNvPr id="3" name="Content Placeholder 2"/>
-          <p:cNvSpPr>
-            <a:spLocks noGrp="1"/>
-          </p:cNvSpPr>
-          <p:nvPr>
-            <p:ph idx="1"/>
-          </p:nvPr>
-        </p:nvSpPr>
-        <p:spPr>
-          <a:xfrm>
-            <a:off x="838198" y="1711324"/>
-            <a:ext cx="10191752" cy="4208464"/>
-          </a:xfrm>
-          <a:ln>
-            <a:noFill/>
-          </a:ln>
-        </p:spPr>
-        <p:txBody>
-          <a:bodyPr/>
-          <a:lstStyle/>
-          <a:p>
-            <a:pPr lvl="0"/>
-            <a:r>
-              <a:rPr lang="en-US" dirty="0"/>
-              <a:t>Click to edit Master text styles</a:t>
-            </a:r>
-          </a:p>
-          <a:p>
-            <a:pPr lvl="1"/>
-            <a:r>
-              <a:rPr lang="en-US" dirty="0"/>
-              <a:t>Second level</a:t>
-            </a:r>
-          </a:p>
-          <a:p>
-            <a:pPr lvl="2"/>
-            <a:r>
-              <a:rPr lang="en-US" dirty="0"/>
-              <a:t>Third level</a:t>
-            </a:r>
-          </a:p>
-          <a:p>
-            <a:pPr lvl="3"/>
-            <a:r>
-              <a:rPr lang="en-US" dirty="0"/>
-              <a:t>Fourth level</a:t>
-            </a:r>
-          </a:p>
-          <a:p>
-            <a:pPr lvl="4"/>
-            <a:r>
-              <a:rPr lang="en-US" dirty="0"/>
-              <a:t>Fifth level</a:t>
-            </a:r>
-          </a:p>
-        </p:txBody>
-      </p:sp>
-      <p:sp>
-        <p:nvSpPr>
-          <p:cNvPr id="7" name="Rectangle 6">
-            <a:extLst>
-              <a:ext uri="{FF2B5EF4-FFF2-40B4-BE49-F238E27FC236}">
-                <a16:creationId xmlns:a16="http://schemas.microsoft.com/office/drawing/2014/main" id="{BFC1BC26-B342-49E2-9BAB-2D254B1BB9C9}"/>
-              </a:ext>
-            </a:extLst>
-          </p:cNvPr>
-          <p:cNvSpPr/>
-          <p:nvPr userDrawn="1"/>
-        </p:nvSpPr>
-        <p:spPr>
-          <a:xfrm>
-            <a:off x="504825" y="365127"/>
-            <a:ext cx="10848974" cy="920749"/>
-          </a:xfrm>
-          <a:prstGeom prst="rect">
-            <a:avLst/>
-          </a:prstGeom>
-          <a:solidFill>
-            <a:schemeClr val="accent5">
-              <a:lumMod val="20000"/>
-              <a:lumOff val="80000"/>
-            </a:schemeClr>
-          </a:solidFill>
-          <a:ln>
-            <a:noFill/>
-          </a:ln>
-        </p:spPr>
-        <p:style>
-          <a:lnRef idx="2">
-            <a:schemeClr val="accent1">
-              <a:shade val="50000"/>
-            </a:schemeClr>
-          </a:lnRef>
-          <a:fillRef idx="1">
-            <a:schemeClr val="accent1"/>
-          </a:fillRef>
-          <a:effectRef idx="0">
-            <a:schemeClr val="accent1"/>
-          </a:effectRef>
-          <a:fontRef idx="minor">
-            <a:schemeClr val="lt1"/>
-          </a:fontRef>
-        </p:style>
-        <p:txBody>
-          <a:bodyPr rtlCol="0" anchor="ctr"/>
-          <a:lstStyle/>
-          <a:p>
-            <a:pPr algn="ctr"/>
             <a:endParaRPr lang="en-US"/>
-          </a:p>
-        </p:txBody>
-      </p:sp>
-      <p:sp>
-        <p:nvSpPr>
-          <p:cNvPr id="2" name="Title 1"/>
-          <p:cNvSpPr>
-            <a:spLocks noGrp="1"/>
-          </p:cNvSpPr>
-          <p:nvPr>
-            <p:ph type="title"/>
-          </p:nvPr>
-        </p:nvSpPr>
-        <p:spPr>
-          <a:xfrm>
-            <a:off x="838198" y="365127"/>
-            <a:ext cx="10515600" cy="920750"/>
-          </a:xfrm>
-        </p:spPr>
-        <p:txBody>
-          <a:bodyPr/>
-          <a:lstStyle/>
-          <a:p>
-            <a:r>
-              <a:rPr lang="en-US" dirty="0"/>
-              <a:t>Click to edit Master title style</a:t>
-            </a:r>
           </a:p>
         </p:txBody>
       </p:sp>
     </p:spTree>
     <p:extLst>
       <p:ext uri="{BB962C8B-B14F-4D97-AF65-F5344CB8AC3E}">
-        <p14:creationId xmlns:p14="http://schemas.microsoft.com/office/powerpoint/2010/main" val="295734926"/>
+        <p14:creationId xmlns:p14="http://schemas.microsoft.com/office/powerpoint/2010/main" val="3882379615"/>
       </p:ext>
     </p:extLst>
   </p:cSld>
@@ -2667,7 +2627,7 @@
 </p:sldLayout>
 </file>
 
-<file path=ppt/slideLayouts/slideLayout3.xml><?xml version="1.0" encoding="utf-8"?>
+<file path=ppt/slideLayouts/slideLayout14.xml><?xml version="1.0" encoding="utf-8"?>
 <p:sldLayout xmlns:a="http://schemas.openxmlformats.org/drawingml/2006/main" xmlns:r="http://schemas.openxmlformats.org/officeDocument/2006/relationships" xmlns:p="http://schemas.openxmlformats.org/presentationml/2006/main" type="secHead" preserve="1">
   <p:cSld name="Section Header">
     <p:spTree>
@@ -2686,7 +2646,13 @@
       </p:grpSpPr>
       <p:sp>
         <p:nvSpPr>
-          <p:cNvPr id="2" name="Title 1"/>
+          <p:cNvPr id="2" name="Title 1">
+            <a:extLst>
+              <a:ext uri="{FF2B5EF4-FFF2-40B4-BE49-F238E27FC236}">
+                <a16:creationId xmlns:a16="http://schemas.microsoft.com/office/drawing/2014/main" id="{49227C7C-5045-4CD0-8233-73B0E03EE01E}"/>
+              </a:ext>
+            </a:extLst>
+          </p:cNvPr>
           <p:cNvSpPr>
             <a:spLocks noGrp="1"/>
           </p:cNvSpPr>
@@ -2712,13 +2678,18 @@
               <a:rPr lang="en-US"/>
               <a:t>Click to edit Master title style</a:t>
             </a:r>
-            <a:endParaRPr lang="en-US" dirty="0"/>
-          </a:p>
-        </p:txBody>
-      </p:sp>
-      <p:sp>
-        <p:nvSpPr>
-          <p:cNvPr id="3" name="Text Placeholder 2"/>
+          </a:p>
+        </p:txBody>
+      </p:sp>
+      <p:sp>
+        <p:nvSpPr>
+          <p:cNvPr id="3" name="Text Placeholder 2">
+            <a:extLst>
+              <a:ext uri="{FF2B5EF4-FFF2-40B4-BE49-F238E27FC236}">
+                <a16:creationId xmlns:a16="http://schemas.microsoft.com/office/drawing/2014/main" id="{9DBFF774-880D-423D-A4A4-0F1975ADCC06}"/>
+              </a:ext>
+            </a:extLst>
+          </p:cNvPr>
           <p:cNvSpPr>
             <a:spLocks noGrp="1"/>
           </p:cNvSpPr>
@@ -2837,6 +2808,2580 @@
       </p:sp>
       <p:sp>
         <p:nvSpPr>
+          <p:cNvPr id="4" name="Date Placeholder 3">
+            <a:extLst>
+              <a:ext uri="{FF2B5EF4-FFF2-40B4-BE49-F238E27FC236}">
+                <a16:creationId xmlns:a16="http://schemas.microsoft.com/office/drawing/2014/main" id="{4EC0B913-FB58-4F0E-ACFB-0D303D6CCC03}"/>
+              </a:ext>
+            </a:extLst>
+          </p:cNvPr>
+          <p:cNvSpPr>
+            <a:spLocks noGrp="1"/>
+          </p:cNvSpPr>
+          <p:nvPr>
+            <p:ph type="dt" sz="half" idx="10"/>
+          </p:nvPr>
+        </p:nvSpPr>
+        <p:spPr/>
+        <p:txBody>
+          <a:bodyPr/>
+          <a:lstStyle/>
+          <a:p>
+            <a:fld id="{42CC8FCC-431C-4728-AF08-AAB43AA35F20}" type="datetimeFigureOut">
+              <a:rPr lang="en-US" smtClean="0"/>
+              <a:t>2/16/2022</a:t>
+            </a:fld>
+            <a:endParaRPr lang="en-US"/>
+          </a:p>
+        </p:txBody>
+      </p:sp>
+      <p:sp>
+        <p:nvSpPr>
+          <p:cNvPr id="5" name="Footer Placeholder 4">
+            <a:extLst>
+              <a:ext uri="{FF2B5EF4-FFF2-40B4-BE49-F238E27FC236}">
+                <a16:creationId xmlns:a16="http://schemas.microsoft.com/office/drawing/2014/main" id="{4F1144F9-79CE-4B79-A09B-7D4238690C1F}"/>
+              </a:ext>
+            </a:extLst>
+          </p:cNvPr>
+          <p:cNvSpPr>
+            <a:spLocks noGrp="1"/>
+          </p:cNvSpPr>
+          <p:nvPr>
+            <p:ph type="ftr" sz="quarter" idx="11"/>
+          </p:nvPr>
+        </p:nvSpPr>
+        <p:spPr/>
+        <p:txBody>
+          <a:bodyPr/>
+          <a:lstStyle/>
+          <a:p>
+            <a:endParaRPr lang="en-US"/>
+          </a:p>
+        </p:txBody>
+      </p:sp>
+      <p:sp>
+        <p:nvSpPr>
+          <p:cNvPr id="6" name="Slide Number Placeholder 5">
+            <a:extLst>
+              <a:ext uri="{FF2B5EF4-FFF2-40B4-BE49-F238E27FC236}">
+                <a16:creationId xmlns:a16="http://schemas.microsoft.com/office/drawing/2014/main" id="{6D8000EA-06F0-4E67-968F-A3A699380EDC}"/>
+              </a:ext>
+            </a:extLst>
+          </p:cNvPr>
+          <p:cNvSpPr>
+            <a:spLocks noGrp="1"/>
+          </p:cNvSpPr>
+          <p:nvPr>
+            <p:ph type="sldNum" sz="quarter" idx="12"/>
+          </p:nvPr>
+        </p:nvSpPr>
+        <p:spPr/>
+        <p:txBody>
+          <a:bodyPr/>
+          <a:lstStyle/>
+          <a:p>
+            <a:fld id="{06FC1D7C-651C-46AF-AA3B-457EC5ED280A}" type="slidenum">
+              <a:rPr lang="en-US" smtClean="0"/>
+              <a:t>‹#›</a:t>
+            </a:fld>
+            <a:endParaRPr lang="en-US"/>
+          </a:p>
+        </p:txBody>
+      </p:sp>
+    </p:spTree>
+    <p:extLst>
+      <p:ext uri="{BB962C8B-B14F-4D97-AF65-F5344CB8AC3E}">
+        <p14:creationId xmlns:p14="http://schemas.microsoft.com/office/powerpoint/2010/main" val="2028083294"/>
+      </p:ext>
+    </p:extLst>
+  </p:cSld>
+  <p:clrMapOvr>
+    <a:masterClrMapping/>
+  </p:clrMapOvr>
+</p:sldLayout>
+</file>
+
+<file path=ppt/slideLayouts/slideLayout15.xml><?xml version="1.0" encoding="utf-8"?>
+<p:sldLayout xmlns:a="http://schemas.openxmlformats.org/drawingml/2006/main" xmlns:r="http://schemas.openxmlformats.org/officeDocument/2006/relationships" xmlns:p="http://schemas.openxmlformats.org/presentationml/2006/main" type="twoObj" preserve="1">
+  <p:cSld name="Two Content">
+    <p:spTree>
+      <p:nvGrpSpPr>
+        <p:cNvPr id="1" name=""/>
+        <p:cNvGrpSpPr/>
+        <p:nvPr/>
+      </p:nvGrpSpPr>
+      <p:grpSpPr>
+        <a:xfrm>
+          <a:off x="0" y="0"/>
+          <a:ext cx="0" cy="0"/>
+          <a:chOff x="0" y="0"/>
+          <a:chExt cx="0" cy="0"/>
+        </a:xfrm>
+      </p:grpSpPr>
+      <p:sp>
+        <p:nvSpPr>
+          <p:cNvPr id="2" name="Title 1">
+            <a:extLst>
+              <a:ext uri="{FF2B5EF4-FFF2-40B4-BE49-F238E27FC236}">
+                <a16:creationId xmlns:a16="http://schemas.microsoft.com/office/drawing/2014/main" id="{34A39C0E-9E56-4CB8-A8AA-FD7CBF8F563C}"/>
+              </a:ext>
+            </a:extLst>
+          </p:cNvPr>
+          <p:cNvSpPr>
+            <a:spLocks noGrp="1"/>
+          </p:cNvSpPr>
+          <p:nvPr>
+            <p:ph type="title"/>
+          </p:nvPr>
+        </p:nvSpPr>
+        <p:spPr/>
+        <p:txBody>
+          <a:bodyPr/>
+          <a:lstStyle/>
+          <a:p>
+            <a:r>
+              <a:rPr lang="en-US"/>
+              <a:t>Click to edit Master title style</a:t>
+            </a:r>
+          </a:p>
+        </p:txBody>
+      </p:sp>
+      <p:sp>
+        <p:nvSpPr>
+          <p:cNvPr id="3" name="Content Placeholder 2">
+            <a:extLst>
+              <a:ext uri="{FF2B5EF4-FFF2-40B4-BE49-F238E27FC236}">
+                <a16:creationId xmlns:a16="http://schemas.microsoft.com/office/drawing/2014/main" id="{B937CFBF-27EB-4731-9E6F-88158A7CA5B0}"/>
+              </a:ext>
+            </a:extLst>
+          </p:cNvPr>
+          <p:cNvSpPr>
+            <a:spLocks noGrp="1"/>
+          </p:cNvSpPr>
+          <p:nvPr>
+            <p:ph sz="half" idx="1"/>
+          </p:nvPr>
+        </p:nvSpPr>
+        <p:spPr>
+          <a:xfrm>
+            <a:off x="838200" y="1825625"/>
+            <a:ext cx="5181600" cy="4351338"/>
+          </a:xfrm>
+        </p:spPr>
+        <p:txBody>
+          <a:bodyPr/>
+          <a:lstStyle/>
+          <a:p>
+            <a:pPr lvl="0"/>
+            <a:r>
+              <a:rPr lang="en-US"/>
+              <a:t>Click to edit Master text styles</a:t>
+            </a:r>
+          </a:p>
+          <a:p>
+            <a:pPr lvl="1"/>
+            <a:r>
+              <a:rPr lang="en-US"/>
+              <a:t>Second level</a:t>
+            </a:r>
+          </a:p>
+          <a:p>
+            <a:pPr lvl="2"/>
+            <a:r>
+              <a:rPr lang="en-US"/>
+              <a:t>Third level</a:t>
+            </a:r>
+          </a:p>
+          <a:p>
+            <a:pPr lvl="3"/>
+            <a:r>
+              <a:rPr lang="en-US"/>
+              <a:t>Fourth level</a:t>
+            </a:r>
+          </a:p>
+          <a:p>
+            <a:pPr lvl="4"/>
+            <a:r>
+              <a:rPr lang="en-US"/>
+              <a:t>Fifth level</a:t>
+            </a:r>
+          </a:p>
+        </p:txBody>
+      </p:sp>
+      <p:sp>
+        <p:nvSpPr>
+          <p:cNvPr id="4" name="Content Placeholder 3">
+            <a:extLst>
+              <a:ext uri="{FF2B5EF4-FFF2-40B4-BE49-F238E27FC236}">
+                <a16:creationId xmlns:a16="http://schemas.microsoft.com/office/drawing/2014/main" id="{3CCB986E-664D-49FD-9F37-A8A94ABCBE3B}"/>
+              </a:ext>
+            </a:extLst>
+          </p:cNvPr>
+          <p:cNvSpPr>
+            <a:spLocks noGrp="1"/>
+          </p:cNvSpPr>
+          <p:nvPr>
+            <p:ph sz="half" idx="2"/>
+          </p:nvPr>
+        </p:nvSpPr>
+        <p:spPr>
+          <a:xfrm>
+            <a:off x="6172200" y="1825625"/>
+            <a:ext cx="5181600" cy="4351338"/>
+          </a:xfrm>
+        </p:spPr>
+        <p:txBody>
+          <a:bodyPr/>
+          <a:lstStyle/>
+          <a:p>
+            <a:pPr lvl="0"/>
+            <a:r>
+              <a:rPr lang="en-US"/>
+              <a:t>Click to edit Master text styles</a:t>
+            </a:r>
+          </a:p>
+          <a:p>
+            <a:pPr lvl="1"/>
+            <a:r>
+              <a:rPr lang="en-US"/>
+              <a:t>Second level</a:t>
+            </a:r>
+          </a:p>
+          <a:p>
+            <a:pPr lvl="2"/>
+            <a:r>
+              <a:rPr lang="en-US"/>
+              <a:t>Third level</a:t>
+            </a:r>
+          </a:p>
+          <a:p>
+            <a:pPr lvl="3"/>
+            <a:r>
+              <a:rPr lang="en-US"/>
+              <a:t>Fourth level</a:t>
+            </a:r>
+          </a:p>
+          <a:p>
+            <a:pPr lvl="4"/>
+            <a:r>
+              <a:rPr lang="en-US"/>
+              <a:t>Fifth level</a:t>
+            </a:r>
+          </a:p>
+        </p:txBody>
+      </p:sp>
+      <p:sp>
+        <p:nvSpPr>
+          <p:cNvPr id="5" name="Date Placeholder 4">
+            <a:extLst>
+              <a:ext uri="{FF2B5EF4-FFF2-40B4-BE49-F238E27FC236}">
+                <a16:creationId xmlns:a16="http://schemas.microsoft.com/office/drawing/2014/main" id="{BEFD9F13-BDA2-4AF2-B757-92CB9D0937FC}"/>
+              </a:ext>
+            </a:extLst>
+          </p:cNvPr>
+          <p:cNvSpPr>
+            <a:spLocks noGrp="1"/>
+          </p:cNvSpPr>
+          <p:nvPr>
+            <p:ph type="dt" sz="half" idx="10"/>
+          </p:nvPr>
+        </p:nvSpPr>
+        <p:spPr/>
+        <p:txBody>
+          <a:bodyPr/>
+          <a:lstStyle/>
+          <a:p>
+            <a:fld id="{42CC8FCC-431C-4728-AF08-AAB43AA35F20}" type="datetimeFigureOut">
+              <a:rPr lang="en-US" smtClean="0"/>
+              <a:t>2/16/2022</a:t>
+            </a:fld>
+            <a:endParaRPr lang="en-US"/>
+          </a:p>
+        </p:txBody>
+      </p:sp>
+      <p:sp>
+        <p:nvSpPr>
+          <p:cNvPr id="6" name="Footer Placeholder 5">
+            <a:extLst>
+              <a:ext uri="{FF2B5EF4-FFF2-40B4-BE49-F238E27FC236}">
+                <a16:creationId xmlns:a16="http://schemas.microsoft.com/office/drawing/2014/main" id="{9B2A79BB-71DF-4550-9FEE-10937720F077}"/>
+              </a:ext>
+            </a:extLst>
+          </p:cNvPr>
+          <p:cNvSpPr>
+            <a:spLocks noGrp="1"/>
+          </p:cNvSpPr>
+          <p:nvPr>
+            <p:ph type="ftr" sz="quarter" idx="11"/>
+          </p:nvPr>
+        </p:nvSpPr>
+        <p:spPr/>
+        <p:txBody>
+          <a:bodyPr/>
+          <a:lstStyle/>
+          <a:p>
+            <a:endParaRPr lang="en-US"/>
+          </a:p>
+        </p:txBody>
+      </p:sp>
+      <p:sp>
+        <p:nvSpPr>
+          <p:cNvPr id="7" name="Slide Number Placeholder 6">
+            <a:extLst>
+              <a:ext uri="{FF2B5EF4-FFF2-40B4-BE49-F238E27FC236}">
+                <a16:creationId xmlns:a16="http://schemas.microsoft.com/office/drawing/2014/main" id="{18434BC6-2CC9-43C0-9910-901FF3DA156A}"/>
+              </a:ext>
+            </a:extLst>
+          </p:cNvPr>
+          <p:cNvSpPr>
+            <a:spLocks noGrp="1"/>
+          </p:cNvSpPr>
+          <p:nvPr>
+            <p:ph type="sldNum" sz="quarter" idx="12"/>
+          </p:nvPr>
+        </p:nvSpPr>
+        <p:spPr/>
+        <p:txBody>
+          <a:bodyPr/>
+          <a:lstStyle/>
+          <a:p>
+            <a:fld id="{06FC1D7C-651C-46AF-AA3B-457EC5ED280A}" type="slidenum">
+              <a:rPr lang="en-US" smtClean="0"/>
+              <a:t>‹#›</a:t>
+            </a:fld>
+            <a:endParaRPr lang="en-US"/>
+          </a:p>
+        </p:txBody>
+      </p:sp>
+    </p:spTree>
+    <p:extLst>
+      <p:ext uri="{BB962C8B-B14F-4D97-AF65-F5344CB8AC3E}">
+        <p14:creationId xmlns:p14="http://schemas.microsoft.com/office/powerpoint/2010/main" val="229771388"/>
+      </p:ext>
+    </p:extLst>
+  </p:cSld>
+  <p:clrMapOvr>
+    <a:masterClrMapping/>
+  </p:clrMapOvr>
+</p:sldLayout>
+</file>
+
+<file path=ppt/slideLayouts/slideLayout16.xml><?xml version="1.0" encoding="utf-8"?>
+<p:sldLayout xmlns:a="http://schemas.openxmlformats.org/drawingml/2006/main" xmlns:r="http://schemas.openxmlformats.org/officeDocument/2006/relationships" xmlns:p="http://schemas.openxmlformats.org/presentationml/2006/main" type="twoTxTwoObj" preserve="1">
+  <p:cSld name="Comparison">
+    <p:spTree>
+      <p:nvGrpSpPr>
+        <p:cNvPr id="1" name=""/>
+        <p:cNvGrpSpPr/>
+        <p:nvPr/>
+      </p:nvGrpSpPr>
+      <p:grpSpPr>
+        <a:xfrm>
+          <a:off x="0" y="0"/>
+          <a:ext cx="0" cy="0"/>
+          <a:chOff x="0" y="0"/>
+          <a:chExt cx="0" cy="0"/>
+        </a:xfrm>
+      </p:grpSpPr>
+      <p:sp>
+        <p:nvSpPr>
+          <p:cNvPr id="2" name="Title 1">
+            <a:extLst>
+              <a:ext uri="{FF2B5EF4-FFF2-40B4-BE49-F238E27FC236}">
+                <a16:creationId xmlns:a16="http://schemas.microsoft.com/office/drawing/2014/main" id="{9364527F-74F1-46E2-BDB2-6CDD58AB36A7}"/>
+              </a:ext>
+            </a:extLst>
+          </p:cNvPr>
+          <p:cNvSpPr>
+            <a:spLocks noGrp="1"/>
+          </p:cNvSpPr>
+          <p:nvPr>
+            <p:ph type="title"/>
+          </p:nvPr>
+        </p:nvSpPr>
+        <p:spPr>
+          <a:xfrm>
+            <a:off x="839788" y="365125"/>
+            <a:ext cx="10515600" cy="1325563"/>
+          </a:xfrm>
+        </p:spPr>
+        <p:txBody>
+          <a:bodyPr/>
+          <a:lstStyle/>
+          <a:p>
+            <a:r>
+              <a:rPr lang="en-US"/>
+              <a:t>Click to edit Master title style</a:t>
+            </a:r>
+          </a:p>
+        </p:txBody>
+      </p:sp>
+      <p:sp>
+        <p:nvSpPr>
+          <p:cNvPr id="3" name="Text Placeholder 2">
+            <a:extLst>
+              <a:ext uri="{FF2B5EF4-FFF2-40B4-BE49-F238E27FC236}">
+                <a16:creationId xmlns:a16="http://schemas.microsoft.com/office/drawing/2014/main" id="{CEA4AFAC-A645-487A-8E5C-5BA35C75F352}"/>
+              </a:ext>
+            </a:extLst>
+          </p:cNvPr>
+          <p:cNvSpPr>
+            <a:spLocks noGrp="1"/>
+          </p:cNvSpPr>
+          <p:nvPr>
+            <p:ph type="body" idx="1"/>
+          </p:nvPr>
+        </p:nvSpPr>
+        <p:spPr>
+          <a:xfrm>
+            <a:off x="839788" y="1681163"/>
+            <a:ext cx="5157787" cy="823912"/>
+          </a:xfrm>
+        </p:spPr>
+        <p:txBody>
+          <a:bodyPr anchor="b"/>
+          <a:lstStyle>
+            <a:lvl1pPr marL="0" indent="0">
+              <a:buNone/>
+              <a:defRPr sz="2400" b="1"/>
+            </a:lvl1pPr>
+            <a:lvl2pPr marL="457200" indent="0">
+              <a:buNone/>
+              <a:defRPr sz="2000" b="1"/>
+            </a:lvl2pPr>
+            <a:lvl3pPr marL="914400" indent="0">
+              <a:buNone/>
+              <a:defRPr sz="1800" b="1"/>
+            </a:lvl3pPr>
+            <a:lvl4pPr marL="1371600" indent="0">
+              <a:buNone/>
+              <a:defRPr sz="1600" b="1"/>
+            </a:lvl4pPr>
+            <a:lvl5pPr marL="1828800" indent="0">
+              <a:buNone/>
+              <a:defRPr sz="1600" b="1"/>
+            </a:lvl5pPr>
+            <a:lvl6pPr marL="2286000" indent="0">
+              <a:buNone/>
+              <a:defRPr sz="1600" b="1"/>
+            </a:lvl6pPr>
+            <a:lvl7pPr marL="2743200" indent="0">
+              <a:buNone/>
+              <a:defRPr sz="1600" b="1"/>
+            </a:lvl7pPr>
+            <a:lvl8pPr marL="3200400" indent="0">
+              <a:buNone/>
+              <a:defRPr sz="1600" b="1"/>
+            </a:lvl8pPr>
+            <a:lvl9pPr marL="3657600" indent="0">
+              <a:buNone/>
+              <a:defRPr sz="1600" b="1"/>
+            </a:lvl9pPr>
+          </a:lstStyle>
+          <a:p>
+            <a:pPr lvl="0"/>
+            <a:r>
+              <a:rPr lang="en-US"/>
+              <a:t>Click to edit Master text styles</a:t>
+            </a:r>
+          </a:p>
+        </p:txBody>
+      </p:sp>
+      <p:sp>
+        <p:nvSpPr>
+          <p:cNvPr id="4" name="Content Placeholder 3">
+            <a:extLst>
+              <a:ext uri="{FF2B5EF4-FFF2-40B4-BE49-F238E27FC236}">
+                <a16:creationId xmlns:a16="http://schemas.microsoft.com/office/drawing/2014/main" id="{CA5070BF-6C7A-41D5-BD92-03A618E7AD96}"/>
+              </a:ext>
+            </a:extLst>
+          </p:cNvPr>
+          <p:cNvSpPr>
+            <a:spLocks noGrp="1"/>
+          </p:cNvSpPr>
+          <p:nvPr>
+            <p:ph sz="half" idx="2"/>
+          </p:nvPr>
+        </p:nvSpPr>
+        <p:spPr>
+          <a:xfrm>
+            <a:off x="839788" y="2505075"/>
+            <a:ext cx="5157787" cy="3684588"/>
+          </a:xfrm>
+        </p:spPr>
+        <p:txBody>
+          <a:bodyPr/>
+          <a:lstStyle/>
+          <a:p>
+            <a:pPr lvl="0"/>
+            <a:r>
+              <a:rPr lang="en-US"/>
+              <a:t>Click to edit Master text styles</a:t>
+            </a:r>
+          </a:p>
+          <a:p>
+            <a:pPr lvl="1"/>
+            <a:r>
+              <a:rPr lang="en-US"/>
+              <a:t>Second level</a:t>
+            </a:r>
+          </a:p>
+          <a:p>
+            <a:pPr lvl="2"/>
+            <a:r>
+              <a:rPr lang="en-US"/>
+              <a:t>Third level</a:t>
+            </a:r>
+          </a:p>
+          <a:p>
+            <a:pPr lvl="3"/>
+            <a:r>
+              <a:rPr lang="en-US"/>
+              <a:t>Fourth level</a:t>
+            </a:r>
+          </a:p>
+          <a:p>
+            <a:pPr lvl="4"/>
+            <a:r>
+              <a:rPr lang="en-US"/>
+              <a:t>Fifth level</a:t>
+            </a:r>
+          </a:p>
+        </p:txBody>
+      </p:sp>
+      <p:sp>
+        <p:nvSpPr>
+          <p:cNvPr id="5" name="Text Placeholder 4">
+            <a:extLst>
+              <a:ext uri="{FF2B5EF4-FFF2-40B4-BE49-F238E27FC236}">
+                <a16:creationId xmlns:a16="http://schemas.microsoft.com/office/drawing/2014/main" id="{5261361B-CC7D-4B81-8E9E-071DE0C91725}"/>
+              </a:ext>
+            </a:extLst>
+          </p:cNvPr>
+          <p:cNvSpPr>
+            <a:spLocks noGrp="1"/>
+          </p:cNvSpPr>
+          <p:nvPr>
+            <p:ph type="body" sz="quarter" idx="3"/>
+          </p:nvPr>
+        </p:nvSpPr>
+        <p:spPr>
+          <a:xfrm>
+            <a:off x="6172200" y="1681163"/>
+            <a:ext cx="5183188" cy="823912"/>
+          </a:xfrm>
+        </p:spPr>
+        <p:txBody>
+          <a:bodyPr anchor="b"/>
+          <a:lstStyle>
+            <a:lvl1pPr marL="0" indent="0">
+              <a:buNone/>
+              <a:defRPr sz="2400" b="1"/>
+            </a:lvl1pPr>
+            <a:lvl2pPr marL="457200" indent="0">
+              <a:buNone/>
+              <a:defRPr sz="2000" b="1"/>
+            </a:lvl2pPr>
+            <a:lvl3pPr marL="914400" indent="0">
+              <a:buNone/>
+              <a:defRPr sz="1800" b="1"/>
+            </a:lvl3pPr>
+            <a:lvl4pPr marL="1371600" indent="0">
+              <a:buNone/>
+              <a:defRPr sz="1600" b="1"/>
+            </a:lvl4pPr>
+            <a:lvl5pPr marL="1828800" indent="0">
+              <a:buNone/>
+              <a:defRPr sz="1600" b="1"/>
+            </a:lvl5pPr>
+            <a:lvl6pPr marL="2286000" indent="0">
+              <a:buNone/>
+              <a:defRPr sz="1600" b="1"/>
+            </a:lvl6pPr>
+            <a:lvl7pPr marL="2743200" indent="0">
+              <a:buNone/>
+              <a:defRPr sz="1600" b="1"/>
+            </a:lvl7pPr>
+            <a:lvl8pPr marL="3200400" indent="0">
+              <a:buNone/>
+              <a:defRPr sz="1600" b="1"/>
+            </a:lvl8pPr>
+            <a:lvl9pPr marL="3657600" indent="0">
+              <a:buNone/>
+              <a:defRPr sz="1600" b="1"/>
+            </a:lvl9pPr>
+          </a:lstStyle>
+          <a:p>
+            <a:pPr lvl="0"/>
+            <a:r>
+              <a:rPr lang="en-US"/>
+              <a:t>Click to edit Master text styles</a:t>
+            </a:r>
+          </a:p>
+        </p:txBody>
+      </p:sp>
+      <p:sp>
+        <p:nvSpPr>
+          <p:cNvPr id="6" name="Content Placeholder 5">
+            <a:extLst>
+              <a:ext uri="{FF2B5EF4-FFF2-40B4-BE49-F238E27FC236}">
+                <a16:creationId xmlns:a16="http://schemas.microsoft.com/office/drawing/2014/main" id="{D15C9078-0723-4D0B-B573-C1CEE4175359}"/>
+              </a:ext>
+            </a:extLst>
+          </p:cNvPr>
+          <p:cNvSpPr>
+            <a:spLocks noGrp="1"/>
+          </p:cNvSpPr>
+          <p:nvPr>
+            <p:ph sz="quarter" idx="4"/>
+          </p:nvPr>
+        </p:nvSpPr>
+        <p:spPr>
+          <a:xfrm>
+            <a:off x="6172200" y="2505075"/>
+            <a:ext cx="5183188" cy="3684588"/>
+          </a:xfrm>
+        </p:spPr>
+        <p:txBody>
+          <a:bodyPr/>
+          <a:lstStyle/>
+          <a:p>
+            <a:pPr lvl="0"/>
+            <a:r>
+              <a:rPr lang="en-US"/>
+              <a:t>Click to edit Master text styles</a:t>
+            </a:r>
+          </a:p>
+          <a:p>
+            <a:pPr lvl="1"/>
+            <a:r>
+              <a:rPr lang="en-US"/>
+              <a:t>Second level</a:t>
+            </a:r>
+          </a:p>
+          <a:p>
+            <a:pPr lvl="2"/>
+            <a:r>
+              <a:rPr lang="en-US"/>
+              <a:t>Third level</a:t>
+            </a:r>
+          </a:p>
+          <a:p>
+            <a:pPr lvl="3"/>
+            <a:r>
+              <a:rPr lang="en-US"/>
+              <a:t>Fourth level</a:t>
+            </a:r>
+          </a:p>
+          <a:p>
+            <a:pPr lvl="4"/>
+            <a:r>
+              <a:rPr lang="en-US"/>
+              <a:t>Fifth level</a:t>
+            </a:r>
+          </a:p>
+        </p:txBody>
+      </p:sp>
+      <p:sp>
+        <p:nvSpPr>
+          <p:cNvPr id="7" name="Date Placeholder 6">
+            <a:extLst>
+              <a:ext uri="{FF2B5EF4-FFF2-40B4-BE49-F238E27FC236}">
+                <a16:creationId xmlns:a16="http://schemas.microsoft.com/office/drawing/2014/main" id="{A3D920A1-A8B5-4BCE-ACC2-4402759A0136}"/>
+              </a:ext>
+            </a:extLst>
+          </p:cNvPr>
+          <p:cNvSpPr>
+            <a:spLocks noGrp="1"/>
+          </p:cNvSpPr>
+          <p:nvPr>
+            <p:ph type="dt" sz="half" idx="10"/>
+          </p:nvPr>
+        </p:nvSpPr>
+        <p:spPr/>
+        <p:txBody>
+          <a:bodyPr/>
+          <a:lstStyle/>
+          <a:p>
+            <a:fld id="{42CC8FCC-431C-4728-AF08-AAB43AA35F20}" type="datetimeFigureOut">
+              <a:rPr lang="en-US" smtClean="0"/>
+              <a:t>2/16/2022</a:t>
+            </a:fld>
+            <a:endParaRPr lang="en-US"/>
+          </a:p>
+        </p:txBody>
+      </p:sp>
+      <p:sp>
+        <p:nvSpPr>
+          <p:cNvPr id="8" name="Footer Placeholder 7">
+            <a:extLst>
+              <a:ext uri="{FF2B5EF4-FFF2-40B4-BE49-F238E27FC236}">
+                <a16:creationId xmlns:a16="http://schemas.microsoft.com/office/drawing/2014/main" id="{217893A2-6A7C-45C8-8534-09992FD5612F}"/>
+              </a:ext>
+            </a:extLst>
+          </p:cNvPr>
+          <p:cNvSpPr>
+            <a:spLocks noGrp="1"/>
+          </p:cNvSpPr>
+          <p:nvPr>
+            <p:ph type="ftr" sz="quarter" idx="11"/>
+          </p:nvPr>
+        </p:nvSpPr>
+        <p:spPr/>
+        <p:txBody>
+          <a:bodyPr/>
+          <a:lstStyle/>
+          <a:p>
+            <a:endParaRPr lang="en-US"/>
+          </a:p>
+        </p:txBody>
+      </p:sp>
+      <p:sp>
+        <p:nvSpPr>
+          <p:cNvPr id="9" name="Slide Number Placeholder 8">
+            <a:extLst>
+              <a:ext uri="{FF2B5EF4-FFF2-40B4-BE49-F238E27FC236}">
+                <a16:creationId xmlns:a16="http://schemas.microsoft.com/office/drawing/2014/main" id="{D85FA415-74ED-4733-B863-6BB2184F0C13}"/>
+              </a:ext>
+            </a:extLst>
+          </p:cNvPr>
+          <p:cNvSpPr>
+            <a:spLocks noGrp="1"/>
+          </p:cNvSpPr>
+          <p:nvPr>
+            <p:ph type="sldNum" sz="quarter" idx="12"/>
+          </p:nvPr>
+        </p:nvSpPr>
+        <p:spPr/>
+        <p:txBody>
+          <a:bodyPr/>
+          <a:lstStyle/>
+          <a:p>
+            <a:fld id="{06FC1D7C-651C-46AF-AA3B-457EC5ED280A}" type="slidenum">
+              <a:rPr lang="en-US" smtClean="0"/>
+              <a:t>‹#›</a:t>
+            </a:fld>
+            <a:endParaRPr lang="en-US"/>
+          </a:p>
+        </p:txBody>
+      </p:sp>
+    </p:spTree>
+    <p:extLst>
+      <p:ext uri="{BB962C8B-B14F-4D97-AF65-F5344CB8AC3E}">
+        <p14:creationId xmlns:p14="http://schemas.microsoft.com/office/powerpoint/2010/main" val="1433070174"/>
+      </p:ext>
+    </p:extLst>
+  </p:cSld>
+  <p:clrMapOvr>
+    <a:masterClrMapping/>
+  </p:clrMapOvr>
+</p:sldLayout>
+</file>
+
+<file path=ppt/slideLayouts/slideLayout17.xml><?xml version="1.0" encoding="utf-8"?>
+<p:sldLayout xmlns:a="http://schemas.openxmlformats.org/drawingml/2006/main" xmlns:r="http://schemas.openxmlformats.org/officeDocument/2006/relationships" xmlns:p="http://schemas.openxmlformats.org/presentationml/2006/main" type="titleOnly" preserve="1">
+  <p:cSld name="Title Only">
+    <p:spTree>
+      <p:nvGrpSpPr>
+        <p:cNvPr id="1" name=""/>
+        <p:cNvGrpSpPr/>
+        <p:nvPr/>
+      </p:nvGrpSpPr>
+      <p:grpSpPr>
+        <a:xfrm>
+          <a:off x="0" y="0"/>
+          <a:ext cx="0" cy="0"/>
+          <a:chOff x="0" y="0"/>
+          <a:chExt cx="0" cy="0"/>
+        </a:xfrm>
+      </p:grpSpPr>
+      <p:sp>
+        <p:nvSpPr>
+          <p:cNvPr id="2" name="Title 1">
+            <a:extLst>
+              <a:ext uri="{FF2B5EF4-FFF2-40B4-BE49-F238E27FC236}">
+                <a16:creationId xmlns:a16="http://schemas.microsoft.com/office/drawing/2014/main" id="{1011C9A3-D331-4960-8CB7-16B47D090EDA}"/>
+              </a:ext>
+            </a:extLst>
+          </p:cNvPr>
+          <p:cNvSpPr>
+            <a:spLocks noGrp="1"/>
+          </p:cNvSpPr>
+          <p:nvPr>
+            <p:ph type="title"/>
+          </p:nvPr>
+        </p:nvSpPr>
+        <p:spPr/>
+        <p:txBody>
+          <a:bodyPr/>
+          <a:lstStyle/>
+          <a:p>
+            <a:r>
+              <a:rPr lang="en-US"/>
+              <a:t>Click to edit Master title style</a:t>
+            </a:r>
+          </a:p>
+        </p:txBody>
+      </p:sp>
+      <p:sp>
+        <p:nvSpPr>
+          <p:cNvPr id="3" name="Date Placeholder 2">
+            <a:extLst>
+              <a:ext uri="{FF2B5EF4-FFF2-40B4-BE49-F238E27FC236}">
+                <a16:creationId xmlns:a16="http://schemas.microsoft.com/office/drawing/2014/main" id="{6D95933B-1A29-42C9-8029-BA78BFF3049F}"/>
+              </a:ext>
+            </a:extLst>
+          </p:cNvPr>
+          <p:cNvSpPr>
+            <a:spLocks noGrp="1"/>
+          </p:cNvSpPr>
+          <p:nvPr>
+            <p:ph type="dt" sz="half" idx="10"/>
+          </p:nvPr>
+        </p:nvSpPr>
+        <p:spPr/>
+        <p:txBody>
+          <a:bodyPr/>
+          <a:lstStyle/>
+          <a:p>
+            <a:fld id="{42CC8FCC-431C-4728-AF08-AAB43AA35F20}" type="datetimeFigureOut">
+              <a:rPr lang="en-US" smtClean="0"/>
+              <a:t>2/16/2022</a:t>
+            </a:fld>
+            <a:endParaRPr lang="en-US"/>
+          </a:p>
+        </p:txBody>
+      </p:sp>
+      <p:sp>
+        <p:nvSpPr>
+          <p:cNvPr id="4" name="Footer Placeholder 3">
+            <a:extLst>
+              <a:ext uri="{FF2B5EF4-FFF2-40B4-BE49-F238E27FC236}">
+                <a16:creationId xmlns:a16="http://schemas.microsoft.com/office/drawing/2014/main" id="{1824D559-29B1-43EE-835D-114880A89865}"/>
+              </a:ext>
+            </a:extLst>
+          </p:cNvPr>
+          <p:cNvSpPr>
+            <a:spLocks noGrp="1"/>
+          </p:cNvSpPr>
+          <p:nvPr>
+            <p:ph type="ftr" sz="quarter" idx="11"/>
+          </p:nvPr>
+        </p:nvSpPr>
+        <p:spPr/>
+        <p:txBody>
+          <a:bodyPr/>
+          <a:lstStyle/>
+          <a:p>
+            <a:endParaRPr lang="en-US"/>
+          </a:p>
+        </p:txBody>
+      </p:sp>
+      <p:sp>
+        <p:nvSpPr>
+          <p:cNvPr id="5" name="Slide Number Placeholder 4">
+            <a:extLst>
+              <a:ext uri="{FF2B5EF4-FFF2-40B4-BE49-F238E27FC236}">
+                <a16:creationId xmlns:a16="http://schemas.microsoft.com/office/drawing/2014/main" id="{1DA56E25-BB5E-4D72-83E8-922844FACE6C}"/>
+              </a:ext>
+            </a:extLst>
+          </p:cNvPr>
+          <p:cNvSpPr>
+            <a:spLocks noGrp="1"/>
+          </p:cNvSpPr>
+          <p:nvPr>
+            <p:ph type="sldNum" sz="quarter" idx="12"/>
+          </p:nvPr>
+        </p:nvSpPr>
+        <p:spPr/>
+        <p:txBody>
+          <a:bodyPr/>
+          <a:lstStyle/>
+          <a:p>
+            <a:fld id="{06FC1D7C-651C-46AF-AA3B-457EC5ED280A}" type="slidenum">
+              <a:rPr lang="en-US" smtClean="0"/>
+              <a:t>‹#›</a:t>
+            </a:fld>
+            <a:endParaRPr lang="en-US"/>
+          </a:p>
+        </p:txBody>
+      </p:sp>
+    </p:spTree>
+    <p:extLst>
+      <p:ext uri="{BB962C8B-B14F-4D97-AF65-F5344CB8AC3E}">
+        <p14:creationId xmlns:p14="http://schemas.microsoft.com/office/powerpoint/2010/main" val="1774220477"/>
+      </p:ext>
+    </p:extLst>
+  </p:cSld>
+  <p:clrMapOvr>
+    <a:masterClrMapping/>
+  </p:clrMapOvr>
+</p:sldLayout>
+</file>
+
+<file path=ppt/slideLayouts/slideLayout18.xml><?xml version="1.0" encoding="utf-8"?>
+<p:sldLayout xmlns:a="http://schemas.openxmlformats.org/drawingml/2006/main" xmlns:r="http://schemas.openxmlformats.org/officeDocument/2006/relationships" xmlns:p="http://schemas.openxmlformats.org/presentationml/2006/main" type="blank" preserve="1">
+  <p:cSld name="Blank">
+    <p:spTree>
+      <p:nvGrpSpPr>
+        <p:cNvPr id="1" name=""/>
+        <p:cNvGrpSpPr/>
+        <p:nvPr/>
+      </p:nvGrpSpPr>
+      <p:grpSpPr>
+        <a:xfrm>
+          <a:off x="0" y="0"/>
+          <a:ext cx="0" cy="0"/>
+          <a:chOff x="0" y="0"/>
+          <a:chExt cx="0" cy="0"/>
+        </a:xfrm>
+      </p:grpSpPr>
+      <p:sp>
+        <p:nvSpPr>
+          <p:cNvPr id="2" name="Date Placeholder 1">
+            <a:extLst>
+              <a:ext uri="{FF2B5EF4-FFF2-40B4-BE49-F238E27FC236}">
+                <a16:creationId xmlns:a16="http://schemas.microsoft.com/office/drawing/2014/main" id="{7152C801-596E-4094-929E-489CC977108C}"/>
+              </a:ext>
+            </a:extLst>
+          </p:cNvPr>
+          <p:cNvSpPr>
+            <a:spLocks noGrp="1"/>
+          </p:cNvSpPr>
+          <p:nvPr>
+            <p:ph type="dt" sz="half" idx="10"/>
+          </p:nvPr>
+        </p:nvSpPr>
+        <p:spPr/>
+        <p:txBody>
+          <a:bodyPr/>
+          <a:lstStyle/>
+          <a:p>
+            <a:fld id="{42CC8FCC-431C-4728-AF08-AAB43AA35F20}" type="datetimeFigureOut">
+              <a:rPr lang="en-US" smtClean="0"/>
+              <a:t>2/16/2022</a:t>
+            </a:fld>
+            <a:endParaRPr lang="en-US"/>
+          </a:p>
+        </p:txBody>
+      </p:sp>
+      <p:sp>
+        <p:nvSpPr>
+          <p:cNvPr id="3" name="Footer Placeholder 2">
+            <a:extLst>
+              <a:ext uri="{FF2B5EF4-FFF2-40B4-BE49-F238E27FC236}">
+                <a16:creationId xmlns:a16="http://schemas.microsoft.com/office/drawing/2014/main" id="{8984B940-16C8-4B22-9D8E-710FBB627DFF}"/>
+              </a:ext>
+            </a:extLst>
+          </p:cNvPr>
+          <p:cNvSpPr>
+            <a:spLocks noGrp="1"/>
+          </p:cNvSpPr>
+          <p:nvPr>
+            <p:ph type="ftr" sz="quarter" idx="11"/>
+          </p:nvPr>
+        </p:nvSpPr>
+        <p:spPr/>
+        <p:txBody>
+          <a:bodyPr/>
+          <a:lstStyle/>
+          <a:p>
+            <a:endParaRPr lang="en-US"/>
+          </a:p>
+        </p:txBody>
+      </p:sp>
+      <p:sp>
+        <p:nvSpPr>
+          <p:cNvPr id="4" name="Slide Number Placeholder 3">
+            <a:extLst>
+              <a:ext uri="{FF2B5EF4-FFF2-40B4-BE49-F238E27FC236}">
+                <a16:creationId xmlns:a16="http://schemas.microsoft.com/office/drawing/2014/main" id="{0FA23185-097E-44E0-BC3C-756398CBF206}"/>
+              </a:ext>
+            </a:extLst>
+          </p:cNvPr>
+          <p:cNvSpPr>
+            <a:spLocks noGrp="1"/>
+          </p:cNvSpPr>
+          <p:nvPr>
+            <p:ph type="sldNum" sz="quarter" idx="12"/>
+          </p:nvPr>
+        </p:nvSpPr>
+        <p:spPr/>
+        <p:txBody>
+          <a:bodyPr/>
+          <a:lstStyle/>
+          <a:p>
+            <a:fld id="{06FC1D7C-651C-46AF-AA3B-457EC5ED280A}" type="slidenum">
+              <a:rPr lang="en-US" smtClean="0"/>
+              <a:t>‹#›</a:t>
+            </a:fld>
+            <a:endParaRPr lang="en-US"/>
+          </a:p>
+        </p:txBody>
+      </p:sp>
+    </p:spTree>
+    <p:extLst>
+      <p:ext uri="{BB962C8B-B14F-4D97-AF65-F5344CB8AC3E}">
+        <p14:creationId xmlns:p14="http://schemas.microsoft.com/office/powerpoint/2010/main" val="1503992095"/>
+      </p:ext>
+    </p:extLst>
+  </p:cSld>
+  <p:clrMapOvr>
+    <a:masterClrMapping/>
+  </p:clrMapOvr>
+</p:sldLayout>
+</file>
+
+<file path=ppt/slideLayouts/slideLayout19.xml><?xml version="1.0" encoding="utf-8"?>
+<p:sldLayout xmlns:a="http://schemas.openxmlformats.org/drawingml/2006/main" xmlns:r="http://schemas.openxmlformats.org/officeDocument/2006/relationships" xmlns:p="http://schemas.openxmlformats.org/presentationml/2006/main" type="objTx" preserve="1">
+  <p:cSld name="Content with Caption">
+    <p:spTree>
+      <p:nvGrpSpPr>
+        <p:cNvPr id="1" name=""/>
+        <p:cNvGrpSpPr/>
+        <p:nvPr/>
+      </p:nvGrpSpPr>
+      <p:grpSpPr>
+        <a:xfrm>
+          <a:off x="0" y="0"/>
+          <a:ext cx="0" cy="0"/>
+          <a:chOff x="0" y="0"/>
+          <a:chExt cx="0" cy="0"/>
+        </a:xfrm>
+      </p:grpSpPr>
+      <p:sp>
+        <p:nvSpPr>
+          <p:cNvPr id="2" name="Title 1">
+            <a:extLst>
+              <a:ext uri="{FF2B5EF4-FFF2-40B4-BE49-F238E27FC236}">
+                <a16:creationId xmlns:a16="http://schemas.microsoft.com/office/drawing/2014/main" id="{6958980F-A0E5-498F-8A74-7CD722C27E32}"/>
+              </a:ext>
+            </a:extLst>
+          </p:cNvPr>
+          <p:cNvSpPr>
+            <a:spLocks noGrp="1"/>
+          </p:cNvSpPr>
+          <p:nvPr>
+            <p:ph type="title"/>
+          </p:nvPr>
+        </p:nvSpPr>
+        <p:spPr>
+          <a:xfrm>
+            <a:off x="839788" y="457200"/>
+            <a:ext cx="3932237" cy="1600200"/>
+          </a:xfrm>
+        </p:spPr>
+        <p:txBody>
+          <a:bodyPr anchor="b"/>
+          <a:lstStyle>
+            <a:lvl1pPr>
+              <a:defRPr sz="3200"/>
+            </a:lvl1pPr>
+          </a:lstStyle>
+          <a:p>
+            <a:r>
+              <a:rPr lang="en-US"/>
+              <a:t>Click to edit Master title style</a:t>
+            </a:r>
+          </a:p>
+        </p:txBody>
+      </p:sp>
+      <p:sp>
+        <p:nvSpPr>
+          <p:cNvPr id="3" name="Content Placeholder 2">
+            <a:extLst>
+              <a:ext uri="{FF2B5EF4-FFF2-40B4-BE49-F238E27FC236}">
+                <a16:creationId xmlns:a16="http://schemas.microsoft.com/office/drawing/2014/main" id="{7E3F9A33-0E41-459D-A00D-55E821050715}"/>
+              </a:ext>
+            </a:extLst>
+          </p:cNvPr>
+          <p:cNvSpPr>
+            <a:spLocks noGrp="1"/>
+          </p:cNvSpPr>
+          <p:nvPr>
+            <p:ph idx="1"/>
+          </p:nvPr>
+        </p:nvSpPr>
+        <p:spPr>
+          <a:xfrm>
+            <a:off x="5183188" y="987425"/>
+            <a:ext cx="6172200" cy="4873625"/>
+          </a:xfrm>
+        </p:spPr>
+        <p:txBody>
+          <a:bodyPr/>
+          <a:lstStyle>
+            <a:lvl1pPr>
+              <a:defRPr sz="3200"/>
+            </a:lvl1pPr>
+            <a:lvl2pPr>
+              <a:defRPr sz="2800"/>
+            </a:lvl2pPr>
+            <a:lvl3pPr>
+              <a:defRPr sz="2400"/>
+            </a:lvl3pPr>
+            <a:lvl4pPr>
+              <a:defRPr sz="2000"/>
+            </a:lvl4pPr>
+            <a:lvl5pPr>
+              <a:defRPr sz="2000"/>
+            </a:lvl5pPr>
+            <a:lvl6pPr>
+              <a:defRPr sz="2000"/>
+            </a:lvl6pPr>
+            <a:lvl7pPr>
+              <a:defRPr sz="2000"/>
+            </a:lvl7pPr>
+            <a:lvl8pPr>
+              <a:defRPr sz="2000"/>
+            </a:lvl8pPr>
+            <a:lvl9pPr>
+              <a:defRPr sz="2000"/>
+            </a:lvl9pPr>
+          </a:lstStyle>
+          <a:p>
+            <a:pPr lvl="0"/>
+            <a:r>
+              <a:rPr lang="en-US"/>
+              <a:t>Click to edit Master text styles</a:t>
+            </a:r>
+          </a:p>
+          <a:p>
+            <a:pPr lvl="1"/>
+            <a:r>
+              <a:rPr lang="en-US"/>
+              <a:t>Second level</a:t>
+            </a:r>
+          </a:p>
+          <a:p>
+            <a:pPr lvl="2"/>
+            <a:r>
+              <a:rPr lang="en-US"/>
+              <a:t>Third level</a:t>
+            </a:r>
+          </a:p>
+          <a:p>
+            <a:pPr lvl="3"/>
+            <a:r>
+              <a:rPr lang="en-US"/>
+              <a:t>Fourth level</a:t>
+            </a:r>
+          </a:p>
+          <a:p>
+            <a:pPr lvl="4"/>
+            <a:r>
+              <a:rPr lang="en-US"/>
+              <a:t>Fifth level</a:t>
+            </a:r>
+          </a:p>
+        </p:txBody>
+      </p:sp>
+      <p:sp>
+        <p:nvSpPr>
+          <p:cNvPr id="4" name="Text Placeholder 3">
+            <a:extLst>
+              <a:ext uri="{FF2B5EF4-FFF2-40B4-BE49-F238E27FC236}">
+                <a16:creationId xmlns:a16="http://schemas.microsoft.com/office/drawing/2014/main" id="{458709E1-E29F-477A-B6BB-4BF091CB6A3F}"/>
+              </a:ext>
+            </a:extLst>
+          </p:cNvPr>
+          <p:cNvSpPr>
+            <a:spLocks noGrp="1"/>
+          </p:cNvSpPr>
+          <p:nvPr>
+            <p:ph type="body" sz="half" idx="2"/>
+          </p:nvPr>
+        </p:nvSpPr>
+        <p:spPr>
+          <a:xfrm>
+            <a:off x="839788" y="2057400"/>
+            <a:ext cx="3932237" cy="3811588"/>
+          </a:xfrm>
+        </p:spPr>
+        <p:txBody>
+          <a:bodyPr/>
+          <a:lstStyle>
+            <a:lvl1pPr marL="0" indent="0">
+              <a:buNone/>
+              <a:defRPr sz="1600"/>
+            </a:lvl1pPr>
+            <a:lvl2pPr marL="457200" indent="0">
+              <a:buNone/>
+              <a:defRPr sz="1400"/>
+            </a:lvl2pPr>
+            <a:lvl3pPr marL="914400" indent="0">
+              <a:buNone/>
+              <a:defRPr sz="1200"/>
+            </a:lvl3pPr>
+            <a:lvl4pPr marL="1371600" indent="0">
+              <a:buNone/>
+              <a:defRPr sz="1000"/>
+            </a:lvl4pPr>
+            <a:lvl5pPr marL="1828800" indent="0">
+              <a:buNone/>
+              <a:defRPr sz="1000"/>
+            </a:lvl5pPr>
+            <a:lvl6pPr marL="2286000" indent="0">
+              <a:buNone/>
+              <a:defRPr sz="1000"/>
+            </a:lvl6pPr>
+            <a:lvl7pPr marL="2743200" indent="0">
+              <a:buNone/>
+              <a:defRPr sz="1000"/>
+            </a:lvl7pPr>
+            <a:lvl8pPr marL="3200400" indent="0">
+              <a:buNone/>
+              <a:defRPr sz="1000"/>
+            </a:lvl8pPr>
+            <a:lvl9pPr marL="3657600" indent="0">
+              <a:buNone/>
+              <a:defRPr sz="1000"/>
+            </a:lvl9pPr>
+          </a:lstStyle>
+          <a:p>
+            <a:pPr lvl="0"/>
+            <a:r>
+              <a:rPr lang="en-US"/>
+              <a:t>Click to edit Master text styles</a:t>
+            </a:r>
+          </a:p>
+        </p:txBody>
+      </p:sp>
+      <p:sp>
+        <p:nvSpPr>
+          <p:cNvPr id="5" name="Date Placeholder 4">
+            <a:extLst>
+              <a:ext uri="{FF2B5EF4-FFF2-40B4-BE49-F238E27FC236}">
+                <a16:creationId xmlns:a16="http://schemas.microsoft.com/office/drawing/2014/main" id="{743B3C48-AF04-4E25-80EC-9620E59434DC}"/>
+              </a:ext>
+            </a:extLst>
+          </p:cNvPr>
+          <p:cNvSpPr>
+            <a:spLocks noGrp="1"/>
+          </p:cNvSpPr>
+          <p:nvPr>
+            <p:ph type="dt" sz="half" idx="10"/>
+          </p:nvPr>
+        </p:nvSpPr>
+        <p:spPr/>
+        <p:txBody>
+          <a:bodyPr/>
+          <a:lstStyle/>
+          <a:p>
+            <a:fld id="{42CC8FCC-431C-4728-AF08-AAB43AA35F20}" type="datetimeFigureOut">
+              <a:rPr lang="en-US" smtClean="0"/>
+              <a:t>2/16/2022</a:t>
+            </a:fld>
+            <a:endParaRPr lang="en-US"/>
+          </a:p>
+        </p:txBody>
+      </p:sp>
+      <p:sp>
+        <p:nvSpPr>
+          <p:cNvPr id="6" name="Footer Placeholder 5">
+            <a:extLst>
+              <a:ext uri="{FF2B5EF4-FFF2-40B4-BE49-F238E27FC236}">
+                <a16:creationId xmlns:a16="http://schemas.microsoft.com/office/drawing/2014/main" id="{DEC2C39E-4CFC-4D51-B8D2-2EF92789EDDF}"/>
+              </a:ext>
+            </a:extLst>
+          </p:cNvPr>
+          <p:cNvSpPr>
+            <a:spLocks noGrp="1"/>
+          </p:cNvSpPr>
+          <p:nvPr>
+            <p:ph type="ftr" sz="quarter" idx="11"/>
+          </p:nvPr>
+        </p:nvSpPr>
+        <p:spPr/>
+        <p:txBody>
+          <a:bodyPr/>
+          <a:lstStyle/>
+          <a:p>
+            <a:endParaRPr lang="en-US"/>
+          </a:p>
+        </p:txBody>
+      </p:sp>
+      <p:sp>
+        <p:nvSpPr>
+          <p:cNvPr id="7" name="Slide Number Placeholder 6">
+            <a:extLst>
+              <a:ext uri="{FF2B5EF4-FFF2-40B4-BE49-F238E27FC236}">
+                <a16:creationId xmlns:a16="http://schemas.microsoft.com/office/drawing/2014/main" id="{7505E2F9-92D4-4D94-8708-4195AA468FC6}"/>
+              </a:ext>
+            </a:extLst>
+          </p:cNvPr>
+          <p:cNvSpPr>
+            <a:spLocks noGrp="1"/>
+          </p:cNvSpPr>
+          <p:nvPr>
+            <p:ph type="sldNum" sz="quarter" idx="12"/>
+          </p:nvPr>
+        </p:nvSpPr>
+        <p:spPr/>
+        <p:txBody>
+          <a:bodyPr/>
+          <a:lstStyle/>
+          <a:p>
+            <a:fld id="{06FC1D7C-651C-46AF-AA3B-457EC5ED280A}" type="slidenum">
+              <a:rPr lang="en-US" smtClean="0"/>
+              <a:t>‹#›</a:t>
+            </a:fld>
+            <a:endParaRPr lang="en-US"/>
+          </a:p>
+        </p:txBody>
+      </p:sp>
+    </p:spTree>
+    <p:extLst>
+      <p:ext uri="{BB962C8B-B14F-4D97-AF65-F5344CB8AC3E}">
+        <p14:creationId xmlns:p14="http://schemas.microsoft.com/office/powerpoint/2010/main" val="2202422487"/>
+      </p:ext>
+    </p:extLst>
+  </p:cSld>
+  <p:clrMapOvr>
+    <a:masterClrMapping/>
+  </p:clrMapOvr>
+</p:sldLayout>
+</file>
+
+<file path=ppt/slideLayouts/slideLayout2.xml><?xml version="1.0" encoding="utf-8"?>
+<p:sldLayout xmlns:a="http://schemas.openxmlformats.org/drawingml/2006/main" xmlns:r="http://schemas.openxmlformats.org/officeDocument/2006/relationships" xmlns:p="http://schemas.openxmlformats.org/presentationml/2006/main" type="obj" preserve="1">
+  <p:cSld name="Title and Content">
+    <p:spTree>
+      <p:nvGrpSpPr>
+        <p:cNvPr id="1" name=""/>
+        <p:cNvGrpSpPr/>
+        <p:nvPr/>
+      </p:nvGrpSpPr>
+      <p:grpSpPr>
+        <a:xfrm>
+          <a:off x="0" y="0"/>
+          <a:ext cx="0" cy="0"/>
+          <a:chOff x="0" y="0"/>
+          <a:chExt cx="0" cy="0"/>
+        </a:xfrm>
+      </p:grpSpPr>
+      <p:sp>
+        <p:nvSpPr>
+          <p:cNvPr id="4" name="Date Placeholder 3"/>
+          <p:cNvSpPr>
+            <a:spLocks noGrp="1"/>
+          </p:cNvSpPr>
+          <p:nvPr>
+            <p:ph type="dt" sz="half" idx="10"/>
+          </p:nvPr>
+        </p:nvSpPr>
+        <p:spPr>
+          <a:xfrm>
+            <a:off x="838201" y="6299200"/>
+            <a:ext cx="876299" cy="365125"/>
+          </a:xfrm>
+        </p:spPr>
+        <p:txBody>
+          <a:bodyPr/>
+          <a:lstStyle/>
+          <a:p>
+            <a:fld id="{F736EC4A-E5B7-42C2-9943-4D2477F0E2BA}" type="datetime1">
+              <a:rPr lang="en-US" smtClean="0"/>
+              <a:t>2/16/2022</a:t>
+            </a:fld>
+            <a:endParaRPr lang="en-US" dirty="0"/>
+          </a:p>
+        </p:txBody>
+      </p:sp>
+      <p:sp>
+        <p:nvSpPr>
+          <p:cNvPr id="5" name="Footer Placeholder 4"/>
+          <p:cNvSpPr>
+            <a:spLocks noGrp="1"/>
+          </p:cNvSpPr>
+          <p:nvPr>
+            <p:ph type="ftr" sz="quarter" idx="11"/>
+          </p:nvPr>
+        </p:nvSpPr>
+        <p:spPr>
+          <a:xfrm>
+            <a:off x="1828135" y="6299200"/>
+            <a:ext cx="1829466" cy="365126"/>
+          </a:xfrm>
+        </p:spPr>
+        <p:txBody>
+          <a:bodyPr/>
+          <a:lstStyle/>
+          <a:p>
+            <a:r>
+              <a:rPr lang="en-US" dirty="0"/>
+              <a:t>Or Sagiv &amp; Etai Sella</a:t>
+            </a:r>
+          </a:p>
+        </p:txBody>
+      </p:sp>
+      <p:sp>
+        <p:nvSpPr>
+          <p:cNvPr id="9" name="Rectangle 8">
+            <a:extLst>
+              <a:ext uri="{FF2B5EF4-FFF2-40B4-BE49-F238E27FC236}">
+                <a16:creationId xmlns:a16="http://schemas.microsoft.com/office/drawing/2014/main" id="{82DC7C06-D977-485E-B552-1F22D3B0ABC9}"/>
+              </a:ext>
+            </a:extLst>
+          </p:cNvPr>
+          <p:cNvSpPr/>
+          <p:nvPr userDrawn="1"/>
+        </p:nvSpPr>
+        <p:spPr>
+          <a:xfrm>
+            <a:off x="504824" y="1568450"/>
+            <a:ext cx="10848973" cy="4351338"/>
+          </a:xfrm>
+          <a:prstGeom prst="rect">
+            <a:avLst/>
+          </a:prstGeom>
+          <a:solidFill>
+            <a:schemeClr val="accent5">
+              <a:lumMod val="20000"/>
+              <a:lumOff val="80000"/>
+            </a:schemeClr>
+          </a:solidFill>
+          <a:ln>
+            <a:noFill/>
+          </a:ln>
+        </p:spPr>
+        <p:style>
+          <a:lnRef idx="2">
+            <a:schemeClr val="accent1">
+              <a:shade val="50000"/>
+            </a:schemeClr>
+          </a:lnRef>
+          <a:fillRef idx="1">
+            <a:schemeClr val="accent1"/>
+          </a:fillRef>
+          <a:effectRef idx="0">
+            <a:schemeClr val="accent1"/>
+          </a:effectRef>
+          <a:fontRef idx="minor">
+            <a:schemeClr val="lt1"/>
+          </a:fontRef>
+        </p:style>
+        <p:txBody>
+          <a:bodyPr rtlCol="0" anchor="ctr"/>
+          <a:lstStyle/>
+          <a:p>
+            <a:pPr algn="ctr"/>
+            <a:endParaRPr lang="en-US" dirty="0"/>
+          </a:p>
+        </p:txBody>
+      </p:sp>
+      <p:sp>
+        <p:nvSpPr>
+          <p:cNvPr id="6" name="Slide Number Placeholder 5"/>
+          <p:cNvSpPr>
+            <a:spLocks noGrp="1"/>
+          </p:cNvSpPr>
+          <p:nvPr>
+            <p:ph type="sldNum" sz="quarter" idx="12"/>
+          </p:nvPr>
+        </p:nvSpPr>
+        <p:spPr/>
+        <p:txBody>
+          <a:bodyPr/>
+          <a:lstStyle/>
+          <a:p>
+            <a:fld id="{C629165E-D59B-453D-B763-34340D7036F6}" type="slidenum">
+              <a:rPr lang="en-US" smtClean="0"/>
+              <a:t>‹#›</a:t>
+            </a:fld>
+            <a:endParaRPr lang="en-US" dirty="0"/>
+          </a:p>
+        </p:txBody>
+      </p:sp>
+      <p:cxnSp>
+        <p:nvCxnSpPr>
+          <p:cNvPr id="8" name="Straight Connector 7">
+            <a:extLst>
+              <a:ext uri="{FF2B5EF4-FFF2-40B4-BE49-F238E27FC236}">
+                <a16:creationId xmlns:a16="http://schemas.microsoft.com/office/drawing/2014/main" id="{BCC7051E-9774-4F7D-9FBE-CAE7369E0F12}"/>
+              </a:ext>
+            </a:extLst>
+          </p:cNvPr>
+          <p:cNvCxnSpPr>
+            <a:cxnSpLocks/>
+          </p:cNvCxnSpPr>
+          <p:nvPr userDrawn="1"/>
+        </p:nvCxnSpPr>
+        <p:spPr>
+          <a:xfrm>
+            <a:off x="0" y="1428750"/>
+            <a:ext cx="10848975" cy="0"/>
+          </a:xfrm>
+          <a:prstGeom prst="line">
+            <a:avLst/>
+          </a:prstGeom>
+          <a:ln w="28575">
+            <a:gradFill flip="none" rotWithShape="1">
+              <a:gsLst>
+                <a:gs pos="0">
+                  <a:schemeClr val="accent1">
+                    <a:lumMod val="5000"/>
+                    <a:lumOff val="95000"/>
+                  </a:schemeClr>
+                </a:gs>
+                <a:gs pos="74000">
+                  <a:schemeClr val="accent1">
+                    <a:lumMod val="45000"/>
+                    <a:lumOff val="55000"/>
+                  </a:schemeClr>
+                </a:gs>
+                <a:gs pos="83000">
+                  <a:schemeClr val="accent1">
+                    <a:lumMod val="45000"/>
+                    <a:lumOff val="55000"/>
+                  </a:schemeClr>
+                </a:gs>
+                <a:gs pos="100000">
+                  <a:schemeClr val="accent1">
+                    <a:lumMod val="30000"/>
+                    <a:lumOff val="70000"/>
+                  </a:schemeClr>
+                </a:gs>
+              </a:gsLst>
+              <a:lin ang="10800000" scaled="1"/>
+              <a:tileRect/>
+            </a:gradFill>
+          </a:ln>
+        </p:spPr>
+        <p:style>
+          <a:lnRef idx="1">
+            <a:schemeClr val="accent1"/>
+          </a:lnRef>
+          <a:fillRef idx="0">
+            <a:schemeClr val="accent1"/>
+          </a:fillRef>
+          <a:effectRef idx="0">
+            <a:schemeClr val="accent1"/>
+          </a:effectRef>
+          <a:fontRef idx="minor">
+            <a:schemeClr val="tx1"/>
+          </a:fontRef>
+        </p:style>
+      </p:cxnSp>
+      <p:sp>
+        <p:nvSpPr>
+          <p:cNvPr id="3" name="Content Placeholder 2"/>
+          <p:cNvSpPr>
+            <a:spLocks noGrp="1"/>
+          </p:cNvSpPr>
+          <p:nvPr>
+            <p:ph idx="1"/>
+          </p:nvPr>
+        </p:nvSpPr>
+        <p:spPr>
+          <a:xfrm>
+            <a:off x="838198" y="1711324"/>
+            <a:ext cx="10191752" cy="4208464"/>
+          </a:xfrm>
+          <a:ln>
+            <a:noFill/>
+          </a:ln>
+        </p:spPr>
+        <p:txBody>
+          <a:bodyPr/>
+          <a:lstStyle/>
+          <a:p>
+            <a:pPr lvl="0"/>
+            <a:r>
+              <a:rPr lang="en-US" dirty="0"/>
+              <a:t>Click to edit Master text styles</a:t>
+            </a:r>
+          </a:p>
+          <a:p>
+            <a:pPr lvl="1"/>
+            <a:r>
+              <a:rPr lang="en-US" dirty="0"/>
+              <a:t>Second level</a:t>
+            </a:r>
+          </a:p>
+          <a:p>
+            <a:pPr lvl="2"/>
+            <a:r>
+              <a:rPr lang="en-US" dirty="0"/>
+              <a:t>Third level</a:t>
+            </a:r>
+          </a:p>
+          <a:p>
+            <a:pPr lvl="3"/>
+            <a:r>
+              <a:rPr lang="en-US" dirty="0"/>
+              <a:t>Fourth level</a:t>
+            </a:r>
+          </a:p>
+          <a:p>
+            <a:pPr lvl="4"/>
+            <a:r>
+              <a:rPr lang="en-US" dirty="0"/>
+              <a:t>Fifth level</a:t>
+            </a:r>
+          </a:p>
+        </p:txBody>
+      </p:sp>
+      <p:sp>
+        <p:nvSpPr>
+          <p:cNvPr id="7" name="Rectangle 6">
+            <a:extLst>
+              <a:ext uri="{FF2B5EF4-FFF2-40B4-BE49-F238E27FC236}">
+                <a16:creationId xmlns:a16="http://schemas.microsoft.com/office/drawing/2014/main" id="{BFC1BC26-B342-49E2-9BAB-2D254B1BB9C9}"/>
+              </a:ext>
+            </a:extLst>
+          </p:cNvPr>
+          <p:cNvSpPr/>
+          <p:nvPr userDrawn="1"/>
+        </p:nvSpPr>
+        <p:spPr>
+          <a:xfrm>
+            <a:off x="504825" y="365127"/>
+            <a:ext cx="10848974" cy="920749"/>
+          </a:xfrm>
+          <a:prstGeom prst="rect">
+            <a:avLst/>
+          </a:prstGeom>
+          <a:solidFill>
+            <a:schemeClr val="accent5">
+              <a:lumMod val="20000"/>
+              <a:lumOff val="80000"/>
+            </a:schemeClr>
+          </a:solidFill>
+          <a:ln>
+            <a:noFill/>
+          </a:ln>
+        </p:spPr>
+        <p:style>
+          <a:lnRef idx="2">
+            <a:schemeClr val="accent1">
+              <a:shade val="50000"/>
+            </a:schemeClr>
+          </a:lnRef>
+          <a:fillRef idx="1">
+            <a:schemeClr val="accent1"/>
+          </a:fillRef>
+          <a:effectRef idx="0">
+            <a:schemeClr val="accent1"/>
+          </a:effectRef>
+          <a:fontRef idx="minor">
+            <a:schemeClr val="lt1"/>
+          </a:fontRef>
+        </p:style>
+        <p:txBody>
+          <a:bodyPr rtlCol="0" anchor="ctr"/>
+          <a:lstStyle/>
+          <a:p>
+            <a:pPr algn="ctr"/>
+            <a:endParaRPr lang="en-US"/>
+          </a:p>
+        </p:txBody>
+      </p:sp>
+      <p:sp>
+        <p:nvSpPr>
+          <p:cNvPr id="2" name="Title 1"/>
+          <p:cNvSpPr>
+            <a:spLocks noGrp="1"/>
+          </p:cNvSpPr>
+          <p:nvPr>
+            <p:ph type="title"/>
+          </p:nvPr>
+        </p:nvSpPr>
+        <p:spPr>
+          <a:xfrm>
+            <a:off x="838198" y="365127"/>
+            <a:ext cx="10515600" cy="920750"/>
+          </a:xfrm>
+        </p:spPr>
+        <p:txBody>
+          <a:bodyPr/>
+          <a:lstStyle/>
+          <a:p>
+            <a:r>
+              <a:rPr lang="en-US" dirty="0"/>
+              <a:t>Click to edit Master title style</a:t>
+            </a:r>
+          </a:p>
+        </p:txBody>
+      </p:sp>
+    </p:spTree>
+    <p:extLst>
+      <p:ext uri="{BB962C8B-B14F-4D97-AF65-F5344CB8AC3E}">
+        <p14:creationId xmlns:p14="http://schemas.microsoft.com/office/powerpoint/2010/main" val="295734926"/>
+      </p:ext>
+    </p:extLst>
+  </p:cSld>
+  <p:clrMapOvr>
+    <a:masterClrMapping/>
+  </p:clrMapOvr>
+</p:sldLayout>
+</file>
+
+<file path=ppt/slideLayouts/slideLayout20.xml><?xml version="1.0" encoding="utf-8"?>
+<p:sldLayout xmlns:a="http://schemas.openxmlformats.org/drawingml/2006/main" xmlns:r="http://schemas.openxmlformats.org/officeDocument/2006/relationships" xmlns:p="http://schemas.openxmlformats.org/presentationml/2006/main" type="picTx" preserve="1">
+  <p:cSld name="Picture with Caption">
+    <p:spTree>
+      <p:nvGrpSpPr>
+        <p:cNvPr id="1" name=""/>
+        <p:cNvGrpSpPr/>
+        <p:nvPr/>
+      </p:nvGrpSpPr>
+      <p:grpSpPr>
+        <a:xfrm>
+          <a:off x="0" y="0"/>
+          <a:ext cx="0" cy="0"/>
+          <a:chOff x="0" y="0"/>
+          <a:chExt cx="0" cy="0"/>
+        </a:xfrm>
+      </p:grpSpPr>
+      <p:sp>
+        <p:nvSpPr>
+          <p:cNvPr id="2" name="Title 1">
+            <a:extLst>
+              <a:ext uri="{FF2B5EF4-FFF2-40B4-BE49-F238E27FC236}">
+                <a16:creationId xmlns:a16="http://schemas.microsoft.com/office/drawing/2014/main" id="{A5D58BB7-51D6-46B6-8120-2539FCF8BF0A}"/>
+              </a:ext>
+            </a:extLst>
+          </p:cNvPr>
+          <p:cNvSpPr>
+            <a:spLocks noGrp="1"/>
+          </p:cNvSpPr>
+          <p:nvPr>
+            <p:ph type="title"/>
+          </p:nvPr>
+        </p:nvSpPr>
+        <p:spPr>
+          <a:xfrm>
+            <a:off x="839788" y="457200"/>
+            <a:ext cx="3932237" cy="1600200"/>
+          </a:xfrm>
+        </p:spPr>
+        <p:txBody>
+          <a:bodyPr anchor="b"/>
+          <a:lstStyle>
+            <a:lvl1pPr>
+              <a:defRPr sz="3200"/>
+            </a:lvl1pPr>
+          </a:lstStyle>
+          <a:p>
+            <a:r>
+              <a:rPr lang="en-US"/>
+              <a:t>Click to edit Master title style</a:t>
+            </a:r>
+          </a:p>
+        </p:txBody>
+      </p:sp>
+      <p:sp>
+        <p:nvSpPr>
+          <p:cNvPr id="3" name="Picture Placeholder 2">
+            <a:extLst>
+              <a:ext uri="{FF2B5EF4-FFF2-40B4-BE49-F238E27FC236}">
+                <a16:creationId xmlns:a16="http://schemas.microsoft.com/office/drawing/2014/main" id="{FD063C6F-73AB-460C-96D9-3F0BCDC08527}"/>
+              </a:ext>
+            </a:extLst>
+          </p:cNvPr>
+          <p:cNvSpPr>
+            <a:spLocks noGrp="1"/>
+          </p:cNvSpPr>
+          <p:nvPr>
+            <p:ph type="pic" idx="1"/>
+          </p:nvPr>
+        </p:nvSpPr>
+        <p:spPr>
+          <a:xfrm>
+            <a:off x="5183188" y="987425"/>
+            <a:ext cx="6172200" cy="4873625"/>
+          </a:xfrm>
+        </p:spPr>
+        <p:txBody>
+          <a:bodyPr/>
+          <a:lstStyle>
+            <a:lvl1pPr marL="0" indent="0">
+              <a:buNone/>
+              <a:defRPr sz="3200"/>
+            </a:lvl1pPr>
+            <a:lvl2pPr marL="457200" indent="0">
+              <a:buNone/>
+              <a:defRPr sz="2800"/>
+            </a:lvl2pPr>
+            <a:lvl3pPr marL="914400" indent="0">
+              <a:buNone/>
+              <a:defRPr sz="2400"/>
+            </a:lvl3pPr>
+            <a:lvl4pPr marL="1371600" indent="0">
+              <a:buNone/>
+              <a:defRPr sz="2000"/>
+            </a:lvl4pPr>
+            <a:lvl5pPr marL="1828800" indent="0">
+              <a:buNone/>
+              <a:defRPr sz="2000"/>
+            </a:lvl5pPr>
+            <a:lvl6pPr marL="2286000" indent="0">
+              <a:buNone/>
+              <a:defRPr sz="2000"/>
+            </a:lvl6pPr>
+            <a:lvl7pPr marL="2743200" indent="0">
+              <a:buNone/>
+              <a:defRPr sz="2000"/>
+            </a:lvl7pPr>
+            <a:lvl8pPr marL="3200400" indent="0">
+              <a:buNone/>
+              <a:defRPr sz="2000"/>
+            </a:lvl8pPr>
+            <a:lvl9pPr marL="3657600" indent="0">
+              <a:buNone/>
+              <a:defRPr sz="2000"/>
+            </a:lvl9pPr>
+          </a:lstStyle>
+          <a:p>
+            <a:endParaRPr lang="en-US"/>
+          </a:p>
+        </p:txBody>
+      </p:sp>
+      <p:sp>
+        <p:nvSpPr>
+          <p:cNvPr id="4" name="Text Placeholder 3">
+            <a:extLst>
+              <a:ext uri="{FF2B5EF4-FFF2-40B4-BE49-F238E27FC236}">
+                <a16:creationId xmlns:a16="http://schemas.microsoft.com/office/drawing/2014/main" id="{602990C2-5122-428A-ACD4-D996C2368DFD}"/>
+              </a:ext>
+            </a:extLst>
+          </p:cNvPr>
+          <p:cNvSpPr>
+            <a:spLocks noGrp="1"/>
+          </p:cNvSpPr>
+          <p:nvPr>
+            <p:ph type="body" sz="half" idx="2"/>
+          </p:nvPr>
+        </p:nvSpPr>
+        <p:spPr>
+          <a:xfrm>
+            <a:off x="839788" y="2057400"/>
+            <a:ext cx="3932237" cy="3811588"/>
+          </a:xfrm>
+        </p:spPr>
+        <p:txBody>
+          <a:bodyPr/>
+          <a:lstStyle>
+            <a:lvl1pPr marL="0" indent="0">
+              <a:buNone/>
+              <a:defRPr sz="1600"/>
+            </a:lvl1pPr>
+            <a:lvl2pPr marL="457200" indent="0">
+              <a:buNone/>
+              <a:defRPr sz="1400"/>
+            </a:lvl2pPr>
+            <a:lvl3pPr marL="914400" indent="0">
+              <a:buNone/>
+              <a:defRPr sz="1200"/>
+            </a:lvl3pPr>
+            <a:lvl4pPr marL="1371600" indent="0">
+              <a:buNone/>
+              <a:defRPr sz="1000"/>
+            </a:lvl4pPr>
+            <a:lvl5pPr marL="1828800" indent="0">
+              <a:buNone/>
+              <a:defRPr sz="1000"/>
+            </a:lvl5pPr>
+            <a:lvl6pPr marL="2286000" indent="0">
+              <a:buNone/>
+              <a:defRPr sz="1000"/>
+            </a:lvl6pPr>
+            <a:lvl7pPr marL="2743200" indent="0">
+              <a:buNone/>
+              <a:defRPr sz="1000"/>
+            </a:lvl7pPr>
+            <a:lvl8pPr marL="3200400" indent="0">
+              <a:buNone/>
+              <a:defRPr sz="1000"/>
+            </a:lvl8pPr>
+            <a:lvl9pPr marL="3657600" indent="0">
+              <a:buNone/>
+              <a:defRPr sz="1000"/>
+            </a:lvl9pPr>
+          </a:lstStyle>
+          <a:p>
+            <a:pPr lvl="0"/>
+            <a:r>
+              <a:rPr lang="en-US"/>
+              <a:t>Click to edit Master text styles</a:t>
+            </a:r>
+          </a:p>
+        </p:txBody>
+      </p:sp>
+      <p:sp>
+        <p:nvSpPr>
+          <p:cNvPr id="5" name="Date Placeholder 4">
+            <a:extLst>
+              <a:ext uri="{FF2B5EF4-FFF2-40B4-BE49-F238E27FC236}">
+                <a16:creationId xmlns:a16="http://schemas.microsoft.com/office/drawing/2014/main" id="{1852697D-E2E4-49E3-AE31-5250695D9325}"/>
+              </a:ext>
+            </a:extLst>
+          </p:cNvPr>
+          <p:cNvSpPr>
+            <a:spLocks noGrp="1"/>
+          </p:cNvSpPr>
+          <p:nvPr>
+            <p:ph type="dt" sz="half" idx="10"/>
+          </p:nvPr>
+        </p:nvSpPr>
+        <p:spPr/>
+        <p:txBody>
+          <a:bodyPr/>
+          <a:lstStyle/>
+          <a:p>
+            <a:fld id="{42CC8FCC-431C-4728-AF08-AAB43AA35F20}" type="datetimeFigureOut">
+              <a:rPr lang="en-US" smtClean="0"/>
+              <a:t>2/16/2022</a:t>
+            </a:fld>
+            <a:endParaRPr lang="en-US"/>
+          </a:p>
+        </p:txBody>
+      </p:sp>
+      <p:sp>
+        <p:nvSpPr>
+          <p:cNvPr id="6" name="Footer Placeholder 5">
+            <a:extLst>
+              <a:ext uri="{FF2B5EF4-FFF2-40B4-BE49-F238E27FC236}">
+                <a16:creationId xmlns:a16="http://schemas.microsoft.com/office/drawing/2014/main" id="{518ECD8D-81B6-44F3-84AE-C6E001EA5567}"/>
+              </a:ext>
+            </a:extLst>
+          </p:cNvPr>
+          <p:cNvSpPr>
+            <a:spLocks noGrp="1"/>
+          </p:cNvSpPr>
+          <p:nvPr>
+            <p:ph type="ftr" sz="quarter" idx="11"/>
+          </p:nvPr>
+        </p:nvSpPr>
+        <p:spPr/>
+        <p:txBody>
+          <a:bodyPr/>
+          <a:lstStyle/>
+          <a:p>
+            <a:endParaRPr lang="en-US"/>
+          </a:p>
+        </p:txBody>
+      </p:sp>
+      <p:sp>
+        <p:nvSpPr>
+          <p:cNvPr id="7" name="Slide Number Placeholder 6">
+            <a:extLst>
+              <a:ext uri="{FF2B5EF4-FFF2-40B4-BE49-F238E27FC236}">
+                <a16:creationId xmlns:a16="http://schemas.microsoft.com/office/drawing/2014/main" id="{2FF290D1-6949-48F7-8ECF-88E68A5164EB}"/>
+              </a:ext>
+            </a:extLst>
+          </p:cNvPr>
+          <p:cNvSpPr>
+            <a:spLocks noGrp="1"/>
+          </p:cNvSpPr>
+          <p:nvPr>
+            <p:ph type="sldNum" sz="quarter" idx="12"/>
+          </p:nvPr>
+        </p:nvSpPr>
+        <p:spPr/>
+        <p:txBody>
+          <a:bodyPr/>
+          <a:lstStyle/>
+          <a:p>
+            <a:fld id="{06FC1D7C-651C-46AF-AA3B-457EC5ED280A}" type="slidenum">
+              <a:rPr lang="en-US" smtClean="0"/>
+              <a:t>‹#›</a:t>
+            </a:fld>
+            <a:endParaRPr lang="en-US"/>
+          </a:p>
+        </p:txBody>
+      </p:sp>
+    </p:spTree>
+    <p:extLst>
+      <p:ext uri="{BB962C8B-B14F-4D97-AF65-F5344CB8AC3E}">
+        <p14:creationId xmlns:p14="http://schemas.microsoft.com/office/powerpoint/2010/main" val="2110685524"/>
+      </p:ext>
+    </p:extLst>
+  </p:cSld>
+  <p:clrMapOvr>
+    <a:masterClrMapping/>
+  </p:clrMapOvr>
+</p:sldLayout>
+</file>
+
+<file path=ppt/slideLayouts/slideLayout21.xml><?xml version="1.0" encoding="utf-8"?>
+<p:sldLayout xmlns:a="http://schemas.openxmlformats.org/drawingml/2006/main" xmlns:r="http://schemas.openxmlformats.org/officeDocument/2006/relationships" xmlns:p="http://schemas.openxmlformats.org/presentationml/2006/main" type="vertTx" preserve="1">
+  <p:cSld name="Title and Vertical Text">
+    <p:spTree>
+      <p:nvGrpSpPr>
+        <p:cNvPr id="1" name=""/>
+        <p:cNvGrpSpPr/>
+        <p:nvPr/>
+      </p:nvGrpSpPr>
+      <p:grpSpPr>
+        <a:xfrm>
+          <a:off x="0" y="0"/>
+          <a:ext cx="0" cy="0"/>
+          <a:chOff x="0" y="0"/>
+          <a:chExt cx="0" cy="0"/>
+        </a:xfrm>
+      </p:grpSpPr>
+      <p:sp>
+        <p:nvSpPr>
+          <p:cNvPr id="2" name="Title 1">
+            <a:extLst>
+              <a:ext uri="{FF2B5EF4-FFF2-40B4-BE49-F238E27FC236}">
+                <a16:creationId xmlns:a16="http://schemas.microsoft.com/office/drawing/2014/main" id="{DEBA2EF7-A90F-4918-9738-C8A0A83D7102}"/>
+              </a:ext>
+            </a:extLst>
+          </p:cNvPr>
+          <p:cNvSpPr>
+            <a:spLocks noGrp="1"/>
+          </p:cNvSpPr>
+          <p:nvPr>
+            <p:ph type="title"/>
+          </p:nvPr>
+        </p:nvSpPr>
+        <p:spPr/>
+        <p:txBody>
+          <a:bodyPr/>
+          <a:lstStyle/>
+          <a:p>
+            <a:r>
+              <a:rPr lang="en-US"/>
+              <a:t>Click to edit Master title style</a:t>
+            </a:r>
+          </a:p>
+        </p:txBody>
+      </p:sp>
+      <p:sp>
+        <p:nvSpPr>
+          <p:cNvPr id="3" name="Vertical Text Placeholder 2">
+            <a:extLst>
+              <a:ext uri="{FF2B5EF4-FFF2-40B4-BE49-F238E27FC236}">
+                <a16:creationId xmlns:a16="http://schemas.microsoft.com/office/drawing/2014/main" id="{C810657A-23F7-4BB3-8580-05649F52587A}"/>
+              </a:ext>
+            </a:extLst>
+          </p:cNvPr>
+          <p:cNvSpPr>
+            <a:spLocks noGrp="1"/>
+          </p:cNvSpPr>
+          <p:nvPr>
+            <p:ph type="body" orient="vert" idx="1"/>
+          </p:nvPr>
+        </p:nvSpPr>
+        <p:spPr/>
+        <p:txBody>
+          <a:bodyPr vert="eaVert"/>
+          <a:lstStyle/>
+          <a:p>
+            <a:pPr lvl="0"/>
+            <a:r>
+              <a:rPr lang="en-US"/>
+              <a:t>Click to edit Master text styles</a:t>
+            </a:r>
+          </a:p>
+          <a:p>
+            <a:pPr lvl="1"/>
+            <a:r>
+              <a:rPr lang="en-US"/>
+              <a:t>Second level</a:t>
+            </a:r>
+          </a:p>
+          <a:p>
+            <a:pPr lvl="2"/>
+            <a:r>
+              <a:rPr lang="en-US"/>
+              <a:t>Third level</a:t>
+            </a:r>
+          </a:p>
+          <a:p>
+            <a:pPr lvl="3"/>
+            <a:r>
+              <a:rPr lang="en-US"/>
+              <a:t>Fourth level</a:t>
+            </a:r>
+          </a:p>
+          <a:p>
+            <a:pPr lvl="4"/>
+            <a:r>
+              <a:rPr lang="en-US"/>
+              <a:t>Fifth level</a:t>
+            </a:r>
+          </a:p>
+        </p:txBody>
+      </p:sp>
+      <p:sp>
+        <p:nvSpPr>
+          <p:cNvPr id="4" name="Date Placeholder 3">
+            <a:extLst>
+              <a:ext uri="{FF2B5EF4-FFF2-40B4-BE49-F238E27FC236}">
+                <a16:creationId xmlns:a16="http://schemas.microsoft.com/office/drawing/2014/main" id="{242D2C93-317B-42DB-9EEA-3C3A19B42C92}"/>
+              </a:ext>
+            </a:extLst>
+          </p:cNvPr>
+          <p:cNvSpPr>
+            <a:spLocks noGrp="1"/>
+          </p:cNvSpPr>
+          <p:nvPr>
+            <p:ph type="dt" sz="half" idx="10"/>
+          </p:nvPr>
+        </p:nvSpPr>
+        <p:spPr/>
+        <p:txBody>
+          <a:bodyPr/>
+          <a:lstStyle/>
+          <a:p>
+            <a:fld id="{42CC8FCC-431C-4728-AF08-AAB43AA35F20}" type="datetimeFigureOut">
+              <a:rPr lang="en-US" smtClean="0"/>
+              <a:t>2/16/2022</a:t>
+            </a:fld>
+            <a:endParaRPr lang="en-US"/>
+          </a:p>
+        </p:txBody>
+      </p:sp>
+      <p:sp>
+        <p:nvSpPr>
+          <p:cNvPr id="5" name="Footer Placeholder 4">
+            <a:extLst>
+              <a:ext uri="{FF2B5EF4-FFF2-40B4-BE49-F238E27FC236}">
+                <a16:creationId xmlns:a16="http://schemas.microsoft.com/office/drawing/2014/main" id="{0B9A11CD-6038-4B19-95E0-8BC6333DC941}"/>
+              </a:ext>
+            </a:extLst>
+          </p:cNvPr>
+          <p:cNvSpPr>
+            <a:spLocks noGrp="1"/>
+          </p:cNvSpPr>
+          <p:nvPr>
+            <p:ph type="ftr" sz="quarter" idx="11"/>
+          </p:nvPr>
+        </p:nvSpPr>
+        <p:spPr/>
+        <p:txBody>
+          <a:bodyPr/>
+          <a:lstStyle/>
+          <a:p>
+            <a:endParaRPr lang="en-US"/>
+          </a:p>
+        </p:txBody>
+      </p:sp>
+      <p:sp>
+        <p:nvSpPr>
+          <p:cNvPr id="6" name="Slide Number Placeholder 5">
+            <a:extLst>
+              <a:ext uri="{FF2B5EF4-FFF2-40B4-BE49-F238E27FC236}">
+                <a16:creationId xmlns:a16="http://schemas.microsoft.com/office/drawing/2014/main" id="{8CB76BEF-7EE8-42E0-8B89-68AC121B7D05}"/>
+              </a:ext>
+            </a:extLst>
+          </p:cNvPr>
+          <p:cNvSpPr>
+            <a:spLocks noGrp="1"/>
+          </p:cNvSpPr>
+          <p:nvPr>
+            <p:ph type="sldNum" sz="quarter" idx="12"/>
+          </p:nvPr>
+        </p:nvSpPr>
+        <p:spPr/>
+        <p:txBody>
+          <a:bodyPr/>
+          <a:lstStyle/>
+          <a:p>
+            <a:fld id="{06FC1D7C-651C-46AF-AA3B-457EC5ED280A}" type="slidenum">
+              <a:rPr lang="en-US" smtClean="0"/>
+              <a:t>‹#›</a:t>
+            </a:fld>
+            <a:endParaRPr lang="en-US"/>
+          </a:p>
+        </p:txBody>
+      </p:sp>
+    </p:spTree>
+    <p:extLst>
+      <p:ext uri="{BB962C8B-B14F-4D97-AF65-F5344CB8AC3E}">
+        <p14:creationId xmlns:p14="http://schemas.microsoft.com/office/powerpoint/2010/main" val="290893865"/>
+      </p:ext>
+    </p:extLst>
+  </p:cSld>
+  <p:clrMapOvr>
+    <a:masterClrMapping/>
+  </p:clrMapOvr>
+</p:sldLayout>
+</file>
+
+<file path=ppt/slideLayouts/slideLayout22.xml><?xml version="1.0" encoding="utf-8"?>
+<p:sldLayout xmlns:a="http://schemas.openxmlformats.org/drawingml/2006/main" xmlns:r="http://schemas.openxmlformats.org/officeDocument/2006/relationships" xmlns:p="http://schemas.openxmlformats.org/presentationml/2006/main" type="vertTitleAndTx" preserve="1">
+  <p:cSld name="Vertical Title and Text">
+    <p:spTree>
+      <p:nvGrpSpPr>
+        <p:cNvPr id="1" name=""/>
+        <p:cNvGrpSpPr/>
+        <p:nvPr/>
+      </p:nvGrpSpPr>
+      <p:grpSpPr>
+        <a:xfrm>
+          <a:off x="0" y="0"/>
+          <a:ext cx="0" cy="0"/>
+          <a:chOff x="0" y="0"/>
+          <a:chExt cx="0" cy="0"/>
+        </a:xfrm>
+      </p:grpSpPr>
+      <p:sp>
+        <p:nvSpPr>
+          <p:cNvPr id="2" name="Vertical Title 1">
+            <a:extLst>
+              <a:ext uri="{FF2B5EF4-FFF2-40B4-BE49-F238E27FC236}">
+                <a16:creationId xmlns:a16="http://schemas.microsoft.com/office/drawing/2014/main" id="{DF6BA80C-8687-4D9A-B497-09778E059E61}"/>
+              </a:ext>
+            </a:extLst>
+          </p:cNvPr>
+          <p:cNvSpPr>
+            <a:spLocks noGrp="1"/>
+          </p:cNvSpPr>
+          <p:nvPr>
+            <p:ph type="title" orient="vert"/>
+          </p:nvPr>
+        </p:nvSpPr>
+        <p:spPr>
+          <a:xfrm>
+            <a:off x="8724900" y="365125"/>
+            <a:ext cx="2628900" cy="5811838"/>
+          </a:xfrm>
+        </p:spPr>
+        <p:txBody>
+          <a:bodyPr vert="eaVert"/>
+          <a:lstStyle/>
+          <a:p>
+            <a:r>
+              <a:rPr lang="en-US"/>
+              <a:t>Click to edit Master title style</a:t>
+            </a:r>
+          </a:p>
+        </p:txBody>
+      </p:sp>
+      <p:sp>
+        <p:nvSpPr>
+          <p:cNvPr id="3" name="Vertical Text Placeholder 2">
+            <a:extLst>
+              <a:ext uri="{FF2B5EF4-FFF2-40B4-BE49-F238E27FC236}">
+                <a16:creationId xmlns:a16="http://schemas.microsoft.com/office/drawing/2014/main" id="{6E513E81-C851-4683-AD68-006B251B24C5}"/>
+              </a:ext>
+            </a:extLst>
+          </p:cNvPr>
+          <p:cNvSpPr>
+            <a:spLocks noGrp="1"/>
+          </p:cNvSpPr>
+          <p:nvPr>
+            <p:ph type="body" orient="vert" idx="1"/>
+          </p:nvPr>
+        </p:nvSpPr>
+        <p:spPr>
+          <a:xfrm>
+            <a:off x="838200" y="365125"/>
+            <a:ext cx="7734300" cy="5811838"/>
+          </a:xfrm>
+        </p:spPr>
+        <p:txBody>
+          <a:bodyPr vert="eaVert"/>
+          <a:lstStyle/>
+          <a:p>
+            <a:pPr lvl="0"/>
+            <a:r>
+              <a:rPr lang="en-US"/>
+              <a:t>Click to edit Master text styles</a:t>
+            </a:r>
+          </a:p>
+          <a:p>
+            <a:pPr lvl="1"/>
+            <a:r>
+              <a:rPr lang="en-US"/>
+              <a:t>Second level</a:t>
+            </a:r>
+          </a:p>
+          <a:p>
+            <a:pPr lvl="2"/>
+            <a:r>
+              <a:rPr lang="en-US"/>
+              <a:t>Third level</a:t>
+            </a:r>
+          </a:p>
+          <a:p>
+            <a:pPr lvl="3"/>
+            <a:r>
+              <a:rPr lang="en-US"/>
+              <a:t>Fourth level</a:t>
+            </a:r>
+          </a:p>
+          <a:p>
+            <a:pPr lvl="4"/>
+            <a:r>
+              <a:rPr lang="en-US"/>
+              <a:t>Fifth level</a:t>
+            </a:r>
+          </a:p>
+        </p:txBody>
+      </p:sp>
+      <p:sp>
+        <p:nvSpPr>
+          <p:cNvPr id="4" name="Date Placeholder 3">
+            <a:extLst>
+              <a:ext uri="{FF2B5EF4-FFF2-40B4-BE49-F238E27FC236}">
+                <a16:creationId xmlns:a16="http://schemas.microsoft.com/office/drawing/2014/main" id="{B5C61494-00D1-4BFD-A504-9B058AACEC76}"/>
+              </a:ext>
+            </a:extLst>
+          </p:cNvPr>
+          <p:cNvSpPr>
+            <a:spLocks noGrp="1"/>
+          </p:cNvSpPr>
+          <p:nvPr>
+            <p:ph type="dt" sz="half" idx="10"/>
+          </p:nvPr>
+        </p:nvSpPr>
+        <p:spPr/>
+        <p:txBody>
+          <a:bodyPr/>
+          <a:lstStyle/>
+          <a:p>
+            <a:fld id="{42CC8FCC-431C-4728-AF08-AAB43AA35F20}" type="datetimeFigureOut">
+              <a:rPr lang="en-US" smtClean="0"/>
+              <a:t>2/16/2022</a:t>
+            </a:fld>
+            <a:endParaRPr lang="en-US"/>
+          </a:p>
+        </p:txBody>
+      </p:sp>
+      <p:sp>
+        <p:nvSpPr>
+          <p:cNvPr id="5" name="Footer Placeholder 4">
+            <a:extLst>
+              <a:ext uri="{FF2B5EF4-FFF2-40B4-BE49-F238E27FC236}">
+                <a16:creationId xmlns:a16="http://schemas.microsoft.com/office/drawing/2014/main" id="{717D47C5-ABA1-46B0-BC3A-0649353BC981}"/>
+              </a:ext>
+            </a:extLst>
+          </p:cNvPr>
+          <p:cNvSpPr>
+            <a:spLocks noGrp="1"/>
+          </p:cNvSpPr>
+          <p:nvPr>
+            <p:ph type="ftr" sz="quarter" idx="11"/>
+          </p:nvPr>
+        </p:nvSpPr>
+        <p:spPr/>
+        <p:txBody>
+          <a:bodyPr/>
+          <a:lstStyle/>
+          <a:p>
+            <a:endParaRPr lang="en-US"/>
+          </a:p>
+        </p:txBody>
+      </p:sp>
+      <p:sp>
+        <p:nvSpPr>
+          <p:cNvPr id="6" name="Slide Number Placeholder 5">
+            <a:extLst>
+              <a:ext uri="{FF2B5EF4-FFF2-40B4-BE49-F238E27FC236}">
+                <a16:creationId xmlns:a16="http://schemas.microsoft.com/office/drawing/2014/main" id="{B00D9E91-C3AB-4143-96B5-188A22DB128F}"/>
+              </a:ext>
+            </a:extLst>
+          </p:cNvPr>
+          <p:cNvSpPr>
+            <a:spLocks noGrp="1"/>
+          </p:cNvSpPr>
+          <p:nvPr>
+            <p:ph type="sldNum" sz="quarter" idx="12"/>
+          </p:nvPr>
+        </p:nvSpPr>
+        <p:spPr/>
+        <p:txBody>
+          <a:bodyPr/>
+          <a:lstStyle/>
+          <a:p>
+            <a:fld id="{06FC1D7C-651C-46AF-AA3B-457EC5ED280A}" type="slidenum">
+              <a:rPr lang="en-US" smtClean="0"/>
+              <a:t>‹#›</a:t>
+            </a:fld>
+            <a:endParaRPr lang="en-US"/>
+          </a:p>
+        </p:txBody>
+      </p:sp>
+    </p:spTree>
+    <p:extLst>
+      <p:ext uri="{BB962C8B-B14F-4D97-AF65-F5344CB8AC3E}">
+        <p14:creationId xmlns:p14="http://schemas.microsoft.com/office/powerpoint/2010/main" val="3097109974"/>
+      </p:ext>
+    </p:extLst>
+  </p:cSld>
+  <p:clrMapOvr>
+    <a:masterClrMapping/>
+  </p:clrMapOvr>
+</p:sldLayout>
+</file>
+
+<file path=ppt/slideLayouts/slideLayout3.xml><?xml version="1.0" encoding="utf-8"?>
+<p:sldLayout xmlns:a="http://schemas.openxmlformats.org/drawingml/2006/main" xmlns:r="http://schemas.openxmlformats.org/officeDocument/2006/relationships" xmlns:p="http://schemas.openxmlformats.org/presentationml/2006/main" type="secHead" preserve="1">
+  <p:cSld name="Section Header">
+    <p:spTree>
+      <p:nvGrpSpPr>
+        <p:cNvPr id="1" name=""/>
+        <p:cNvGrpSpPr/>
+        <p:nvPr/>
+      </p:nvGrpSpPr>
+      <p:grpSpPr>
+        <a:xfrm>
+          <a:off x="0" y="0"/>
+          <a:ext cx="0" cy="0"/>
+          <a:chOff x="0" y="0"/>
+          <a:chExt cx="0" cy="0"/>
+        </a:xfrm>
+      </p:grpSpPr>
+      <p:sp>
+        <p:nvSpPr>
+          <p:cNvPr id="2" name="Title 1"/>
+          <p:cNvSpPr>
+            <a:spLocks noGrp="1"/>
+          </p:cNvSpPr>
+          <p:nvPr>
+            <p:ph type="title"/>
+          </p:nvPr>
+        </p:nvSpPr>
+        <p:spPr>
+          <a:xfrm>
+            <a:off x="831850" y="1709738"/>
+            <a:ext cx="10515600" cy="2852737"/>
+          </a:xfrm>
+        </p:spPr>
+        <p:txBody>
+          <a:bodyPr anchor="b"/>
+          <a:lstStyle>
+            <a:lvl1pPr>
+              <a:defRPr sz="6000"/>
+            </a:lvl1pPr>
+          </a:lstStyle>
+          <a:p>
+            <a:r>
+              <a:rPr lang="en-US"/>
+              <a:t>Click to edit Master title style</a:t>
+            </a:r>
+            <a:endParaRPr lang="en-US" dirty="0"/>
+          </a:p>
+        </p:txBody>
+      </p:sp>
+      <p:sp>
+        <p:nvSpPr>
+          <p:cNvPr id="3" name="Text Placeholder 2"/>
+          <p:cNvSpPr>
+            <a:spLocks noGrp="1"/>
+          </p:cNvSpPr>
+          <p:nvPr>
+            <p:ph type="body" idx="1"/>
+          </p:nvPr>
+        </p:nvSpPr>
+        <p:spPr>
+          <a:xfrm>
+            <a:off x="831850" y="4589463"/>
+            <a:ext cx="10515600" cy="1500187"/>
+          </a:xfrm>
+        </p:spPr>
+        <p:txBody>
+          <a:bodyPr/>
+          <a:lstStyle>
+            <a:lvl1pPr marL="0" indent="0">
+              <a:buNone/>
+              <a:defRPr sz="2400">
+                <a:solidFill>
+                  <a:schemeClr val="tx1">
+                    <a:tint val="75000"/>
+                  </a:schemeClr>
+                </a:solidFill>
+              </a:defRPr>
+            </a:lvl1pPr>
+            <a:lvl2pPr marL="457200" indent="0">
+              <a:buNone/>
+              <a:defRPr sz="2000">
+                <a:solidFill>
+                  <a:schemeClr val="tx1">
+                    <a:tint val="75000"/>
+                  </a:schemeClr>
+                </a:solidFill>
+              </a:defRPr>
+            </a:lvl2pPr>
+            <a:lvl3pPr marL="914400" indent="0">
+              <a:buNone/>
+              <a:defRPr sz="1800">
+                <a:solidFill>
+                  <a:schemeClr val="tx1">
+                    <a:tint val="75000"/>
+                  </a:schemeClr>
+                </a:solidFill>
+              </a:defRPr>
+            </a:lvl3pPr>
+            <a:lvl4pPr marL="1371600" indent="0">
+              <a:buNone/>
+              <a:defRPr sz="1600">
+                <a:solidFill>
+                  <a:schemeClr val="tx1">
+                    <a:tint val="75000"/>
+                  </a:schemeClr>
+                </a:solidFill>
+              </a:defRPr>
+            </a:lvl4pPr>
+            <a:lvl5pPr marL="1828800" indent="0">
+              <a:buNone/>
+              <a:defRPr sz="1600">
+                <a:solidFill>
+                  <a:schemeClr val="tx1">
+                    <a:tint val="75000"/>
+                  </a:schemeClr>
+                </a:solidFill>
+              </a:defRPr>
+            </a:lvl5pPr>
+            <a:lvl6pPr marL="2286000" indent="0">
+              <a:buNone/>
+              <a:defRPr sz="1600">
+                <a:solidFill>
+                  <a:schemeClr val="tx1">
+                    <a:tint val="75000"/>
+                  </a:schemeClr>
+                </a:solidFill>
+              </a:defRPr>
+            </a:lvl6pPr>
+            <a:lvl7pPr marL="2743200" indent="0">
+              <a:buNone/>
+              <a:defRPr sz="1600">
+                <a:solidFill>
+                  <a:schemeClr val="tx1">
+                    <a:tint val="75000"/>
+                  </a:schemeClr>
+                </a:solidFill>
+              </a:defRPr>
+            </a:lvl7pPr>
+            <a:lvl8pPr marL="3200400" indent="0">
+              <a:buNone/>
+              <a:defRPr sz="1600">
+                <a:solidFill>
+                  <a:schemeClr val="tx1">
+                    <a:tint val="75000"/>
+                  </a:schemeClr>
+                </a:solidFill>
+              </a:defRPr>
+            </a:lvl8pPr>
+            <a:lvl9pPr marL="3657600" indent="0">
+              <a:buNone/>
+              <a:defRPr sz="1600">
+                <a:solidFill>
+                  <a:schemeClr val="tx1">
+                    <a:tint val="75000"/>
+                  </a:schemeClr>
+                </a:solidFill>
+              </a:defRPr>
+            </a:lvl9pPr>
+          </a:lstStyle>
+          <a:p>
+            <a:pPr lvl="0"/>
+            <a:r>
+              <a:rPr lang="en-US"/>
+              <a:t>Click to edit Master text styles</a:t>
+            </a:r>
+          </a:p>
+        </p:txBody>
+      </p:sp>
+      <p:sp>
+        <p:nvSpPr>
           <p:cNvPr id="4" name="Date Placeholder 3"/>
           <p:cNvSpPr>
             <a:spLocks noGrp="1"/>
@@ -4669,7 +7214,7 @@
           <a:p>
             <a:r>
               <a:rPr lang="en-US" dirty="0"/>
-              <a:t>Yarden Akebi &amp; Etai Sella</a:t>
+              <a:t>Or Sagiv &amp; Etai Sella</a:t>
             </a:r>
           </a:p>
         </p:txBody>
@@ -5082,6 +7627,574 @@
 </p:sldMaster>
 </file>
 
+<file path=ppt/slideMasters/slideMaster2.xml><?xml version="1.0" encoding="utf-8"?>
+<p:sldMaster xmlns:a="http://schemas.openxmlformats.org/drawingml/2006/main" xmlns:r="http://schemas.openxmlformats.org/officeDocument/2006/relationships" xmlns:p="http://schemas.openxmlformats.org/presentationml/2006/main" preserve="1">
+  <p:cSld>
+    <p:bg>
+      <p:bgRef idx="1001">
+        <a:schemeClr val="bg1"/>
+      </p:bgRef>
+    </p:bg>
+    <p:spTree>
+      <p:nvGrpSpPr>
+        <p:cNvPr id="1" name=""/>
+        <p:cNvGrpSpPr/>
+        <p:nvPr/>
+      </p:nvGrpSpPr>
+      <p:grpSpPr>
+        <a:xfrm>
+          <a:off x="0" y="0"/>
+          <a:ext cx="0" cy="0"/>
+          <a:chOff x="0" y="0"/>
+          <a:chExt cx="0" cy="0"/>
+        </a:xfrm>
+      </p:grpSpPr>
+      <p:sp>
+        <p:nvSpPr>
+          <p:cNvPr id="2" name="Title Placeholder 1">
+            <a:extLst>
+              <a:ext uri="{FF2B5EF4-FFF2-40B4-BE49-F238E27FC236}">
+                <a16:creationId xmlns:a16="http://schemas.microsoft.com/office/drawing/2014/main" id="{BFFB72E7-425D-4964-B190-1B33157BAFC2}"/>
+              </a:ext>
+            </a:extLst>
+          </p:cNvPr>
+          <p:cNvSpPr>
+            <a:spLocks noGrp="1"/>
+          </p:cNvSpPr>
+          <p:nvPr>
+            <p:ph type="title"/>
+          </p:nvPr>
+        </p:nvSpPr>
+        <p:spPr>
+          <a:xfrm>
+            <a:off x="838200" y="365125"/>
+            <a:ext cx="10515600" cy="1325563"/>
+          </a:xfrm>
+          <a:prstGeom prst="rect">
+            <a:avLst/>
+          </a:prstGeom>
+        </p:spPr>
+        <p:txBody>
+          <a:bodyPr vert="horz" lIns="91440" tIns="45720" rIns="91440" bIns="45720" rtlCol="0" anchor="ctr">
+            <a:normAutofit/>
+          </a:bodyPr>
+          <a:lstStyle/>
+          <a:p>
+            <a:r>
+              <a:rPr lang="en-US"/>
+              <a:t>Click to edit Master title style</a:t>
+            </a:r>
+          </a:p>
+        </p:txBody>
+      </p:sp>
+      <p:sp>
+        <p:nvSpPr>
+          <p:cNvPr id="3" name="Text Placeholder 2">
+            <a:extLst>
+              <a:ext uri="{FF2B5EF4-FFF2-40B4-BE49-F238E27FC236}">
+                <a16:creationId xmlns:a16="http://schemas.microsoft.com/office/drawing/2014/main" id="{2B2E004D-0083-478E-B7F4-320EA99B20DE}"/>
+              </a:ext>
+            </a:extLst>
+          </p:cNvPr>
+          <p:cNvSpPr>
+            <a:spLocks noGrp="1"/>
+          </p:cNvSpPr>
+          <p:nvPr>
+            <p:ph type="body" idx="1"/>
+          </p:nvPr>
+        </p:nvSpPr>
+        <p:spPr>
+          <a:xfrm>
+            <a:off x="838200" y="1825625"/>
+            <a:ext cx="10515600" cy="4351338"/>
+          </a:xfrm>
+          <a:prstGeom prst="rect">
+            <a:avLst/>
+          </a:prstGeom>
+        </p:spPr>
+        <p:txBody>
+          <a:bodyPr vert="horz" lIns="91440" tIns="45720" rIns="91440" bIns="45720" rtlCol="0">
+            <a:normAutofit/>
+          </a:bodyPr>
+          <a:lstStyle/>
+          <a:p>
+            <a:pPr lvl="0"/>
+            <a:r>
+              <a:rPr lang="en-US"/>
+              <a:t>Click to edit Master text styles</a:t>
+            </a:r>
+          </a:p>
+          <a:p>
+            <a:pPr lvl="1"/>
+            <a:r>
+              <a:rPr lang="en-US"/>
+              <a:t>Second level</a:t>
+            </a:r>
+          </a:p>
+          <a:p>
+            <a:pPr lvl="2"/>
+            <a:r>
+              <a:rPr lang="en-US"/>
+              <a:t>Third level</a:t>
+            </a:r>
+          </a:p>
+          <a:p>
+            <a:pPr lvl="3"/>
+            <a:r>
+              <a:rPr lang="en-US"/>
+              <a:t>Fourth level</a:t>
+            </a:r>
+          </a:p>
+          <a:p>
+            <a:pPr lvl="4"/>
+            <a:r>
+              <a:rPr lang="en-US"/>
+              <a:t>Fifth level</a:t>
+            </a:r>
+          </a:p>
+        </p:txBody>
+      </p:sp>
+      <p:sp>
+        <p:nvSpPr>
+          <p:cNvPr id="4" name="Date Placeholder 3">
+            <a:extLst>
+              <a:ext uri="{FF2B5EF4-FFF2-40B4-BE49-F238E27FC236}">
+                <a16:creationId xmlns:a16="http://schemas.microsoft.com/office/drawing/2014/main" id="{A49BD673-46F3-4818-87DA-828574D8303A}"/>
+              </a:ext>
+            </a:extLst>
+          </p:cNvPr>
+          <p:cNvSpPr>
+            <a:spLocks noGrp="1"/>
+          </p:cNvSpPr>
+          <p:nvPr>
+            <p:ph type="dt" sz="half" idx="2"/>
+          </p:nvPr>
+        </p:nvSpPr>
+        <p:spPr>
+          <a:xfrm>
+            <a:off x="838200" y="6356350"/>
+            <a:ext cx="2743200" cy="365125"/>
+          </a:xfrm>
+          <a:prstGeom prst="rect">
+            <a:avLst/>
+          </a:prstGeom>
+        </p:spPr>
+        <p:txBody>
+          <a:bodyPr vert="horz" lIns="91440" tIns="45720" rIns="91440" bIns="45720" rtlCol="0" anchor="ctr"/>
+          <a:lstStyle>
+            <a:lvl1pPr algn="l">
+              <a:defRPr sz="1200">
+                <a:solidFill>
+                  <a:schemeClr val="tx1">
+                    <a:tint val="75000"/>
+                  </a:schemeClr>
+                </a:solidFill>
+              </a:defRPr>
+            </a:lvl1pPr>
+          </a:lstStyle>
+          <a:p>
+            <a:fld id="{42CC8FCC-431C-4728-AF08-AAB43AA35F20}" type="datetimeFigureOut">
+              <a:rPr lang="en-US" smtClean="0"/>
+              <a:t>2/16/2022</a:t>
+            </a:fld>
+            <a:endParaRPr lang="en-US"/>
+          </a:p>
+        </p:txBody>
+      </p:sp>
+      <p:sp>
+        <p:nvSpPr>
+          <p:cNvPr id="5" name="Footer Placeholder 4">
+            <a:extLst>
+              <a:ext uri="{FF2B5EF4-FFF2-40B4-BE49-F238E27FC236}">
+                <a16:creationId xmlns:a16="http://schemas.microsoft.com/office/drawing/2014/main" id="{4131AD7A-64A7-4642-A946-B0AF50ADC5C6}"/>
+              </a:ext>
+            </a:extLst>
+          </p:cNvPr>
+          <p:cNvSpPr>
+            <a:spLocks noGrp="1"/>
+          </p:cNvSpPr>
+          <p:nvPr>
+            <p:ph type="ftr" sz="quarter" idx="3"/>
+          </p:nvPr>
+        </p:nvSpPr>
+        <p:spPr>
+          <a:xfrm>
+            <a:off x="4038600" y="6356350"/>
+            <a:ext cx="4114800" cy="365125"/>
+          </a:xfrm>
+          <a:prstGeom prst="rect">
+            <a:avLst/>
+          </a:prstGeom>
+        </p:spPr>
+        <p:txBody>
+          <a:bodyPr vert="horz" lIns="91440" tIns="45720" rIns="91440" bIns="45720" rtlCol="0" anchor="ctr"/>
+          <a:lstStyle>
+            <a:lvl1pPr algn="ctr">
+              <a:defRPr sz="1200">
+                <a:solidFill>
+                  <a:schemeClr val="tx1">
+                    <a:tint val="75000"/>
+                  </a:schemeClr>
+                </a:solidFill>
+              </a:defRPr>
+            </a:lvl1pPr>
+          </a:lstStyle>
+          <a:p>
+            <a:endParaRPr lang="en-US"/>
+          </a:p>
+        </p:txBody>
+      </p:sp>
+      <p:sp>
+        <p:nvSpPr>
+          <p:cNvPr id="6" name="Slide Number Placeholder 5">
+            <a:extLst>
+              <a:ext uri="{FF2B5EF4-FFF2-40B4-BE49-F238E27FC236}">
+                <a16:creationId xmlns:a16="http://schemas.microsoft.com/office/drawing/2014/main" id="{BA22FE3F-1D0B-489C-AF58-5F7A62301691}"/>
+              </a:ext>
+            </a:extLst>
+          </p:cNvPr>
+          <p:cNvSpPr>
+            <a:spLocks noGrp="1"/>
+          </p:cNvSpPr>
+          <p:nvPr>
+            <p:ph type="sldNum" sz="quarter" idx="4"/>
+          </p:nvPr>
+        </p:nvSpPr>
+        <p:spPr>
+          <a:xfrm>
+            <a:off x="8610600" y="6356350"/>
+            <a:ext cx="2743200" cy="365125"/>
+          </a:xfrm>
+          <a:prstGeom prst="rect">
+            <a:avLst/>
+          </a:prstGeom>
+        </p:spPr>
+        <p:txBody>
+          <a:bodyPr vert="horz" lIns="91440" tIns="45720" rIns="91440" bIns="45720" rtlCol="0" anchor="ctr"/>
+          <a:lstStyle>
+            <a:lvl1pPr algn="r">
+              <a:defRPr sz="1200">
+                <a:solidFill>
+                  <a:schemeClr val="tx1">
+                    <a:tint val="75000"/>
+                  </a:schemeClr>
+                </a:solidFill>
+              </a:defRPr>
+            </a:lvl1pPr>
+          </a:lstStyle>
+          <a:p>
+            <a:fld id="{06FC1D7C-651C-46AF-AA3B-457EC5ED280A}" type="slidenum">
+              <a:rPr lang="en-US" smtClean="0"/>
+              <a:t>‹#›</a:t>
+            </a:fld>
+            <a:endParaRPr lang="en-US"/>
+          </a:p>
+        </p:txBody>
+      </p:sp>
+    </p:spTree>
+    <p:extLst>
+      <p:ext uri="{BB962C8B-B14F-4D97-AF65-F5344CB8AC3E}">
+        <p14:creationId xmlns:p14="http://schemas.microsoft.com/office/powerpoint/2010/main" val="3474733936"/>
+      </p:ext>
+    </p:extLst>
+  </p:cSld>
+  <p:clrMap bg1="lt1" tx1="dk1" bg2="lt2" tx2="dk2" accent1="accent1" accent2="accent2" accent3="accent3" accent4="accent4" accent5="accent5" accent6="accent6" hlink="hlink" folHlink="folHlink"/>
+  <p:sldLayoutIdLst>
+    <p:sldLayoutId id="2147483685" r:id="rId1"/>
+    <p:sldLayoutId id="2147483686" r:id="rId2"/>
+    <p:sldLayoutId id="2147483687" r:id="rId3"/>
+    <p:sldLayoutId id="2147483688" r:id="rId4"/>
+    <p:sldLayoutId id="2147483689" r:id="rId5"/>
+    <p:sldLayoutId id="2147483690" r:id="rId6"/>
+    <p:sldLayoutId id="2147483691" r:id="rId7"/>
+    <p:sldLayoutId id="2147483692" r:id="rId8"/>
+    <p:sldLayoutId id="2147483693" r:id="rId9"/>
+    <p:sldLayoutId id="2147483694" r:id="rId10"/>
+    <p:sldLayoutId id="2147483695" r:id="rId11"/>
+  </p:sldLayoutIdLst>
+  <p:txStyles>
+    <p:titleStyle>
+      <a:lvl1pPr algn="l" defTabSz="914400" rtl="0" eaLnBrk="1" latinLnBrk="0" hangingPunct="1">
+        <a:lnSpc>
+          <a:spcPct val="90000"/>
+        </a:lnSpc>
+        <a:spcBef>
+          <a:spcPct val="0"/>
+        </a:spcBef>
+        <a:buNone/>
+        <a:defRPr sz="4400" kern="1200">
+          <a:solidFill>
+            <a:schemeClr val="tx1"/>
+          </a:solidFill>
+          <a:latin typeface="+mj-lt"/>
+          <a:ea typeface="+mj-ea"/>
+          <a:cs typeface="+mj-cs"/>
+        </a:defRPr>
+      </a:lvl1pPr>
+    </p:titleStyle>
+    <p:bodyStyle>
+      <a:lvl1pPr marL="228600" indent="-228600" algn="l" defTabSz="914400" rtl="0" eaLnBrk="1" latinLnBrk="0" hangingPunct="1">
+        <a:lnSpc>
+          <a:spcPct val="90000"/>
+        </a:lnSpc>
+        <a:spcBef>
+          <a:spcPts val="1000"/>
+        </a:spcBef>
+        <a:buFont typeface="Arial" panose="020B0604020202020204" pitchFamily="34" charset="0"/>
+        <a:buChar char="•"/>
+        <a:defRPr sz="2800" kern="1200">
+          <a:solidFill>
+            <a:schemeClr val="tx1"/>
+          </a:solidFill>
+          <a:latin typeface="+mn-lt"/>
+          <a:ea typeface="+mn-ea"/>
+          <a:cs typeface="+mn-cs"/>
+        </a:defRPr>
+      </a:lvl1pPr>
+      <a:lvl2pPr marL="685800" indent="-228600" algn="l" defTabSz="914400" rtl="0" eaLnBrk="1" latinLnBrk="0" hangingPunct="1">
+        <a:lnSpc>
+          <a:spcPct val="90000"/>
+        </a:lnSpc>
+        <a:spcBef>
+          <a:spcPts val="500"/>
+        </a:spcBef>
+        <a:buFont typeface="Arial" panose="020B0604020202020204" pitchFamily="34" charset="0"/>
+        <a:buChar char="•"/>
+        <a:defRPr sz="2400" kern="1200">
+          <a:solidFill>
+            <a:schemeClr val="tx1"/>
+          </a:solidFill>
+          <a:latin typeface="+mn-lt"/>
+          <a:ea typeface="+mn-ea"/>
+          <a:cs typeface="+mn-cs"/>
+        </a:defRPr>
+      </a:lvl2pPr>
+      <a:lvl3pPr marL="1143000" indent="-228600" algn="l" defTabSz="914400" rtl="0" eaLnBrk="1" latinLnBrk="0" hangingPunct="1">
+        <a:lnSpc>
+          <a:spcPct val="90000"/>
+        </a:lnSpc>
+        <a:spcBef>
+          <a:spcPts val="500"/>
+        </a:spcBef>
+        <a:buFont typeface="Arial" panose="020B0604020202020204" pitchFamily="34" charset="0"/>
+        <a:buChar char="•"/>
+        <a:defRPr sz="2000" kern="1200">
+          <a:solidFill>
+            <a:schemeClr val="tx1"/>
+          </a:solidFill>
+          <a:latin typeface="+mn-lt"/>
+          <a:ea typeface="+mn-ea"/>
+          <a:cs typeface="+mn-cs"/>
+        </a:defRPr>
+      </a:lvl3pPr>
+      <a:lvl4pPr marL="1600200" indent="-228600" algn="l" defTabSz="914400" rtl="0" eaLnBrk="1" latinLnBrk="0" hangingPunct="1">
+        <a:lnSpc>
+          <a:spcPct val="90000"/>
+        </a:lnSpc>
+        <a:spcBef>
+          <a:spcPts val="500"/>
+        </a:spcBef>
+        <a:buFont typeface="Arial" panose="020B0604020202020204" pitchFamily="34" charset="0"/>
+        <a:buChar char="•"/>
+        <a:defRPr sz="1800" kern="1200">
+          <a:solidFill>
+            <a:schemeClr val="tx1"/>
+          </a:solidFill>
+          <a:latin typeface="+mn-lt"/>
+          <a:ea typeface="+mn-ea"/>
+          <a:cs typeface="+mn-cs"/>
+        </a:defRPr>
+      </a:lvl4pPr>
+      <a:lvl5pPr marL="2057400" indent="-228600" algn="l" defTabSz="914400" rtl="0" eaLnBrk="1" latinLnBrk="0" hangingPunct="1">
+        <a:lnSpc>
+          <a:spcPct val="90000"/>
+        </a:lnSpc>
+        <a:spcBef>
+          <a:spcPts val="500"/>
+        </a:spcBef>
+        <a:buFont typeface="Arial" panose="020B0604020202020204" pitchFamily="34" charset="0"/>
+        <a:buChar char="•"/>
+        <a:defRPr sz="1800" kern="1200">
+          <a:solidFill>
+            <a:schemeClr val="tx1"/>
+          </a:solidFill>
+          <a:latin typeface="+mn-lt"/>
+          <a:ea typeface="+mn-ea"/>
+          <a:cs typeface="+mn-cs"/>
+        </a:defRPr>
+      </a:lvl5pPr>
+      <a:lvl6pPr marL="2514600" indent="-228600" algn="l" defTabSz="914400" rtl="0" eaLnBrk="1" latinLnBrk="0" hangingPunct="1">
+        <a:lnSpc>
+          <a:spcPct val="90000"/>
+        </a:lnSpc>
+        <a:spcBef>
+          <a:spcPts val="500"/>
+        </a:spcBef>
+        <a:buFont typeface="Arial" panose="020B0604020202020204" pitchFamily="34" charset="0"/>
+        <a:buChar char="•"/>
+        <a:defRPr sz="1800" kern="1200">
+          <a:solidFill>
+            <a:schemeClr val="tx1"/>
+          </a:solidFill>
+          <a:latin typeface="+mn-lt"/>
+          <a:ea typeface="+mn-ea"/>
+          <a:cs typeface="+mn-cs"/>
+        </a:defRPr>
+      </a:lvl6pPr>
+      <a:lvl7pPr marL="2971800" indent="-228600" algn="l" defTabSz="914400" rtl="0" eaLnBrk="1" latinLnBrk="0" hangingPunct="1">
+        <a:lnSpc>
+          <a:spcPct val="90000"/>
+        </a:lnSpc>
+        <a:spcBef>
+          <a:spcPts val="500"/>
+        </a:spcBef>
+        <a:buFont typeface="Arial" panose="020B0604020202020204" pitchFamily="34" charset="0"/>
+        <a:buChar char="•"/>
+        <a:defRPr sz="1800" kern="1200">
+          <a:solidFill>
+            <a:schemeClr val="tx1"/>
+          </a:solidFill>
+          <a:latin typeface="+mn-lt"/>
+          <a:ea typeface="+mn-ea"/>
+          <a:cs typeface="+mn-cs"/>
+        </a:defRPr>
+      </a:lvl7pPr>
+      <a:lvl8pPr marL="3429000" indent="-228600" algn="l" defTabSz="914400" rtl="0" eaLnBrk="1" latinLnBrk="0" hangingPunct="1">
+        <a:lnSpc>
+          <a:spcPct val="90000"/>
+        </a:lnSpc>
+        <a:spcBef>
+          <a:spcPts val="500"/>
+        </a:spcBef>
+        <a:buFont typeface="Arial" panose="020B0604020202020204" pitchFamily="34" charset="0"/>
+        <a:buChar char="•"/>
+        <a:defRPr sz="1800" kern="1200">
+          <a:solidFill>
+            <a:schemeClr val="tx1"/>
+          </a:solidFill>
+          <a:latin typeface="+mn-lt"/>
+          <a:ea typeface="+mn-ea"/>
+          <a:cs typeface="+mn-cs"/>
+        </a:defRPr>
+      </a:lvl8pPr>
+      <a:lvl9pPr marL="3886200" indent="-228600" algn="l" defTabSz="914400" rtl="0" eaLnBrk="1" latinLnBrk="0" hangingPunct="1">
+        <a:lnSpc>
+          <a:spcPct val="90000"/>
+        </a:lnSpc>
+        <a:spcBef>
+          <a:spcPts val="500"/>
+        </a:spcBef>
+        <a:buFont typeface="Arial" panose="020B0604020202020204" pitchFamily="34" charset="0"/>
+        <a:buChar char="•"/>
+        <a:defRPr sz="1800" kern="1200">
+          <a:solidFill>
+            <a:schemeClr val="tx1"/>
+          </a:solidFill>
+          <a:latin typeface="+mn-lt"/>
+          <a:ea typeface="+mn-ea"/>
+          <a:cs typeface="+mn-cs"/>
+        </a:defRPr>
+      </a:lvl9pPr>
+    </p:bodyStyle>
+    <p:otherStyle>
+      <a:defPPr>
+        <a:defRPr lang="en-US"/>
+      </a:defPPr>
+      <a:lvl1pPr marL="0" algn="l" defTabSz="914400" rtl="0" eaLnBrk="1" latinLnBrk="0" hangingPunct="1">
+        <a:defRPr sz="1800" kern="1200">
+          <a:solidFill>
+            <a:schemeClr val="tx1"/>
+          </a:solidFill>
+          <a:latin typeface="+mn-lt"/>
+          <a:ea typeface="+mn-ea"/>
+          <a:cs typeface="+mn-cs"/>
+        </a:defRPr>
+      </a:lvl1pPr>
+      <a:lvl2pPr marL="457200" algn="l" defTabSz="914400" rtl="0" eaLnBrk="1" latinLnBrk="0" hangingPunct="1">
+        <a:defRPr sz="1800" kern="1200">
+          <a:solidFill>
+            <a:schemeClr val="tx1"/>
+          </a:solidFill>
+          <a:latin typeface="+mn-lt"/>
+          <a:ea typeface="+mn-ea"/>
+          <a:cs typeface="+mn-cs"/>
+        </a:defRPr>
+      </a:lvl2pPr>
+      <a:lvl3pPr marL="914400" algn="l" defTabSz="914400" rtl="0" eaLnBrk="1" latinLnBrk="0" hangingPunct="1">
+        <a:defRPr sz="1800" kern="1200">
+          <a:solidFill>
+            <a:schemeClr val="tx1"/>
+          </a:solidFill>
+          <a:latin typeface="+mn-lt"/>
+          <a:ea typeface="+mn-ea"/>
+          <a:cs typeface="+mn-cs"/>
+        </a:defRPr>
+      </a:lvl3pPr>
+      <a:lvl4pPr marL="1371600" algn="l" defTabSz="914400" rtl="0" eaLnBrk="1" latinLnBrk="0" hangingPunct="1">
+        <a:defRPr sz="1800" kern="1200">
+          <a:solidFill>
+            <a:schemeClr val="tx1"/>
+          </a:solidFill>
+          <a:latin typeface="+mn-lt"/>
+          <a:ea typeface="+mn-ea"/>
+          <a:cs typeface="+mn-cs"/>
+        </a:defRPr>
+      </a:lvl4pPr>
+      <a:lvl5pPr marL="1828800" algn="l" defTabSz="914400" rtl="0" eaLnBrk="1" latinLnBrk="0" hangingPunct="1">
+        <a:defRPr sz="1800" kern="1200">
+          <a:solidFill>
+            <a:schemeClr val="tx1"/>
+          </a:solidFill>
+          <a:latin typeface="+mn-lt"/>
+          <a:ea typeface="+mn-ea"/>
+          <a:cs typeface="+mn-cs"/>
+        </a:defRPr>
+      </a:lvl5pPr>
+      <a:lvl6pPr marL="2286000" algn="l" defTabSz="914400" rtl="0" eaLnBrk="1" latinLnBrk="0" hangingPunct="1">
+        <a:defRPr sz="1800" kern="1200">
+          <a:solidFill>
+            <a:schemeClr val="tx1"/>
+          </a:solidFill>
+          <a:latin typeface="+mn-lt"/>
+          <a:ea typeface="+mn-ea"/>
+          <a:cs typeface="+mn-cs"/>
+        </a:defRPr>
+      </a:lvl6pPr>
+      <a:lvl7pPr marL="2743200" algn="l" defTabSz="914400" rtl="0" eaLnBrk="1" latinLnBrk="0" hangingPunct="1">
+        <a:defRPr sz="1800" kern="1200">
+          <a:solidFill>
+            <a:schemeClr val="tx1"/>
+          </a:solidFill>
+          <a:latin typeface="+mn-lt"/>
+          <a:ea typeface="+mn-ea"/>
+          <a:cs typeface="+mn-cs"/>
+        </a:defRPr>
+      </a:lvl7pPr>
+      <a:lvl8pPr marL="3200400" algn="l" defTabSz="914400" rtl="0" eaLnBrk="1" latinLnBrk="0" hangingPunct="1">
+        <a:defRPr sz="1800" kern="1200">
+          <a:solidFill>
+            <a:schemeClr val="tx1"/>
+          </a:solidFill>
+          <a:latin typeface="+mn-lt"/>
+          <a:ea typeface="+mn-ea"/>
+          <a:cs typeface="+mn-cs"/>
+        </a:defRPr>
+      </a:lvl8pPr>
+      <a:lvl9pPr marL="3657600" algn="l" defTabSz="914400" rtl="0" eaLnBrk="1" latinLnBrk="0" hangingPunct="1">
+        <a:defRPr sz="1800" kern="1200">
+          <a:solidFill>
+            <a:schemeClr val="tx1"/>
+          </a:solidFill>
+          <a:latin typeface="+mn-lt"/>
+          <a:ea typeface="+mn-ea"/>
+          <a:cs typeface="+mn-cs"/>
+        </a:defRPr>
+      </a:lvl9pPr>
+    </p:otherStyle>
+  </p:txStyles>
+</p:sldMaster>
+</file>
+
 <file path=ppt/slides/slide1.xml><?xml version="1.0" encoding="utf-8"?>
 <p:sld xmlns:a="http://schemas.openxmlformats.org/drawingml/2006/main" xmlns:r="http://schemas.openxmlformats.org/officeDocument/2006/relationships" xmlns:p="http://schemas.openxmlformats.org/presentationml/2006/main">
   <p:cSld>
@@ -5440,7 +8553,7 @@
             </a:r>
             <a:r>
               <a:rPr lang="en-US" dirty="0"/>
-              <a:t> - Overview</a:t>
+              <a:t> – Main Components</a:t>
             </a:r>
           </a:p>
         </p:txBody>
@@ -5497,7 +8610,7 @@
           <a:p>
             <a:r>
               <a:rPr lang="en-US" dirty="0"/>
-              <a:t>Yarden Akaby &amp; Etai Sella</a:t>
+              <a:t>Or Sagiv &amp; Etai Sella</a:t>
             </a:r>
           </a:p>
         </p:txBody>
@@ -5531,36 +8644,6 @@
           </a:p>
         </p:txBody>
       </p:sp>
-      <p:pic>
-        <p:nvPicPr>
-          <p:cNvPr id="7" name="Picture 6">
-            <a:extLst>
-              <a:ext uri="{FF2B5EF4-FFF2-40B4-BE49-F238E27FC236}">
-                <a16:creationId xmlns:a16="http://schemas.microsoft.com/office/drawing/2014/main" id="{0BB3BA71-7FBE-420E-8192-E85BABB78A87}"/>
-              </a:ext>
-            </a:extLst>
-          </p:cNvPr>
-          <p:cNvPicPr>
-            <a:picLocks noChangeAspect="1"/>
-          </p:cNvPicPr>
-          <p:nvPr/>
-        </p:nvPicPr>
-        <p:blipFill>
-          <a:blip r:embed="rId3"/>
-          <a:stretch>
-            <a:fillRect/>
-          </a:stretch>
-        </p:blipFill>
-        <p:spPr>
-          <a:xfrm>
-            <a:off x="483475" y="2500671"/>
-            <a:ext cx="10870323" cy="3668901"/>
-          </a:xfrm>
-          <a:prstGeom prst="rect">
-            <a:avLst/>
-          </a:prstGeom>
-        </p:spPr>
-      </p:pic>
       <p:sp>
         <p:nvSpPr>
           <p:cNvPr id="8" name="TextBox 7">
@@ -5576,7 +8659,7 @@
         <p:spPr>
           <a:xfrm>
             <a:off x="483474" y="1587851"/>
-            <a:ext cx="10870323" cy="954107"/>
+            <a:ext cx="10870323" cy="4093428"/>
           </a:xfrm>
           <a:prstGeom prst="rect">
             <a:avLst/>
@@ -5591,110 +8674,243 @@
           <a:p>
             <a:pPr algn="l"/>
             <a:r>
-              <a:rPr lang="en-US" sz="1400" b="0" i="0" u="none" strike="noStrike" baseline="0" dirty="0">
+              <a:rPr lang="en-US" sz="2000" b="0" i="0" u="none" strike="noStrike" baseline="0" dirty="0">
                 <a:latin typeface="Times New Roman" panose="02020603050405020304" pitchFamily="18" charset="0"/>
                 <a:cs typeface="Times New Roman" panose="02020603050405020304" pitchFamily="18" charset="0"/>
               </a:rPr>
-              <a:t>Alpha-Refine is a refinement module which can</a:t>
-            </a:r>
-            <a:r>
-              <a:rPr lang="en-US" sz="1400" dirty="0">
+              <a:t>First, the module has two input branches, namely, the </a:t>
+            </a:r>
+            <a:r>
+              <a:rPr lang="en-US" sz="2000" b="1" i="0" u="none" strike="noStrike" baseline="0" dirty="0">
+                <a:latin typeface="Times New Roman" panose="02020603050405020304" pitchFamily="18" charset="0"/>
+                <a:cs typeface="Times New Roman" panose="02020603050405020304" pitchFamily="18" charset="0"/>
+              </a:rPr>
+              <a:t>reference branch </a:t>
+            </a:r>
+            <a:r>
+              <a:rPr lang="en-US" sz="2000" i="0" u="none" strike="noStrike" baseline="0" dirty="0">
+                <a:latin typeface="Times New Roman" panose="02020603050405020304" pitchFamily="18" charset="0"/>
+                <a:cs typeface="Times New Roman" panose="02020603050405020304" pitchFamily="18" charset="0"/>
+              </a:rPr>
+              <a:t>(first frame)</a:t>
+            </a:r>
+            <a:r>
+              <a:rPr lang="en-US" sz="2000" b="0" i="0" u="none" strike="noStrike" baseline="0" dirty="0">
+                <a:latin typeface="Times New Roman" panose="02020603050405020304" pitchFamily="18" charset="0"/>
+                <a:cs typeface="Times New Roman" panose="02020603050405020304" pitchFamily="18" charset="0"/>
+              </a:rPr>
+              <a:t> and the </a:t>
+            </a:r>
+            <a:r>
+              <a:rPr lang="en-US" sz="2000" b="1" i="0" u="none" strike="noStrike" baseline="0" dirty="0">
+                <a:latin typeface="Times New Roman" panose="02020603050405020304" pitchFamily="18" charset="0"/>
+                <a:cs typeface="Times New Roman" panose="02020603050405020304" pitchFamily="18" charset="0"/>
+              </a:rPr>
+              <a:t>test branch</a:t>
+            </a:r>
+            <a:r>
+              <a:rPr lang="en-US" sz="2000" i="0" u="none" strike="noStrike" baseline="0" dirty="0">
+                <a:latin typeface="Times New Roman" panose="02020603050405020304" pitchFamily="18" charset="0"/>
+                <a:cs typeface="Times New Roman" panose="02020603050405020304" pitchFamily="18" charset="0"/>
+              </a:rPr>
+              <a:t> (current frame)</a:t>
+            </a:r>
+            <a:r>
+              <a:rPr lang="en-US" sz="2000" b="0" i="0" u="none" strike="noStrike" baseline="0" dirty="0">
+                <a:latin typeface="Times New Roman" panose="02020603050405020304" pitchFamily="18" charset="0"/>
+                <a:cs typeface="Times New Roman" panose="02020603050405020304" pitchFamily="18" charset="0"/>
+              </a:rPr>
+              <a:t>. </a:t>
+            </a:r>
+          </a:p>
+          <a:p>
+            <a:pPr algn="l"/>
+            <a:r>
+              <a:rPr lang="en-US" sz="2000" b="0" i="0" u="none" strike="noStrike" baseline="0" dirty="0">
+                <a:latin typeface="Times New Roman" panose="02020603050405020304" pitchFamily="18" charset="0"/>
+                <a:cs typeface="Times New Roman" panose="02020603050405020304" pitchFamily="18" charset="0"/>
+              </a:rPr>
+              <a:t>As we can clearly see from the figure, the </a:t>
+            </a:r>
+            <a:r>
+              <a:rPr lang="en-US" sz="2000" b="0" i="0" u="none" strike="noStrike" baseline="0" dirty="0" err="1">
+                <a:latin typeface="Times New Roman" panose="02020603050405020304" pitchFamily="18" charset="0"/>
+                <a:cs typeface="Times New Roman" panose="02020603050405020304" pitchFamily="18" charset="0"/>
+              </a:rPr>
+              <a:t>AlphaRefine</a:t>
+            </a:r>
+            <a:r>
+              <a:rPr lang="en-US" sz="2000" b="0" i="0" u="none" strike="noStrike" baseline="0" dirty="0">
+                <a:latin typeface="Times New Roman" panose="02020603050405020304" pitchFamily="18" charset="0"/>
+                <a:cs typeface="Times New Roman" panose="02020603050405020304" pitchFamily="18" charset="0"/>
+              </a:rPr>
+              <a:t> module is consisted of 3 main components:</a:t>
+            </a:r>
+          </a:p>
+          <a:p>
+            <a:pPr algn="l"/>
+            <a:endParaRPr lang="en-US" sz="2000" dirty="0">
+              <a:latin typeface="Times New Roman" panose="02020603050405020304" pitchFamily="18" charset="0"/>
+              <a:cs typeface="Times New Roman" panose="02020603050405020304" pitchFamily="18" charset="0"/>
+            </a:endParaRPr>
+          </a:p>
+          <a:p>
+            <a:pPr marL="285750" indent="-285750" algn="l">
+              <a:buFont typeface="Arial" panose="020B0604020202020204" pitchFamily="34" charset="0"/>
+              <a:buChar char="•"/>
+            </a:pPr>
+            <a:r>
+              <a:rPr lang="en-US" sz="2000" b="1" dirty="0">
+                <a:latin typeface="Times New Roman" panose="02020603050405020304" pitchFamily="18" charset="0"/>
+                <a:cs typeface="Times New Roman" panose="02020603050405020304" pitchFamily="18" charset="0"/>
+              </a:rPr>
+              <a:t>Backbone</a:t>
+            </a:r>
+            <a:r>
+              <a:rPr lang="en-US" sz="2000" dirty="0">
+                <a:latin typeface="Times New Roman" panose="02020603050405020304" pitchFamily="18" charset="0"/>
+                <a:cs typeface="Times New Roman" panose="02020603050405020304" pitchFamily="18" charset="0"/>
+              </a:rPr>
+              <a:t> - </a:t>
+            </a:r>
+            <a:r>
+              <a:rPr lang="en-US" sz="2000" b="0" i="0" u="none" strike="noStrike" baseline="0" dirty="0">
+                <a:latin typeface="Times New Roman" panose="02020603050405020304" pitchFamily="18" charset="0"/>
+                <a:cs typeface="Times New Roman" panose="02020603050405020304" pitchFamily="18" charset="0"/>
+              </a:rPr>
+              <a:t>A parameter-shared backbone</a:t>
+            </a:r>
+            <a:r>
+              <a:rPr lang="en-US" sz="2000" dirty="0">
                 <a:latin typeface="Times New Roman" panose="02020603050405020304" pitchFamily="18" charset="0"/>
                 <a:cs typeface="Times New Roman" panose="02020603050405020304" pitchFamily="18" charset="0"/>
               </a:rPr>
               <a:t> </a:t>
             </a:r>
             <a:r>
-              <a:rPr lang="en-US" sz="1400" b="0" i="0" u="none" strike="noStrike" baseline="0" dirty="0">
+              <a:rPr lang="en-US" sz="2000" b="0" i="0" u="none" strike="noStrike" baseline="0" dirty="0">
                 <a:latin typeface="Times New Roman" panose="02020603050405020304" pitchFamily="18" charset="0"/>
                 <a:cs typeface="Times New Roman" panose="02020603050405020304" pitchFamily="18" charset="0"/>
               </a:rPr>
-              <a:t>efficiently refine the base tracker’s outputs and significantly improve the tracking performance in terms of </a:t>
-            </a:r>
-            <a:r>
-              <a:rPr lang="en-US" sz="1400" b="1" i="0" u="none" strike="noStrike" baseline="0" dirty="0">
+              <a:t>is applied to both branches for feature extraction (using </a:t>
+            </a:r>
+            <a:r>
+              <a:rPr lang="en-US" sz="2000" b="0" i="0" u="none" strike="noStrike" baseline="0" dirty="0" err="1">
                 <a:latin typeface="Times New Roman" panose="02020603050405020304" pitchFamily="18" charset="0"/>
                 <a:cs typeface="Times New Roman" panose="02020603050405020304" pitchFamily="18" charset="0"/>
               </a:rPr>
-              <a:t>precision </a:t>
-            </a:r>
-            <a:r>
-              <a:rPr lang="en-US" sz="1400" i="0" u="none" strike="noStrike" baseline="0" dirty="0">
+              <a:t>ResNet</a:t>
+            </a:r>
+            <a:r>
+              <a:rPr lang="en-US" sz="2000" b="0" i="0" u="none" strike="noStrike" baseline="0" dirty="0">
                 <a:latin typeface="Times New Roman" panose="02020603050405020304" pitchFamily="18" charset="0"/>
                 <a:cs typeface="Times New Roman" panose="02020603050405020304" pitchFamily="18" charset="0"/>
               </a:rPr>
-              <a:t>(the center of the box compared to the center of the tracked object)</a:t>
-            </a:r>
-            <a:r>
-              <a:rPr lang="en-US" sz="1400" b="0" i="0" u="none" strike="noStrike" baseline="0" dirty="0">
+              <a:t>).</a:t>
+            </a:r>
+          </a:p>
+          <a:p>
+            <a:pPr marL="285750" indent="-285750" algn="l">
+              <a:buFont typeface="Arial" panose="020B0604020202020204" pitchFamily="34" charset="0"/>
+              <a:buChar char="•"/>
+            </a:pPr>
+            <a:r>
+              <a:rPr lang="en-US" sz="2000" b="1" dirty="0">
                 <a:latin typeface="Times New Roman" panose="02020603050405020304" pitchFamily="18" charset="0"/>
                 <a:cs typeface="Times New Roman" panose="02020603050405020304" pitchFamily="18" charset="0"/>
               </a:rPr>
-              <a:t> and </a:t>
-            </a:r>
-            <a:r>
-              <a:rPr lang="en-US" sz="1400" b="1" i="0" u="none" strike="noStrike" baseline="0" dirty="0">
+              <a:t>Feature Fusion</a:t>
+            </a:r>
+            <a:r>
+              <a:rPr lang="en-US" sz="2000" dirty="0">
                 <a:latin typeface="Times New Roman" panose="02020603050405020304" pitchFamily="18" charset="0"/>
                 <a:cs typeface="Times New Roman" panose="02020603050405020304" pitchFamily="18" charset="0"/>
               </a:rPr>
-              <a:t>overlapping</a:t>
-            </a:r>
-            <a:r>
-              <a:rPr lang="en-US" sz="1400" b="0" i="0" u="none" strike="noStrike" baseline="0" dirty="0">
+              <a:t> - </a:t>
+            </a:r>
+            <a:r>
+              <a:rPr lang="en-US" sz="2000" b="0" i="0" u="none" strike="noStrike" baseline="0" dirty="0">
                 <a:latin typeface="Times New Roman" panose="02020603050405020304" pitchFamily="18" charset="0"/>
                 <a:cs typeface="Times New Roman" panose="02020603050405020304" pitchFamily="18" charset="0"/>
               </a:rPr>
-              <a:t> (between the box and the tracked object).</a:t>
-            </a:r>
-          </a:p>
-          <a:p>
-            <a:pPr algn="l"/>
-            <a:r>
-              <a:rPr lang="en-US" sz="1400" dirty="0">
+              <a:t>Features extracted from the two branches (reference and test) by the backbone are aggregated by a fusion module, which is typically a </a:t>
+            </a:r>
+            <a:r>
+              <a:rPr lang="en-US" sz="2000" b="1" i="0" u="none" strike="noStrike" baseline="0" dirty="0">
                 <a:latin typeface="Times New Roman" panose="02020603050405020304" pitchFamily="18" charset="0"/>
                 <a:cs typeface="Times New Roman" panose="02020603050405020304" pitchFamily="18" charset="0"/>
               </a:rPr>
-              <a:t>This is an </a:t>
-            </a:r>
-            <a:r>
-              <a:rPr lang="en-US" sz="1400" b="0" i="0" u="none" strike="noStrike" baseline="0" dirty="0">
+              <a:t>correlation</a:t>
+            </a:r>
+            <a:r>
+              <a:rPr lang="en-US" sz="2000" b="0" i="0" u="none" strike="noStrike" baseline="0" dirty="0">
                 <a:latin typeface="Times New Roman" panose="02020603050405020304" pitchFamily="18" charset="0"/>
                 <a:cs typeface="Times New Roman" panose="02020603050405020304" pitchFamily="18" charset="0"/>
               </a:rPr>
-              <a:t>overview of the architecture of the proposed Alpha-Refine module. </a:t>
-            </a:r>
-            <a:r>
-              <a:rPr lang="en-US" sz="1400" dirty="0">
+              <a:t> module (pixel-wise correlation). The fused feature is further processed by some convolutional layers, producing the features for the prediction heads.</a:t>
+            </a:r>
+          </a:p>
+          <a:p>
+            <a:pPr marL="285750" indent="-285750" algn="l">
+              <a:buFont typeface="Arial" panose="020B0604020202020204" pitchFamily="34" charset="0"/>
+              <a:buChar char="•"/>
+            </a:pPr>
+            <a:r>
+              <a:rPr lang="en-US" sz="2000" b="1" i="0" u="none" strike="noStrike" baseline="0" dirty="0">
                 <a:latin typeface="Times New Roman" panose="02020603050405020304" pitchFamily="18" charset="0"/>
                 <a:cs typeface="Times New Roman" panose="02020603050405020304" pitchFamily="18" charset="0"/>
               </a:rPr>
-              <a:t>The figure also shows how it can be added in a “</a:t>
-            </a:r>
-            <a:r>
-              <a:rPr lang="en-US" sz="1400" b="1" dirty="0">
+              <a:t>Prediction Heads</a:t>
+            </a:r>
+            <a:r>
+              <a:rPr lang="en-US" sz="2000" dirty="0">
                 <a:latin typeface="Times New Roman" panose="02020603050405020304" pitchFamily="18" charset="0"/>
                 <a:cs typeface="Times New Roman" panose="02020603050405020304" pitchFamily="18" charset="0"/>
               </a:rPr>
-              <a:t>Plug and Play</a:t>
-            </a:r>
-            <a:r>
-              <a:rPr lang="en-US" sz="1400" dirty="0">
+              <a:t> - </a:t>
+            </a:r>
+            <a:r>
+              <a:rPr lang="en-US" sz="2000" b="0" i="0" u="none" strike="noStrike" baseline="0" dirty="0">
                 <a:latin typeface="Times New Roman" panose="02020603050405020304" pitchFamily="18" charset="0"/>
                 <a:cs typeface="Times New Roman" panose="02020603050405020304" pitchFamily="18" charset="0"/>
               </a:rPr>
-              <a:t>” style to the base tracker in order to get better results.</a:t>
-            </a:r>
-            <a:endParaRPr lang="en-IL" sz="1400" dirty="0">
+              <a:t>Predicting the bounding box</a:t>
+            </a:r>
+            <a:r>
+              <a:rPr lang="en-US" sz="2000" dirty="0">
+                <a:latin typeface="Times New Roman" panose="02020603050405020304" pitchFamily="18" charset="0"/>
+                <a:cs typeface="Times New Roman" panose="02020603050405020304" pitchFamily="18" charset="0"/>
+              </a:rPr>
+              <a:t> and the mask (only during the training).</a:t>
+            </a:r>
+            <a:endParaRPr lang="en-US" sz="2000" b="0" i="0" u="none" strike="noStrike" baseline="0" dirty="0">
               <a:latin typeface="Times New Roman" panose="02020603050405020304" pitchFamily="18" charset="0"/>
               <a:cs typeface="Times New Roman" panose="02020603050405020304" pitchFamily="18" charset="0"/>
             </a:endParaRPr>
           </a:p>
+          <a:p>
+            <a:pPr marL="285750" indent="-285750" algn="l">
+              <a:buFont typeface="Arial" panose="020B0604020202020204" pitchFamily="34" charset="0"/>
+              <a:buChar char="•"/>
+            </a:pPr>
+            <a:endParaRPr lang="en-US" sz="2000" b="0" i="0" u="none" strike="noStrike" baseline="0" dirty="0">
+              <a:latin typeface="Times New Roman" panose="02020603050405020304" pitchFamily="18" charset="0"/>
+              <a:cs typeface="Times New Roman" panose="02020603050405020304" pitchFamily="18" charset="0"/>
+            </a:endParaRPr>
+          </a:p>
+          <a:p>
+            <a:pPr algn="l"/>
+            <a:endParaRPr lang="en-IL" sz="2000" dirty="0">
+              <a:latin typeface="Times New Roman" panose="02020603050405020304" pitchFamily="18" charset="0"/>
+              <a:cs typeface="Times New Roman" panose="02020603050405020304" pitchFamily="18" charset="0"/>
+            </a:endParaRPr>
+          </a:p>
         </p:txBody>
       </p:sp>
     </p:spTree>
     <p:extLst>
       <p:ext uri="{BB962C8B-B14F-4D97-AF65-F5344CB8AC3E}">
-        <p14:creationId xmlns:p14="http://schemas.microsoft.com/office/powerpoint/2010/main" val="2107737462"/>
+        <p14:creationId xmlns:p14="http://schemas.microsoft.com/office/powerpoint/2010/main" val="2145163679"/>
       </p:ext>
     </p:extLst>
   </p:cSld>
@@ -5737,12 +8953,7 @@
             <p:ph type="title"/>
           </p:nvPr>
         </p:nvSpPr>
-        <p:spPr>
-          <a:xfrm>
-            <a:off x="483475" y="365127"/>
-            <a:ext cx="10870323" cy="920750"/>
-          </a:xfrm>
-        </p:spPr>
+        <p:spPr/>
         <p:txBody>
           <a:bodyPr>
             <a:normAutofit/>
@@ -5750,12 +8961,8 @@
           <a:lstStyle/>
           <a:p>
             <a:r>
-              <a:rPr lang="en-US" dirty="0" err="1"/>
-              <a:t>AlphaRefine</a:t>
-            </a:r>
-            <a:r>
               <a:rPr lang="en-US" dirty="0"/>
-              <a:t> – Main Components</a:t>
+              <a:t>Backbone – Feature Extraction </a:t>
             </a:r>
           </a:p>
         </p:txBody>
@@ -5812,7 +9019,7 @@
           <a:p>
             <a:r>
               <a:rPr lang="en-US" dirty="0"/>
-              <a:t>Yarden Akaby &amp; Etai Sella</a:t>
+              <a:t>Or Sagiv &amp; Etai Sella</a:t>
             </a:r>
           </a:p>
         </p:txBody>
@@ -5841,415 +9048,6 @@
             <a:fld id="{C629165E-D59B-453D-B763-34340D7036F6}" type="slidenum">
               <a:rPr lang="en-US" smtClean="0"/>
               <a:t>11</a:t>
-            </a:fld>
-            <a:endParaRPr lang="en-US" dirty="0"/>
-          </a:p>
-        </p:txBody>
-      </p:sp>
-      <p:sp>
-        <p:nvSpPr>
-          <p:cNvPr id="8" name="TextBox 7">
-            <a:extLst>
-              <a:ext uri="{FF2B5EF4-FFF2-40B4-BE49-F238E27FC236}">
-                <a16:creationId xmlns:a16="http://schemas.microsoft.com/office/drawing/2014/main" id="{81301C21-59D5-4A8C-963A-2CA8315B4562}"/>
-              </a:ext>
-            </a:extLst>
-          </p:cNvPr>
-          <p:cNvSpPr txBox="1"/>
-          <p:nvPr/>
-        </p:nvSpPr>
-        <p:spPr>
-          <a:xfrm>
-            <a:off x="483474" y="1587851"/>
-            <a:ext cx="10870323" cy="4093428"/>
-          </a:xfrm>
-          <a:prstGeom prst="rect">
-            <a:avLst/>
-          </a:prstGeom>
-          <a:noFill/>
-        </p:spPr>
-        <p:txBody>
-          <a:bodyPr wrap="square">
-            <a:spAutoFit/>
-          </a:bodyPr>
-          <a:lstStyle/>
-          <a:p>
-            <a:pPr algn="l"/>
-            <a:r>
-              <a:rPr lang="en-US" sz="2000" b="0" i="0" u="none" strike="noStrike" baseline="0" dirty="0">
-                <a:latin typeface="Times New Roman" panose="02020603050405020304" pitchFamily="18" charset="0"/>
-                <a:cs typeface="Times New Roman" panose="02020603050405020304" pitchFamily="18" charset="0"/>
-              </a:rPr>
-              <a:t>First, the module has two input branches, namely, the </a:t>
-            </a:r>
-            <a:r>
-              <a:rPr lang="en-US" sz="2000" b="1" i="0" u="none" strike="noStrike" baseline="0" dirty="0">
-                <a:latin typeface="Times New Roman" panose="02020603050405020304" pitchFamily="18" charset="0"/>
-                <a:cs typeface="Times New Roman" panose="02020603050405020304" pitchFamily="18" charset="0"/>
-              </a:rPr>
-              <a:t>reference branch </a:t>
-            </a:r>
-            <a:r>
-              <a:rPr lang="en-US" sz="2000" i="0" u="none" strike="noStrike" baseline="0" dirty="0">
-                <a:latin typeface="Times New Roman" panose="02020603050405020304" pitchFamily="18" charset="0"/>
-                <a:cs typeface="Times New Roman" panose="02020603050405020304" pitchFamily="18" charset="0"/>
-              </a:rPr>
-              <a:t>(first frame)</a:t>
-            </a:r>
-            <a:r>
-              <a:rPr lang="en-US" sz="2000" b="0" i="0" u="none" strike="noStrike" baseline="0" dirty="0">
-                <a:latin typeface="Times New Roman" panose="02020603050405020304" pitchFamily="18" charset="0"/>
-                <a:cs typeface="Times New Roman" panose="02020603050405020304" pitchFamily="18" charset="0"/>
-              </a:rPr>
-              <a:t> and the </a:t>
-            </a:r>
-            <a:r>
-              <a:rPr lang="en-US" sz="2000" b="1" i="0" u="none" strike="noStrike" baseline="0" dirty="0">
-                <a:latin typeface="Times New Roman" panose="02020603050405020304" pitchFamily="18" charset="0"/>
-                <a:cs typeface="Times New Roman" panose="02020603050405020304" pitchFamily="18" charset="0"/>
-              </a:rPr>
-              <a:t>test branch</a:t>
-            </a:r>
-            <a:r>
-              <a:rPr lang="en-US" sz="2000" i="0" u="none" strike="noStrike" baseline="0" dirty="0">
-                <a:latin typeface="Times New Roman" panose="02020603050405020304" pitchFamily="18" charset="0"/>
-                <a:cs typeface="Times New Roman" panose="02020603050405020304" pitchFamily="18" charset="0"/>
-              </a:rPr>
-              <a:t> (current frame)</a:t>
-            </a:r>
-            <a:r>
-              <a:rPr lang="en-US" sz="2000" b="0" i="0" u="none" strike="noStrike" baseline="0" dirty="0">
-                <a:latin typeface="Times New Roman" panose="02020603050405020304" pitchFamily="18" charset="0"/>
-                <a:cs typeface="Times New Roman" panose="02020603050405020304" pitchFamily="18" charset="0"/>
-              </a:rPr>
-              <a:t>. </a:t>
-            </a:r>
-          </a:p>
-          <a:p>
-            <a:pPr algn="l"/>
-            <a:r>
-              <a:rPr lang="en-US" sz="2000" b="0" i="0" u="none" strike="noStrike" baseline="0" dirty="0">
-                <a:latin typeface="Times New Roman" panose="02020603050405020304" pitchFamily="18" charset="0"/>
-                <a:cs typeface="Times New Roman" panose="02020603050405020304" pitchFamily="18" charset="0"/>
-              </a:rPr>
-              <a:t>As we can clearly see from the figure, the </a:t>
-            </a:r>
-            <a:r>
-              <a:rPr lang="en-US" sz="2000" b="0" i="0" u="none" strike="noStrike" baseline="0" dirty="0" err="1">
-                <a:latin typeface="Times New Roman" panose="02020603050405020304" pitchFamily="18" charset="0"/>
-                <a:cs typeface="Times New Roman" panose="02020603050405020304" pitchFamily="18" charset="0"/>
-              </a:rPr>
-              <a:t>AlphaRefine</a:t>
-            </a:r>
-            <a:r>
-              <a:rPr lang="en-US" sz="2000" b="0" i="0" u="none" strike="noStrike" baseline="0" dirty="0">
-                <a:latin typeface="Times New Roman" panose="02020603050405020304" pitchFamily="18" charset="0"/>
-                <a:cs typeface="Times New Roman" panose="02020603050405020304" pitchFamily="18" charset="0"/>
-              </a:rPr>
-              <a:t> module is consisted of 3 main components:</a:t>
-            </a:r>
-          </a:p>
-          <a:p>
-            <a:pPr algn="l"/>
-            <a:endParaRPr lang="en-US" sz="2000" dirty="0">
-              <a:latin typeface="Times New Roman" panose="02020603050405020304" pitchFamily="18" charset="0"/>
-              <a:cs typeface="Times New Roman" panose="02020603050405020304" pitchFamily="18" charset="0"/>
-            </a:endParaRPr>
-          </a:p>
-          <a:p>
-            <a:pPr marL="285750" indent="-285750" algn="l">
-              <a:buFont typeface="Arial" panose="020B0604020202020204" pitchFamily="34" charset="0"/>
-              <a:buChar char="•"/>
-            </a:pPr>
-            <a:r>
-              <a:rPr lang="en-US" sz="2000" b="1" dirty="0">
-                <a:latin typeface="Times New Roman" panose="02020603050405020304" pitchFamily="18" charset="0"/>
-                <a:cs typeface="Times New Roman" panose="02020603050405020304" pitchFamily="18" charset="0"/>
-              </a:rPr>
-              <a:t>Backbone</a:t>
-            </a:r>
-            <a:r>
-              <a:rPr lang="en-US" sz="2000" dirty="0">
-                <a:latin typeface="Times New Roman" panose="02020603050405020304" pitchFamily="18" charset="0"/>
-                <a:cs typeface="Times New Roman" panose="02020603050405020304" pitchFamily="18" charset="0"/>
-              </a:rPr>
-              <a:t> - </a:t>
-            </a:r>
-            <a:r>
-              <a:rPr lang="en-US" sz="2000" b="0" i="0" u="none" strike="noStrike" baseline="0" dirty="0">
-                <a:latin typeface="Times New Roman" panose="02020603050405020304" pitchFamily="18" charset="0"/>
-                <a:cs typeface="Times New Roman" panose="02020603050405020304" pitchFamily="18" charset="0"/>
-              </a:rPr>
-              <a:t>A parameter-shared backbone</a:t>
-            </a:r>
-            <a:r>
-              <a:rPr lang="en-US" sz="2000" dirty="0">
-                <a:latin typeface="Times New Roman" panose="02020603050405020304" pitchFamily="18" charset="0"/>
-                <a:cs typeface="Times New Roman" panose="02020603050405020304" pitchFamily="18" charset="0"/>
-              </a:rPr>
-              <a:t> </a:t>
-            </a:r>
-            <a:r>
-              <a:rPr lang="en-US" sz="2000" b="0" i="0" u="none" strike="noStrike" baseline="0" dirty="0">
-                <a:latin typeface="Times New Roman" panose="02020603050405020304" pitchFamily="18" charset="0"/>
-                <a:cs typeface="Times New Roman" panose="02020603050405020304" pitchFamily="18" charset="0"/>
-              </a:rPr>
-              <a:t>is applied to both branches for feature extraction (using </a:t>
-            </a:r>
-            <a:r>
-              <a:rPr lang="en-US" sz="2000" b="0" i="0" u="none" strike="noStrike" baseline="0" dirty="0" err="1">
-                <a:latin typeface="Times New Roman" panose="02020603050405020304" pitchFamily="18" charset="0"/>
-                <a:cs typeface="Times New Roman" panose="02020603050405020304" pitchFamily="18" charset="0"/>
-              </a:rPr>
-              <a:t>ResNet</a:t>
-            </a:r>
-            <a:r>
-              <a:rPr lang="en-US" sz="2000" b="0" i="0" u="none" strike="noStrike" baseline="0" dirty="0">
-                <a:latin typeface="Times New Roman" panose="02020603050405020304" pitchFamily="18" charset="0"/>
-                <a:cs typeface="Times New Roman" panose="02020603050405020304" pitchFamily="18" charset="0"/>
-              </a:rPr>
-              <a:t>).</a:t>
-            </a:r>
-          </a:p>
-          <a:p>
-            <a:pPr marL="285750" indent="-285750" algn="l">
-              <a:buFont typeface="Arial" panose="020B0604020202020204" pitchFamily="34" charset="0"/>
-              <a:buChar char="•"/>
-            </a:pPr>
-            <a:r>
-              <a:rPr lang="en-US" sz="2000" b="1" dirty="0">
-                <a:latin typeface="Times New Roman" panose="02020603050405020304" pitchFamily="18" charset="0"/>
-                <a:cs typeface="Times New Roman" panose="02020603050405020304" pitchFamily="18" charset="0"/>
-              </a:rPr>
-              <a:t>Feature Fusion</a:t>
-            </a:r>
-            <a:r>
-              <a:rPr lang="en-US" sz="2000" dirty="0">
-                <a:latin typeface="Times New Roman" panose="02020603050405020304" pitchFamily="18" charset="0"/>
-                <a:cs typeface="Times New Roman" panose="02020603050405020304" pitchFamily="18" charset="0"/>
-              </a:rPr>
-              <a:t> - </a:t>
-            </a:r>
-            <a:r>
-              <a:rPr lang="en-US" sz="2000" b="0" i="0" u="none" strike="noStrike" baseline="0" dirty="0">
-                <a:latin typeface="Times New Roman" panose="02020603050405020304" pitchFamily="18" charset="0"/>
-                <a:cs typeface="Times New Roman" panose="02020603050405020304" pitchFamily="18" charset="0"/>
-              </a:rPr>
-              <a:t>Features extracted from the two branches (reference and test) by the backbone are aggregated by a fusion module, which is typically a </a:t>
-            </a:r>
-            <a:r>
-              <a:rPr lang="en-US" sz="2000" b="1" i="0" u="none" strike="noStrike" baseline="0" dirty="0">
-                <a:latin typeface="Times New Roman" panose="02020603050405020304" pitchFamily="18" charset="0"/>
-                <a:cs typeface="Times New Roman" panose="02020603050405020304" pitchFamily="18" charset="0"/>
-              </a:rPr>
-              <a:t>correlation</a:t>
-            </a:r>
-            <a:r>
-              <a:rPr lang="en-US" sz="2000" b="0" i="0" u="none" strike="noStrike" baseline="0" dirty="0">
-                <a:latin typeface="Times New Roman" panose="02020603050405020304" pitchFamily="18" charset="0"/>
-                <a:cs typeface="Times New Roman" panose="02020603050405020304" pitchFamily="18" charset="0"/>
-              </a:rPr>
-              <a:t> module (pixel-wise correlation). The fused feature is further processed by some convolutional layers, producing the features for the prediction heads.</a:t>
-            </a:r>
-          </a:p>
-          <a:p>
-            <a:pPr marL="285750" indent="-285750" algn="l">
-              <a:buFont typeface="Arial" panose="020B0604020202020204" pitchFamily="34" charset="0"/>
-              <a:buChar char="•"/>
-            </a:pPr>
-            <a:r>
-              <a:rPr lang="en-US" sz="2000" b="1" i="0" u="none" strike="noStrike" baseline="0" dirty="0">
-                <a:latin typeface="Times New Roman" panose="02020603050405020304" pitchFamily="18" charset="0"/>
-                <a:cs typeface="Times New Roman" panose="02020603050405020304" pitchFamily="18" charset="0"/>
-              </a:rPr>
-              <a:t>Prediction Heads</a:t>
-            </a:r>
-            <a:r>
-              <a:rPr lang="en-US" sz="2000" dirty="0">
-                <a:latin typeface="Times New Roman" panose="02020603050405020304" pitchFamily="18" charset="0"/>
-                <a:cs typeface="Times New Roman" panose="02020603050405020304" pitchFamily="18" charset="0"/>
-              </a:rPr>
-              <a:t> - </a:t>
-            </a:r>
-            <a:r>
-              <a:rPr lang="en-US" sz="2000" b="0" i="0" u="none" strike="noStrike" baseline="0" dirty="0">
-                <a:latin typeface="Times New Roman" panose="02020603050405020304" pitchFamily="18" charset="0"/>
-                <a:cs typeface="Times New Roman" panose="02020603050405020304" pitchFamily="18" charset="0"/>
-              </a:rPr>
-              <a:t>Predicting the bounding box</a:t>
-            </a:r>
-            <a:r>
-              <a:rPr lang="en-US" sz="2000" dirty="0">
-                <a:latin typeface="Times New Roman" panose="02020603050405020304" pitchFamily="18" charset="0"/>
-                <a:cs typeface="Times New Roman" panose="02020603050405020304" pitchFamily="18" charset="0"/>
-              </a:rPr>
-              <a:t> and the mask (only during the training).</a:t>
-            </a:r>
-            <a:endParaRPr lang="en-US" sz="2000" b="0" i="0" u="none" strike="noStrike" baseline="0" dirty="0">
-              <a:latin typeface="Times New Roman" panose="02020603050405020304" pitchFamily="18" charset="0"/>
-              <a:cs typeface="Times New Roman" panose="02020603050405020304" pitchFamily="18" charset="0"/>
-            </a:endParaRPr>
-          </a:p>
-          <a:p>
-            <a:pPr marL="285750" indent="-285750" algn="l">
-              <a:buFont typeface="Arial" panose="020B0604020202020204" pitchFamily="34" charset="0"/>
-              <a:buChar char="•"/>
-            </a:pPr>
-            <a:endParaRPr lang="en-US" sz="2000" b="0" i="0" u="none" strike="noStrike" baseline="0" dirty="0">
-              <a:latin typeface="Times New Roman" panose="02020603050405020304" pitchFamily="18" charset="0"/>
-              <a:cs typeface="Times New Roman" panose="02020603050405020304" pitchFamily="18" charset="0"/>
-            </a:endParaRPr>
-          </a:p>
-          <a:p>
-            <a:pPr algn="l"/>
-            <a:endParaRPr lang="en-IL" sz="2000" dirty="0">
-              <a:latin typeface="Times New Roman" panose="02020603050405020304" pitchFamily="18" charset="0"/>
-              <a:cs typeface="Times New Roman" panose="02020603050405020304" pitchFamily="18" charset="0"/>
-            </a:endParaRPr>
-          </a:p>
-        </p:txBody>
-      </p:sp>
-    </p:spTree>
-    <p:extLst>
-      <p:ext uri="{BB962C8B-B14F-4D97-AF65-F5344CB8AC3E}">
-        <p14:creationId xmlns:p14="http://schemas.microsoft.com/office/powerpoint/2010/main" val="2145163679"/>
-      </p:ext>
-    </p:extLst>
-  </p:cSld>
-  <p:clrMapOvr>
-    <a:masterClrMapping/>
-  </p:clrMapOvr>
-</p:sld>
-</file>
-
-<file path=ppt/slides/slide12.xml><?xml version="1.0" encoding="utf-8"?>
-<p:sld xmlns:a="http://schemas.openxmlformats.org/drawingml/2006/main" xmlns:r="http://schemas.openxmlformats.org/officeDocument/2006/relationships" xmlns:p="http://schemas.openxmlformats.org/presentationml/2006/main">
-  <p:cSld>
-    <p:spTree>
-      <p:nvGrpSpPr>
-        <p:cNvPr id="1" name=""/>
-        <p:cNvGrpSpPr/>
-        <p:nvPr/>
-      </p:nvGrpSpPr>
-      <p:grpSpPr>
-        <a:xfrm>
-          <a:off x="0" y="0"/>
-          <a:ext cx="0" cy="0"/>
-          <a:chOff x="0" y="0"/>
-          <a:chExt cx="0" cy="0"/>
-        </a:xfrm>
-      </p:grpSpPr>
-      <p:sp>
-        <p:nvSpPr>
-          <p:cNvPr id="2" name="Title 1">
-            <a:extLst>
-              <a:ext uri="{FF2B5EF4-FFF2-40B4-BE49-F238E27FC236}">
-                <a16:creationId xmlns:a16="http://schemas.microsoft.com/office/drawing/2014/main" id="{143B5247-4B5C-44D2-AE13-25DD403557B4}"/>
-              </a:ext>
-            </a:extLst>
-          </p:cNvPr>
-          <p:cNvSpPr>
-            <a:spLocks noGrp="1"/>
-          </p:cNvSpPr>
-          <p:nvPr>
-            <p:ph type="title"/>
-          </p:nvPr>
-        </p:nvSpPr>
-        <p:spPr/>
-        <p:txBody>
-          <a:bodyPr>
-            <a:normAutofit/>
-          </a:bodyPr>
-          <a:lstStyle/>
-          <a:p>
-            <a:r>
-              <a:rPr lang="en-US" dirty="0"/>
-              <a:t>Backbone – Feature Extraction </a:t>
-            </a:r>
-          </a:p>
-        </p:txBody>
-      </p:sp>
-      <p:sp>
-        <p:nvSpPr>
-          <p:cNvPr id="4" name="Date Placeholder 3">
-            <a:extLst>
-              <a:ext uri="{FF2B5EF4-FFF2-40B4-BE49-F238E27FC236}">
-                <a16:creationId xmlns:a16="http://schemas.microsoft.com/office/drawing/2014/main" id="{59913B85-3B4F-43D3-A7E9-D06F5E37C6C1}"/>
-              </a:ext>
-            </a:extLst>
-          </p:cNvPr>
-          <p:cNvSpPr>
-            <a:spLocks noGrp="1"/>
-          </p:cNvSpPr>
-          <p:nvPr>
-            <p:ph type="dt" sz="half" idx="10"/>
-          </p:nvPr>
-        </p:nvSpPr>
-        <p:spPr/>
-        <p:txBody>
-          <a:bodyPr/>
-          <a:lstStyle/>
-          <a:p>
-            <a:fld id="{F736EC4A-E5B7-42C2-9943-4D2477F0E2BA}" type="datetime1">
-              <a:rPr lang="en-US" smtClean="0"/>
-              <a:t>2/16/2022</a:t>
-            </a:fld>
-            <a:endParaRPr lang="en-US" dirty="0"/>
-          </a:p>
-        </p:txBody>
-      </p:sp>
-      <p:sp>
-        <p:nvSpPr>
-          <p:cNvPr id="5" name="Footer Placeholder 4">
-            <a:extLst>
-              <a:ext uri="{FF2B5EF4-FFF2-40B4-BE49-F238E27FC236}">
-                <a16:creationId xmlns:a16="http://schemas.microsoft.com/office/drawing/2014/main" id="{C5649577-8229-4DC9-AE82-59C3A5BA0515}"/>
-              </a:ext>
-            </a:extLst>
-          </p:cNvPr>
-          <p:cNvSpPr>
-            <a:spLocks noGrp="1"/>
-          </p:cNvSpPr>
-          <p:nvPr>
-            <p:ph type="ftr" sz="quarter" idx="11"/>
-          </p:nvPr>
-        </p:nvSpPr>
-        <p:spPr/>
-        <p:txBody>
-          <a:bodyPr/>
-          <a:lstStyle/>
-          <a:p>
-            <a:r>
-              <a:rPr lang="en-US" dirty="0"/>
-              <a:t>Yarden Akaby &amp; Etai Sella</a:t>
-            </a:r>
-          </a:p>
-        </p:txBody>
-      </p:sp>
-      <p:sp>
-        <p:nvSpPr>
-          <p:cNvPr id="6" name="Slide Number Placeholder 5">
-            <a:extLst>
-              <a:ext uri="{FF2B5EF4-FFF2-40B4-BE49-F238E27FC236}">
-                <a16:creationId xmlns:a16="http://schemas.microsoft.com/office/drawing/2014/main" id="{1B57282B-C25D-48B2-A667-C1D467EB1137}"/>
-              </a:ext>
-            </a:extLst>
-          </p:cNvPr>
-          <p:cNvSpPr>
-            <a:spLocks noGrp="1"/>
-          </p:cNvSpPr>
-          <p:nvPr>
-            <p:ph type="sldNum" sz="quarter" idx="12"/>
-          </p:nvPr>
-        </p:nvSpPr>
-        <p:spPr/>
-        <p:txBody>
-          <a:bodyPr/>
-          <a:lstStyle/>
-          <a:p>
-            <a:fld id="{C629165E-D59B-453D-B763-34340D7036F6}" type="slidenum">
-              <a:rPr lang="en-US" smtClean="0"/>
-              <a:t>12</a:t>
             </a:fld>
             <a:endParaRPr lang="en-US" dirty="0"/>
           </a:p>
@@ -6455,7 +9253,7 @@
 </p:sld>
 </file>
 
-<file path=ppt/slides/slide13.xml><?xml version="1.0" encoding="utf-8"?>
+<file path=ppt/slides/slide12.xml><?xml version="1.0" encoding="utf-8"?>
 <p:sld xmlns:a="http://schemas.openxmlformats.org/drawingml/2006/main" xmlns:r="http://schemas.openxmlformats.org/officeDocument/2006/relationships" xmlns:p="http://schemas.openxmlformats.org/presentationml/2006/main">
   <p:cSld>
     <p:spTree>
@@ -6569,7 +9367,7 @@
           <a:p>
             <a:r>
               <a:rPr lang="en-US" dirty="0"/>
-              <a:t>Yarden Akaby &amp; Etai Sella</a:t>
+              <a:t>Or Sagiv &amp; Etai Sella</a:t>
             </a:r>
           </a:p>
         </p:txBody>
@@ -6597,7 +9395,7 @@
           <a:p>
             <a:fld id="{C629165E-D59B-453D-B763-34340D7036F6}" type="slidenum">
               <a:rPr lang="en-US" smtClean="0"/>
-              <a:t>13</a:t>
+              <a:t>12</a:t>
             </a:fld>
             <a:endParaRPr lang="en-US" dirty="0"/>
           </a:p>
@@ -6879,7 +9677,7 @@
 </p:sld>
 </file>
 
-<file path=ppt/slides/slide14.xml><?xml version="1.0" encoding="utf-8"?>
+<file path=ppt/slides/slide13.xml><?xml version="1.0" encoding="utf-8"?>
 <p:sld xmlns:a="http://schemas.openxmlformats.org/drawingml/2006/main" xmlns:r="http://schemas.openxmlformats.org/officeDocument/2006/relationships" xmlns:p="http://schemas.openxmlformats.org/presentationml/2006/main">
   <p:cSld>
     <p:spTree>
@@ -6981,7 +9779,7 @@
           <a:p>
             <a:r>
               <a:rPr lang="en-US" dirty="0"/>
-              <a:t>Yarden Akaby &amp; Etai Sella</a:t>
+              <a:t>Or Sagiv &amp; Etai Sella</a:t>
             </a:r>
           </a:p>
         </p:txBody>
@@ -7009,7 +9807,7 @@
           <a:p>
             <a:fld id="{C629165E-D59B-453D-B763-34340D7036F6}" type="slidenum">
               <a:rPr lang="en-US" smtClean="0"/>
-              <a:t>14</a:t>
+              <a:t>13</a:t>
             </a:fld>
             <a:endParaRPr lang="en-US" dirty="0"/>
           </a:p>
@@ -7318,7 +10116,7 @@
 </p:sld>
 </file>
 
-<file path=ppt/slides/slide15.xml><?xml version="1.0" encoding="utf-8"?>
+<file path=ppt/slides/slide14.xml><?xml version="1.0" encoding="utf-8"?>
 <p:sld xmlns:a="http://schemas.openxmlformats.org/drawingml/2006/main" xmlns:r="http://schemas.openxmlformats.org/officeDocument/2006/relationships" xmlns:p="http://schemas.openxmlformats.org/presentationml/2006/main">
   <p:cSld>
     <p:spTree>
@@ -7359,9 +10157,24 @@
           <a:lstStyle/>
           <a:p>
             <a:r>
-              <a:rPr lang="en-US" dirty="0"/>
-              <a:t>Questions?</a:t>
-            </a:r>
+              <a:rPr lang="en-US" b="0" i="0" u="none" strike="noStrike" baseline="0" dirty="0">
+                <a:latin typeface="NimbusRomNo9L-Medi"/>
+              </a:rPr>
+              <a:t>Main Advantages of </a:t>
+            </a:r>
+            <a:r>
+              <a:rPr lang="en-US" b="0" i="0" u="none" strike="noStrike" baseline="0" dirty="0" err="1">
+                <a:latin typeface="NimbusRomNo9L-Medi"/>
+              </a:rPr>
+              <a:t>AlphaRefine</a:t>
+            </a:r>
+            <a:r>
+              <a:rPr lang="en-US" b="0" i="0" u="none" strike="noStrike" baseline="0" dirty="0">
+                <a:latin typeface="NimbusRomNo9L-Medi"/>
+              </a:rPr>
+              <a:t>:</a:t>
+            </a:r>
+            <a:endParaRPr lang="en-US" dirty="0"/>
           </a:p>
         </p:txBody>
       </p:sp>
@@ -7417,7 +10230,7 @@
           <a:p>
             <a:r>
               <a:rPr lang="en-US" dirty="0"/>
-              <a:t>Yarden Akaby &amp; Etai Sella</a:t>
+              <a:t>Or Sagiv &amp; Etai Sella</a:t>
             </a:r>
           </a:p>
         </p:txBody>
@@ -7445,168 +10258,7 @@
           <a:p>
             <a:fld id="{C629165E-D59B-453D-B763-34340D7036F6}" type="slidenum">
               <a:rPr lang="en-US" smtClean="0"/>
-              <a:t>15</a:t>
-            </a:fld>
-            <a:endParaRPr lang="en-US" dirty="0"/>
-          </a:p>
-        </p:txBody>
-      </p:sp>
-    </p:spTree>
-    <p:extLst>
-      <p:ext uri="{BB962C8B-B14F-4D97-AF65-F5344CB8AC3E}">
-        <p14:creationId xmlns:p14="http://schemas.microsoft.com/office/powerpoint/2010/main" val="3084981542"/>
-      </p:ext>
-    </p:extLst>
-  </p:cSld>
-  <p:clrMapOvr>
-    <a:masterClrMapping/>
-  </p:clrMapOvr>
-</p:sld>
-</file>
-
-<file path=ppt/slides/slide16.xml><?xml version="1.0" encoding="utf-8"?>
-<p:sld xmlns:a="http://schemas.openxmlformats.org/drawingml/2006/main" xmlns:r="http://schemas.openxmlformats.org/officeDocument/2006/relationships" xmlns:p="http://schemas.openxmlformats.org/presentationml/2006/main">
-  <p:cSld>
-    <p:spTree>
-      <p:nvGrpSpPr>
-        <p:cNvPr id="1" name=""/>
-        <p:cNvGrpSpPr/>
-        <p:nvPr/>
-      </p:nvGrpSpPr>
-      <p:grpSpPr>
-        <a:xfrm>
-          <a:off x="0" y="0"/>
-          <a:ext cx="0" cy="0"/>
-          <a:chOff x="0" y="0"/>
-          <a:chExt cx="0" cy="0"/>
-        </a:xfrm>
-      </p:grpSpPr>
-      <p:sp>
-        <p:nvSpPr>
-          <p:cNvPr id="2" name="Title 1">
-            <a:extLst>
-              <a:ext uri="{FF2B5EF4-FFF2-40B4-BE49-F238E27FC236}">
-                <a16:creationId xmlns:a16="http://schemas.microsoft.com/office/drawing/2014/main" id="{143B5247-4B5C-44D2-AE13-25DD403557B4}"/>
-              </a:ext>
-            </a:extLst>
-          </p:cNvPr>
-          <p:cNvSpPr>
-            <a:spLocks noGrp="1"/>
-          </p:cNvSpPr>
-          <p:nvPr>
-            <p:ph type="title"/>
-          </p:nvPr>
-        </p:nvSpPr>
-        <p:spPr/>
-        <p:txBody>
-          <a:bodyPr>
-            <a:normAutofit/>
-          </a:bodyPr>
-          <a:lstStyle/>
-          <a:p>
-            <a:r>
-              <a:rPr lang="en-US" b="0" i="0" u="none" strike="noStrike" baseline="0" dirty="0">
-                <a:latin typeface="NimbusRomNo9L-Medi"/>
-              </a:rPr>
-              <a:t>Main Advantages of </a:t>
-            </a:r>
-            <a:r>
-              <a:rPr lang="en-US" b="0" i="0" u="none" strike="noStrike" baseline="0" dirty="0" err="1">
-                <a:latin typeface="NimbusRomNo9L-Medi"/>
-              </a:rPr>
-              <a:t>AlphaRefine</a:t>
-            </a:r>
-            <a:r>
-              <a:rPr lang="en-US" b="0" i="0" u="none" strike="noStrike" baseline="0" dirty="0">
-                <a:latin typeface="NimbusRomNo9L-Medi"/>
-              </a:rPr>
-              <a:t>:</a:t>
-            </a:r>
-            <a:endParaRPr lang="en-US" dirty="0"/>
-          </a:p>
-        </p:txBody>
-      </p:sp>
-      <p:sp>
-        <p:nvSpPr>
-          <p:cNvPr id="4" name="Date Placeholder 3">
-            <a:extLst>
-              <a:ext uri="{FF2B5EF4-FFF2-40B4-BE49-F238E27FC236}">
-                <a16:creationId xmlns:a16="http://schemas.microsoft.com/office/drawing/2014/main" id="{59913B85-3B4F-43D3-A7E9-D06F5E37C6C1}"/>
-              </a:ext>
-            </a:extLst>
-          </p:cNvPr>
-          <p:cNvSpPr>
-            <a:spLocks noGrp="1"/>
-          </p:cNvSpPr>
-          <p:nvPr>
-            <p:ph type="dt" sz="half" idx="10"/>
-          </p:nvPr>
-        </p:nvSpPr>
-        <p:spPr/>
-        <p:txBody>
-          <a:bodyPr/>
-          <a:lstStyle/>
-          <a:p>
-            <a:fld id="{F736EC4A-E5B7-42C2-9943-4D2477F0E2BA}" type="datetime1">
-              <a:rPr lang="en-US" smtClean="0"/>
-              <a:t>2/16/2022</a:t>
-            </a:fld>
-            <a:endParaRPr lang="en-US" dirty="0"/>
-          </a:p>
-        </p:txBody>
-      </p:sp>
-      <p:sp>
-        <p:nvSpPr>
-          <p:cNvPr id="5" name="Footer Placeholder 4">
-            <a:extLst>
-              <a:ext uri="{FF2B5EF4-FFF2-40B4-BE49-F238E27FC236}">
-                <a16:creationId xmlns:a16="http://schemas.microsoft.com/office/drawing/2014/main" id="{C5649577-8229-4DC9-AE82-59C3A5BA0515}"/>
-              </a:ext>
-            </a:extLst>
-          </p:cNvPr>
-          <p:cNvSpPr>
-            <a:spLocks noGrp="1"/>
-          </p:cNvSpPr>
-          <p:nvPr>
-            <p:ph type="ftr" sz="quarter" idx="11"/>
-          </p:nvPr>
-        </p:nvSpPr>
-        <p:spPr/>
-        <p:txBody>
-          <a:bodyPr/>
-          <a:lstStyle/>
-          <a:p>
-            <a:r>
-              <a:rPr lang="en-US" dirty="0"/>
-              <a:t>Yarden Akaby &amp; Etai Sella</a:t>
-            </a:r>
-          </a:p>
-        </p:txBody>
-      </p:sp>
-      <p:sp>
-        <p:nvSpPr>
-          <p:cNvPr id="6" name="Slide Number Placeholder 5">
-            <a:extLst>
-              <a:ext uri="{FF2B5EF4-FFF2-40B4-BE49-F238E27FC236}">
-                <a16:creationId xmlns:a16="http://schemas.microsoft.com/office/drawing/2014/main" id="{1B57282B-C25D-48B2-A667-C1D467EB1137}"/>
-              </a:ext>
-            </a:extLst>
-          </p:cNvPr>
-          <p:cNvSpPr>
-            <a:spLocks noGrp="1"/>
-          </p:cNvSpPr>
-          <p:nvPr>
-            <p:ph type="sldNum" sz="quarter" idx="12"/>
-          </p:nvPr>
-        </p:nvSpPr>
-        <p:spPr/>
-        <p:txBody>
-          <a:bodyPr/>
-          <a:lstStyle/>
-          <a:p>
-            <a:fld id="{C629165E-D59B-453D-B763-34340D7036F6}" type="slidenum">
-              <a:rPr lang="en-US" smtClean="0"/>
-              <a:t>16</a:t>
+              <a:t>14</a:t>
             </a:fld>
             <a:endParaRPr lang="en-US" dirty="0"/>
           </a:p>
@@ -7817,6 +10469,152 @@
 </p:sld>
 </file>
 
+<file path=ppt/slides/slide15.xml><?xml version="1.0" encoding="utf-8"?>
+<p:sld xmlns:a="http://schemas.openxmlformats.org/drawingml/2006/main" xmlns:r="http://schemas.openxmlformats.org/officeDocument/2006/relationships" xmlns:p="http://schemas.openxmlformats.org/presentationml/2006/main">
+  <p:cSld>
+    <p:spTree>
+      <p:nvGrpSpPr>
+        <p:cNvPr id="1" name=""/>
+        <p:cNvGrpSpPr/>
+        <p:nvPr/>
+      </p:nvGrpSpPr>
+      <p:grpSpPr>
+        <a:xfrm>
+          <a:off x="0" y="0"/>
+          <a:ext cx="0" cy="0"/>
+          <a:chOff x="0" y="0"/>
+          <a:chExt cx="0" cy="0"/>
+        </a:xfrm>
+      </p:grpSpPr>
+      <p:sp>
+        <p:nvSpPr>
+          <p:cNvPr id="2" name="Title 1">
+            <a:extLst>
+              <a:ext uri="{FF2B5EF4-FFF2-40B4-BE49-F238E27FC236}">
+                <a16:creationId xmlns:a16="http://schemas.microsoft.com/office/drawing/2014/main" id="{143B5247-4B5C-44D2-AE13-25DD403557B4}"/>
+              </a:ext>
+            </a:extLst>
+          </p:cNvPr>
+          <p:cNvSpPr>
+            <a:spLocks noGrp="1"/>
+          </p:cNvSpPr>
+          <p:nvPr>
+            <p:ph type="title"/>
+          </p:nvPr>
+        </p:nvSpPr>
+        <p:spPr/>
+        <p:txBody>
+          <a:bodyPr>
+            <a:normAutofit/>
+          </a:bodyPr>
+          <a:lstStyle/>
+          <a:p>
+            <a:r>
+              <a:rPr lang="en-US" dirty="0"/>
+              <a:t>Questions?</a:t>
+            </a:r>
+          </a:p>
+        </p:txBody>
+      </p:sp>
+      <p:sp>
+        <p:nvSpPr>
+          <p:cNvPr id="4" name="Date Placeholder 3">
+            <a:extLst>
+              <a:ext uri="{FF2B5EF4-FFF2-40B4-BE49-F238E27FC236}">
+                <a16:creationId xmlns:a16="http://schemas.microsoft.com/office/drawing/2014/main" id="{59913B85-3B4F-43D3-A7E9-D06F5E37C6C1}"/>
+              </a:ext>
+            </a:extLst>
+          </p:cNvPr>
+          <p:cNvSpPr>
+            <a:spLocks noGrp="1"/>
+          </p:cNvSpPr>
+          <p:nvPr>
+            <p:ph type="dt" sz="half" idx="10"/>
+          </p:nvPr>
+        </p:nvSpPr>
+        <p:spPr/>
+        <p:txBody>
+          <a:bodyPr/>
+          <a:lstStyle/>
+          <a:p>
+            <a:fld id="{F736EC4A-E5B7-42C2-9943-4D2477F0E2BA}" type="datetime1">
+              <a:rPr lang="en-US" smtClean="0"/>
+              <a:t>2/16/2022</a:t>
+            </a:fld>
+            <a:endParaRPr lang="en-US" dirty="0"/>
+          </a:p>
+        </p:txBody>
+      </p:sp>
+      <p:sp>
+        <p:nvSpPr>
+          <p:cNvPr id="5" name="Footer Placeholder 4">
+            <a:extLst>
+              <a:ext uri="{FF2B5EF4-FFF2-40B4-BE49-F238E27FC236}">
+                <a16:creationId xmlns:a16="http://schemas.microsoft.com/office/drawing/2014/main" id="{C5649577-8229-4DC9-AE82-59C3A5BA0515}"/>
+              </a:ext>
+            </a:extLst>
+          </p:cNvPr>
+          <p:cNvSpPr>
+            <a:spLocks noGrp="1"/>
+          </p:cNvSpPr>
+          <p:nvPr>
+            <p:ph type="ftr" sz="quarter" idx="11"/>
+          </p:nvPr>
+        </p:nvSpPr>
+        <p:spPr/>
+        <p:txBody>
+          <a:bodyPr/>
+          <a:lstStyle/>
+          <a:p>
+            <a:r>
+              <a:rPr lang="en-US" dirty="0"/>
+              <a:t>Or Sagiv &amp; Etai Sella</a:t>
+            </a:r>
+          </a:p>
+        </p:txBody>
+      </p:sp>
+      <p:sp>
+        <p:nvSpPr>
+          <p:cNvPr id="6" name="Slide Number Placeholder 5">
+            <a:extLst>
+              <a:ext uri="{FF2B5EF4-FFF2-40B4-BE49-F238E27FC236}">
+                <a16:creationId xmlns:a16="http://schemas.microsoft.com/office/drawing/2014/main" id="{1B57282B-C25D-48B2-A667-C1D467EB1137}"/>
+              </a:ext>
+            </a:extLst>
+          </p:cNvPr>
+          <p:cNvSpPr>
+            <a:spLocks noGrp="1"/>
+          </p:cNvSpPr>
+          <p:nvPr>
+            <p:ph type="sldNum" sz="quarter" idx="12"/>
+          </p:nvPr>
+        </p:nvSpPr>
+        <p:spPr/>
+        <p:txBody>
+          <a:bodyPr/>
+          <a:lstStyle/>
+          <a:p>
+            <a:fld id="{C629165E-D59B-453D-B763-34340D7036F6}" type="slidenum">
+              <a:rPr lang="en-US" smtClean="0"/>
+              <a:t>15</a:t>
+            </a:fld>
+            <a:endParaRPr lang="en-US" dirty="0"/>
+          </a:p>
+        </p:txBody>
+      </p:sp>
+    </p:spTree>
+    <p:extLst>
+      <p:ext uri="{BB962C8B-B14F-4D97-AF65-F5344CB8AC3E}">
+        <p14:creationId xmlns:p14="http://schemas.microsoft.com/office/powerpoint/2010/main" val="3084981542"/>
+      </p:ext>
+    </p:extLst>
+  </p:cSld>
+  <p:clrMapOvr>
+    <a:masterClrMapping/>
+  </p:clrMapOvr>
+</p:sld>
+</file>
+
 <file path=ppt/slides/slide2.xml><?xml version="1.0" encoding="utf-8"?>
 <p:sld xmlns:a="http://schemas.openxmlformats.org/drawingml/2006/main" xmlns:r="http://schemas.openxmlformats.org/officeDocument/2006/relationships" xmlns:p="http://schemas.openxmlformats.org/presentationml/2006/main">
   <p:cSld>
@@ -8003,7 +10801,7 @@
           <a:p>
             <a:r>
               <a:rPr lang="en-US" dirty="0"/>
-              <a:t>Yarden Akaby &amp; Etai Sella</a:t>
+              <a:t>Or Sagiv &amp; Etai Sella</a:t>
             </a:r>
           </a:p>
         </p:txBody>
@@ -8177,7 +10975,7 @@
           <a:p>
             <a:r>
               <a:rPr lang="en-US" dirty="0"/>
-              <a:t>Yarden Akaby &amp; Etai Sella</a:t>
+              <a:t>Or Sagiv &amp; Etai Sella</a:t>
             </a:r>
           </a:p>
         </p:txBody>
@@ -8679,7 +11477,7 @@
           <a:p>
             <a:r>
               <a:rPr lang="en-US" dirty="0"/>
-              <a:t>Yarden Akaby &amp; Etai Sella</a:t>
+              <a:t>Or Sagiv &amp; Etai Sella</a:t>
             </a:r>
           </a:p>
         </p:txBody>
@@ -9231,7 +12029,7 @@
           <a:p>
             <a:r>
               <a:rPr lang="en-US" dirty="0"/>
-              <a:t>Yarden Akaby &amp; Etai Sella</a:t>
+              <a:t>Or Sagiv &amp; Etai Sella</a:t>
             </a:r>
           </a:p>
         </p:txBody>
@@ -9434,7 +12232,7 @@
           <a:p>
             <a:r>
               <a:rPr lang="en-US" dirty="0"/>
-              <a:t>Yarden Akaby &amp; Etai Sella</a:t>
+              <a:t>Or Sagiv &amp; Etai Sella</a:t>
             </a:r>
           </a:p>
         </p:txBody>
@@ -9616,7 +12414,7 @@
           <a:p>
             <a:r>
               <a:rPr lang="en-US" dirty="0"/>
-              <a:t>Yarden Akaby &amp; Etai Sella</a:t>
+              <a:t>Or Sagiv &amp; Etai Sella</a:t>
             </a:r>
           </a:p>
         </p:txBody>
@@ -9720,7 +12518,7 @@
           <p:cNvPr id="2" name="Title 1">
             <a:extLst>
               <a:ext uri="{FF2B5EF4-FFF2-40B4-BE49-F238E27FC236}">
-                <a16:creationId xmlns:a16="http://schemas.microsoft.com/office/drawing/2014/main" id="{AB41612C-CDF9-4105-A76A-E0AC444F5641}"/>
+                <a16:creationId xmlns:a16="http://schemas.microsoft.com/office/drawing/2014/main" id="{143B5247-4B5C-44D2-AE13-25DD403557B4}"/>
               </a:ext>
             </a:extLst>
           </p:cNvPr>
@@ -9740,34 +12538,8 @@
           <a:p>
             <a:r>
               <a:rPr lang="en-US" dirty="0"/>
-              <a:t>Background and Motivation – Tracking</a:t>
-            </a:r>
-          </a:p>
-        </p:txBody>
-      </p:sp>
-      <p:sp>
-        <p:nvSpPr>
-          <p:cNvPr id="3" name="Content Placeholder 2">
-            <a:extLst>
-              <a:ext uri="{FF2B5EF4-FFF2-40B4-BE49-F238E27FC236}">
-                <a16:creationId xmlns:a16="http://schemas.microsoft.com/office/drawing/2014/main" id="{A470BF20-1EA3-41E8-9E42-65E12E31A1AA}"/>
-              </a:ext>
-            </a:extLst>
-          </p:cNvPr>
-          <p:cNvSpPr>
-            <a:spLocks noGrp="1"/>
-          </p:cNvSpPr>
-          <p:nvPr>
-            <p:ph idx="1"/>
-          </p:nvPr>
-        </p:nvSpPr>
-        <p:spPr/>
-        <p:txBody>
-          <a:bodyPr/>
-          <a:lstStyle/>
-          <a:p>
-            <a:pPr lvl="1"/>
-            <a:endParaRPr lang="en-US" dirty="0"/>
+              <a:t>Questions?</a:t>
+            </a:r>
           </a:p>
         </p:txBody>
       </p:sp>
@@ -9776,7 +12548,7 @@
           <p:cNvPr id="4" name="Date Placeholder 3">
             <a:extLst>
               <a:ext uri="{FF2B5EF4-FFF2-40B4-BE49-F238E27FC236}">
-                <a16:creationId xmlns:a16="http://schemas.microsoft.com/office/drawing/2014/main" id="{49F36727-99BC-4C5B-AAE3-B13AA9C619DD}"/>
+                <a16:creationId xmlns:a16="http://schemas.microsoft.com/office/drawing/2014/main" id="{59913B85-3B4F-43D3-A7E9-D06F5E37C6C1}"/>
               </a:ext>
             </a:extLst>
           </p:cNvPr>
@@ -9805,7 +12577,7 @@
           <p:cNvPr id="5" name="Footer Placeholder 4">
             <a:extLst>
               <a:ext uri="{FF2B5EF4-FFF2-40B4-BE49-F238E27FC236}">
-                <a16:creationId xmlns:a16="http://schemas.microsoft.com/office/drawing/2014/main" id="{33CF2F71-992C-4D6D-94ED-BA14A60B0C74}"/>
+                <a16:creationId xmlns:a16="http://schemas.microsoft.com/office/drawing/2014/main" id="{C5649577-8229-4DC9-AE82-59C3A5BA0515}"/>
               </a:ext>
             </a:extLst>
           </p:cNvPr>
@@ -9823,7 +12595,7 @@
           <a:p>
             <a:r>
               <a:rPr lang="en-US" dirty="0"/>
-              <a:t>Yarden Akaby &amp; Etai Sella</a:t>
+              <a:t>Or Sagiv &amp; Etai Sella</a:t>
             </a:r>
           </a:p>
         </p:txBody>
@@ -9833,7 +12605,7 @@
           <p:cNvPr id="6" name="Slide Number Placeholder 5">
             <a:extLst>
               <a:ext uri="{FF2B5EF4-FFF2-40B4-BE49-F238E27FC236}">
-                <a16:creationId xmlns:a16="http://schemas.microsoft.com/office/drawing/2014/main" id="{1E169B89-C40B-43EE-B5FA-F08E04F40685}"/>
+                <a16:creationId xmlns:a16="http://schemas.microsoft.com/office/drawing/2014/main" id="{1B57282B-C25D-48B2-A667-C1D467EB1137}"/>
               </a:ext>
             </a:extLst>
           </p:cNvPr>
@@ -9860,7 +12632,7 @@
     </p:spTree>
     <p:extLst>
       <p:ext uri="{BB962C8B-B14F-4D97-AF65-F5344CB8AC3E}">
-        <p14:creationId xmlns:p14="http://schemas.microsoft.com/office/powerpoint/2010/main" val="33255775"/>
+        <p14:creationId xmlns:p14="http://schemas.microsoft.com/office/powerpoint/2010/main" val="2088741019"/>
       </p:ext>
     </p:extLst>
   </p:cSld>
@@ -9903,7 +12675,12 @@
             <p:ph type="title"/>
           </p:nvPr>
         </p:nvSpPr>
-        <p:spPr/>
+        <p:spPr>
+          <a:xfrm>
+            <a:off x="483475" y="365127"/>
+            <a:ext cx="10870323" cy="920750"/>
+          </a:xfrm>
+        </p:spPr>
         <p:txBody>
           <a:bodyPr>
             <a:normAutofit/>
@@ -9911,8 +12688,12 @@
           <a:lstStyle/>
           <a:p>
             <a:r>
+              <a:rPr lang="en-US" dirty="0" err="1"/>
+              <a:t>AlphaRefine</a:t>
+            </a:r>
+            <a:r>
               <a:rPr lang="en-US" dirty="0"/>
-              <a:t>Questions?</a:t>
+              <a:t> - Overview</a:t>
             </a:r>
           </a:p>
         </p:txBody>
@@ -9969,7 +12750,7 @@
           <a:p>
             <a:r>
               <a:rPr lang="en-US" dirty="0"/>
-              <a:t>Yarden Akaby &amp; Etai Sella</a:t>
+              <a:t>Or Sagiv &amp; Etai Sella</a:t>
             </a:r>
           </a:p>
         </p:txBody>
@@ -10003,10 +12784,170 @@
           </a:p>
         </p:txBody>
       </p:sp>
+      <p:pic>
+        <p:nvPicPr>
+          <p:cNvPr id="7" name="Picture 6">
+            <a:extLst>
+              <a:ext uri="{FF2B5EF4-FFF2-40B4-BE49-F238E27FC236}">
+                <a16:creationId xmlns:a16="http://schemas.microsoft.com/office/drawing/2014/main" id="{0BB3BA71-7FBE-420E-8192-E85BABB78A87}"/>
+              </a:ext>
+            </a:extLst>
+          </p:cNvPr>
+          <p:cNvPicPr>
+            <a:picLocks noChangeAspect="1"/>
+          </p:cNvPicPr>
+          <p:nvPr/>
+        </p:nvPicPr>
+        <p:blipFill>
+          <a:blip r:embed="rId3"/>
+          <a:stretch>
+            <a:fillRect/>
+          </a:stretch>
+        </p:blipFill>
+        <p:spPr>
+          <a:xfrm>
+            <a:off x="483475" y="2500671"/>
+            <a:ext cx="10870323" cy="3668901"/>
+          </a:xfrm>
+          <a:prstGeom prst="rect">
+            <a:avLst/>
+          </a:prstGeom>
+        </p:spPr>
+      </p:pic>
+      <p:sp>
+        <p:nvSpPr>
+          <p:cNvPr id="8" name="TextBox 7">
+            <a:extLst>
+              <a:ext uri="{FF2B5EF4-FFF2-40B4-BE49-F238E27FC236}">
+                <a16:creationId xmlns:a16="http://schemas.microsoft.com/office/drawing/2014/main" id="{81301C21-59D5-4A8C-963A-2CA8315B4562}"/>
+              </a:ext>
+            </a:extLst>
+          </p:cNvPr>
+          <p:cNvSpPr txBox="1"/>
+          <p:nvPr/>
+        </p:nvSpPr>
+        <p:spPr>
+          <a:xfrm>
+            <a:off x="483474" y="1587851"/>
+            <a:ext cx="10870323" cy="954107"/>
+          </a:xfrm>
+          <a:prstGeom prst="rect">
+            <a:avLst/>
+          </a:prstGeom>
+          <a:noFill/>
+        </p:spPr>
+        <p:txBody>
+          <a:bodyPr wrap="square">
+            <a:spAutoFit/>
+          </a:bodyPr>
+          <a:lstStyle/>
+          <a:p>
+            <a:pPr algn="l"/>
+            <a:r>
+              <a:rPr lang="en-US" sz="1400" b="0" i="0" u="none" strike="noStrike" baseline="0" dirty="0">
+                <a:latin typeface="Times New Roman" panose="02020603050405020304" pitchFamily="18" charset="0"/>
+                <a:cs typeface="Times New Roman" panose="02020603050405020304" pitchFamily="18" charset="0"/>
+              </a:rPr>
+              <a:t>Alpha-Refine is a refinement module which can</a:t>
+            </a:r>
+            <a:r>
+              <a:rPr lang="en-US" sz="1400" dirty="0">
+                <a:latin typeface="Times New Roman" panose="02020603050405020304" pitchFamily="18" charset="0"/>
+                <a:cs typeface="Times New Roman" panose="02020603050405020304" pitchFamily="18" charset="0"/>
+              </a:rPr>
+              <a:t> </a:t>
+            </a:r>
+            <a:r>
+              <a:rPr lang="en-US" sz="1400" b="0" i="0" u="none" strike="noStrike" baseline="0" dirty="0">
+                <a:latin typeface="Times New Roman" panose="02020603050405020304" pitchFamily="18" charset="0"/>
+                <a:cs typeface="Times New Roman" panose="02020603050405020304" pitchFamily="18" charset="0"/>
+              </a:rPr>
+              <a:t>efficiently refine the base tracker’s outputs and significantly improve the tracking performance in terms of </a:t>
+            </a:r>
+            <a:r>
+              <a:rPr lang="en-US" sz="1400" b="1" i="0" u="none" strike="noStrike" baseline="0" dirty="0">
+                <a:latin typeface="Times New Roman" panose="02020603050405020304" pitchFamily="18" charset="0"/>
+                <a:cs typeface="Times New Roman" panose="02020603050405020304" pitchFamily="18" charset="0"/>
+              </a:rPr>
+              <a:t>precision </a:t>
+            </a:r>
+            <a:r>
+              <a:rPr lang="en-US" sz="1400" i="0" u="none" strike="noStrike" baseline="0" dirty="0">
+                <a:latin typeface="Times New Roman" panose="02020603050405020304" pitchFamily="18" charset="0"/>
+                <a:cs typeface="Times New Roman" panose="02020603050405020304" pitchFamily="18" charset="0"/>
+              </a:rPr>
+              <a:t>(the center of the box compared to the center of the tracked object)</a:t>
+            </a:r>
+            <a:r>
+              <a:rPr lang="en-US" sz="1400" b="0" i="0" u="none" strike="noStrike" baseline="0" dirty="0">
+                <a:latin typeface="Times New Roman" panose="02020603050405020304" pitchFamily="18" charset="0"/>
+                <a:cs typeface="Times New Roman" panose="02020603050405020304" pitchFamily="18" charset="0"/>
+              </a:rPr>
+              <a:t> and </a:t>
+            </a:r>
+            <a:r>
+              <a:rPr lang="en-US" sz="1400" b="1" i="0" u="none" strike="noStrike" baseline="0" dirty="0">
+                <a:latin typeface="Times New Roman" panose="02020603050405020304" pitchFamily="18" charset="0"/>
+                <a:cs typeface="Times New Roman" panose="02020603050405020304" pitchFamily="18" charset="0"/>
+              </a:rPr>
+              <a:t>overlapping</a:t>
+            </a:r>
+            <a:r>
+              <a:rPr lang="en-US" sz="1400" b="0" i="0" u="none" strike="noStrike" baseline="0" dirty="0">
+                <a:latin typeface="Times New Roman" panose="02020603050405020304" pitchFamily="18" charset="0"/>
+                <a:cs typeface="Times New Roman" panose="02020603050405020304" pitchFamily="18" charset="0"/>
+              </a:rPr>
+              <a:t> (between the box and the tracked object).</a:t>
+            </a:r>
+          </a:p>
+          <a:p>
+            <a:pPr algn="l"/>
+            <a:r>
+              <a:rPr lang="en-US" sz="1400" dirty="0">
+                <a:latin typeface="Times New Roman" panose="02020603050405020304" pitchFamily="18" charset="0"/>
+                <a:cs typeface="Times New Roman" panose="02020603050405020304" pitchFamily="18" charset="0"/>
+              </a:rPr>
+              <a:t>This is an </a:t>
+            </a:r>
+            <a:r>
+              <a:rPr lang="en-US" sz="1400" b="0" i="0" u="none" strike="noStrike" baseline="0" dirty="0">
+                <a:latin typeface="Times New Roman" panose="02020603050405020304" pitchFamily="18" charset="0"/>
+                <a:cs typeface="Times New Roman" panose="02020603050405020304" pitchFamily="18" charset="0"/>
+              </a:rPr>
+              <a:t>overview of the architecture of the proposed Alpha-Refine module. </a:t>
+            </a:r>
+            <a:r>
+              <a:rPr lang="en-US" sz="1400" dirty="0">
+                <a:latin typeface="Times New Roman" panose="02020603050405020304" pitchFamily="18" charset="0"/>
+                <a:cs typeface="Times New Roman" panose="02020603050405020304" pitchFamily="18" charset="0"/>
+              </a:rPr>
+              <a:t>The figure also shows how it can be added in a “</a:t>
+            </a:r>
+            <a:r>
+              <a:rPr lang="en-US" sz="1400" b="1" dirty="0">
+                <a:latin typeface="Times New Roman" panose="02020603050405020304" pitchFamily="18" charset="0"/>
+                <a:cs typeface="Times New Roman" panose="02020603050405020304" pitchFamily="18" charset="0"/>
+              </a:rPr>
+              <a:t>Plug and Play</a:t>
+            </a:r>
+            <a:r>
+              <a:rPr lang="en-US" sz="1400" dirty="0">
+                <a:latin typeface="Times New Roman" panose="02020603050405020304" pitchFamily="18" charset="0"/>
+                <a:cs typeface="Times New Roman" panose="02020603050405020304" pitchFamily="18" charset="0"/>
+              </a:rPr>
+              <a:t>” style to the base tracker in order to get better results.</a:t>
+            </a:r>
+            <a:endParaRPr lang="en-IL" sz="1400" dirty="0">
+              <a:latin typeface="Times New Roman" panose="02020603050405020304" pitchFamily="18" charset="0"/>
+              <a:cs typeface="Times New Roman" panose="02020603050405020304" pitchFamily="18" charset="0"/>
+            </a:endParaRPr>
+          </a:p>
+        </p:txBody>
+      </p:sp>
     </p:spTree>
     <p:extLst>
       <p:ext uri="{BB962C8B-B14F-4D97-AF65-F5344CB8AC3E}">
-        <p14:creationId xmlns:p14="http://schemas.microsoft.com/office/powerpoint/2010/main" val="2088741019"/>
+        <p14:creationId xmlns:p14="http://schemas.microsoft.com/office/powerpoint/2010/main" val="2107737462"/>
       </p:ext>
     </p:extLst>
   </p:cSld>
@@ -10304,6 +13245,301 @@
 </file>
 
 <file path=ppt/theme/theme2.xml><?xml version="1.0" encoding="utf-8"?>
+<a:theme xmlns:a="http://schemas.openxmlformats.org/drawingml/2006/main" name="Custom Design">
+  <a:themeElements>
+    <a:clrScheme name="Office">
+      <a:dk1>
+        <a:sysClr val="windowText" lastClr="000000"/>
+      </a:dk1>
+      <a:lt1>
+        <a:sysClr val="window" lastClr="FFFFFF"/>
+      </a:lt1>
+      <a:dk2>
+        <a:srgbClr val="44546A"/>
+      </a:dk2>
+      <a:lt2>
+        <a:srgbClr val="E7E6E6"/>
+      </a:lt2>
+      <a:accent1>
+        <a:srgbClr val="4472C4"/>
+      </a:accent1>
+      <a:accent2>
+        <a:srgbClr val="ED7D31"/>
+      </a:accent2>
+      <a:accent3>
+        <a:srgbClr val="A5A5A5"/>
+      </a:accent3>
+      <a:accent4>
+        <a:srgbClr val="FFC000"/>
+      </a:accent4>
+      <a:accent5>
+        <a:srgbClr val="5B9BD5"/>
+      </a:accent5>
+      <a:accent6>
+        <a:srgbClr val="70AD47"/>
+      </a:accent6>
+      <a:hlink>
+        <a:srgbClr val="0563C1"/>
+      </a:hlink>
+      <a:folHlink>
+        <a:srgbClr val="954F72"/>
+      </a:folHlink>
+    </a:clrScheme>
+    <a:fontScheme name="Office">
+      <a:majorFont>
+        <a:latin typeface="Calibri Light" panose="020F0302020204030204"/>
+        <a:ea typeface=""/>
+        <a:cs typeface=""/>
+        <a:font script="Jpan" typeface="游ゴシック Light"/>
+        <a:font script="Hang" typeface="맑은 고딕"/>
+        <a:font script="Hans" typeface="等线 Light"/>
+        <a:font script="Hant" typeface="新細明體"/>
+        <a:font script="Arab" typeface="Times New Roman"/>
+        <a:font script="Hebr" typeface="Times New Roman"/>
+        <a:font script="Thai" typeface="Angsana New"/>
+        <a:font script="Ethi" typeface="Nyala"/>
+        <a:font script="Beng" typeface="Vrinda"/>
+        <a:font script="Gujr" typeface="Shruti"/>
+        <a:font script="Khmr" typeface="MoolBoran"/>
+        <a:font script="Knda" typeface="Tunga"/>
+        <a:font script="Guru" typeface="Raavi"/>
+        <a:font script="Cans" typeface="Euphemia"/>
+        <a:font script="Cher" typeface="Plantagenet Cherokee"/>
+        <a:font script="Yiii" typeface="Microsoft Yi Baiti"/>
+        <a:font script="Tibt" typeface="Microsoft Himalaya"/>
+        <a:font script="Thaa" typeface="MV Boli"/>
+        <a:font script="Deva" typeface="Mangal"/>
+        <a:font script="Telu" typeface="Gautami"/>
+        <a:font script="Taml" typeface="Latha"/>
+        <a:font script="Syrc" typeface="Estrangelo Edessa"/>
+        <a:font script="Orya" typeface="Kalinga"/>
+        <a:font script="Mlym" typeface="Kartika"/>
+        <a:font script="Laoo" typeface="DokChampa"/>
+        <a:font script="Sinh" typeface="Iskoola Pota"/>
+        <a:font script="Mong" typeface="Mongolian Baiti"/>
+        <a:font script="Viet" typeface="Times New Roman"/>
+        <a:font script="Uigh" typeface="Microsoft Uighur"/>
+        <a:font script="Geor" typeface="Sylfaen"/>
+        <a:font script="Armn" typeface="Arial"/>
+        <a:font script="Bugi" typeface="Leelawadee UI"/>
+        <a:font script="Bopo" typeface="Microsoft JhengHei"/>
+        <a:font script="Java" typeface="Javanese Text"/>
+        <a:font script="Lisu" typeface="Segoe UI"/>
+        <a:font script="Mymr" typeface="Myanmar Text"/>
+        <a:font script="Nkoo" typeface="Ebrima"/>
+        <a:font script="Olck" typeface="Nirmala UI"/>
+        <a:font script="Osma" typeface="Ebrima"/>
+        <a:font script="Phag" typeface="Phagspa"/>
+        <a:font script="Syrn" typeface="Estrangelo Edessa"/>
+        <a:font script="Syrj" typeface="Estrangelo Edessa"/>
+        <a:font script="Syre" typeface="Estrangelo Edessa"/>
+        <a:font script="Sora" typeface="Nirmala UI"/>
+        <a:font script="Tale" typeface="Microsoft Tai Le"/>
+        <a:font script="Talu" typeface="Microsoft New Tai Lue"/>
+        <a:font script="Tfng" typeface="Ebrima"/>
+      </a:majorFont>
+      <a:minorFont>
+        <a:latin typeface="Calibri" panose="020F0502020204030204"/>
+        <a:ea typeface=""/>
+        <a:cs typeface=""/>
+        <a:font script="Jpan" typeface="游ゴシック"/>
+        <a:font script="Hang" typeface="맑은 고딕"/>
+        <a:font script="Hans" typeface="等线"/>
+        <a:font script="Hant" typeface="新細明體"/>
+        <a:font script="Arab" typeface="Arial"/>
+        <a:font script="Hebr" typeface="Arial"/>
+        <a:font script="Thai" typeface="Cordia New"/>
+        <a:font script="Ethi" typeface="Nyala"/>
+        <a:font script="Beng" typeface="Vrinda"/>
+        <a:font script="Gujr" typeface="Shruti"/>
+        <a:font script="Khmr" typeface="DaunPenh"/>
+        <a:font script="Knda" typeface="Tunga"/>
+        <a:font script="Guru" typeface="Raavi"/>
+        <a:font script="Cans" typeface="Euphemia"/>
+        <a:font script="Cher" typeface="Plantagenet Cherokee"/>
+        <a:font script="Yiii" typeface="Microsoft Yi Baiti"/>
+        <a:font script="Tibt" typeface="Microsoft Himalaya"/>
+        <a:font script="Thaa" typeface="MV Boli"/>
+        <a:font script="Deva" typeface="Mangal"/>
+        <a:font script="Telu" typeface="Gautami"/>
+        <a:font script="Taml" typeface="Latha"/>
+        <a:font script="Syrc" typeface="Estrangelo Edessa"/>
+        <a:font script="Orya" typeface="Kalinga"/>
+        <a:font script="Mlym" typeface="Kartika"/>
+        <a:font script="Laoo" typeface="DokChampa"/>
+        <a:font script="Sinh" typeface="Iskoola Pota"/>
+        <a:font script="Mong" typeface="Mongolian Baiti"/>
+        <a:font script="Viet" typeface="Arial"/>
+        <a:font script="Uigh" typeface="Microsoft Uighur"/>
+        <a:font script="Geor" typeface="Sylfaen"/>
+        <a:font script="Armn" typeface="Arial"/>
+        <a:font script="Bugi" typeface="Leelawadee UI"/>
+        <a:font script="Bopo" typeface="Microsoft JhengHei"/>
+        <a:font script="Java" typeface="Javanese Text"/>
+        <a:font script="Lisu" typeface="Segoe UI"/>
+        <a:font script="Mymr" typeface="Myanmar Text"/>
+        <a:font script="Nkoo" typeface="Ebrima"/>
+        <a:font script="Olck" typeface="Nirmala UI"/>
+        <a:font script="Osma" typeface="Ebrima"/>
+        <a:font script="Phag" typeface="Phagspa"/>
+        <a:font script="Syrn" typeface="Estrangelo Edessa"/>
+        <a:font script="Syrj" typeface="Estrangelo Edessa"/>
+        <a:font script="Syre" typeface="Estrangelo Edessa"/>
+        <a:font script="Sora" typeface="Nirmala UI"/>
+        <a:font script="Tale" typeface="Microsoft Tai Le"/>
+        <a:font script="Talu" typeface="Microsoft New Tai Lue"/>
+        <a:font script="Tfng" typeface="Ebrima"/>
+      </a:minorFont>
+    </a:fontScheme>
+    <a:fmtScheme name="Office">
+      <a:fillStyleLst>
+        <a:solidFill>
+          <a:schemeClr val="phClr"/>
+        </a:solidFill>
+        <a:gradFill rotWithShape="1">
+          <a:gsLst>
+            <a:gs pos="0">
+              <a:schemeClr val="phClr">
+                <a:lumMod val="110000"/>
+                <a:satMod val="105000"/>
+                <a:tint val="67000"/>
+              </a:schemeClr>
+            </a:gs>
+            <a:gs pos="50000">
+              <a:schemeClr val="phClr">
+                <a:lumMod val="105000"/>
+                <a:satMod val="103000"/>
+                <a:tint val="73000"/>
+              </a:schemeClr>
+            </a:gs>
+            <a:gs pos="100000">
+              <a:schemeClr val="phClr">
+                <a:lumMod val="105000"/>
+                <a:satMod val="109000"/>
+                <a:tint val="81000"/>
+              </a:schemeClr>
+            </a:gs>
+          </a:gsLst>
+          <a:lin ang="5400000" scaled="0"/>
+        </a:gradFill>
+        <a:gradFill rotWithShape="1">
+          <a:gsLst>
+            <a:gs pos="0">
+              <a:schemeClr val="phClr">
+                <a:satMod val="103000"/>
+                <a:lumMod val="102000"/>
+                <a:tint val="94000"/>
+              </a:schemeClr>
+            </a:gs>
+            <a:gs pos="50000">
+              <a:schemeClr val="phClr">
+                <a:satMod val="110000"/>
+                <a:lumMod val="100000"/>
+                <a:shade val="100000"/>
+              </a:schemeClr>
+            </a:gs>
+            <a:gs pos="100000">
+              <a:schemeClr val="phClr">
+                <a:lumMod val="99000"/>
+                <a:satMod val="120000"/>
+                <a:shade val="78000"/>
+              </a:schemeClr>
+            </a:gs>
+          </a:gsLst>
+          <a:lin ang="5400000" scaled="0"/>
+        </a:gradFill>
+      </a:fillStyleLst>
+      <a:lnStyleLst>
+        <a:ln w="6350" cap="flat" cmpd="sng" algn="ctr">
+          <a:solidFill>
+            <a:schemeClr val="phClr"/>
+          </a:solidFill>
+          <a:prstDash val="solid"/>
+          <a:miter lim="800000"/>
+        </a:ln>
+        <a:ln w="12700" cap="flat" cmpd="sng" algn="ctr">
+          <a:solidFill>
+            <a:schemeClr val="phClr"/>
+          </a:solidFill>
+          <a:prstDash val="solid"/>
+          <a:miter lim="800000"/>
+        </a:ln>
+        <a:ln w="19050" cap="flat" cmpd="sng" algn="ctr">
+          <a:solidFill>
+            <a:schemeClr val="phClr"/>
+          </a:solidFill>
+          <a:prstDash val="solid"/>
+          <a:miter lim="800000"/>
+        </a:ln>
+      </a:lnStyleLst>
+      <a:effectStyleLst>
+        <a:effectStyle>
+          <a:effectLst/>
+        </a:effectStyle>
+        <a:effectStyle>
+          <a:effectLst/>
+        </a:effectStyle>
+        <a:effectStyle>
+          <a:effectLst>
+            <a:outerShdw blurRad="57150" dist="19050" dir="5400000" algn="ctr" rotWithShape="0">
+              <a:srgbClr val="000000">
+                <a:alpha val="63000"/>
+              </a:srgbClr>
+            </a:outerShdw>
+          </a:effectLst>
+        </a:effectStyle>
+      </a:effectStyleLst>
+      <a:bgFillStyleLst>
+        <a:solidFill>
+          <a:schemeClr val="phClr"/>
+        </a:solidFill>
+        <a:solidFill>
+          <a:schemeClr val="phClr">
+            <a:tint val="95000"/>
+            <a:satMod val="170000"/>
+          </a:schemeClr>
+        </a:solidFill>
+        <a:gradFill rotWithShape="1">
+          <a:gsLst>
+            <a:gs pos="0">
+              <a:schemeClr val="phClr">
+                <a:tint val="93000"/>
+                <a:satMod val="150000"/>
+                <a:shade val="98000"/>
+                <a:lumMod val="102000"/>
+              </a:schemeClr>
+            </a:gs>
+            <a:gs pos="50000">
+              <a:schemeClr val="phClr">
+                <a:tint val="98000"/>
+                <a:satMod val="130000"/>
+                <a:shade val="90000"/>
+                <a:lumMod val="103000"/>
+              </a:schemeClr>
+            </a:gs>
+            <a:gs pos="100000">
+              <a:schemeClr val="phClr">
+                <a:shade val="63000"/>
+                <a:satMod val="120000"/>
+              </a:schemeClr>
+            </a:gs>
+          </a:gsLst>
+          <a:lin ang="5400000" scaled="0"/>
+        </a:gradFill>
+      </a:bgFillStyleLst>
+    </a:fmtScheme>
+  </a:themeElements>
+  <a:objectDefaults/>
+  <a:extraClrSchemeLst/>
+  <a:extLst>
+    <a:ext uri="{05A4C25C-085E-4340-85A3-A5531E510DB2}">
+      <thm15:themeFamily xmlns:thm15="http://schemas.microsoft.com/office/thememl/2012/main" name="Office Theme" id="{62F939B6-93AF-4DB8-9C6B-D6C7DFDC589F}" vid="{4A3C46E8-61CC-4603-A589-7422A47A8E4A}"/>
+    </a:ext>
+  </a:extLst>
+</a:theme>
+</file>
+
+<file path=ppt/theme/theme3.xml><?xml version="1.0" encoding="utf-8"?>
 <a:theme xmlns:a="http://schemas.openxmlformats.org/drawingml/2006/main" name="Office Theme">
   <a:themeElements>
     <a:clrScheme name="Office">

--- a/Presentation/DL_project_presentation.pptx
+++ b/Presentation/DL_project_presentation.pptx
@@ -6,7 +6,7 @@
     <p:sldMasterId id="2147483684" r:id="rId2"/>
   </p:sldMasterIdLst>
   <p:notesMasterIdLst>
-    <p:notesMasterId r:id="rId18"/>
+    <p:notesMasterId r:id="rId24"/>
   </p:notesMasterIdLst>
   <p:sldIdLst>
     <p:sldId id="256" r:id="rId3"/>
@@ -16,14 +16,20 @@
     <p:sldId id="289" r:id="rId7"/>
     <p:sldId id="291" r:id="rId8"/>
     <p:sldId id="292" r:id="rId9"/>
-    <p:sldId id="290" r:id="rId10"/>
+    <p:sldId id="310" r:id="rId10"/>
     <p:sldId id="295" r:id="rId11"/>
     <p:sldId id="299" r:id="rId12"/>
     <p:sldId id="296" r:id="rId13"/>
     <p:sldId id="298" r:id="rId14"/>
     <p:sldId id="300" r:id="rId15"/>
     <p:sldId id="301" r:id="rId16"/>
-    <p:sldId id="297" r:id="rId17"/>
+    <p:sldId id="302" r:id="rId17"/>
+    <p:sldId id="303" r:id="rId18"/>
+    <p:sldId id="306" r:id="rId19"/>
+    <p:sldId id="304" r:id="rId20"/>
+    <p:sldId id="307" r:id="rId21"/>
+    <p:sldId id="308" r:id="rId22"/>
+    <p:sldId id="297" r:id="rId23"/>
   </p:sldIdLst>
   <p:sldSz cx="12192000" cy="6858000"/>
   <p:notesSz cx="6858000" cy="9144000"/>
@@ -964,7 +970,175 @@
           <a:p>
             <a:fld id="{BB072CD4-8151-4317-B517-71349F960F6F}" type="slidenum">
               <a:rPr lang="en-US" smtClean="0"/>
-              <a:t>15</a:t>
+              <a:t>18</a:t>
+            </a:fld>
+            <a:endParaRPr lang="en-US"/>
+          </a:p>
+        </p:txBody>
+      </p:sp>
+    </p:spTree>
+    <p:extLst>
+      <p:ext uri="{BB962C8B-B14F-4D97-AF65-F5344CB8AC3E}">
+        <p14:creationId xmlns:p14="http://schemas.microsoft.com/office/powerpoint/2010/main" val="64296319"/>
+      </p:ext>
+    </p:extLst>
+  </p:cSld>
+  <p:clrMapOvr>
+    <a:masterClrMapping/>
+  </p:clrMapOvr>
+</p:notes>
+</file>
+
+<file path=ppt/notesSlides/notesSlide15.xml><?xml version="1.0" encoding="utf-8"?>
+<p:notes xmlns:a="http://schemas.openxmlformats.org/drawingml/2006/main" xmlns:r="http://schemas.openxmlformats.org/officeDocument/2006/relationships" xmlns:p="http://schemas.openxmlformats.org/presentationml/2006/main">
+  <p:cSld>
+    <p:spTree>
+      <p:nvGrpSpPr>
+        <p:cNvPr id="1" name=""/>
+        <p:cNvGrpSpPr/>
+        <p:nvPr/>
+      </p:nvGrpSpPr>
+      <p:grpSpPr>
+        <a:xfrm>
+          <a:off x="0" y="0"/>
+          <a:ext cx="0" cy="0"/>
+          <a:chOff x="0" y="0"/>
+          <a:chExt cx="0" cy="0"/>
+        </a:xfrm>
+      </p:grpSpPr>
+      <p:sp>
+        <p:nvSpPr>
+          <p:cNvPr id="2" name="Slide Image Placeholder 1"/>
+          <p:cNvSpPr>
+            <a:spLocks noGrp="1" noRot="1" noChangeAspect="1"/>
+          </p:cNvSpPr>
+          <p:nvPr>
+            <p:ph type="sldImg"/>
+          </p:nvPr>
+        </p:nvSpPr>
+        <p:spPr/>
+      </p:sp>
+      <p:sp>
+        <p:nvSpPr>
+          <p:cNvPr id="3" name="Notes Placeholder 2"/>
+          <p:cNvSpPr>
+            <a:spLocks noGrp="1"/>
+          </p:cNvSpPr>
+          <p:nvPr>
+            <p:ph type="body" idx="1"/>
+          </p:nvPr>
+        </p:nvSpPr>
+        <p:spPr/>
+        <p:txBody>
+          <a:bodyPr/>
+          <a:lstStyle/>
+          <a:p>
+            <a:endParaRPr lang="en-US" dirty="0"/>
+          </a:p>
+        </p:txBody>
+      </p:sp>
+      <p:sp>
+        <p:nvSpPr>
+          <p:cNvPr id="4" name="Slide Number Placeholder 3"/>
+          <p:cNvSpPr>
+            <a:spLocks noGrp="1"/>
+          </p:cNvSpPr>
+          <p:nvPr>
+            <p:ph type="sldNum" sz="quarter" idx="5"/>
+          </p:nvPr>
+        </p:nvSpPr>
+        <p:spPr/>
+        <p:txBody>
+          <a:bodyPr/>
+          <a:lstStyle/>
+          <a:p>
+            <a:fld id="{BB072CD4-8151-4317-B517-71349F960F6F}" type="slidenum">
+              <a:rPr lang="en-US" smtClean="0"/>
+              <a:t>19</a:t>
+            </a:fld>
+            <a:endParaRPr lang="en-US"/>
+          </a:p>
+        </p:txBody>
+      </p:sp>
+    </p:spTree>
+    <p:extLst>
+      <p:ext uri="{BB962C8B-B14F-4D97-AF65-F5344CB8AC3E}">
+        <p14:creationId xmlns:p14="http://schemas.microsoft.com/office/powerpoint/2010/main" val="1322666829"/>
+      </p:ext>
+    </p:extLst>
+  </p:cSld>
+  <p:clrMapOvr>
+    <a:masterClrMapping/>
+  </p:clrMapOvr>
+</p:notes>
+</file>
+
+<file path=ppt/notesSlides/notesSlide16.xml><?xml version="1.0" encoding="utf-8"?>
+<p:notes xmlns:a="http://schemas.openxmlformats.org/drawingml/2006/main" xmlns:r="http://schemas.openxmlformats.org/officeDocument/2006/relationships" xmlns:p="http://schemas.openxmlformats.org/presentationml/2006/main">
+  <p:cSld>
+    <p:spTree>
+      <p:nvGrpSpPr>
+        <p:cNvPr id="1" name=""/>
+        <p:cNvGrpSpPr/>
+        <p:nvPr/>
+      </p:nvGrpSpPr>
+      <p:grpSpPr>
+        <a:xfrm>
+          <a:off x="0" y="0"/>
+          <a:ext cx="0" cy="0"/>
+          <a:chOff x="0" y="0"/>
+          <a:chExt cx="0" cy="0"/>
+        </a:xfrm>
+      </p:grpSpPr>
+      <p:sp>
+        <p:nvSpPr>
+          <p:cNvPr id="2" name="Slide Image Placeholder 1"/>
+          <p:cNvSpPr>
+            <a:spLocks noGrp="1" noRot="1" noChangeAspect="1"/>
+          </p:cNvSpPr>
+          <p:nvPr>
+            <p:ph type="sldImg"/>
+          </p:nvPr>
+        </p:nvSpPr>
+        <p:spPr/>
+      </p:sp>
+      <p:sp>
+        <p:nvSpPr>
+          <p:cNvPr id="3" name="Notes Placeholder 2"/>
+          <p:cNvSpPr>
+            <a:spLocks noGrp="1"/>
+          </p:cNvSpPr>
+          <p:nvPr>
+            <p:ph type="body" idx="1"/>
+          </p:nvPr>
+        </p:nvSpPr>
+        <p:spPr/>
+        <p:txBody>
+          <a:bodyPr/>
+          <a:lstStyle/>
+          <a:p>
+            <a:endParaRPr lang="en-US" dirty="0"/>
+          </a:p>
+        </p:txBody>
+      </p:sp>
+      <p:sp>
+        <p:nvSpPr>
+          <p:cNvPr id="4" name="Slide Number Placeholder 3"/>
+          <p:cNvSpPr>
+            <a:spLocks noGrp="1"/>
+          </p:cNvSpPr>
+          <p:nvPr>
+            <p:ph type="sldNum" sz="quarter" idx="5"/>
+          </p:nvPr>
+        </p:nvSpPr>
+        <p:spPr/>
+        <p:txBody>
+          <a:bodyPr/>
+          <a:lstStyle/>
+          <a:p>
+            <a:fld id="{BB072CD4-8151-4317-B517-71349F960F6F}" type="slidenum">
+              <a:rPr lang="en-US" smtClean="0"/>
+              <a:t>21</a:t>
             </a:fld>
             <a:endParaRPr lang="en-US"/>
           </a:p>
@@ -1363,7 +1537,10 @@
           <a:bodyPr/>
           <a:lstStyle/>
           <a:p>
-            <a:endParaRPr lang="en-US" dirty="0"/>
+            <a:r>
+              <a:rPr lang="en-US" dirty="0"/>
+              <a:t>Point out the Fine matching Stage</a:t>
+            </a:r>
           </a:p>
         </p:txBody>
       </p:sp>
@@ -1447,7 +1624,10 @@
           <a:bodyPr/>
           <a:lstStyle/>
           <a:p>
-            <a:endParaRPr lang="en-US" dirty="0"/>
+            <a:r>
+              <a:rPr lang="en-US" dirty="0"/>
+              <a:t>Point out the Fine matching Stage</a:t>
+            </a:r>
           </a:p>
         </p:txBody>
       </p:sp>
@@ -1477,7 +1657,7 @@
     </p:spTree>
     <p:extLst>
       <p:ext uri="{BB962C8B-B14F-4D97-AF65-F5344CB8AC3E}">
-        <p14:creationId xmlns:p14="http://schemas.microsoft.com/office/powerpoint/2010/main" val="875483981"/>
+        <p14:creationId xmlns:p14="http://schemas.microsoft.com/office/powerpoint/2010/main" val="611552048"/>
       </p:ext>
     </p:extLst>
   </p:cSld>
@@ -10488,40 +10668,10 @@
       </p:grpSpPr>
       <p:sp>
         <p:nvSpPr>
-          <p:cNvPr id="2" name="Title 1">
-            <a:extLst>
-              <a:ext uri="{FF2B5EF4-FFF2-40B4-BE49-F238E27FC236}">
-                <a16:creationId xmlns:a16="http://schemas.microsoft.com/office/drawing/2014/main" id="{143B5247-4B5C-44D2-AE13-25DD403557B4}"/>
-              </a:ext>
-            </a:extLst>
-          </p:cNvPr>
-          <p:cNvSpPr>
-            <a:spLocks noGrp="1"/>
-          </p:cNvSpPr>
-          <p:nvPr>
-            <p:ph type="title"/>
-          </p:nvPr>
-        </p:nvSpPr>
-        <p:spPr/>
-        <p:txBody>
-          <a:bodyPr>
-            <a:normAutofit/>
-          </a:bodyPr>
-          <a:lstStyle/>
-          <a:p>
-            <a:r>
-              <a:rPr lang="en-US" dirty="0"/>
-              <a:t>Questions?</a:t>
-            </a:r>
-          </a:p>
-        </p:txBody>
-      </p:sp>
-      <p:sp>
-        <p:nvSpPr>
-          <p:cNvPr id="4" name="Date Placeholder 3">
-            <a:extLst>
-              <a:ext uri="{FF2B5EF4-FFF2-40B4-BE49-F238E27FC236}">
-                <a16:creationId xmlns:a16="http://schemas.microsoft.com/office/drawing/2014/main" id="{59913B85-3B4F-43D3-A7E9-D06F5E37C6C1}"/>
+          <p:cNvPr id="2" name="Date Placeholder 1">
+            <a:extLst>
+              <a:ext uri="{FF2B5EF4-FFF2-40B4-BE49-F238E27FC236}">
+                <a16:creationId xmlns:a16="http://schemas.microsoft.com/office/drawing/2014/main" id="{17F4FCC4-4604-40D1-9F16-F88324ED8F57}"/>
               </a:ext>
             </a:extLst>
           </p:cNvPr>
@@ -10547,10 +10697,10 @@
       </p:sp>
       <p:sp>
         <p:nvSpPr>
-          <p:cNvPr id="5" name="Footer Placeholder 4">
-            <a:extLst>
-              <a:ext uri="{FF2B5EF4-FFF2-40B4-BE49-F238E27FC236}">
-                <a16:creationId xmlns:a16="http://schemas.microsoft.com/office/drawing/2014/main" id="{C5649577-8229-4DC9-AE82-59C3A5BA0515}"/>
+          <p:cNvPr id="3" name="Footer Placeholder 2">
+            <a:extLst>
+              <a:ext uri="{FF2B5EF4-FFF2-40B4-BE49-F238E27FC236}">
+                <a16:creationId xmlns:a16="http://schemas.microsoft.com/office/drawing/2014/main" id="{390ECFB5-D86A-493C-BE04-56C46A03F928}"/>
               </a:ext>
             </a:extLst>
           </p:cNvPr>
@@ -10567,18 +10717,19 @@
           <a:lstStyle/>
           <a:p>
             <a:r>
-              <a:rPr lang="en-US" dirty="0"/>
+              <a:rPr lang="en-US"/>
               <a:t>Or Sagiv &amp; Etai Sella</a:t>
             </a:r>
-          </a:p>
-        </p:txBody>
-      </p:sp>
-      <p:sp>
-        <p:nvSpPr>
-          <p:cNvPr id="6" name="Slide Number Placeholder 5">
-            <a:extLst>
-              <a:ext uri="{FF2B5EF4-FFF2-40B4-BE49-F238E27FC236}">
-                <a16:creationId xmlns:a16="http://schemas.microsoft.com/office/drawing/2014/main" id="{1B57282B-C25D-48B2-A667-C1D467EB1137}"/>
+            <a:endParaRPr lang="en-US" dirty="0"/>
+          </a:p>
+        </p:txBody>
+      </p:sp>
+      <p:sp>
+        <p:nvSpPr>
+          <p:cNvPr id="4" name="Slide Number Placeholder 3">
+            <a:extLst>
+              <a:ext uri="{FF2B5EF4-FFF2-40B4-BE49-F238E27FC236}">
+                <a16:creationId xmlns:a16="http://schemas.microsoft.com/office/drawing/2014/main" id="{34B1658B-2A38-4339-AD04-15960337C0A3}"/>
               </a:ext>
             </a:extLst>
           </p:cNvPr>
@@ -10602,10 +10753,3154 @@
           </a:p>
         </p:txBody>
       </p:sp>
+      <p:sp>
+        <p:nvSpPr>
+          <p:cNvPr id="5" name="Content Placeholder 4">
+            <a:extLst>
+              <a:ext uri="{FF2B5EF4-FFF2-40B4-BE49-F238E27FC236}">
+                <a16:creationId xmlns:a16="http://schemas.microsoft.com/office/drawing/2014/main" id="{D692A99E-EB4E-41A4-A607-9B3A99A7979C}"/>
+              </a:ext>
+            </a:extLst>
+          </p:cNvPr>
+          <p:cNvSpPr>
+            <a:spLocks noGrp="1"/>
+          </p:cNvSpPr>
+          <p:nvPr>
+            <p:ph idx="1"/>
+          </p:nvPr>
+        </p:nvSpPr>
+        <p:spPr/>
+        <p:txBody>
+          <a:bodyPr/>
+          <a:lstStyle/>
+          <a:p>
+            <a:r>
+              <a:rPr lang="en-US" dirty="0"/>
+              <a:t>To test AR’s transferability and make use of its low latency we built our own custom tracker and applied AR to it.</a:t>
+            </a:r>
+          </a:p>
+          <a:p>
+            <a:endParaRPr lang="en-US" dirty="0"/>
+          </a:p>
+          <a:p>
+            <a:r>
+              <a:rPr lang="en-US" dirty="0"/>
+              <a:t>Our tracker is made up of two core components:</a:t>
+            </a:r>
+          </a:p>
+          <a:p>
+            <a:pPr marL="914400" lvl="1" indent="-457200">
+              <a:buAutoNum type="arabicParenR"/>
+            </a:pPr>
+            <a:r>
+              <a:rPr lang="en-US" dirty="0"/>
+              <a:t>Particle Filter</a:t>
+            </a:r>
+          </a:p>
+          <a:p>
+            <a:pPr marL="914400" lvl="1" indent="-457200">
+              <a:buAutoNum type="arabicParenR"/>
+            </a:pPr>
+            <a:r>
+              <a:rPr lang="en-US" dirty="0"/>
+              <a:t>“Edge Preserving” State Update</a:t>
+            </a:r>
+          </a:p>
+        </p:txBody>
+      </p:sp>
+      <p:sp>
+        <p:nvSpPr>
+          <p:cNvPr id="6" name="Title 5">
+            <a:extLst>
+              <a:ext uri="{FF2B5EF4-FFF2-40B4-BE49-F238E27FC236}">
+                <a16:creationId xmlns:a16="http://schemas.microsoft.com/office/drawing/2014/main" id="{E9E4C79A-08FA-4D88-949A-AE7B6340D376}"/>
+              </a:ext>
+            </a:extLst>
+          </p:cNvPr>
+          <p:cNvSpPr>
+            <a:spLocks noGrp="1"/>
+          </p:cNvSpPr>
+          <p:nvPr>
+            <p:ph type="title"/>
+          </p:nvPr>
+        </p:nvSpPr>
+        <p:spPr/>
+        <p:txBody>
+          <a:bodyPr/>
+          <a:lstStyle/>
+          <a:p>
+            <a:r>
+              <a:rPr lang="en-US" dirty="0"/>
+              <a:t>Our Addition – Particle Filter + AR</a:t>
+            </a:r>
+          </a:p>
+        </p:txBody>
+      </p:sp>
     </p:spTree>
     <p:extLst>
       <p:ext uri="{BB962C8B-B14F-4D97-AF65-F5344CB8AC3E}">
-        <p14:creationId xmlns:p14="http://schemas.microsoft.com/office/powerpoint/2010/main" val="3084981542"/>
+        <p14:creationId xmlns:p14="http://schemas.microsoft.com/office/powerpoint/2010/main" val="204841130"/>
+      </p:ext>
+    </p:extLst>
+  </p:cSld>
+  <p:clrMapOvr>
+    <a:masterClrMapping/>
+  </p:clrMapOvr>
+</p:sld>
+</file>
+
+<file path=ppt/slides/slide16.xml><?xml version="1.0" encoding="utf-8"?>
+<p:sld xmlns:a="http://schemas.openxmlformats.org/drawingml/2006/main" xmlns:r="http://schemas.openxmlformats.org/officeDocument/2006/relationships" xmlns:p="http://schemas.openxmlformats.org/presentationml/2006/main">
+  <p:cSld>
+    <p:spTree>
+      <p:nvGrpSpPr>
+        <p:cNvPr id="1" name=""/>
+        <p:cNvGrpSpPr/>
+        <p:nvPr/>
+      </p:nvGrpSpPr>
+      <p:grpSpPr>
+        <a:xfrm>
+          <a:off x="0" y="0"/>
+          <a:ext cx="0" cy="0"/>
+          <a:chOff x="0" y="0"/>
+          <a:chExt cx="0" cy="0"/>
+        </a:xfrm>
+      </p:grpSpPr>
+      <p:sp>
+        <p:nvSpPr>
+          <p:cNvPr id="2" name="Date Placeholder 1">
+            <a:extLst>
+              <a:ext uri="{FF2B5EF4-FFF2-40B4-BE49-F238E27FC236}">
+                <a16:creationId xmlns:a16="http://schemas.microsoft.com/office/drawing/2014/main" id="{17F4FCC4-4604-40D1-9F16-F88324ED8F57}"/>
+              </a:ext>
+            </a:extLst>
+          </p:cNvPr>
+          <p:cNvSpPr>
+            <a:spLocks noGrp="1"/>
+          </p:cNvSpPr>
+          <p:nvPr>
+            <p:ph type="dt" sz="half" idx="10"/>
+          </p:nvPr>
+        </p:nvSpPr>
+        <p:spPr/>
+        <p:txBody>
+          <a:bodyPr/>
+          <a:lstStyle/>
+          <a:p>
+            <a:fld id="{F736EC4A-E5B7-42C2-9943-4D2477F0E2BA}" type="datetime1">
+              <a:rPr lang="en-US" smtClean="0"/>
+              <a:t>2/16/2022</a:t>
+            </a:fld>
+            <a:endParaRPr lang="en-US" dirty="0"/>
+          </a:p>
+        </p:txBody>
+      </p:sp>
+      <p:sp>
+        <p:nvSpPr>
+          <p:cNvPr id="3" name="Footer Placeholder 2">
+            <a:extLst>
+              <a:ext uri="{FF2B5EF4-FFF2-40B4-BE49-F238E27FC236}">
+                <a16:creationId xmlns:a16="http://schemas.microsoft.com/office/drawing/2014/main" id="{390ECFB5-D86A-493C-BE04-56C46A03F928}"/>
+              </a:ext>
+            </a:extLst>
+          </p:cNvPr>
+          <p:cNvSpPr>
+            <a:spLocks noGrp="1"/>
+          </p:cNvSpPr>
+          <p:nvPr>
+            <p:ph type="ftr" sz="quarter" idx="11"/>
+          </p:nvPr>
+        </p:nvSpPr>
+        <p:spPr/>
+        <p:txBody>
+          <a:bodyPr/>
+          <a:lstStyle/>
+          <a:p>
+            <a:r>
+              <a:rPr lang="en-US"/>
+              <a:t>Or Sagiv &amp; Etai Sella</a:t>
+            </a:r>
+            <a:endParaRPr lang="en-US" dirty="0"/>
+          </a:p>
+        </p:txBody>
+      </p:sp>
+      <p:sp>
+        <p:nvSpPr>
+          <p:cNvPr id="4" name="Slide Number Placeholder 3">
+            <a:extLst>
+              <a:ext uri="{FF2B5EF4-FFF2-40B4-BE49-F238E27FC236}">
+                <a16:creationId xmlns:a16="http://schemas.microsoft.com/office/drawing/2014/main" id="{34B1658B-2A38-4339-AD04-15960337C0A3}"/>
+              </a:ext>
+            </a:extLst>
+          </p:cNvPr>
+          <p:cNvSpPr>
+            <a:spLocks noGrp="1"/>
+          </p:cNvSpPr>
+          <p:nvPr>
+            <p:ph type="sldNum" sz="quarter" idx="12"/>
+          </p:nvPr>
+        </p:nvSpPr>
+        <p:spPr/>
+        <p:txBody>
+          <a:bodyPr/>
+          <a:lstStyle/>
+          <a:p>
+            <a:fld id="{C629165E-D59B-453D-B763-34340D7036F6}" type="slidenum">
+              <a:rPr lang="en-US" smtClean="0"/>
+              <a:t>16</a:t>
+            </a:fld>
+            <a:endParaRPr lang="en-US" dirty="0"/>
+          </a:p>
+        </p:txBody>
+      </p:sp>
+      <p:sp>
+        <p:nvSpPr>
+          <p:cNvPr id="5" name="Content Placeholder 4">
+            <a:extLst>
+              <a:ext uri="{FF2B5EF4-FFF2-40B4-BE49-F238E27FC236}">
+                <a16:creationId xmlns:a16="http://schemas.microsoft.com/office/drawing/2014/main" id="{D692A99E-EB4E-41A4-A607-9B3A99A7979C}"/>
+              </a:ext>
+            </a:extLst>
+          </p:cNvPr>
+          <p:cNvSpPr>
+            <a:spLocks noGrp="1"/>
+          </p:cNvSpPr>
+          <p:nvPr>
+            <p:ph idx="1"/>
+          </p:nvPr>
+        </p:nvSpPr>
+        <p:spPr/>
+        <p:txBody>
+          <a:bodyPr>
+            <a:normAutofit fontScale="92500" lnSpcReduction="10000"/>
+          </a:bodyPr>
+          <a:lstStyle/>
+          <a:p>
+            <a:r>
+              <a:rPr lang="en-US" dirty="0"/>
+              <a:t>Particle filter is a technique for estimating the state of a dynamic system</a:t>
+            </a:r>
+          </a:p>
+          <a:p>
+            <a:endParaRPr lang="en-US" dirty="0"/>
+          </a:p>
+          <a:p>
+            <a:r>
+              <a:rPr lang="en-US" dirty="0"/>
+              <a:t>It is based making multiple guesses about the system’s state – </a:t>
+            </a:r>
+            <a:r>
+              <a:rPr lang="en-US" b="1" dirty="0"/>
+              <a:t>particles</a:t>
+            </a:r>
+          </a:p>
+          <a:p>
+            <a:endParaRPr lang="en-US" b="1" dirty="0"/>
+          </a:p>
+          <a:p>
+            <a:r>
+              <a:rPr lang="en-US" dirty="0"/>
+              <a:t>At each step the guesses are evaluated and updated according to former particles </a:t>
+            </a:r>
+          </a:p>
+          <a:p>
+            <a:endParaRPr lang="en-US" dirty="0"/>
+          </a:p>
+          <a:p>
+            <a:r>
+              <a:rPr lang="en-US" dirty="0"/>
+              <a:t>Particles which agree with observations get more weight, and have a bigger effect on future particles</a:t>
+            </a:r>
+          </a:p>
+        </p:txBody>
+      </p:sp>
+      <p:sp>
+        <p:nvSpPr>
+          <p:cNvPr id="6" name="Title 5">
+            <a:extLst>
+              <a:ext uri="{FF2B5EF4-FFF2-40B4-BE49-F238E27FC236}">
+                <a16:creationId xmlns:a16="http://schemas.microsoft.com/office/drawing/2014/main" id="{E9E4C79A-08FA-4D88-949A-AE7B6340D376}"/>
+              </a:ext>
+            </a:extLst>
+          </p:cNvPr>
+          <p:cNvSpPr>
+            <a:spLocks noGrp="1"/>
+          </p:cNvSpPr>
+          <p:nvPr>
+            <p:ph type="title"/>
+          </p:nvPr>
+        </p:nvSpPr>
+        <p:spPr/>
+        <p:txBody>
+          <a:bodyPr/>
+          <a:lstStyle/>
+          <a:p>
+            <a:r>
+              <a:rPr lang="en-US" dirty="0"/>
+              <a:t>Particle Filter</a:t>
+            </a:r>
+          </a:p>
+        </p:txBody>
+      </p:sp>
+    </p:spTree>
+    <p:extLst>
+      <p:ext uri="{BB962C8B-B14F-4D97-AF65-F5344CB8AC3E}">
+        <p14:creationId xmlns:p14="http://schemas.microsoft.com/office/powerpoint/2010/main" val="616361245"/>
+      </p:ext>
+    </p:extLst>
+  </p:cSld>
+  <p:clrMapOvr>
+    <a:masterClrMapping/>
+  </p:clrMapOvr>
+</p:sld>
+</file>
+
+<file path=ppt/slides/slide17.xml><?xml version="1.0" encoding="utf-8"?>
+<p:sld xmlns:a="http://schemas.openxmlformats.org/drawingml/2006/main" xmlns:r="http://schemas.openxmlformats.org/officeDocument/2006/relationships" xmlns:p="http://schemas.openxmlformats.org/presentationml/2006/main">
+  <p:cSld>
+    <p:spTree>
+      <p:nvGrpSpPr>
+        <p:cNvPr id="1" name=""/>
+        <p:cNvGrpSpPr/>
+        <p:nvPr/>
+      </p:nvGrpSpPr>
+      <p:grpSpPr>
+        <a:xfrm>
+          <a:off x="0" y="0"/>
+          <a:ext cx="0" cy="0"/>
+          <a:chOff x="0" y="0"/>
+          <a:chExt cx="0" cy="0"/>
+        </a:xfrm>
+      </p:grpSpPr>
+      <p:sp>
+        <p:nvSpPr>
+          <p:cNvPr id="2" name="Date Placeholder 1">
+            <a:extLst>
+              <a:ext uri="{FF2B5EF4-FFF2-40B4-BE49-F238E27FC236}">
+                <a16:creationId xmlns:a16="http://schemas.microsoft.com/office/drawing/2014/main" id="{17F4FCC4-4604-40D1-9F16-F88324ED8F57}"/>
+              </a:ext>
+            </a:extLst>
+          </p:cNvPr>
+          <p:cNvSpPr>
+            <a:spLocks noGrp="1"/>
+          </p:cNvSpPr>
+          <p:nvPr>
+            <p:ph type="dt" sz="half" idx="10"/>
+          </p:nvPr>
+        </p:nvSpPr>
+        <p:spPr/>
+        <p:txBody>
+          <a:bodyPr/>
+          <a:lstStyle/>
+          <a:p>
+            <a:fld id="{F736EC4A-E5B7-42C2-9943-4D2477F0E2BA}" type="datetime1">
+              <a:rPr lang="en-US" smtClean="0"/>
+              <a:t>2/16/2022</a:t>
+            </a:fld>
+            <a:endParaRPr lang="en-US" dirty="0"/>
+          </a:p>
+        </p:txBody>
+      </p:sp>
+      <p:sp>
+        <p:nvSpPr>
+          <p:cNvPr id="3" name="Footer Placeholder 2">
+            <a:extLst>
+              <a:ext uri="{FF2B5EF4-FFF2-40B4-BE49-F238E27FC236}">
+                <a16:creationId xmlns:a16="http://schemas.microsoft.com/office/drawing/2014/main" id="{390ECFB5-D86A-493C-BE04-56C46A03F928}"/>
+              </a:ext>
+            </a:extLst>
+          </p:cNvPr>
+          <p:cNvSpPr>
+            <a:spLocks noGrp="1"/>
+          </p:cNvSpPr>
+          <p:nvPr>
+            <p:ph type="ftr" sz="quarter" idx="11"/>
+          </p:nvPr>
+        </p:nvSpPr>
+        <p:spPr/>
+        <p:txBody>
+          <a:bodyPr/>
+          <a:lstStyle/>
+          <a:p>
+            <a:r>
+              <a:rPr lang="en-US"/>
+              <a:t>Or Sagiv &amp; Etai Sella</a:t>
+            </a:r>
+            <a:endParaRPr lang="en-US" dirty="0"/>
+          </a:p>
+        </p:txBody>
+      </p:sp>
+      <p:sp>
+        <p:nvSpPr>
+          <p:cNvPr id="4" name="Slide Number Placeholder 3">
+            <a:extLst>
+              <a:ext uri="{FF2B5EF4-FFF2-40B4-BE49-F238E27FC236}">
+                <a16:creationId xmlns:a16="http://schemas.microsoft.com/office/drawing/2014/main" id="{34B1658B-2A38-4339-AD04-15960337C0A3}"/>
+              </a:ext>
+            </a:extLst>
+          </p:cNvPr>
+          <p:cNvSpPr>
+            <a:spLocks noGrp="1"/>
+          </p:cNvSpPr>
+          <p:nvPr>
+            <p:ph type="sldNum" sz="quarter" idx="12"/>
+          </p:nvPr>
+        </p:nvSpPr>
+        <p:spPr/>
+        <p:txBody>
+          <a:bodyPr/>
+          <a:lstStyle/>
+          <a:p>
+            <a:fld id="{C629165E-D59B-453D-B763-34340D7036F6}" type="slidenum">
+              <a:rPr lang="en-US" smtClean="0"/>
+              <a:t>17</a:t>
+            </a:fld>
+            <a:endParaRPr lang="en-US" dirty="0"/>
+          </a:p>
+        </p:txBody>
+      </p:sp>
+      <mc:AlternateContent xmlns:mc="http://schemas.openxmlformats.org/markup-compatibility/2006">
+        <mc:Choice xmlns:a14="http://schemas.microsoft.com/office/drawing/2010/main" Requires="a14">
+          <p:sp>
+            <p:nvSpPr>
+              <p:cNvPr id="5" name="Content Placeholder 4">
+                <a:extLst>
+                  <a:ext uri="{FF2B5EF4-FFF2-40B4-BE49-F238E27FC236}">
+                    <a16:creationId xmlns:a16="http://schemas.microsoft.com/office/drawing/2014/main" id="{D692A99E-EB4E-41A4-A607-9B3A99A7979C}"/>
+                  </a:ext>
+                </a:extLst>
+              </p:cNvPr>
+              <p:cNvSpPr>
+                <a:spLocks noGrp="1"/>
+              </p:cNvSpPr>
+              <p:nvPr>
+                <p:ph idx="1"/>
+              </p:nvPr>
+            </p:nvSpPr>
+            <p:spPr/>
+            <p:txBody>
+              <a:bodyPr/>
+              <a:lstStyle/>
+              <a:p>
+                <a:r>
+                  <a:rPr lang="en-US" dirty="0"/>
+                  <a:t>Assume the target moves according to a motion model, for instance: </a:t>
+                </a:r>
+                <a14:m>
+                  <m:oMath xmlns:m="http://schemas.openxmlformats.org/officeDocument/2006/math">
+                    <m:r>
+                      <a:rPr lang="en-US" b="0" i="1" smtClean="0">
+                        <a:latin typeface="Cambria Math" panose="02040503050406030204" pitchFamily="18" charset="0"/>
+                      </a:rPr>
+                      <m:t>𝑥</m:t>
+                    </m:r>
+                    <m:d>
+                      <m:dPr>
+                        <m:begChr m:val="["/>
+                        <m:endChr m:val="]"/>
+                        <m:ctrlPr>
+                          <a:rPr lang="en-US" b="0" i="1" smtClean="0">
+                            <a:latin typeface="Cambria Math" panose="02040503050406030204" pitchFamily="18" charset="0"/>
+                          </a:rPr>
+                        </m:ctrlPr>
+                      </m:dPr>
+                      <m:e>
+                        <m:r>
+                          <a:rPr lang="en-US" b="0" i="1" smtClean="0">
+                            <a:latin typeface="Cambria Math" panose="02040503050406030204" pitchFamily="18" charset="0"/>
+                          </a:rPr>
+                          <m:t>𝑡</m:t>
+                        </m:r>
+                      </m:e>
+                    </m:d>
+                    <m:r>
+                      <a:rPr lang="en-US" b="0" i="1" smtClean="0">
+                        <a:latin typeface="Cambria Math" panose="02040503050406030204" pitchFamily="18" charset="0"/>
+                      </a:rPr>
+                      <m:t>=</m:t>
+                    </m:r>
+                    <m:r>
+                      <a:rPr lang="en-US" b="0" i="1" smtClean="0">
+                        <a:latin typeface="Cambria Math" panose="02040503050406030204" pitchFamily="18" charset="0"/>
+                      </a:rPr>
+                      <m:t>𝑥</m:t>
+                    </m:r>
+                    <m:d>
+                      <m:dPr>
+                        <m:begChr m:val="["/>
+                        <m:endChr m:val="]"/>
+                        <m:ctrlPr>
+                          <a:rPr lang="en-US" b="0" i="1" smtClean="0">
+                            <a:latin typeface="Cambria Math" panose="02040503050406030204" pitchFamily="18" charset="0"/>
+                          </a:rPr>
+                        </m:ctrlPr>
+                      </m:dPr>
+                      <m:e>
+                        <m:r>
+                          <a:rPr lang="en-US" b="0" i="1" smtClean="0">
+                            <a:latin typeface="Cambria Math" panose="02040503050406030204" pitchFamily="18" charset="0"/>
+                          </a:rPr>
+                          <m:t>𝑡</m:t>
+                        </m:r>
+                        <m:r>
+                          <a:rPr lang="en-US" b="0" i="1" smtClean="0">
+                            <a:latin typeface="Cambria Math" panose="02040503050406030204" pitchFamily="18" charset="0"/>
+                          </a:rPr>
+                          <m:t>−</m:t>
+                        </m:r>
+                        <m:r>
+                          <a:rPr lang="en-US" b="0" i="1" smtClean="0">
+                            <a:latin typeface="Cambria Math" panose="02040503050406030204" pitchFamily="18" charset="0"/>
+                          </a:rPr>
+                          <m:t>1</m:t>
+                        </m:r>
+                      </m:e>
+                    </m:d>
+                    <m:r>
+                      <a:rPr lang="en-US" b="0" i="1" smtClean="0">
+                        <a:latin typeface="Cambria Math" panose="02040503050406030204" pitchFamily="18" charset="0"/>
+                      </a:rPr>
+                      <m:t>+</m:t>
+                    </m:r>
+                    <m:r>
+                      <a:rPr lang="en-US" b="0" i="1" smtClean="0">
+                        <a:latin typeface="Cambria Math" panose="02040503050406030204" pitchFamily="18" charset="0"/>
+                      </a:rPr>
+                      <m:t>𝑣</m:t>
+                    </m:r>
+                    <m:r>
+                      <a:rPr lang="en-US" b="0" i="1" smtClean="0">
+                        <a:latin typeface="Cambria Math" panose="02040503050406030204" pitchFamily="18" charset="0"/>
+                      </a:rPr>
+                      <m:t>[</m:t>
+                    </m:r>
+                    <m:r>
+                      <a:rPr lang="en-US" b="0" i="1" smtClean="0">
+                        <a:latin typeface="Cambria Math" panose="02040503050406030204" pitchFamily="18" charset="0"/>
+                      </a:rPr>
+                      <m:t>𝑡</m:t>
+                    </m:r>
+                    <m:r>
+                      <a:rPr lang="en-US" b="0" i="1" smtClean="0">
+                        <a:latin typeface="Cambria Math" panose="02040503050406030204" pitchFamily="18" charset="0"/>
+                      </a:rPr>
+                      <m:t>−</m:t>
+                    </m:r>
+                    <m:r>
+                      <a:rPr lang="en-US" b="0" i="1" smtClean="0">
+                        <a:latin typeface="Cambria Math" panose="02040503050406030204" pitchFamily="18" charset="0"/>
+                      </a:rPr>
+                      <m:t>1</m:t>
+                    </m:r>
+                    <m:r>
+                      <a:rPr lang="en-US" b="0" i="1" smtClean="0">
+                        <a:latin typeface="Cambria Math" panose="02040503050406030204" pitchFamily="18" charset="0"/>
+                      </a:rPr>
+                      <m:t>]</m:t>
+                    </m:r>
+                  </m:oMath>
+                </a14:m>
+                <a:r>
+                  <a:rPr lang="en-US" dirty="0"/>
+                  <a:t> </a:t>
+                </a:r>
+              </a:p>
+              <a:p>
+                <a:r>
+                  <a:rPr lang="en-US" dirty="0"/>
+                  <a:t>Define a “state” for the object, for instance </a:t>
+                </a:r>
+                <a14:m>
+                  <m:oMath xmlns:m="http://schemas.openxmlformats.org/officeDocument/2006/math">
+                    <m:r>
+                      <a:rPr lang="en-US" b="0" i="1" smtClean="0">
+                        <a:latin typeface="Cambria Math" panose="02040503050406030204" pitchFamily="18" charset="0"/>
+                      </a:rPr>
+                      <m:t>[</m:t>
+                    </m:r>
+                    <m:r>
+                      <a:rPr lang="en-US" b="0" i="1" smtClean="0">
+                        <a:latin typeface="Cambria Math" panose="02040503050406030204" pitchFamily="18" charset="0"/>
+                      </a:rPr>
+                      <m:t>𝑥</m:t>
+                    </m:r>
+                    <m:r>
+                      <a:rPr lang="en-US" b="0" i="1" smtClean="0">
+                        <a:latin typeface="Cambria Math" panose="02040503050406030204" pitchFamily="18" charset="0"/>
+                      </a:rPr>
+                      <m:t>, </m:t>
+                    </m:r>
+                    <m:r>
+                      <a:rPr lang="en-US" b="0" i="1" smtClean="0">
+                        <a:latin typeface="Cambria Math" panose="02040503050406030204" pitchFamily="18" charset="0"/>
+                      </a:rPr>
+                      <m:t>𝑦</m:t>
+                    </m:r>
+                    <m:r>
+                      <a:rPr lang="en-US" b="0" i="1" smtClean="0">
+                        <a:latin typeface="Cambria Math" panose="02040503050406030204" pitchFamily="18" charset="0"/>
+                      </a:rPr>
+                      <m:t>, </m:t>
+                    </m:r>
+                    <m:sSub>
+                      <m:sSubPr>
+                        <m:ctrlPr>
+                          <a:rPr lang="en-US" b="0" i="1" smtClean="0">
+                            <a:latin typeface="Cambria Math" panose="02040503050406030204" pitchFamily="18" charset="0"/>
+                          </a:rPr>
+                        </m:ctrlPr>
+                      </m:sSubPr>
+                      <m:e>
+                        <m:r>
+                          <a:rPr lang="en-US" b="0" i="1" smtClean="0">
+                            <a:latin typeface="Cambria Math" panose="02040503050406030204" pitchFamily="18" charset="0"/>
+                          </a:rPr>
+                          <m:t>𝑣</m:t>
+                        </m:r>
+                      </m:e>
+                      <m:sub>
+                        <m:r>
+                          <a:rPr lang="en-US" b="0" i="1" smtClean="0">
+                            <a:latin typeface="Cambria Math" panose="02040503050406030204" pitchFamily="18" charset="0"/>
+                          </a:rPr>
+                          <m:t>𝑥</m:t>
+                        </m:r>
+                      </m:sub>
+                    </m:sSub>
+                    <m:r>
+                      <a:rPr lang="en-US" b="0" i="1" smtClean="0">
+                        <a:latin typeface="Cambria Math" panose="02040503050406030204" pitchFamily="18" charset="0"/>
+                      </a:rPr>
+                      <m:t>, </m:t>
+                    </m:r>
+                    <m:sSub>
+                      <m:sSubPr>
+                        <m:ctrlPr>
+                          <a:rPr lang="en-US" b="0" i="1" smtClean="0">
+                            <a:latin typeface="Cambria Math" panose="02040503050406030204" pitchFamily="18" charset="0"/>
+                          </a:rPr>
+                        </m:ctrlPr>
+                      </m:sSubPr>
+                      <m:e>
+                        <m:r>
+                          <a:rPr lang="en-US" b="0" i="1" smtClean="0">
+                            <a:latin typeface="Cambria Math" panose="02040503050406030204" pitchFamily="18" charset="0"/>
+                          </a:rPr>
+                          <m:t>𝑣</m:t>
+                        </m:r>
+                      </m:e>
+                      <m:sub>
+                        <m:r>
+                          <a:rPr lang="en-US" b="0" i="1" smtClean="0">
+                            <a:latin typeface="Cambria Math" panose="02040503050406030204" pitchFamily="18" charset="0"/>
+                          </a:rPr>
+                          <m:t>𝑦</m:t>
+                        </m:r>
+                      </m:sub>
+                    </m:sSub>
+                    <m:r>
+                      <a:rPr lang="en-US" b="0" i="1" smtClean="0">
+                        <a:latin typeface="Cambria Math" panose="02040503050406030204" pitchFamily="18" charset="0"/>
+                      </a:rPr>
+                      <m:t>, </m:t>
+                    </m:r>
+                    <m:sSub>
+                      <m:sSubPr>
+                        <m:ctrlPr>
+                          <a:rPr lang="en-US" b="0" i="1" smtClean="0">
+                            <a:latin typeface="Cambria Math" panose="02040503050406030204" pitchFamily="18" charset="0"/>
+                          </a:rPr>
+                        </m:ctrlPr>
+                      </m:sSubPr>
+                      <m:e>
+                        <m:r>
+                          <a:rPr lang="en-US" b="0" i="1" smtClean="0">
+                            <a:latin typeface="Cambria Math" panose="02040503050406030204" pitchFamily="18" charset="0"/>
+                          </a:rPr>
+                          <m:t>𝑤</m:t>
+                        </m:r>
+                      </m:e>
+                      <m:sub>
+                        <m:r>
+                          <a:rPr lang="en-US" b="0" i="1" smtClean="0">
+                            <a:latin typeface="Cambria Math" panose="02040503050406030204" pitchFamily="18" charset="0"/>
+                          </a:rPr>
+                          <m:t>𝑏𝑜𝑥</m:t>
+                        </m:r>
+                      </m:sub>
+                    </m:sSub>
+                    <m:r>
+                      <a:rPr lang="en-US" b="0" i="1" smtClean="0">
+                        <a:latin typeface="Cambria Math" panose="02040503050406030204" pitchFamily="18" charset="0"/>
+                      </a:rPr>
+                      <m:t>, </m:t>
+                    </m:r>
+                    <m:sSub>
+                      <m:sSubPr>
+                        <m:ctrlPr>
+                          <a:rPr lang="en-US" b="0" i="1" smtClean="0">
+                            <a:latin typeface="Cambria Math" panose="02040503050406030204" pitchFamily="18" charset="0"/>
+                          </a:rPr>
+                        </m:ctrlPr>
+                      </m:sSubPr>
+                      <m:e>
+                        <m:r>
+                          <a:rPr lang="en-US" b="0" i="1" smtClean="0">
+                            <a:latin typeface="Cambria Math" panose="02040503050406030204" pitchFamily="18" charset="0"/>
+                          </a:rPr>
+                          <m:t>h</m:t>
+                        </m:r>
+                      </m:e>
+                      <m:sub>
+                        <m:r>
+                          <a:rPr lang="en-US" b="0" i="1" smtClean="0">
+                            <a:latin typeface="Cambria Math" panose="02040503050406030204" pitchFamily="18" charset="0"/>
+                          </a:rPr>
+                          <m:t>𝑏𝑜𝑥</m:t>
+                        </m:r>
+                      </m:sub>
+                    </m:sSub>
+                    <m:r>
+                      <a:rPr lang="en-US" b="0" i="1" smtClean="0">
+                        <a:latin typeface="Cambria Math" panose="02040503050406030204" pitchFamily="18" charset="0"/>
+                      </a:rPr>
+                      <m:t>]</m:t>
+                    </m:r>
+                  </m:oMath>
+                </a14:m>
+                <a:endParaRPr lang="en-US" dirty="0"/>
+              </a:p>
+              <a:p>
+                <a:r>
+                  <a:rPr lang="en-US" dirty="0"/>
+                  <a:t>At each frame:</a:t>
+                </a:r>
+              </a:p>
+              <a:p>
+                <a:pPr marL="914400" lvl="1" indent="-457200">
+                  <a:buAutoNum type="arabicParenR"/>
+                </a:pPr>
+                <a:r>
+                  <a:rPr lang="en-US" dirty="0"/>
+                  <a:t>Predict object states (particles) according to motion model + noise and the former particles.</a:t>
+                </a:r>
+              </a:p>
+              <a:p>
+                <a:pPr marL="914400" lvl="1" indent="-457200">
+                  <a:buAutoNum type="arabicParenR"/>
+                </a:pPr>
+                <a:r>
+                  <a:rPr lang="en-US" dirty="0"/>
+                  <a:t>Give particles that fit the GT well a large weight</a:t>
+                </a:r>
+              </a:p>
+              <a:p>
+                <a:pPr marL="914400" lvl="1" indent="-457200">
+                  <a:buAutoNum type="arabicParenR"/>
+                </a:pPr>
+                <a:r>
+                  <a:rPr lang="en-US" dirty="0"/>
+                  <a:t>Sample the particles according to their weight to calculate new state.</a:t>
+                </a:r>
+              </a:p>
+            </p:txBody>
+          </p:sp>
+        </mc:Choice>
+        <mc:Fallback>
+          <p:sp>
+            <p:nvSpPr>
+              <p:cNvPr id="5" name="Content Placeholder 4">
+                <a:extLst>
+                  <a:ext uri="{FF2B5EF4-FFF2-40B4-BE49-F238E27FC236}">
+                    <a16:creationId xmlns:a16="http://schemas.microsoft.com/office/drawing/2014/main" id="{D692A99E-EB4E-41A4-A607-9B3A99A7979C}"/>
+                  </a:ext>
+                </a:extLst>
+              </p:cNvPr>
+              <p:cNvSpPr>
+                <a:spLocks noGrp="1" noRot="1" noChangeAspect="1" noMove="1" noResize="1" noEditPoints="1" noAdjustHandles="1" noChangeArrowheads="1" noChangeShapeType="1" noTextEdit="1"/>
+              </p:cNvSpPr>
+              <p:nvPr>
+                <p:ph idx="1"/>
+              </p:nvPr>
+            </p:nvSpPr>
+            <p:spPr>
+              <a:blipFill>
+                <a:blip r:embed="rId2"/>
+                <a:stretch>
+                  <a:fillRect l="-1017" t="-2464"/>
+                </a:stretch>
+              </a:blipFill>
+            </p:spPr>
+            <p:txBody>
+              <a:bodyPr/>
+              <a:lstStyle/>
+              <a:p>
+                <a:r>
+                  <a:rPr lang="en-US">
+                    <a:noFill/>
+                  </a:rPr>
+                  <a:t> </a:t>
+                </a:r>
+              </a:p>
+            </p:txBody>
+          </p:sp>
+        </mc:Fallback>
+      </mc:AlternateContent>
+      <p:sp>
+        <p:nvSpPr>
+          <p:cNvPr id="6" name="Title 5">
+            <a:extLst>
+              <a:ext uri="{FF2B5EF4-FFF2-40B4-BE49-F238E27FC236}">
+                <a16:creationId xmlns:a16="http://schemas.microsoft.com/office/drawing/2014/main" id="{E9E4C79A-08FA-4D88-949A-AE7B6340D376}"/>
+              </a:ext>
+            </a:extLst>
+          </p:cNvPr>
+          <p:cNvSpPr>
+            <a:spLocks noGrp="1"/>
+          </p:cNvSpPr>
+          <p:nvPr>
+            <p:ph type="title"/>
+          </p:nvPr>
+        </p:nvSpPr>
+        <p:spPr/>
+        <p:txBody>
+          <a:bodyPr/>
+          <a:lstStyle/>
+          <a:p>
+            <a:r>
+              <a:rPr lang="en-US" dirty="0"/>
+              <a:t>Particle Filter</a:t>
+            </a:r>
+          </a:p>
+        </p:txBody>
+      </p:sp>
+    </p:spTree>
+    <p:extLst>
+      <p:ext uri="{BB962C8B-B14F-4D97-AF65-F5344CB8AC3E}">
+        <p14:creationId xmlns:p14="http://schemas.microsoft.com/office/powerpoint/2010/main" val="273299825"/>
+      </p:ext>
+    </p:extLst>
+  </p:cSld>
+  <p:clrMapOvr>
+    <a:masterClrMapping/>
+  </p:clrMapOvr>
+</p:sld>
+</file>
+
+<file path=ppt/slides/slide18.xml><?xml version="1.0" encoding="utf-8"?>
+<p:sld xmlns:a="http://schemas.openxmlformats.org/drawingml/2006/main" xmlns:r="http://schemas.openxmlformats.org/officeDocument/2006/relationships" xmlns:p="http://schemas.openxmlformats.org/presentationml/2006/main">
+  <p:cSld>
+    <p:spTree>
+      <p:nvGrpSpPr>
+        <p:cNvPr id="1" name=""/>
+        <p:cNvGrpSpPr/>
+        <p:nvPr/>
+      </p:nvGrpSpPr>
+      <p:grpSpPr>
+        <a:xfrm>
+          <a:off x="0" y="0"/>
+          <a:ext cx="0" cy="0"/>
+          <a:chOff x="0" y="0"/>
+          <a:chExt cx="0" cy="0"/>
+        </a:xfrm>
+      </p:grpSpPr>
+      <p:pic>
+        <p:nvPicPr>
+          <p:cNvPr id="49" name="Content Placeholder 7" descr="A picture containing building, outdoor, outdoor object&#10;&#10;Description automatically generated">
+            <a:extLst>
+              <a:ext uri="{FF2B5EF4-FFF2-40B4-BE49-F238E27FC236}">
+                <a16:creationId xmlns:a16="http://schemas.microsoft.com/office/drawing/2014/main" id="{1B8866DF-FACF-4E14-8680-BA2E9DCD645E}"/>
+              </a:ext>
+            </a:extLst>
+          </p:cNvPr>
+          <p:cNvPicPr>
+            <a:picLocks noChangeAspect="1"/>
+          </p:cNvPicPr>
+          <p:nvPr/>
+        </p:nvPicPr>
+        <p:blipFill>
+          <a:blip r:embed="rId3">
+            <a:extLst>
+              <a:ext uri="{28A0092B-C50C-407E-A947-70E740481C1C}">
+                <a14:useLocalDpi xmlns:a14="http://schemas.microsoft.com/office/drawing/2010/main" val="0"/>
+              </a:ext>
+            </a:extLst>
+          </a:blip>
+          <a:stretch>
+            <a:fillRect/>
+          </a:stretch>
+        </p:blipFill>
+        <p:spPr>
+          <a:xfrm>
+            <a:off x="1351766" y="2548788"/>
+            <a:ext cx="3876676" cy="3171826"/>
+          </a:xfrm>
+          <a:prstGeom prst="rect">
+            <a:avLst/>
+          </a:prstGeom>
+          <a:ln>
+            <a:noFill/>
+          </a:ln>
+        </p:spPr>
+      </p:pic>
+      <p:sp>
+        <p:nvSpPr>
+          <p:cNvPr id="2" name="Date Placeholder 1">
+            <a:extLst>
+              <a:ext uri="{FF2B5EF4-FFF2-40B4-BE49-F238E27FC236}">
+                <a16:creationId xmlns:a16="http://schemas.microsoft.com/office/drawing/2014/main" id="{8AABA0BB-0402-4373-859D-6F13BC460170}"/>
+              </a:ext>
+            </a:extLst>
+          </p:cNvPr>
+          <p:cNvSpPr>
+            <a:spLocks noGrp="1"/>
+          </p:cNvSpPr>
+          <p:nvPr>
+            <p:ph type="dt" sz="half" idx="10"/>
+          </p:nvPr>
+        </p:nvSpPr>
+        <p:spPr/>
+        <p:txBody>
+          <a:bodyPr/>
+          <a:lstStyle/>
+          <a:p>
+            <a:fld id="{F736EC4A-E5B7-42C2-9943-4D2477F0E2BA}" type="datetime1">
+              <a:rPr lang="en-US" smtClean="0"/>
+              <a:t>2/16/2022</a:t>
+            </a:fld>
+            <a:endParaRPr lang="en-US" dirty="0"/>
+          </a:p>
+        </p:txBody>
+      </p:sp>
+      <p:sp>
+        <p:nvSpPr>
+          <p:cNvPr id="3" name="Footer Placeholder 2">
+            <a:extLst>
+              <a:ext uri="{FF2B5EF4-FFF2-40B4-BE49-F238E27FC236}">
+                <a16:creationId xmlns:a16="http://schemas.microsoft.com/office/drawing/2014/main" id="{4CA38CF6-425B-4615-A765-9C6F53492D09}"/>
+              </a:ext>
+            </a:extLst>
+          </p:cNvPr>
+          <p:cNvSpPr>
+            <a:spLocks noGrp="1"/>
+          </p:cNvSpPr>
+          <p:nvPr>
+            <p:ph type="ftr" sz="quarter" idx="11"/>
+          </p:nvPr>
+        </p:nvSpPr>
+        <p:spPr/>
+        <p:txBody>
+          <a:bodyPr/>
+          <a:lstStyle/>
+          <a:p>
+            <a:r>
+              <a:rPr lang="en-US"/>
+              <a:t>Or Sagiv &amp; Etai Sella</a:t>
+            </a:r>
+            <a:endParaRPr lang="en-US" dirty="0"/>
+          </a:p>
+        </p:txBody>
+      </p:sp>
+      <p:sp>
+        <p:nvSpPr>
+          <p:cNvPr id="4" name="Slide Number Placeholder 3">
+            <a:extLst>
+              <a:ext uri="{FF2B5EF4-FFF2-40B4-BE49-F238E27FC236}">
+                <a16:creationId xmlns:a16="http://schemas.microsoft.com/office/drawing/2014/main" id="{6C620BA3-F0DC-4BB6-9276-6EBFBDB62FBC}"/>
+              </a:ext>
+            </a:extLst>
+          </p:cNvPr>
+          <p:cNvSpPr>
+            <a:spLocks noGrp="1"/>
+          </p:cNvSpPr>
+          <p:nvPr>
+            <p:ph type="sldNum" sz="quarter" idx="12"/>
+          </p:nvPr>
+        </p:nvSpPr>
+        <p:spPr/>
+        <p:txBody>
+          <a:bodyPr/>
+          <a:lstStyle/>
+          <a:p>
+            <a:fld id="{C629165E-D59B-453D-B763-34340D7036F6}" type="slidenum">
+              <a:rPr lang="en-US" smtClean="0"/>
+              <a:t>18</a:t>
+            </a:fld>
+            <a:endParaRPr lang="en-US" dirty="0"/>
+          </a:p>
+        </p:txBody>
+      </p:sp>
+      <p:pic>
+        <p:nvPicPr>
+          <p:cNvPr id="8" name="Content Placeholder 7" descr="A picture containing building, outdoor, outdoor object&#10;&#10;Description automatically generated">
+            <a:extLst>
+              <a:ext uri="{FF2B5EF4-FFF2-40B4-BE49-F238E27FC236}">
+                <a16:creationId xmlns:a16="http://schemas.microsoft.com/office/drawing/2014/main" id="{E2F3B7F5-A39D-4645-8306-3F42525DCFD4}"/>
+              </a:ext>
+            </a:extLst>
+          </p:cNvPr>
+          <p:cNvPicPr>
+            <a:picLocks noGrp="1" noChangeAspect="1"/>
+          </p:cNvPicPr>
+          <p:nvPr>
+            <p:ph idx="1"/>
+          </p:nvPr>
+        </p:nvPicPr>
+        <p:blipFill>
+          <a:blip r:embed="rId3">
+            <a:extLst>
+              <a:ext uri="{28A0092B-C50C-407E-A947-70E740481C1C}">
+                <a14:useLocalDpi xmlns:a14="http://schemas.microsoft.com/office/drawing/2010/main" val="0"/>
+              </a:ext>
+            </a:extLst>
+          </a:blip>
+          <a:stretch>
+            <a:fillRect/>
+          </a:stretch>
+        </p:blipFill>
+        <p:spPr>
+          <a:xfrm>
+            <a:off x="6923303" y="2548788"/>
+            <a:ext cx="3876676" cy="3171826"/>
+          </a:xfrm>
+        </p:spPr>
+      </p:pic>
+      <p:sp>
+        <p:nvSpPr>
+          <p:cNvPr id="6" name="Title 5">
+            <a:extLst>
+              <a:ext uri="{FF2B5EF4-FFF2-40B4-BE49-F238E27FC236}">
+                <a16:creationId xmlns:a16="http://schemas.microsoft.com/office/drawing/2014/main" id="{5F36854F-5562-4B15-A113-787D0B27EA0F}"/>
+              </a:ext>
+            </a:extLst>
+          </p:cNvPr>
+          <p:cNvSpPr>
+            <a:spLocks noGrp="1"/>
+          </p:cNvSpPr>
+          <p:nvPr>
+            <p:ph type="title"/>
+          </p:nvPr>
+        </p:nvSpPr>
+        <p:spPr/>
+        <p:txBody>
+          <a:bodyPr/>
+          <a:lstStyle/>
+          <a:p>
+            <a:r>
+              <a:rPr lang="en-US" dirty="0"/>
+              <a:t>Particle Filter</a:t>
+            </a:r>
+          </a:p>
+        </p:txBody>
+      </p:sp>
+      <p:sp>
+        <p:nvSpPr>
+          <p:cNvPr id="27" name="TextBox 26">
+            <a:extLst>
+              <a:ext uri="{FF2B5EF4-FFF2-40B4-BE49-F238E27FC236}">
+                <a16:creationId xmlns:a16="http://schemas.microsoft.com/office/drawing/2014/main" id="{BE37F754-9BF4-4086-911B-E78008C2E5AF}"/>
+              </a:ext>
+            </a:extLst>
+          </p:cNvPr>
+          <p:cNvSpPr txBox="1"/>
+          <p:nvPr/>
+        </p:nvSpPr>
+        <p:spPr>
+          <a:xfrm>
+            <a:off x="7585879" y="1847072"/>
+            <a:ext cx="2618394" cy="523220"/>
+          </a:xfrm>
+          <a:prstGeom prst="rect">
+            <a:avLst/>
+          </a:prstGeom>
+          <a:noFill/>
+        </p:spPr>
+        <p:txBody>
+          <a:bodyPr wrap="square" rtlCol="0">
+            <a:spAutoFit/>
+          </a:bodyPr>
+          <a:lstStyle/>
+          <a:p>
+            <a:r>
+              <a:rPr lang="en-US" sz="2800" dirty="0"/>
+              <a:t>Former Particles</a:t>
+            </a:r>
+          </a:p>
+        </p:txBody>
+      </p:sp>
+      <p:sp>
+        <p:nvSpPr>
+          <p:cNvPr id="29" name="Rectangle 28">
+            <a:extLst>
+              <a:ext uri="{FF2B5EF4-FFF2-40B4-BE49-F238E27FC236}">
+                <a16:creationId xmlns:a16="http://schemas.microsoft.com/office/drawing/2014/main" id="{22E32ACF-FC2E-4B73-ACAB-DE76C45B1E31}"/>
+              </a:ext>
+            </a:extLst>
+          </p:cNvPr>
+          <p:cNvSpPr/>
+          <p:nvPr/>
+        </p:nvSpPr>
+        <p:spPr>
+          <a:xfrm>
+            <a:off x="9275975" y="3429000"/>
+            <a:ext cx="507868" cy="775355"/>
+          </a:xfrm>
+          <a:prstGeom prst="rect">
+            <a:avLst/>
+          </a:prstGeom>
+          <a:noFill/>
+          <a:ln w="57150">
+            <a:solidFill>
+              <a:srgbClr val="FFFF00"/>
+            </a:solidFill>
+          </a:ln>
+        </p:spPr>
+        <p:style>
+          <a:lnRef idx="2">
+            <a:schemeClr val="accent1">
+              <a:shade val="50000"/>
+            </a:schemeClr>
+          </a:lnRef>
+          <a:fillRef idx="1">
+            <a:schemeClr val="accent1"/>
+          </a:fillRef>
+          <a:effectRef idx="0">
+            <a:schemeClr val="accent1"/>
+          </a:effectRef>
+          <a:fontRef idx="minor">
+            <a:schemeClr val="lt1"/>
+          </a:fontRef>
+        </p:style>
+        <p:txBody>
+          <a:bodyPr rtlCol="0" anchor="ctr"/>
+          <a:lstStyle/>
+          <a:p>
+            <a:pPr algn="ctr"/>
+            <a:endParaRPr lang="en-US"/>
+          </a:p>
+        </p:txBody>
+      </p:sp>
+      <p:sp>
+        <p:nvSpPr>
+          <p:cNvPr id="30" name="Rectangle 29">
+            <a:extLst>
+              <a:ext uri="{FF2B5EF4-FFF2-40B4-BE49-F238E27FC236}">
+                <a16:creationId xmlns:a16="http://schemas.microsoft.com/office/drawing/2014/main" id="{FD097935-34E7-4684-86C0-033E374FA371}"/>
+              </a:ext>
+            </a:extLst>
+          </p:cNvPr>
+          <p:cNvSpPr/>
+          <p:nvPr/>
+        </p:nvSpPr>
+        <p:spPr>
+          <a:xfrm>
+            <a:off x="9558191" y="3742441"/>
+            <a:ext cx="507868" cy="1096259"/>
+          </a:xfrm>
+          <a:prstGeom prst="rect">
+            <a:avLst/>
+          </a:prstGeom>
+          <a:noFill/>
+          <a:ln w="57150"/>
+        </p:spPr>
+        <p:style>
+          <a:lnRef idx="2">
+            <a:schemeClr val="accent1">
+              <a:shade val="50000"/>
+            </a:schemeClr>
+          </a:lnRef>
+          <a:fillRef idx="1">
+            <a:schemeClr val="accent1"/>
+          </a:fillRef>
+          <a:effectRef idx="0">
+            <a:schemeClr val="accent1"/>
+          </a:effectRef>
+          <a:fontRef idx="minor">
+            <a:schemeClr val="lt1"/>
+          </a:fontRef>
+        </p:style>
+        <p:txBody>
+          <a:bodyPr rtlCol="0" anchor="ctr"/>
+          <a:lstStyle/>
+          <a:p>
+            <a:pPr algn="ctr"/>
+            <a:endParaRPr lang="en-US"/>
+          </a:p>
+        </p:txBody>
+      </p:sp>
+      <p:sp>
+        <p:nvSpPr>
+          <p:cNvPr id="31" name="Rectangle 30">
+            <a:extLst>
+              <a:ext uri="{FF2B5EF4-FFF2-40B4-BE49-F238E27FC236}">
+                <a16:creationId xmlns:a16="http://schemas.microsoft.com/office/drawing/2014/main" id="{02729020-8644-4AB6-B4DF-3E356A46EAC2}"/>
+              </a:ext>
+            </a:extLst>
+          </p:cNvPr>
+          <p:cNvSpPr/>
+          <p:nvPr/>
+        </p:nvSpPr>
+        <p:spPr>
+          <a:xfrm>
+            <a:off x="9313685" y="4574808"/>
+            <a:ext cx="507868" cy="647642"/>
+          </a:xfrm>
+          <a:prstGeom prst="rect">
+            <a:avLst/>
+          </a:prstGeom>
+          <a:noFill/>
+          <a:ln w="57150">
+            <a:solidFill>
+              <a:srgbClr val="FF0000"/>
+            </a:solidFill>
+          </a:ln>
+        </p:spPr>
+        <p:style>
+          <a:lnRef idx="2">
+            <a:schemeClr val="accent1">
+              <a:shade val="50000"/>
+            </a:schemeClr>
+          </a:lnRef>
+          <a:fillRef idx="1">
+            <a:schemeClr val="accent1"/>
+          </a:fillRef>
+          <a:effectRef idx="0">
+            <a:schemeClr val="accent1"/>
+          </a:effectRef>
+          <a:fontRef idx="minor">
+            <a:schemeClr val="lt1"/>
+          </a:fontRef>
+        </p:style>
+        <p:txBody>
+          <a:bodyPr rtlCol="0" anchor="ctr"/>
+          <a:lstStyle/>
+          <a:p>
+            <a:pPr algn="ctr"/>
+            <a:endParaRPr lang="en-US"/>
+          </a:p>
+        </p:txBody>
+      </p:sp>
+      <p:sp>
+        <p:nvSpPr>
+          <p:cNvPr id="32" name="Rectangle 31">
+            <a:extLst>
+              <a:ext uri="{FF2B5EF4-FFF2-40B4-BE49-F238E27FC236}">
+                <a16:creationId xmlns:a16="http://schemas.microsoft.com/office/drawing/2014/main" id="{93D13754-9665-4D4A-97CC-BE2AD9413005}"/>
+              </a:ext>
+            </a:extLst>
+          </p:cNvPr>
+          <p:cNvSpPr/>
+          <p:nvPr/>
+        </p:nvSpPr>
+        <p:spPr>
+          <a:xfrm>
+            <a:off x="8895076" y="4451023"/>
+            <a:ext cx="507868" cy="647642"/>
+          </a:xfrm>
+          <a:prstGeom prst="rect">
+            <a:avLst/>
+          </a:prstGeom>
+          <a:noFill/>
+          <a:ln w="57150">
+            <a:solidFill>
+              <a:schemeClr val="accent2">
+                <a:lumMod val="75000"/>
+              </a:schemeClr>
+            </a:solidFill>
+          </a:ln>
+        </p:spPr>
+        <p:style>
+          <a:lnRef idx="2">
+            <a:schemeClr val="accent1">
+              <a:shade val="50000"/>
+            </a:schemeClr>
+          </a:lnRef>
+          <a:fillRef idx="1">
+            <a:schemeClr val="accent1"/>
+          </a:fillRef>
+          <a:effectRef idx="0">
+            <a:schemeClr val="accent1"/>
+          </a:effectRef>
+          <a:fontRef idx="minor">
+            <a:schemeClr val="lt1"/>
+          </a:fontRef>
+        </p:style>
+        <p:txBody>
+          <a:bodyPr rtlCol="0" anchor="ctr"/>
+          <a:lstStyle/>
+          <a:p>
+            <a:pPr algn="ctr"/>
+            <a:endParaRPr lang="en-US"/>
+          </a:p>
+        </p:txBody>
+      </p:sp>
+      <p:cxnSp>
+        <p:nvCxnSpPr>
+          <p:cNvPr id="34" name="Straight Arrow Connector 33">
+            <a:extLst>
+              <a:ext uri="{FF2B5EF4-FFF2-40B4-BE49-F238E27FC236}">
+                <a16:creationId xmlns:a16="http://schemas.microsoft.com/office/drawing/2014/main" id="{A8E333AC-CD0D-459D-B8C4-BA09C91EC38A}"/>
+              </a:ext>
+            </a:extLst>
+          </p:cNvPr>
+          <p:cNvCxnSpPr/>
+          <p:nvPr/>
+        </p:nvCxnSpPr>
+        <p:spPr>
+          <a:xfrm flipH="1">
+            <a:off x="9078012" y="3742441"/>
+            <a:ext cx="414190" cy="188536"/>
+          </a:xfrm>
+          <a:prstGeom prst="straightConnector1">
+            <a:avLst/>
+          </a:prstGeom>
+          <a:ln w="28575">
+            <a:solidFill>
+              <a:srgbClr val="FFFF00"/>
+            </a:solidFill>
+            <a:tailEnd type="triangle"/>
+          </a:ln>
+        </p:spPr>
+        <p:style>
+          <a:lnRef idx="1">
+            <a:schemeClr val="accent1"/>
+          </a:lnRef>
+          <a:fillRef idx="0">
+            <a:schemeClr val="accent1"/>
+          </a:fillRef>
+          <a:effectRef idx="0">
+            <a:schemeClr val="accent1"/>
+          </a:effectRef>
+          <a:fontRef idx="minor">
+            <a:schemeClr val="tx1"/>
+          </a:fontRef>
+        </p:style>
+      </p:cxnSp>
+      <p:cxnSp>
+        <p:nvCxnSpPr>
+          <p:cNvPr id="35" name="Straight Arrow Connector 34">
+            <a:extLst>
+              <a:ext uri="{FF2B5EF4-FFF2-40B4-BE49-F238E27FC236}">
+                <a16:creationId xmlns:a16="http://schemas.microsoft.com/office/drawing/2014/main" id="{41E3C2EE-D594-4CB8-B017-D9343A2C6F3D}"/>
+              </a:ext>
+            </a:extLst>
+          </p:cNvPr>
+          <p:cNvCxnSpPr>
+            <a:cxnSpLocks/>
+          </p:cNvCxnSpPr>
+          <p:nvPr/>
+        </p:nvCxnSpPr>
+        <p:spPr>
+          <a:xfrm flipH="1">
+            <a:off x="9379674" y="4295541"/>
+            <a:ext cx="441881" cy="12901"/>
+          </a:xfrm>
+          <a:prstGeom prst="straightConnector1">
+            <a:avLst/>
+          </a:prstGeom>
+          <a:ln w="28575">
+            <a:solidFill>
+              <a:srgbClr val="0070C0"/>
+            </a:solidFill>
+            <a:tailEnd type="triangle"/>
+          </a:ln>
+        </p:spPr>
+        <p:style>
+          <a:lnRef idx="1">
+            <a:schemeClr val="accent1"/>
+          </a:lnRef>
+          <a:fillRef idx="0">
+            <a:schemeClr val="accent1"/>
+          </a:fillRef>
+          <a:effectRef idx="0">
+            <a:schemeClr val="accent1"/>
+          </a:effectRef>
+          <a:fontRef idx="minor">
+            <a:schemeClr val="tx1"/>
+          </a:fontRef>
+        </p:style>
+      </p:cxnSp>
+      <p:cxnSp>
+        <p:nvCxnSpPr>
+          <p:cNvPr id="38" name="Straight Arrow Connector 37">
+            <a:extLst>
+              <a:ext uri="{FF2B5EF4-FFF2-40B4-BE49-F238E27FC236}">
+                <a16:creationId xmlns:a16="http://schemas.microsoft.com/office/drawing/2014/main" id="{1C75A3B6-BFC2-4CD2-A4B8-40E53C0DA916}"/>
+              </a:ext>
+            </a:extLst>
+          </p:cNvPr>
+          <p:cNvCxnSpPr>
+            <a:cxnSpLocks/>
+          </p:cNvCxnSpPr>
+          <p:nvPr/>
+        </p:nvCxnSpPr>
+        <p:spPr>
+          <a:xfrm flipH="1">
+            <a:off x="9038542" y="4744432"/>
+            <a:ext cx="110468" cy="177117"/>
+          </a:xfrm>
+          <a:prstGeom prst="straightConnector1">
+            <a:avLst/>
+          </a:prstGeom>
+          <a:ln w="28575">
+            <a:solidFill>
+              <a:schemeClr val="accent2">
+                <a:lumMod val="75000"/>
+              </a:schemeClr>
+            </a:solidFill>
+            <a:tailEnd type="triangle"/>
+          </a:ln>
+        </p:spPr>
+        <p:style>
+          <a:lnRef idx="1">
+            <a:schemeClr val="accent1"/>
+          </a:lnRef>
+          <a:fillRef idx="0">
+            <a:schemeClr val="accent1"/>
+          </a:fillRef>
+          <a:effectRef idx="0">
+            <a:schemeClr val="accent1"/>
+          </a:effectRef>
+          <a:fontRef idx="minor">
+            <a:schemeClr val="tx1"/>
+          </a:fontRef>
+        </p:style>
+      </p:cxnSp>
+      <p:cxnSp>
+        <p:nvCxnSpPr>
+          <p:cNvPr id="41" name="Straight Arrow Connector 40">
+            <a:extLst>
+              <a:ext uri="{FF2B5EF4-FFF2-40B4-BE49-F238E27FC236}">
+                <a16:creationId xmlns:a16="http://schemas.microsoft.com/office/drawing/2014/main" id="{1095EC39-26BD-473D-B412-E52922899A2D}"/>
+              </a:ext>
+            </a:extLst>
+          </p:cNvPr>
+          <p:cNvCxnSpPr>
+            <a:cxnSpLocks/>
+          </p:cNvCxnSpPr>
+          <p:nvPr/>
+        </p:nvCxnSpPr>
+        <p:spPr>
+          <a:xfrm>
+            <a:off x="9595899" y="4910664"/>
+            <a:ext cx="94856" cy="158952"/>
+          </a:xfrm>
+          <a:prstGeom prst="straightConnector1">
+            <a:avLst/>
+          </a:prstGeom>
+          <a:ln w="28575">
+            <a:solidFill>
+              <a:srgbClr val="FF0000"/>
+            </a:solidFill>
+            <a:tailEnd type="triangle"/>
+          </a:ln>
+        </p:spPr>
+        <p:style>
+          <a:lnRef idx="1">
+            <a:schemeClr val="accent1"/>
+          </a:lnRef>
+          <a:fillRef idx="0">
+            <a:schemeClr val="accent1"/>
+          </a:fillRef>
+          <a:effectRef idx="0">
+            <a:schemeClr val="accent1"/>
+          </a:effectRef>
+          <a:fontRef idx="minor">
+            <a:schemeClr val="tx1"/>
+          </a:fontRef>
+        </p:style>
+      </p:cxnSp>
+      <p:sp>
+        <p:nvSpPr>
+          <p:cNvPr id="44" name="Arrow: Left 43">
+            <a:extLst>
+              <a:ext uri="{FF2B5EF4-FFF2-40B4-BE49-F238E27FC236}">
+                <a16:creationId xmlns:a16="http://schemas.microsoft.com/office/drawing/2014/main" id="{321D0A99-BCE2-427A-B261-E386ECD6C3A1}"/>
+              </a:ext>
+            </a:extLst>
+          </p:cNvPr>
+          <p:cNvSpPr/>
+          <p:nvPr/>
+        </p:nvSpPr>
+        <p:spPr>
+          <a:xfrm>
+            <a:off x="5425613" y="3930977"/>
+            <a:ext cx="1340769" cy="339365"/>
+          </a:xfrm>
+          <a:prstGeom prst="leftArrow">
+            <a:avLst/>
+          </a:prstGeom>
+        </p:spPr>
+        <p:style>
+          <a:lnRef idx="2">
+            <a:schemeClr val="accent1">
+              <a:shade val="50000"/>
+            </a:schemeClr>
+          </a:lnRef>
+          <a:fillRef idx="1">
+            <a:schemeClr val="accent1"/>
+          </a:fillRef>
+          <a:effectRef idx="0">
+            <a:schemeClr val="accent1"/>
+          </a:effectRef>
+          <a:fontRef idx="minor">
+            <a:schemeClr val="lt1"/>
+          </a:fontRef>
+        </p:style>
+        <p:txBody>
+          <a:bodyPr rtlCol="0" anchor="ctr"/>
+          <a:lstStyle/>
+          <a:p>
+            <a:pPr algn="ctr"/>
+            <a:endParaRPr lang="en-US"/>
+          </a:p>
+        </p:txBody>
+      </p:sp>
+      <p:sp>
+        <p:nvSpPr>
+          <p:cNvPr id="45" name="TextBox 44">
+            <a:extLst>
+              <a:ext uri="{FF2B5EF4-FFF2-40B4-BE49-F238E27FC236}">
+                <a16:creationId xmlns:a16="http://schemas.microsoft.com/office/drawing/2014/main" id="{689ED496-1CF4-45B2-9C90-3FF0A598190C}"/>
+              </a:ext>
+            </a:extLst>
+          </p:cNvPr>
+          <p:cNvSpPr txBox="1"/>
+          <p:nvPr/>
+        </p:nvSpPr>
+        <p:spPr>
+          <a:xfrm>
+            <a:off x="5504073" y="3423206"/>
+            <a:ext cx="1340769" cy="369332"/>
+          </a:xfrm>
+          <a:prstGeom prst="rect">
+            <a:avLst/>
+          </a:prstGeom>
+          <a:noFill/>
+        </p:spPr>
+        <p:txBody>
+          <a:bodyPr wrap="square" rtlCol="0">
+            <a:spAutoFit/>
+          </a:bodyPr>
+          <a:lstStyle/>
+          <a:p>
+            <a:r>
+              <a:rPr lang="en-US" dirty="0"/>
+              <a:t>Prediction</a:t>
+            </a:r>
+          </a:p>
+        </p:txBody>
+      </p:sp>
+      <p:sp>
+        <p:nvSpPr>
+          <p:cNvPr id="46" name="Rectangle 45">
+            <a:extLst>
+              <a:ext uri="{FF2B5EF4-FFF2-40B4-BE49-F238E27FC236}">
+                <a16:creationId xmlns:a16="http://schemas.microsoft.com/office/drawing/2014/main" id="{271DC9F7-A579-486B-9806-5BA07655D00D}"/>
+              </a:ext>
+            </a:extLst>
+          </p:cNvPr>
+          <p:cNvSpPr/>
+          <p:nvPr/>
+        </p:nvSpPr>
+        <p:spPr>
+          <a:xfrm>
+            <a:off x="3440706" y="3551941"/>
+            <a:ext cx="507868" cy="775355"/>
+          </a:xfrm>
+          <a:prstGeom prst="rect">
+            <a:avLst/>
+          </a:prstGeom>
+          <a:noFill/>
+          <a:ln w="57150">
+            <a:solidFill>
+              <a:srgbClr val="FFFF00"/>
+            </a:solidFill>
+          </a:ln>
+        </p:spPr>
+        <p:style>
+          <a:lnRef idx="2">
+            <a:schemeClr val="accent1">
+              <a:shade val="50000"/>
+            </a:schemeClr>
+          </a:lnRef>
+          <a:fillRef idx="1">
+            <a:schemeClr val="accent1"/>
+          </a:fillRef>
+          <a:effectRef idx="0">
+            <a:schemeClr val="accent1"/>
+          </a:effectRef>
+          <a:fontRef idx="minor">
+            <a:schemeClr val="lt1"/>
+          </a:fontRef>
+        </p:style>
+        <p:txBody>
+          <a:bodyPr rtlCol="0" anchor="ctr"/>
+          <a:lstStyle/>
+          <a:p>
+            <a:pPr algn="ctr"/>
+            <a:endParaRPr lang="en-US"/>
+          </a:p>
+        </p:txBody>
+      </p:sp>
+      <p:sp>
+        <p:nvSpPr>
+          <p:cNvPr id="47" name="Rectangle 46">
+            <a:extLst>
+              <a:ext uri="{FF2B5EF4-FFF2-40B4-BE49-F238E27FC236}">
+                <a16:creationId xmlns:a16="http://schemas.microsoft.com/office/drawing/2014/main" id="{44E100A3-1F60-46E8-89AD-615CC76D5FF4}"/>
+              </a:ext>
+            </a:extLst>
+          </p:cNvPr>
+          <p:cNvSpPr/>
+          <p:nvPr/>
+        </p:nvSpPr>
+        <p:spPr>
+          <a:xfrm>
+            <a:off x="3668772" y="3767761"/>
+            <a:ext cx="507868" cy="1096259"/>
+          </a:xfrm>
+          <a:prstGeom prst="rect">
+            <a:avLst/>
+          </a:prstGeom>
+          <a:noFill/>
+          <a:ln w="57150"/>
+        </p:spPr>
+        <p:style>
+          <a:lnRef idx="2">
+            <a:schemeClr val="accent1">
+              <a:shade val="50000"/>
+            </a:schemeClr>
+          </a:lnRef>
+          <a:fillRef idx="1">
+            <a:schemeClr val="accent1"/>
+          </a:fillRef>
+          <a:effectRef idx="0">
+            <a:schemeClr val="accent1"/>
+          </a:effectRef>
+          <a:fontRef idx="minor">
+            <a:schemeClr val="lt1"/>
+          </a:fontRef>
+        </p:style>
+        <p:txBody>
+          <a:bodyPr rtlCol="0" anchor="ctr"/>
+          <a:lstStyle/>
+          <a:p>
+            <a:pPr algn="ctr"/>
+            <a:endParaRPr lang="en-US"/>
+          </a:p>
+        </p:txBody>
+      </p:sp>
+      <p:sp>
+        <p:nvSpPr>
+          <p:cNvPr id="48" name="Rectangle 47">
+            <a:extLst>
+              <a:ext uri="{FF2B5EF4-FFF2-40B4-BE49-F238E27FC236}">
+                <a16:creationId xmlns:a16="http://schemas.microsoft.com/office/drawing/2014/main" id="{8B1520B3-05B3-4AAE-892B-0C252BF5DDBC}"/>
+              </a:ext>
+            </a:extLst>
+          </p:cNvPr>
+          <p:cNvSpPr/>
+          <p:nvPr/>
+        </p:nvSpPr>
+        <p:spPr>
+          <a:xfrm>
+            <a:off x="3247390" y="4666319"/>
+            <a:ext cx="507868" cy="647642"/>
+          </a:xfrm>
+          <a:prstGeom prst="rect">
+            <a:avLst/>
+          </a:prstGeom>
+          <a:noFill/>
+          <a:ln w="57150">
+            <a:solidFill>
+              <a:schemeClr val="accent2">
+                <a:lumMod val="75000"/>
+              </a:schemeClr>
+            </a:solidFill>
+          </a:ln>
+        </p:spPr>
+        <p:style>
+          <a:lnRef idx="2">
+            <a:schemeClr val="accent1">
+              <a:shade val="50000"/>
+            </a:schemeClr>
+          </a:lnRef>
+          <a:fillRef idx="1">
+            <a:schemeClr val="accent1"/>
+          </a:fillRef>
+          <a:effectRef idx="0">
+            <a:schemeClr val="accent1"/>
+          </a:effectRef>
+          <a:fontRef idx="minor">
+            <a:schemeClr val="lt1"/>
+          </a:fontRef>
+        </p:style>
+        <p:txBody>
+          <a:bodyPr rtlCol="0" anchor="ctr"/>
+          <a:lstStyle/>
+          <a:p>
+            <a:pPr algn="ctr"/>
+            <a:endParaRPr lang="en-US"/>
+          </a:p>
+        </p:txBody>
+      </p:sp>
+      <p:sp>
+        <p:nvSpPr>
+          <p:cNvPr id="50" name="Rectangle 49">
+            <a:extLst>
+              <a:ext uri="{FF2B5EF4-FFF2-40B4-BE49-F238E27FC236}">
+                <a16:creationId xmlns:a16="http://schemas.microsoft.com/office/drawing/2014/main" id="{D2679C6C-BC57-4FA6-A8D8-3F7A3A879501}"/>
+              </a:ext>
+            </a:extLst>
+          </p:cNvPr>
+          <p:cNvSpPr/>
+          <p:nvPr/>
+        </p:nvSpPr>
+        <p:spPr>
+          <a:xfrm>
+            <a:off x="3693462" y="4857222"/>
+            <a:ext cx="507868" cy="647642"/>
+          </a:xfrm>
+          <a:prstGeom prst="rect">
+            <a:avLst/>
+          </a:prstGeom>
+          <a:noFill/>
+          <a:ln w="57150">
+            <a:solidFill>
+              <a:srgbClr val="FF0000"/>
+            </a:solidFill>
+          </a:ln>
+        </p:spPr>
+        <p:style>
+          <a:lnRef idx="2">
+            <a:schemeClr val="accent1">
+              <a:shade val="50000"/>
+            </a:schemeClr>
+          </a:lnRef>
+          <a:fillRef idx="1">
+            <a:schemeClr val="accent1"/>
+          </a:fillRef>
+          <a:effectRef idx="0">
+            <a:schemeClr val="accent1"/>
+          </a:effectRef>
+          <a:fontRef idx="minor">
+            <a:schemeClr val="lt1"/>
+          </a:fontRef>
+        </p:style>
+        <p:txBody>
+          <a:bodyPr rtlCol="0" anchor="ctr"/>
+          <a:lstStyle/>
+          <a:p>
+            <a:pPr algn="ctr"/>
+            <a:endParaRPr lang="en-US"/>
+          </a:p>
+        </p:txBody>
+      </p:sp>
+      <p:cxnSp>
+        <p:nvCxnSpPr>
+          <p:cNvPr id="51" name="Straight Arrow Connector 50">
+            <a:extLst>
+              <a:ext uri="{FF2B5EF4-FFF2-40B4-BE49-F238E27FC236}">
+                <a16:creationId xmlns:a16="http://schemas.microsoft.com/office/drawing/2014/main" id="{6E80F547-D08A-44FA-BF40-233FB4FF479E}"/>
+              </a:ext>
+            </a:extLst>
+          </p:cNvPr>
+          <p:cNvCxnSpPr>
+            <a:cxnSpLocks/>
+          </p:cNvCxnSpPr>
+          <p:nvPr/>
+        </p:nvCxnSpPr>
+        <p:spPr>
+          <a:xfrm flipH="1">
+            <a:off x="3290104" y="4990140"/>
+            <a:ext cx="185963" cy="108525"/>
+          </a:xfrm>
+          <a:prstGeom prst="straightConnector1">
+            <a:avLst/>
+          </a:prstGeom>
+          <a:ln w="28575">
+            <a:solidFill>
+              <a:schemeClr val="accent2">
+                <a:lumMod val="75000"/>
+              </a:schemeClr>
+            </a:solidFill>
+            <a:tailEnd type="triangle"/>
+          </a:ln>
+        </p:spPr>
+        <p:style>
+          <a:lnRef idx="1">
+            <a:schemeClr val="accent1"/>
+          </a:lnRef>
+          <a:fillRef idx="0">
+            <a:schemeClr val="accent1"/>
+          </a:fillRef>
+          <a:effectRef idx="0">
+            <a:schemeClr val="accent1"/>
+          </a:effectRef>
+          <a:fontRef idx="minor">
+            <a:schemeClr val="tx1"/>
+          </a:fontRef>
+        </p:style>
+      </p:cxnSp>
+      <p:cxnSp>
+        <p:nvCxnSpPr>
+          <p:cNvPr id="53" name="Straight Arrow Connector 52">
+            <a:extLst>
+              <a:ext uri="{FF2B5EF4-FFF2-40B4-BE49-F238E27FC236}">
+                <a16:creationId xmlns:a16="http://schemas.microsoft.com/office/drawing/2014/main" id="{1044C673-C82B-47E4-8248-61F6E27DBB16}"/>
+              </a:ext>
+            </a:extLst>
+          </p:cNvPr>
+          <p:cNvCxnSpPr>
+            <a:cxnSpLocks/>
+          </p:cNvCxnSpPr>
+          <p:nvPr/>
+        </p:nvCxnSpPr>
+        <p:spPr>
+          <a:xfrm>
+            <a:off x="3972653" y="5160115"/>
+            <a:ext cx="0" cy="233831"/>
+          </a:xfrm>
+          <a:prstGeom prst="straightConnector1">
+            <a:avLst/>
+          </a:prstGeom>
+          <a:ln w="28575">
+            <a:solidFill>
+              <a:srgbClr val="FF0000"/>
+            </a:solidFill>
+            <a:tailEnd type="triangle"/>
+          </a:ln>
+        </p:spPr>
+        <p:style>
+          <a:lnRef idx="1">
+            <a:schemeClr val="accent1"/>
+          </a:lnRef>
+          <a:fillRef idx="0">
+            <a:schemeClr val="accent1"/>
+          </a:fillRef>
+          <a:effectRef idx="0">
+            <a:schemeClr val="accent1"/>
+          </a:effectRef>
+          <a:fontRef idx="minor">
+            <a:schemeClr val="tx1"/>
+          </a:fontRef>
+        </p:style>
+      </p:cxnSp>
+      <p:cxnSp>
+        <p:nvCxnSpPr>
+          <p:cNvPr id="55" name="Straight Arrow Connector 54">
+            <a:extLst>
+              <a:ext uri="{FF2B5EF4-FFF2-40B4-BE49-F238E27FC236}">
+                <a16:creationId xmlns:a16="http://schemas.microsoft.com/office/drawing/2014/main" id="{DC732DA0-BFC7-44E9-9B9E-033D1AB4C4E4}"/>
+              </a:ext>
+            </a:extLst>
+          </p:cNvPr>
+          <p:cNvCxnSpPr>
+            <a:cxnSpLocks/>
+          </p:cNvCxnSpPr>
+          <p:nvPr/>
+        </p:nvCxnSpPr>
+        <p:spPr>
+          <a:xfrm flipH="1">
+            <a:off x="3243535" y="3939618"/>
+            <a:ext cx="404266" cy="161041"/>
+          </a:xfrm>
+          <a:prstGeom prst="straightConnector1">
+            <a:avLst/>
+          </a:prstGeom>
+          <a:ln w="28575">
+            <a:solidFill>
+              <a:srgbClr val="FFFF00"/>
+            </a:solidFill>
+            <a:tailEnd type="triangle"/>
+          </a:ln>
+        </p:spPr>
+        <p:style>
+          <a:lnRef idx="1">
+            <a:schemeClr val="accent1"/>
+          </a:lnRef>
+          <a:fillRef idx="0">
+            <a:schemeClr val="accent1"/>
+          </a:fillRef>
+          <a:effectRef idx="0">
+            <a:schemeClr val="accent1"/>
+          </a:effectRef>
+          <a:fontRef idx="minor">
+            <a:schemeClr val="tx1"/>
+          </a:fontRef>
+        </p:style>
+      </p:cxnSp>
+      <p:cxnSp>
+        <p:nvCxnSpPr>
+          <p:cNvPr id="57" name="Straight Arrow Connector 56">
+            <a:extLst>
+              <a:ext uri="{FF2B5EF4-FFF2-40B4-BE49-F238E27FC236}">
+                <a16:creationId xmlns:a16="http://schemas.microsoft.com/office/drawing/2014/main" id="{A87B6493-BE04-47FD-BAB3-1AC01C551A59}"/>
+              </a:ext>
+            </a:extLst>
+          </p:cNvPr>
+          <p:cNvCxnSpPr>
+            <a:cxnSpLocks/>
+          </p:cNvCxnSpPr>
+          <p:nvPr/>
+        </p:nvCxnSpPr>
+        <p:spPr>
+          <a:xfrm flipH="1" flipV="1">
+            <a:off x="3408601" y="4394906"/>
+            <a:ext cx="456421" cy="42762"/>
+          </a:xfrm>
+          <a:prstGeom prst="straightConnector1">
+            <a:avLst/>
+          </a:prstGeom>
+          <a:ln w="28575">
+            <a:solidFill>
+              <a:srgbClr val="0070C0"/>
+            </a:solidFill>
+            <a:tailEnd type="triangle"/>
+          </a:ln>
+        </p:spPr>
+        <p:style>
+          <a:lnRef idx="1">
+            <a:schemeClr val="accent1"/>
+          </a:lnRef>
+          <a:fillRef idx="0">
+            <a:schemeClr val="accent1"/>
+          </a:fillRef>
+          <a:effectRef idx="0">
+            <a:schemeClr val="accent1"/>
+          </a:effectRef>
+          <a:fontRef idx="minor">
+            <a:schemeClr val="tx1"/>
+          </a:fontRef>
+        </p:style>
+      </p:cxnSp>
+      <p:sp>
+        <p:nvSpPr>
+          <p:cNvPr id="60" name="TextBox 59">
+            <a:extLst>
+              <a:ext uri="{FF2B5EF4-FFF2-40B4-BE49-F238E27FC236}">
+                <a16:creationId xmlns:a16="http://schemas.microsoft.com/office/drawing/2014/main" id="{22E8DBB1-B7DD-4FE8-B437-3B569F9618F4}"/>
+              </a:ext>
+            </a:extLst>
+          </p:cNvPr>
+          <p:cNvSpPr txBox="1"/>
+          <p:nvPr/>
+        </p:nvSpPr>
+        <p:spPr>
+          <a:xfrm>
+            <a:off x="1892985" y="1838821"/>
+            <a:ext cx="2980199" cy="523220"/>
+          </a:xfrm>
+          <a:prstGeom prst="rect">
+            <a:avLst/>
+          </a:prstGeom>
+          <a:noFill/>
+        </p:spPr>
+        <p:txBody>
+          <a:bodyPr wrap="square" rtlCol="0">
+            <a:spAutoFit/>
+          </a:bodyPr>
+          <a:lstStyle/>
+          <a:p>
+            <a:r>
+              <a:rPr lang="en-US" sz="2800" dirty="0"/>
+              <a:t>Predicted Particles</a:t>
+            </a:r>
+          </a:p>
+        </p:txBody>
+      </p:sp>
+    </p:spTree>
+    <p:extLst>
+      <p:ext uri="{BB962C8B-B14F-4D97-AF65-F5344CB8AC3E}">
+        <p14:creationId xmlns:p14="http://schemas.microsoft.com/office/powerpoint/2010/main" val="1838670667"/>
+      </p:ext>
+    </p:extLst>
+  </p:cSld>
+  <p:clrMapOvr>
+    <a:masterClrMapping/>
+  </p:clrMapOvr>
+</p:sld>
+</file>
+
+<file path=ppt/slides/slide19.xml><?xml version="1.0" encoding="utf-8"?>
+<p:sld xmlns:a="http://schemas.openxmlformats.org/drawingml/2006/main" xmlns:r="http://schemas.openxmlformats.org/officeDocument/2006/relationships" xmlns:p="http://schemas.openxmlformats.org/presentationml/2006/main">
+  <p:cSld>
+    <p:spTree>
+      <p:nvGrpSpPr>
+        <p:cNvPr id="1" name=""/>
+        <p:cNvGrpSpPr/>
+        <p:nvPr/>
+      </p:nvGrpSpPr>
+      <p:grpSpPr>
+        <a:xfrm>
+          <a:off x="0" y="0"/>
+          <a:ext cx="0" cy="0"/>
+          <a:chOff x="0" y="0"/>
+          <a:chExt cx="0" cy="0"/>
+        </a:xfrm>
+      </p:grpSpPr>
+      <p:pic>
+        <p:nvPicPr>
+          <p:cNvPr id="49" name="Content Placeholder 7" descr="A picture containing building, outdoor, outdoor object&#10;&#10;Description automatically generated">
+            <a:extLst>
+              <a:ext uri="{FF2B5EF4-FFF2-40B4-BE49-F238E27FC236}">
+                <a16:creationId xmlns:a16="http://schemas.microsoft.com/office/drawing/2014/main" id="{1B8866DF-FACF-4E14-8680-BA2E9DCD645E}"/>
+              </a:ext>
+            </a:extLst>
+          </p:cNvPr>
+          <p:cNvPicPr>
+            <a:picLocks noChangeAspect="1"/>
+          </p:cNvPicPr>
+          <p:nvPr/>
+        </p:nvPicPr>
+        <p:blipFill>
+          <a:blip r:embed="rId3">
+            <a:extLst>
+              <a:ext uri="{28A0092B-C50C-407E-A947-70E740481C1C}">
+                <a14:useLocalDpi xmlns:a14="http://schemas.microsoft.com/office/drawing/2010/main" val="0"/>
+              </a:ext>
+            </a:extLst>
+          </a:blip>
+          <a:stretch>
+            <a:fillRect/>
+          </a:stretch>
+        </p:blipFill>
+        <p:spPr>
+          <a:xfrm>
+            <a:off x="1351766" y="2548788"/>
+            <a:ext cx="3876676" cy="3171826"/>
+          </a:xfrm>
+          <a:prstGeom prst="rect">
+            <a:avLst/>
+          </a:prstGeom>
+          <a:ln>
+            <a:noFill/>
+          </a:ln>
+        </p:spPr>
+      </p:pic>
+      <p:sp>
+        <p:nvSpPr>
+          <p:cNvPr id="2" name="Date Placeholder 1">
+            <a:extLst>
+              <a:ext uri="{FF2B5EF4-FFF2-40B4-BE49-F238E27FC236}">
+                <a16:creationId xmlns:a16="http://schemas.microsoft.com/office/drawing/2014/main" id="{8AABA0BB-0402-4373-859D-6F13BC460170}"/>
+              </a:ext>
+            </a:extLst>
+          </p:cNvPr>
+          <p:cNvSpPr>
+            <a:spLocks noGrp="1"/>
+          </p:cNvSpPr>
+          <p:nvPr>
+            <p:ph type="dt" sz="half" idx="10"/>
+          </p:nvPr>
+        </p:nvSpPr>
+        <p:spPr/>
+        <p:txBody>
+          <a:bodyPr/>
+          <a:lstStyle/>
+          <a:p>
+            <a:fld id="{F736EC4A-E5B7-42C2-9943-4D2477F0E2BA}" type="datetime1">
+              <a:rPr lang="en-US" smtClean="0"/>
+              <a:t>2/16/2022</a:t>
+            </a:fld>
+            <a:endParaRPr lang="en-US" dirty="0"/>
+          </a:p>
+        </p:txBody>
+      </p:sp>
+      <p:sp>
+        <p:nvSpPr>
+          <p:cNvPr id="3" name="Footer Placeholder 2">
+            <a:extLst>
+              <a:ext uri="{FF2B5EF4-FFF2-40B4-BE49-F238E27FC236}">
+                <a16:creationId xmlns:a16="http://schemas.microsoft.com/office/drawing/2014/main" id="{4CA38CF6-425B-4615-A765-9C6F53492D09}"/>
+              </a:ext>
+            </a:extLst>
+          </p:cNvPr>
+          <p:cNvSpPr>
+            <a:spLocks noGrp="1"/>
+          </p:cNvSpPr>
+          <p:nvPr>
+            <p:ph type="ftr" sz="quarter" idx="11"/>
+          </p:nvPr>
+        </p:nvSpPr>
+        <p:spPr/>
+        <p:txBody>
+          <a:bodyPr/>
+          <a:lstStyle/>
+          <a:p>
+            <a:r>
+              <a:rPr lang="en-US"/>
+              <a:t>Or Sagiv &amp; Etai Sella</a:t>
+            </a:r>
+            <a:endParaRPr lang="en-US" dirty="0"/>
+          </a:p>
+        </p:txBody>
+      </p:sp>
+      <p:sp>
+        <p:nvSpPr>
+          <p:cNvPr id="4" name="Slide Number Placeholder 3">
+            <a:extLst>
+              <a:ext uri="{FF2B5EF4-FFF2-40B4-BE49-F238E27FC236}">
+                <a16:creationId xmlns:a16="http://schemas.microsoft.com/office/drawing/2014/main" id="{6C620BA3-F0DC-4BB6-9276-6EBFBDB62FBC}"/>
+              </a:ext>
+            </a:extLst>
+          </p:cNvPr>
+          <p:cNvSpPr>
+            <a:spLocks noGrp="1"/>
+          </p:cNvSpPr>
+          <p:nvPr>
+            <p:ph type="sldNum" sz="quarter" idx="12"/>
+          </p:nvPr>
+        </p:nvSpPr>
+        <p:spPr/>
+        <p:txBody>
+          <a:bodyPr/>
+          <a:lstStyle/>
+          <a:p>
+            <a:fld id="{C629165E-D59B-453D-B763-34340D7036F6}" type="slidenum">
+              <a:rPr lang="en-US" smtClean="0"/>
+              <a:t>19</a:t>
+            </a:fld>
+            <a:endParaRPr lang="en-US" dirty="0"/>
+          </a:p>
+        </p:txBody>
+      </p:sp>
+      <p:pic>
+        <p:nvPicPr>
+          <p:cNvPr id="8" name="Content Placeholder 7" descr="A picture containing building, outdoor, outdoor object&#10;&#10;Description automatically generated">
+            <a:extLst>
+              <a:ext uri="{FF2B5EF4-FFF2-40B4-BE49-F238E27FC236}">
+                <a16:creationId xmlns:a16="http://schemas.microsoft.com/office/drawing/2014/main" id="{E2F3B7F5-A39D-4645-8306-3F42525DCFD4}"/>
+              </a:ext>
+            </a:extLst>
+          </p:cNvPr>
+          <p:cNvPicPr>
+            <a:picLocks noGrp="1" noChangeAspect="1"/>
+          </p:cNvPicPr>
+          <p:nvPr>
+            <p:ph idx="1"/>
+          </p:nvPr>
+        </p:nvPicPr>
+        <p:blipFill>
+          <a:blip r:embed="rId3">
+            <a:extLst>
+              <a:ext uri="{28A0092B-C50C-407E-A947-70E740481C1C}">
+                <a14:useLocalDpi xmlns:a14="http://schemas.microsoft.com/office/drawing/2010/main" val="0"/>
+              </a:ext>
+            </a:extLst>
+          </a:blip>
+          <a:stretch>
+            <a:fillRect/>
+          </a:stretch>
+        </p:blipFill>
+        <p:spPr>
+          <a:xfrm>
+            <a:off x="6923303" y="2548788"/>
+            <a:ext cx="3876676" cy="3171826"/>
+          </a:xfrm>
+          <a:ln w="12700"/>
+        </p:spPr>
+      </p:pic>
+      <p:sp>
+        <p:nvSpPr>
+          <p:cNvPr id="6" name="Title 5">
+            <a:extLst>
+              <a:ext uri="{FF2B5EF4-FFF2-40B4-BE49-F238E27FC236}">
+                <a16:creationId xmlns:a16="http://schemas.microsoft.com/office/drawing/2014/main" id="{5F36854F-5562-4B15-A113-787D0B27EA0F}"/>
+              </a:ext>
+            </a:extLst>
+          </p:cNvPr>
+          <p:cNvSpPr>
+            <a:spLocks noGrp="1"/>
+          </p:cNvSpPr>
+          <p:nvPr>
+            <p:ph type="title"/>
+          </p:nvPr>
+        </p:nvSpPr>
+        <p:spPr/>
+        <p:txBody>
+          <a:bodyPr/>
+          <a:lstStyle/>
+          <a:p>
+            <a:r>
+              <a:rPr lang="en-US" dirty="0"/>
+              <a:t>Particle Filter</a:t>
+            </a:r>
+          </a:p>
+        </p:txBody>
+      </p:sp>
+      <p:sp>
+        <p:nvSpPr>
+          <p:cNvPr id="46" name="Rectangle 45">
+            <a:extLst>
+              <a:ext uri="{FF2B5EF4-FFF2-40B4-BE49-F238E27FC236}">
+                <a16:creationId xmlns:a16="http://schemas.microsoft.com/office/drawing/2014/main" id="{271DC9F7-A579-486B-9806-5BA07655D00D}"/>
+              </a:ext>
+            </a:extLst>
+          </p:cNvPr>
+          <p:cNvSpPr/>
+          <p:nvPr/>
+        </p:nvSpPr>
+        <p:spPr>
+          <a:xfrm>
+            <a:off x="9087362" y="3432919"/>
+            <a:ext cx="507868" cy="775355"/>
+          </a:xfrm>
+          <a:prstGeom prst="rect">
+            <a:avLst/>
+          </a:prstGeom>
+          <a:noFill/>
+          <a:ln w="38100">
+            <a:solidFill>
+              <a:srgbClr val="FFFF00"/>
+            </a:solidFill>
+          </a:ln>
+        </p:spPr>
+        <p:style>
+          <a:lnRef idx="2">
+            <a:schemeClr val="accent1">
+              <a:shade val="50000"/>
+            </a:schemeClr>
+          </a:lnRef>
+          <a:fillRef idx="1">
+            <a:schemeClr val="accent1"/>
+          </a:fillRef>
+          <a:effectRef idx="0">
+            <a:schemeClr val="accent1"/>
+          </a:effectRef>
+          <a:fontRef idx="minor">
+            <a:schemeClr val="lt1"/>
+          </a:fontRef>
+        </p:style>
+        <p:txBody>
+          <a:bodyPr rtlCol="0" anchor="ctr"/>
+          <a:lstStyle/>
+          <a:p>
+            <a:pPr algn="ctr"/>
+            <a:endParaRPr lang="en-US"/>
+          </a:p>
+        </p:txBody>
+      </p:sp>
+      <p:sp>
+        <p:nvSpPr>
+          <p:cNvPr id="47" name="Rectangle 46">
+            <a:extLst>
+              <a:ext uri="{FF2B5EF4-FFF2-40B4-BE49-F238E27FC236}">
+                <a16:creationId xmlns:a16="http://schemas.microsoft.com/office/drawing/2014/main" id="{44E100A3-1F60-46E8-89AD-615CC76D5FF4}"/>
+              </a:ext>
+            </a:extLst>
+          </p:cNvPr>
+          <p:cNvSpPr/>
+          <p:nvPr/>
+        </p:nvSpPr>
+        <p:spPr>
+          <a:xfrm>
+            <a:off x="9315428" y="3648739"/>
+            <a:ext cx="507868" cy="1096259"/>
+          </a:xfrm>
+          <a:prstGeom prst="rect">
+            <a:avLst/>
+          </a:prstGeom>
+          <a:noFill/>
+          <a:ln w="76200"/>
+        </p:spPr>
+        <p:style>
+          <a:lnRef idx="2">
+            <a:schemeClr val="accent1">
+              <a:shade val="50000"/>
+            </a:schemeClr>
+          </a:lnRef>
+          <a:fillRef idx="1">
+            <a:schemeClr val="accent1"/>
+          </a:fillRef>
+          <a:effectRef idx="0">
+            <a:schemeClr val="accent1"/>
+          </a:effectRef>
+          <a:fontRef idx="minor">
+            <a:schemeClr val="lt1"/>
+          </a:fontRef>
+        </p:style>
+        <p:txBody>
+          <a:bodyPr rtlCol="0" anchor="ctr"/>
+          <a:lstStyle/>
+          <a:p>
+            <a:pPr algn="ctr"/>
+            <a:endParaRPr lang="en-US"/>
+          </a:p>
+        </p:txBody>
+      </p:sp>
+      <p:sp>
+        <p:nvSpPr>
+          <p:cNvPr id="48" name="Rectangle 47">
+            <a:extLst>
+              <a:ext uri="{FF2B5EF4-FFF2-40B4-BE49-F238E27FC236}">
+                <a16:creationId xmlns:a16="http://schemas.microsoft.com/office/drawing/2014/main" id="{8B1520B3-05B3-4AAE-892B-0C252BF5DDBC}"/>
+              </a:ext>
+            </a:extLst>
+          </p:cNvPr>
+          <p:cNvSpPr/>
+          <p:nvPr/>
+        </p:nvSpPr>
+        <p:spPr>
+          <a:xfrm>
+            <a:off x="8894046" y="4547297"/>
+            <a:ext cx="507868" cy="647642"/>
+          </a:xfrm>
+          <a:prstGeom prst="rect">
+            <a:avLst/>
+          </a:prstGeom>
+          <a:noFill/>
+          <a:ln w="28575">
+            <a:solidFill>
+              <a:schemeClr val="accent2">
+                <a:lumMod val="75000"/>
+              </a:schemeClr>
+            </a:solidFill>
+          </a:ln>
+        </p:spPr>
+        <p:style>
+          <a:lnRef idx="2">
+            <a:schemeClr val="accent1">
+              <a:shade val="50000"/>
+            </a:schemeClr>
+          </a:lnRef>
+          <a:fillRef idx="1">
+            <a:schemeClr val="accent1"/>
+          </a:fillRef>
+          <a:effectRef idx="0">
+            <a:schemeClr val="accent1"/>
+          </a:effectRef>
+          <a:fontRef idx="minor">
+            <a:schemeClr val="lt1"/>
+          </a:fontRef>
+        </p:style>
+        <p:txBody>
+          <a:bodyPr rtlCol="0" anchor="ctr"/>
+          <a:lstStyle/>
+          <a:p>
+            <a:pPr algn="ctr"/>
+            <a:endParaRPr lang="en-US" dirty="0"/>
+          </a:p>
+        </p:txBody>
+      </p:sp>
+      <p:sp>
+        <p:nvSpPr>
+          <p:cNvPr id="50" name="Rectangle 49">
+            <a:extLst>
+              <a:ext uri="{FF2B5EF4-FFF2-40B4-BE49-F238E27FC236}">
+                <a16:creationId xmlns:a16="http://schemas.microsoft.com/office/drawing/2014/main" id="{D2679C6C-BC57-4FA6-A8D8-3F7A3A879501}"/>
+              </a:ext>
+            </a:extLst>
+          </p:cNvPr>
+          <p:cNvSpPr/>
+          <p:nvPr/>
+        </p:nvSpPr>
+        <p:spPr>
+          <a:xfrm>
+            <a:off x="9340118" y="4738200"/>
+            <a:ext cx="507868" cy="647642"/>
+          </a:xfrm>
+          <a:prstGeom prst="rect">
+            <a:avLst/>
+          </a:prstGeom>
+          <a:noFill/>
+          <a:ln w="3175">
+            <a:solidFill>
+              <a:srgbClr val="FF0000"/>
+            </a:solidFill>
+          </a:ln>
+        </p:spPr>
+        <p:style>
+          <a:lnRef idx="2">
+            <a:schemeClr val="accent1">
+              <a:shade val="50000"/>
+            </a:schemeClr>
+          </a:lnRef>
+          <a:fillRef idx="1">
+            <a:schemeClr val="accent1"/>
+          </a:fillRef>
+          <a:effectRef idx="0">
+            <a:schemeClr val="accent1"/>
+          </a:effectRef>
+          <a:fontRef idx="minor">
+            <a:schemeClr val="lt1"/>
+          </a:fontRef>
+        </p:style>
+        <p:txBody>
+          <a:bodyPr rtlCol="0" anchor="ctr"/>
+          <a:lstStyle/>
+          <a:p>
+            <a:pPr algn="ctr"/>
+            <a:endParaRPr lang="en-US"/>
+          </a:p>
+        </p:txBody>
+      </p:sp>
+      <p:cxnSp>
+        <p:nvCxnSpPr>
+          <p:cNvPr id="51" name="Straight Arrow Connector 50">
+            <a:extLst>
+              <a:ext uri="{FF2B5EF4-FFF2-40B4-BE49-F238E27FC236}">
+                <a16:creationId xmlns:a16="http://schemas.microsoft.com/office/drawing/2014/main" id="{6E80F547-D08A-44FA-BF40-233FB4FF479E}"/>
+              </a:ext>
+            </a:extLst>
+          </p:cNvPr>
+          <p:cNvCxnSpPr>
+            <a:cxnSpLocks/>
+          </p:cNvCxnSpPr>
+          <p:nvPr/>
+        </p:nvCxnSpPr>
+        <p:spPr>
+          <a:xfrm flipH="1">
+            <a:off x="8936760" y="4871118"/>
+            <a:ext cx="185963" cy="108525"/>
+          </a:xfrm>
+          <a:prstGeom prst="straightConnector1">
+            <a:avLst/>
+          </a:prstGeom>
+          <a:ln w="28575">
+            <a:solidFill>
+              <a:schemeClr val="accent2">
+                <a:lumMod val="75000"/>
+              </a:schemeClr>
+            </a:solidFill>
+            <a:tailEnd type="triangle"/>
+          </a:ln>
+        </p:spPr>
+        <p:style>
+          <a:lnRef idx="1">
+            <a:schemeClr val="accent1"/>
+          </a:lnRef>
+          <a:fillRef idx="0">
+            <a:schemeClr val="accent1"/>
+          </a:fillRef>
+          <a:effectRef idx="0">
+            <a:schemeClr val="accent1"/>
+          </a:effectRef>
+          <a:fontRef idx="minor">
+            <a:schemeClr val="tx1"/>
+          </a:fontRef>
+        </p:style>
+      </p:cxnSp>
+      <p:cxnSp>
+        <p:nvCxnSpPr>
+          <p:cNvPr id="53" name="Straight Arrow Connector 52">
+            <a:extLst>
+              <a:ext uri="{FF2B5EF4-FFF2-40B4-BE49-F238E27FC236}">
+                <a16:creationId xmlns:a16="http://schemas.microsoft.com/office/drawing/2014/main" id="{1044C673-C82B-47E4-8248-61F6E27DBB16}"/>
+              </a:ext>
+            </a:extLst>
+          </p:cNvPr>
+          <p:cNvCxnSpPr>
+            <a:cxnSpLocks/>
+          </p:cNvCxnSpPr>
+          <p:nvPr/>
+        </p:nvCxnSpPr>
+        <p:spPr>
+          <a:xfrm>
+            <a:off x="9619309" y="5041093"/>
+            <a:ext cx="0" cy="233831"/>
+          </a:xfrm>
+          <a:prstGeom prst="straightConnector1">
+            <a:avLst/>
+          </a:prstGeom>
+          <a:ln w="28575">
+            <a:solidFill>
+              <a:srgbClr val="FF0000"/>
+            </a:solidFill>
+            <a:tailEnd type="triangle"/>
+          </a:ln>
+        </p:spPr>
+        <p:style>
+          <a:lnRef idx="1">
+            <a:schemeClr val="accent1"/>
+          </a:lnRef>
+          <a:fillRef idx="0">
+            <a:schemeClr val="accent1"/>
+          </a:fillRef>
+          <a:effectRef idx="0">
+            <a:schemeClr val="accent1"/>
+          </a:effectRef>
+          <a:fontRef idx="minor">
+            <a:schemeClr val="tx1"/>
+          </a:fontRef>
+        </p:style>
+      </p:cxnSp>
+      <p:cxnSp>
+        <p:nvCxnSpPr>
+          <p:cNvPr id="55" name="Straight Arrow Connector 54">
+            <a:extLst>
+              <a:ext uri="{FF2B5EF4-FFF2-40B4-BE49-F238E27FC236}">
+                <a16:creationId xmlns:a16="http://schemas.microsoft.com/office/drawing/2014/main" id="{DC732DA0-BFC7-44E9-9B9E-033D1AB4C4E4}"/>
+              </a:ext>
+            </a:extLst>
+          </p:cNvPr>
+          <p:cNvCxnSpPr>
+            <a:cxnSpLocks/>
+          </p:cNvCxnSpPr>
+          <p:nvPr/>
+        </p:nvCxnSpPr>
+        <p:spPr>
+          <a:xfrm flipH="1">
+            <a:off x="8890191" y="3820596"/>
+            <a:ext cx="404266" cy="161041"/>
+          </a:xfrm>
+          <a:prstGeom prst="straightConnector1">
+            <a:avLst/>
+          </a:prstGeom>
+          <a:ln w="28575">
+            <a:solidFill>
+              <a:srgbClr val="FFFF00"/>
+            </a:solidFill>
+            <a:tailEnd type="triangle"/>
+          </a:ln>
+        </p:spPr>
+        <p:style>
+          <a:lnRef idx="1">
+            <a:schemeClr val="accent1"/>
+          </a:lnRef>
+          <a:fillRef idx="0">
+            <a:schemeClr val="accent1"/>
+          </a:fillRef>
+          <a:effectRef idx="0">
+            <a:schemeClr val="accent1"/>
+          </a:effectRef>
+          <a:fontRef idx="minor">
+            <a:schemeClr val="tx1"/>
+          </a:fontRef>
+        </p:style>
+      </p:cxnSp>
+      <p:cxnSp>
+        <p:nvCxnSpPr>
+          <p:cNvPr id="57" name="Straight Arrow Connector 56">
+            <a:extLst>
+              <a:ext uri="{FF2B5EF4-FFF2-40B4-BE49-F238E27FC236}">
+                <a16:creationId xmlns:a16="http://schemas.microsoft.com/office/drawing/2014/main" id="{A87B6493-BE04-47FD-BAB3-1AC01C551A59}"/>
+              </a:ext>
+            </a:extLst>
+          </p:cNvPr>
+          <p:cNvCxnSpPr>
+            <a:cxnSpLocks/>
+          </p:cNvCxnSpPr>
+          <p:nvPr/>
+        </p:nvCxnSpPr>
+        <p:spPr>
+          <a:xfrm flipH="1" flipV="1">
+            <a:off x="9055257" y="4275884"/>
+            <a:ext cx="456421" cy="42762"/>
+          </a:xfrm>
+          <a:prstGeom prst="straightConnector1">
+            <a:avLst/>
+          </a:prstGeom>
+          <a:ln w="28575">
+            <a:solidFill>
+              <a:srgbClr val="0070C0"/>
+            </a:solidFill>
+            <a:tailEnd type="triangle"/>
+          </a:ln>
+        </p:spPr>
+        <p:style>
+          <a:lnRef idx="1">
+            <a:schemeClr val="accent1"/>
+          </a:lnRef>
+          <a:fillRef idx="0">
+            <a:schemeClr val="accent1"/>
+          </a:fillRef>
+          <a:effectRef idx="0">
+            <a:schemeClr val="accent1"/>
+          </a:effectRef>
+          <a:fontRef idx="minor">
+            <a:schemeClr val="tx1"/>
+          </a:fontRef>
+        </p:style>
+      </p:cxnSp>
+      <p:sp>
+        <p:nvSpPr>
+          <p:cNvPr id="60" name="TextBox 59">
+            <a:extLst>
+              <a:ext uri="{FF2B5EF4-FFF2-40B4-BE49-F238E27FC236}">
+                <a16:creationId xmlns:a16="http://schemas.microsoft.com/office/drawing/2014/main" id="{22E8DBB1-B7DD-4FE8-B437-3B569F9618F4}"/>
+              </a:ext>
+            </a:extLst>
+          </p:cNvPr>
+          <p:cNvSpPr txBox="1"/>
+          <p:nvPr/>
+        </p:nvSpPr>
+        <p:spPr>
+          <a:xfrm>
+            <a:off x="6882249" y="1608877"/>
+            <a:ext cx="3958784" cy="892552"/>
+          </a:xfrm>
+          <a:prstGeom prst="rect">
+            <a:avLst/>
+          </a:prstGeom>
+          <a:noFill/>
+        </p:spPr>
+        <p:txBody>
+          <a:bodyPr wrap="square" rtlCol="0">
+            <a:spAutoFit/>
+          </a:bodyPr>
+          <a:lstStyle/>
+          <a:p>
+            <a:pPr algn="ctr"/>
+            <a:r>
+              <a:rPr lang="en-US" sz="2800" dirty="0"/>
+              <a:t>Weighted Particles</a:t>
+            </a:r>
+          </a:p>
+          <a:p>
+            <a:pPr algn="ctr"/>
+            <a:r>
+              <a:rPr lang="en-US" sz="2400" dirty="0"/>
+              <a:t>(represented by width)</a:t>
+            </a:r>
+          </a:p>
+        </p:txBody>
+      </p:sp>
+      <p:sp>
+        <p:nvSpPr>
+          <p:cNvPr id="28" name="Arrow: Left 27">
+            <a:extLst>
+              <a:ext uri="{FF2B5EF4-FFF2-40B4-BE49-F238E27FC236}">
+                <a16:creationId xmlns:a16="http://schemas.microsoft.com/office/drawing/2014/main" id="{0F513E9E-BA33-4C92-82E5-794C15601DC1}"/>
+              </a:ext>
+            </a:extLst>
+          </p:cNvPr>
+          <p:cNvSpPr/>
+          <p:nvPr/>
+        </p:nvSpPr>
+        <p:spPr>
+          <a:xfrm>
+            <a:off x="5413218" y="3936519"/>
+            <a:ext cx="1340769" cy="339365"/>
+          </a:xfrm>
+          <a:prstGeom prst="leftArrow">
+            <a:avLst/>
+          </a:prstGeom>
+        </p:spPr>
+        <p:style>
+          <a:lnRef idx="2">
+            <a:schemeClr val="accent1">
+              <a:shade val="50000"/>
+            </a:schemeClr>
+          </a:lnRef>
+          <a:fillRef idx="1">
+            <a:schemeClr val="accent1"/>
+          </a:fillRef>
+          <a:effectRef idx="0">
+            <a:schemeClr val="accent1"/>
+          </a:effectRef>
+          <a:fontRef idx="minor">
+            <a:schemeClr val="lt1"/>
+          </a:fontRef>
+        </p:style>
+        <p:txBody>
+          <a:bodyPr rtlCol="0" anchor="ctr"/>
+          <a:lstStyle/>
+          <a:p>
+            <a:pPr algn="ctr"/>
+            <a:endParaRPr lang="en-US"/>
+          </a:p>
+        </p:txBody>
+      </p:sp>
+      <p:sp>
+        <p:nvSpPr>
+          <p:cNvPr id="33" name="TextBox 32">
+            <a:extLst>
+              <a:ext uri="{FF2B5EF4-FFF2-40B4-BE49-F238E27FC236}">
+                <a16:creationId xmlns:a16="http://schemas.microsoft.com/office/drawing/2014/main" id="{325BB346-BC42-4345-A2A7-16A6BB400F9C}"/>
+              </a:ext>
+            </a:extLst>
+          </p:cNvPr>
+          <p:cNvSpPr txBox="1"/>
+          <p:nvPr/>
+        </p:nvSpPr>
+        <p:spPr>
+          <a:xfrm>
+            <a:off x="5491678" y="3428748"/>
+            <a:ext cx="1340769" cy="369332"/>
+          </a:xfrm>
+          <a:prstGeom prst="rect">
+            <a:avLst/>
+          </a:prstGeom>
+          <a:noFill/>
+        </p:spPr>
+        <p:txBody>
+          <a:bodyPr wrap="square" rtlCol="0">
+            <a:spAutoFit/>
+          </a:bodyPr>
+          <a:lstStyle/>
+          <a:p>
+            <a:r>
+              <a:rPr lang="en-US" dirty="0"/>
+              <a:t>Sampling</a:t>
+            </a:r>
+          </a:p>
+        </p:txBody>
+      </p:sp>
+      <p:sp>
+        <p:nvSpPr>
+          <p:cNvPr id="36" name="TextBox 35">
+            <a:extLst>
+              <a:ext uri="{FF2B5EF4-FFF2-40B4-BE49-F238E27FC236}">
+                <a16:creationId xmlns:a16="http://schemas.microsoft.com/office/drawing/2014/main" id="{2C5D5BCA-8492-4251-A915-113DD908DFFE}"/>
+              </a:ext>
+            </a:extLst>
+          </p:cNvPr>
+          <p:cNvSpPr txBox="1"/>
+          <p:nvPr/>
+        </p:nvSpPr>
+        <p:spPr>
+          <a:xfrm>
+            <a:off x="1600502" y="1817405"/>
+            <a:ext cx="3512237" cy="523220"/>
+          </a:xfrm>
+          <a:prstGeom prst="rect">
+            <a:avLst/>
+          </a:prstGeom>
+          <a:noFill/>
+        </p:spPr>
+        <p:txBody>
+          <a:bodyPr wrap="square" rtlCol="0">
+            <a:spAutoFit/>
+          </a:bodyPr>
+          <a:lstStyle/>
+          <a:p>
+            <a:r>
+              <a:rPr lang="en-US" sz="2800" dirty="0"/>
+              <a:t>Next Frame’s Particles</a:t>
+            </a:r>
+          </a:p>
+        </p:txBody>
+      </p:sp>
+      <p:sp>
+        <p:nvSpPr>
+          <p:cNvPr id="63" name="Rectangle 62">
+            <a:extLst>
+              <a:ext uri="{FF2B5EF4-FFF2-40B4-BE49-F238E27FC236}">
+                <a16:creationId xmlns:a16="http://schemas.microsoft.com/office/drawing/2014/main" id="{4FF92B16-A235-437B-B992-559C328ED6D0}"/>
+              </a:ext>
+            </a:extLst>
+          </p:cNvPr>
+          <p:cNvSpPr/>
+          <p:nvPr/>
+        </p:nvSpPr>
+        <p:spPr>
+          <a:xfrm>
+            <a:off x="3553792" y="3387716"/>
+            <a:ext cx="507868" cy="775355"/>
+          </a:xfrm>
+          <a:prstGeom prst="rect">
+            <a:avLst/>
+          </a:prstGeom>
+          <a:noFill/>
+          <a:ln w="38100">
+            <a:solidFill>
+              <a:srgbClr val="FFFF00"/>
+            </a:solidFill>
+          </a:ln>
+        </p:spPr>
+        <p:style>
+          <a:lnRef idx="2">
+            <a:schemeClr val="accent1">
+              <a:shade val="50000"/>
+            </a:schemeClr>
+          </a:lnRef>
+          <a:fillRef idx="1">
+            <a:schemeClr val="accent1"/>
+          </a:fillRef>
+          <a:effectRef idx="0">
+            <a:schemeClr val="accent1"/>
+          </a:effectRef>
+          <a:fontRef idx="minor">
+            <a:schemeClr val="lt1"/>
+          </a:fontRef>
+        </p:style>
+        <p:txBody>
+          <a:bodyPr rtlCol="0" anchor="ctr"/>
+          <a:lstStyle/>
+          <a:p>
+            <a:pPr algn="ctr"/>
+            <a:endParaRPr lang="en-US"/>
+          </a:p>
+        </p:txBody>
+      </p:sp>
+      <p:sp>
+        <p:nvSpPr>
+          <p:cNvPr id="64" name="Rectangle 63">
+            <a:extLst>
+              <a:ext uri="{FF2B5EF4-FFF2-40B4-BE49-F238E27FC236}">
+                <a16:creationId xmlns:a16="http://schemas.microsoft.com/office/drawing/2014/main" id="{5EB485ED-B952-42F8-9649-AACAD948663C}"/>
+              </a:ext>
+            </a:extLst>
+          </p:cNvPr>
+          <p:cNvSpPr/>
+          <p:nvPr/>
+        </p:nvSpPr>
+        <p:spPr>
+          <a:xfrm>
+            <a:off x="3781858" y="3603536"/>
+            <a:ext cx="507868" cy="1096259"/>
+          </a:xfrm>
+          <a:prstGeom prst="rect">
+            <a:avLst/>
+          </a:prstGeom>
+          <a:noFill/>
+          <a:ln w="76200"/>
+        </p:spPr>
+        <p:style>
+          <a:lnRef idx="2">
+            <a:schemeClr val="accent1">
+              <a:shade val="50000"/>
+            </a:schemeClr>
+          </a:lnRef>
+          <a:fillRef idx="1">
+            <a:schemeClr val="accent1"/>
+          </a:fillRef>
+          <a:effectRef idx="0">
+            <a:schemeClr val="accent1"/>
+          </a:effectRef>
+          <a:fontRef idx="minor">
+            <a:schemeClr val="lt1"/>
+          </a:fontRef>
+        </p:style>
+        <p:txBody>
+          <a:bodyPr rtlCol="0" anchor="ctr"/>
+          <a:lstStyle/>
+          <a:p>
+            <a:pPr algn="ctr"/>
+            <a:endParaRPr lang="en-US"/>
+          </a:p>
+        </p:txBody>
+      </p:sp>
+      <p:sp>
+        <p:nvSpPr>
+          <p:cNvPr id="65" name="Rectangle 64">
+            <a:extLst>
+              <a:ext uri="{FF2B5EF4-FFF2-40B4-BE49-F238E27FC236}">
+                <a16:creationId xmlns:a16="http://schemas.microsoft.com/office/drawing/2014/main" id="{ADEDE622-C52E-46EB-850B-7ABD11617FAE}"/>
+              </a:ext>
+            </a:extLst>
+          </p:cNvPr>
+          <p:cNvSpPr/>
+          <p:nvPr/>
+        </p:nvSpPr>
+        <p:spPr>
+          <a:xfrm>
+            <a:off x="3360476" y="4502094"/>
+            <a:ext cx="507868" cy="647642"/>
+          </a:xfrm>
+          <a:prstGeom prst="rect">
+            <a:avLst/>
+          </a:prstGeom>
+          <a:noFill/>
+          <a:ln w="28575">
+            <a:solidFill>
+              <a:schemeClr val="accent2">
+                <a:lumMod val="75000"/>
+              </a:schemeClr>
+            </a:solidFill>
+          </a:ln>
+        </p:spPr>
+        <p:style>
+          <a:lnRef idx="2">
+            <a:schemeClr val="accent1">
+              <a:shade val="50000"/>
+            </a:schemeClr>
+          </a:lnRef>
+          <a:fillRef idx="1">
+            <a:schemeClr val="accent1"/>
+          </a:fillRef>
+          <a:effectRef idx="0">
+            <a:schemeClr val="accent1"/>
+          </a:effectRef>
+          <a:fontRef idx="minor">
+            <a:schemeClr val="lt1"/>
+          </a:fontRef>
+        </p:style>
+        <p:txBody>
+          <a:bodyPr rtlCol="0" anchor="ctr"/>
+          <a:lstStyle/>
+          <a:p>
+            <a:pPr algn="ctr"/>
+            <a:endParaRPr lang="en-US" dirty="0"/>
+          </a:p>
+        </p:txBody>
+      </p:sp>
+      <p:cxnSp>
+        <p:nvCxnSpPr>
+          <p:cNvPr id="68" name="Straight Arrow Connector 67">
+            <a:extLst>
+              <a:ext uri="{FF2B5EF4-FFF2-40B4-BE49-F238E27FC236}">
+                <a16:creationId xmlns:a16="http://schemas.microsoft.com/office/drawing/2014/main" id="{6A2826BF-ADB8-426C-8C46-BFBE0446805D}"/>
+              </a:ext>
+            </a:extLst>
+          </p:cNvPr>
+          <p:cNvCxnSpPr>
+            <a:cxnSpLocks/>
+          </p:cNvCxnSpPr>
+          <p:nvPr/>
+        </p:nvCxnSpPr>
+        <p:spPr>
+          <a:xfrm flipH="1">
+            <a:off x="3356621" y="3775393"/>
+            <a:ext cx="404266" cy="161041"/>
+          </a:xfrm>
+          <a:prstGeom prst="straightConnector1">
+            <a:avLst/>
+          </a:prstGeom>
+          <a:ln w="28575">
+            <a:solidFill>
+              <a:srgbClr val="FFFF00"/>
+            </a:solidFill>
+            <a:tailEnd type="triangle"/>
+          </a:ln>
+        </p:spPr>
+        <p:style>
+          <a:lnRef idx="1">
+            <a:schemeClr val="accent1"/>
+          </a:lnRef>
+          <a:fillRef idx="0">
+            <a:schemeClr val="accent1"/>
+          </a:fillRef>
+          <a:effectRef idx="0">
+            <a:schemeClr val="accent1"/>
+          </a:effectRef>
+          <a:fontRef idx="minor">
+            <a:schemeClr val="tx1"/>
+          </a:fontRef>
+        </p:style>
+      </p:cxnSp>
+      <p:cxnSp>
+        <p:nvCxnSpPr>
+          <p:cNvPr id="69" name="Straight Arrow Connector 68">
+            <a:extLst>
+              <a:ext uri="{FF2B5EF4-FFF2-40B4-BE49-F238E27FC236}">
+                <a16:creationId xmlns:a16="http://schemas.microsoft.com/office/drawing/2014/main" id="{AA337681-E238-4542-8EC4-FBE3BAA8E2D8}"/>
+              </a:ext>
+            </a:extLst>
+          </p:cNvPr>
+          <p:cNvCxnSpPr>
+            <a:cxnSpLocks/>
+          </p:cNvCxnSpPr>
+          <p:nvPr/>
+        </p:nvCxnSpPr>
+        <p:spPr>
+          <a:xfrm flipH="1" flipV="1">
+            <a:off x="3521687" y="4230681"/>
+            <a:ext cx="456421" cy="42762"/>
+          </a:xfrm>
+          <a:prstGeom prst="straightConnector1">
+            <a:avLst/>
+          </a:prstGeom>
+          <a:ln w="28575">
+            <a:solidFill>
+              <a:srgbClr val="0070C0"/>
+            </a:solidFill>
+            <a:tailEnd type="triangle"/>
+          </a:ln>
+        </p:spPr>
+        <p:style>
+          <a:lnRef idx="1">
+            <a:schemeClr val="accent1"/>
+          </a:lnRef>
+          <a:fillRef idx="0">
+            <a:schemeClr val="accent1"/>
+          </a:fillRef>
+          <a:effectRef idx="0">
+            <a:schemeClr val="accent1"/>
+          </a:effectRef>
+          <a:fontRef idx="minor">
+            <a:schemeClr val="tx1"/>
+          </a:fontRef>
+        </p:style>
+      </p:cxnSp>
+      <p:cxnSp>
+        <p:nvCxnSpPr>
+          <p:cNvPr id="70" name="Straight Arrow Connector 69">
+            <a:extLst>
+              <a:ext uri="{FF2B5EF4-FFF2-40B4-BE49-F238E27FC236}">
+                <a16:creationId xmlns:a16="http://schemas.microsoft.com/office/drawing/2014/main" id="{67A1D36E-4CD0-4ABC-A1EF-E52767D798EC}"/>
+              </a:ext>
+            </a:extLst>
+          </p:cNvPr>
+          <p:cNvCxnSpPr>
+            <a:cxnSpLocks/>
+          </p:cNvCxnSpPr>
+          <p:nvPr/>
+        </p:nvCxnSpPr>
+        <p:spPr>
+          <a:xfrm flipH="1">
+            <a:off x="3452410" y="4825915"/>
+            <a:ext cx="185963" cy="108525"/>
+          </a:xfrm>
+          <a:prstGeom prst="straightConnector1">
+            <a:avLst/>
+          </a:prstGeom>
+          <a:ln w="28575">
+            <a:solidFill>
+              <a:schemeClr val="accent2">
+                <a:lumMod val="75000"/>
+              </a:schemeClr>
+            </a:solidFill>
+            <a:tailEnd type="triangle"/>
+          </a:ln>
+        </p:spPr>
+        <p:style>
+          <a:lnRef idx="1">
+            <a:schemeClr val="accent1"/>
+          </a:lnRef>
+          <a:fillRef idx="0">
+            <a:schemeClr val="accent1"/>
+          </a:fillRef>
+          <a:effectRef idx="0">
+            <a:schemeClr val="accent1"/>
+          </a:effectRef>
+          <a:fontRef idx="minor">
+            <a:schemeClr val="tx1"/>
+          </a:fontRef>
+        </p:style>
+      </p:cxnSp>
+      <p:sp>
+        <p:nvSpPr>
+          <p:cNvPr id="5" name="Rectangle 4">
+            <a:extLst>
+              <a:ext uri="{FF2B5EF4-FFF2-40B4-BE49-F238E27FC236}">
+                <a16:creationId xmlns:a16="http://schemas.microsoft.com/office/drawing/2014/main" id="{87A919C2-74E4-4BD4-B03F-C38978903326}"/>
+              </a:ext>
+            </a:extLst>
+          </p:cNvPr>
+          <p:cNvSpPr/>
+          <p:nvPr/>
+        </p:nvSpPr>
+        <p:spPr>
+          <a:xfrm>
+            <a:off x="9147980" y="3798080"/>
+            <a:ext cx="420813" cy="1191289"/>
+          </a:xfrm>
+          <a:prstGeom prst="rect">
+            <a:avLst/>
+          </a:prstGeom>
+          <a:noFill/>
+          <a:ln w="57150">
+            <a:solidFill>
+              <a:srgbClr val="00B050"/>
+            </a:solidFill>
+            <a:prstDash val="sysDot"/>
+          </a:ln>
+        </p:spPr>
+        <p:style>
+          <a:lnRef idx="2">
+            <a:schemeClr val="accent1">
+              <a:shade val="50000"/>
+            </a:schemeClr>
+          </a:lnRef>
+          <a:fillRef idx="1">
+            <a:schemeClr val="accent1"/>
+          </a:fillRef>
+          <a:effectRef idx="0">
+            <a:schemeClr val="accent1"/>
+          </a:effectRef>
+          <a:fontRef idx="minor">
+            <a:schemeClr val="lt1"/>
+          </a:fontRef>
+        </p:style>
+        <p:txBody>
+          <a:bodyPr rtlCol="0" anchor="ctr"/>
+          <a:lstStyle/>
+          <a:p>
+            <a:pPr algn="ctr"/>
+            <a:endParaRPr lang="en-US"/>
+          </a:p>
+        </p:txBody>
+      </p:sp>
+      <p:cxnSp>
+        <p:nvCxnSpPr>
+          <p:cNvPr id="9" name="Straight Arrow Connector 8">
+            <a:extLst>
+              <a:ext uri="{FF2B5EF4-FFF2-40B4-BE49-F238E27FC236}">
+                <a16:creationId xmlns:a16="http://schemas.microsoft.com/office/drawing/2014/main" id="{FC8E15B0-0A18-428B-B533-1D0268CB0849}"/>
+              </a:ext>
+            </a:extLst>
+          </p:cNvPr>
+          <p:cNvCxnSpPr>
+            <a:cxnSpLocks/>
+          </p:cNvCxnSpPr>
+          <p:nvPr/>
+        </p:nvCxnSpPr>
+        <p:spPr>
+          <a:xfrm flipV="1">
+            <a:off x="7785377" y="4393724"/>
+            <a:ext cx="1269880" cy="718763"/>
+          </a:xfrm>
+          <a:prstGeom prst="straightConnector1">
+            <a:avLst/>
+          </a:prstGeom>
+          <a:ln w="57150">
+            <a:solidFill>
+              <a:srgbClr val="00B050"/>
+            </a:solidFill>
+            <a:tailEnd type="triangle"/>
+          </a:ln>
+        </p:spPr>
+        <p:style>
+          <a:lnRef idx="1">
+            <a:schemeClr val="accent1"/>
+          </a:lnRef>
+          <a:fillRef idx="0">
+            <a:schemeClr val="accent1"/>
+          </a:fillRef>
+          <a:effectRef idx="0">
+            <a:schemeClr val="accent1"/>
+          </a:effectRef>
+          <a:fontRef idx="minor">
+            <a:schemeClr val="tx1"/>
+          </a:fontRef>
+        </p:style>
+      </p:cxnSp>
+      <p:sp>
+        <p:nvSpPr>
+          <p:cNvPr id="11" name="TextBox 10">
+            <a:extLst>
+              <a:ext uri="{FF2B5EF4-FFF2-40B4-BE49-F238E27FC236}">
+                <a16:creationId xmlns:a16="http://schemas.microsoft.com/office/drawing/2014/main" id="{22DD4F25-13AE-42A0-A93B-2F169905ADD6}"/>
+              </a:ext>
+            </a:extLst>
+          </p:cNvPr>
+          <p:cNvSpPr txBox="1"/>
+          <p:nvPr/>
+        </p:nvSpPr>
+        <p:spPr>
+          <a:xfrm>
+            <a:off x="7135994" y="5089299"/>
+            <a:ext cx="1545361" cy="646331"/>
+          </a:xfrm>
+          <a:prstGeom prst="rect">
+            <a:avLst/>
+          </a:prstGeom>
+          <a:noFill/>
+        </p:spPr>
+        <p:txBody>
+          <a:bodyPr wrap="square" rtlCol="0">
+            <a:spAutoFit/>
+          </a:bodyPr>
+          <a:lstStyle/>
+          <a:p>
+            <a:r>
+              <a:rPr lang="en-US" b="1" dirty="0">
+                <a:solidFill>
+                  <a:srgbClr val="00B050"/>
+                </a:solidFill>
+              </a:rPr>
+              <a:t>Weighted Average</a:t>
+            </a:r>
+          </a:p>
+        </p:txBody>
+      </p:sp>
+    </p:spTree>
+    <p:extLst>
+      <p:ext uri="{BB962C8B-B14F-4D97-AF65-F5344CB8AC3E}">
+        <p14:creationId xmlns:p14="http://schemas.microsoft.com/office/powerpoint/2010/main" val="725251168"/>
       </p:ext>
     </p:extLst>
   </p:cSld>
@@ -10839,6 +14134,357 @@
     <p:extLst>
       <p:ext uri="{BB962C8B-B14F-4D97-AF65-F5344CB8AC3E}">
         <p14:creationId xmlns:p14="http://schemas.microsoft.com/office/powerpoint/2010/main" val="63642957"/>
+      </p:ext>
+    </p:extLst>
+  </p:cSld>
+  <p:clrMapOvr>
+    <a:masterClrMapping/>
+  </p:clrMapOvr>
+</p:sld>
+</file>
+
+<file path=ppt/slides/slide20.xml><?xml version="1.0" encoding="utf-8"?>
+<p:sld xmlns:a="http://schemas.openxmlformats.org/drawingml/2006/main" xmlns:r="http://schemas.openxmlformats.org/officeDocument/2006/relationships" xmlns:p="http://schemas.openxmlformats.org/presentationml/2006/main">
+  <p:cSld>
+    <p:spTree>
+      <p:nvGrpSpPr>
+        <p:cNvPr id="1" name=""/>
+        <p:cNvGrpSpPr/>
+        <p:nvPr/>
+      </p:nvGrpSpPr>
+      <p:grpSpPr>
+        <a:xfrm>
+          <a:off x="0" y="0"/>
+          <a:ext cx="0" cy="0"/>
+          <a:chOff x="0" y="0"/>
+          <a:chExt cx="0" cy="0"/>
+        </a:xfrm>
+      </p:grpSpPr>
+      <p:sp>
+        <p:nvSpPr>
+          <p:cNvPr id="2" name="Date Placeholder 1">
+            <a:extLst>
+              <a:ext uri="{FF2B5EF4-FFF2-40B4-BE49-F238E27FC236}">
+                <a16:creationId xmlns:a16="http://schemas.microsoft.com/office/drawing/2014/main" id="{17F4FCC4-4604-40D1-9F16-F88324ED8F57}"/>
+              </a:ext>
+            </a:extLst>
+          </p:cNvPr>
+          <p:cNvSpPr>
+            <a:spLocks noGrp="1"/>
+          </p:cNvSpPr>
+          <p:nvPr>
+            <p:ph type="dt" sz="half" idx="10"/>
+          </p:nvPr>
+        </p:nvSpPr>
+        <p:spPr/>
+        <p:txBody>
+          <a:bodyPr/>
+          <a:lstStyle/>
+          <a:p>
+            <a:fld id="{F736EC4A-E5B7-42C2-9943-4D2477F0E2BA}" type="datetime1">
+              <a:rPr lang="en-US" smtClean="0"/>
+              <a:t>2/16/2022</a:t>
+            </a:fld>
+            <a:endParaRPr lang="en-US" dirty="0"/>
+          </a:p>
+        </p:txBody>
+      </p:sp>
+      <p:sp>
+        <p:nvSpPr>
+          <p:cNvPr id="3" name="Footer Placeholder 2">
+            <a:extLst>
+              <a:ext uri="{FF2B5EF4-FFF2-40B4-BE49-F238E27FC236}">
+                <a16:creationId xmlns:a16="http://schemas.microsoft.com/office/drawing/2014/main" id="{390ECFB5-D86A-493C-BE04-56C46A03F928}"/>
+              </a:ext>
+            </a:extLst>
+          </p:cNvPr>
+          <p:cNvSpPr>
+            <a:spLocks noGrp="1"/>
+          </p:cNvSpPr>
+          <p:nvPr>
+            <p:ph type="ftr" sz="quarter" idx="11"/>
+          </p:nvPr>
+        </p:nvSpPr>
+        <p:spPr/>
+        <p:txBody>
+          <a:bodyPr/>
+          <a:lstStyle/>
+          <a:p>
+            <a:r>
+              <a:rPr lang="en-US"/>
+              <a:t>Or Sagiv &amp; Etai Sella</a:t>
+            </a:r>
+            <a:endParaRPr lang="en-US" dirty="0"/>
+          </a:p>
+        </p:txBody>
+      </p:sp>
+      <p:sp>
+        <p:nvSpPr>
+          <p:cNvPr id="4" name="Slide Number Placeholder 3">
+            <a:extLst>
+              <a:ext uri="{FF2B5EF4-FFF2-40B4-BE49-F238E27FC236}">
+                <a16:creationId xmlns:a16="http://schemas.microsoft.com/office/drawing/2014/main" id="{34B1658B-2A38-4339-AD04-15960337C0A3}"/>
+              </a:ext>
+            </a:extLst>
+          </p:cNvPr>
+          <p:cNvSpPr>
+            <a:spLocks noGrp="1"/>
+          </p:cNvSpPr>
+          <p:nvPr>
+            <p:ph type="sldNum" sz="quarter" idx="12"/>
+          </p:nvPr>
+        </p:nvSpPr>
+        <p:spPr/>
+        <p:txBody>
+          <a:bodyPr/>
+          <a:lstStyle/>
+          <a:p>
+            <a:fld id="{C629165E-D59B-453D-B763-34340D7036F6}" type="slidenum">
+              <a:rPr lang="en-US" smtClean="0"/>
+              <a:t>20</a:t>
+            </a:fld>
+            <a:endParaRPr lang="en-US" dirty="0"/>
+          </a:p>
+        </p:txBody>
+      </p:sp>
+      <p:sp>
+        <p:nvSpPr>
+          <p:cNvPr id="5" name="Content Placeholder 4">
+            <a:extLst>
+              <a:ext uri="{FF2B5EF4-FFF2-40B4-BE49-F238E27FC236}">
+                <a16:creationId xmlns:a16="http://schemas.microsoft.com/office/drawing/2014/main" id="{D692A99E-EB4E-41A4-A607-9B3A99A7979C}"/>
+              </a:ext>
+            </a:extLst>
+          </p:cNvPr>
+          <p:cNvSpPr>
+            <a:spLocks noGrp="1"/>
+          </p:cNvSpPr>
+          <p:nvPr>
+            <p:ph idx="1"/>
+          </p:nvPr>
+        </p:nvSpPr>
+        <p:spPr/>
+        <p:txBody>
+          <a:bodyPr>
+            <a:normAutofit lnSpcReduction="10000"/>
+          </a:bodyPr>
+          <a:lstStyle/>
+          <a:p>
+            <a:r>
+              <a:rPr lang="en-US" dirty="0"/>
+              <a:t>The location in the first Frame is used as ground truth</a:t>
+            </a:r>
+          </a:p>
+          <a:p>
+            <a:endParaRPr lang="en-US" dirty="0"/>
+          </a:p>
+          <a:p>
+            <a:r>
+              <a:rPr lang="en-US" dirty="0"/>
+              <a:t>After a few frames, the target might not resemble its appearance in the first frame, for example if it moved Infront of a new background</a:t>
+            </a:r>
+          </a:p>
+          <a:p>
+            <a:endParaRPr lang="en-US" dirty="0"/>
+          </a:p>
+          <a:p>
+            <a:r>
+              <a:rPr lang="en-US" dirty="0"/>
+              <a:t>Thus, we update the ground truth every few frames.</a:t>
+            </a:r>
+          </a:p>
+          <a:p>
+            <a:endParaRPr lang="en-US" dirty="0"/>
+          </a:p>
+          <a:p>
+            <a:r>
+              <a:rPr lang="en-US" dirty="0"/>
+              <a:t>In order to stay close to the  </a:t>
+            </a:r>
+          </a:p>
+          <a:p>
+            <a:endParaRPr lang="en-US" dirty="0"/>
+          </a:p>
+        </p:txBody>
+      </p:sp>
+      <p:sp>
+        <p:nvSpPr>
+          <p:cNvPr id="6" name="Title 5">
+            <a:extLst>
+              <a:ext uri="{FF2B5EF4-FFF2-40B4-BE49-F238E27FC236}">
+                <a16:creationId xmlns:a16="http://schemas.microsoft.com/office/drawing/2014/main" id="{E9E4C79A-08FA-4D88-949A-AE7B6340D376}"/>
+              </a:ext>
+            </a:extLst>
+          </p:cNvPr>
+          <p:cNvSpPr>
+            <a:spLocks noGrp="1"/>
+          </p:cNvSpPr>
+          <p:nvPr>
+            <p:ph type="title"/>
+          </p:nvPr>
+        </p:nvSpPr>
+        <p:spPr/>
+        <p:txBody>
+          <a:bodyPr/>
+          <a:lstStyle/>
+          <a:p>
+            <a:r>
+              <a:rPr lang="en-US" dirty="0"/>
+              <a:t>State Update</a:t>
+            </a:r>
+          </a:p>
+        </p:txBody>
+      </p:sp>
+    </p:spTree>
+    <p:extLst>
+      <p:ext uri="{BB962C8B-B14F-4D97-AF65-F5344CB8AC3E}">
+        <p14:creationId xmlns:p14="http://schemas.microsoft.com/office/powerpoint/2010/main" val="658919948"/>
+      </p:ext>
+    </p:extLst>
+  </p:cSld>
+  <p:clrMapOvr>
+    <a:masterClrMapping/>
+  </p:clrMapOvr>
+</p:sld>
+</file>
+
+<file path=ppt/slides/slide21.xml><?xml version="1.0" encoding="utf-8"?>
+<p:sld xmlns:a="http://schemas.openxmlformats.org/drawingml/2006/main" xmlns:r="http://schemas.openxmlformats.org/officeDocument/2006/relationships" xmlns:p="http://schemas.openxmlformats.org/presentationml/2006/main">
+  <p:cSld>
+    <p:spTree>
+      <p:nvGrpSpPr>
+        <p:cNvPr id="1" name=""/>
+        <p:cNvGrpSpPr/>
+        <p:nvPr/>
+      </p:nvGrpSpPr>
+      <p:grpSpPr>
+        <a:xfrm>
+          <a:off x="0" y="0"/>
+          <a:ext cx="0" cy="0"/>
+          <a:chOff x="0" y="0"/>
+          <a:chExt cx="0" cy="0"/>
+        </a:xfrm>
+      </p:grpSpPr>
+      <p:sp>
+        <p:nvSpPr>
+          <p:cNvPr id="2" name="Title 1">
+            <a:extLst>
+              <a:ext uri="{FF2B5EF4-FFF2-40B4-BE49-F238E27FC236}">
+                <a16:creationId xmlns:a16="http://schemas.microsoft.com/office/drawing/2014/main" id="{143B5247-4B5C-44D2-AE13-25DD403557B4}"/>
+              </a:ext>
+            </a:extLst>
+          </p:cNvPr>
+          <p:cNvSpPr>
+            <a:spLocks noGrp="1"/>
+          </p:cNvSpPr>
+          <p:nvPr>
+            <p:ph type="title"/>
+          </p:nvPr>
+        </p:nvSpPr>
+        <p:spPr/>
+        <p:txBody>
+          <a:bodyPr>
+            <a:normAutofit/>
+          </a:bodyPr>
+          <a:lstStyle/>
+          <a:p>
+            <a:r>
+              <a:rPr lang="en-US" dirty="0"/>
+              <a:t>Questions?</a:t>
+            </a:r>
+          </a:p>
+        </p:txBody>
+      </p:sp>
+      <p:sp>
+        <p:nvSpPr>
+          <p:cNvPr id="4" name="Date Placeholder 3">
+            <a:extLst>
+              <a:ext uri="{FF2B5EF4-FFF2-40B4-BE49-F238E27FC236}">
+                <a16:creationId xmlns:a16="http://schemas.microsoft.com/office/drawing/2014/main" id="{59913B85-3B4F-43D3-A7E9-D06F5E37C6C1}"/>
+              </a:ext>
+            </a:extLst>
+          </p:cNvPr>
+          <p:cNvSpPr>
+            <a:spLocks noGrp="1"/>
+          </p:cNvSpPr>
+          <p:nvPr>
+            <p:ph type="dt" sz="half" idx="10"/>
+          </p:nvPr>
+        </p:nvSpPr>
+        <p:spPr/>
+        <p:txBody>
+          <a:bodyPr/>
+          <a:lstStyle/>
+          <a:p>
+            <a:fld id="{F736EC4A-E5B7-42C2-9943-4D2477F0E2BA}" type="datetime1">
+              <a:rPr lang="en-US" smtClean="0"/>
+              <a:t>2/16/2022</a:t>
+            </a:fld>
+            <a:endParaRPr lang="en-US" dirty="0"/>
+          </a:p>
+        </p:txBody>
+      </p:sp>
+      <p:sp>
+        <p:nvSpPr>
+          <p:cNvPr id="5" name="Footer Placeholder 4">
+            <a:extLst>
+              <a:ext uri="{FF2B5EF4-FFF2-40B4-BE49-F238E27FC236}">
+                <a16:creationId xmlns:a16="http://schemas.microsoft.com/office/drawing/2014/main" id="{C5649577-8229-4DC9-AE82-59C3A5BA0515}"/>
+              </a:ext>
+            </a:extLst>
+          </p:cNvPr>
+          <p:cNvSpPr>
+            <a:spLocks noGrp="1"/>
+          </p:cNvSpPr>
+          <p:nvPr>
+            <p:ph type="ftr" sz="quarter" idx="11"/>
+          </p:nvPr>
+        </p:nvSpPr>
+        <p:spPr/>
+        <p:txBody>
+          <a:bodyPr/>
+          <a:lstStyle/>
+          <a:p>
+            <a:r>
+              <a:rPr lang="en-US" dirty="0"/>
+              <a:t>Or Sagiv &amp; Etai Sella</a:t>
+            </a:r>
+          </a:p>
+        </p:txBody>
+      </p:sp>
+      <p:sp>
+        <p:nvSpPr>
+          <p:cNvPr id="6" name="Slide Number Placeholder 5">
+            <a:extLst>
+              <a:ext uri="{FF2B5EF4-FFF2-40B4-BE49-F238E27FC236}">
+                <a16:creationId xmlns:a16="http://schemas.microsoft.com/office/drawing/2014/main" id="{1B57282B-C25D-48B2-A667-C1D467EB1137}"/>
+              </a:ext>
+            </a:extLst>
+          </p:cNvPr>
+          <p:cNvSpPr>
+            <a:spLocks noGrp="1"/>
+          </p:cNvSpPr>
+          <p:nvPr>
+            <p:ph type="sldNum" sz="quarter" idx="12"/>
+          </p:nvPr>
+        </p:nvSpPr>
+        <p:spPr/>
+        <p:txBody>
+          <a:bodyPr/>
+          <a:lstStyle/>
+          <a:p>
+            <a:fld id="{C629165E-D59B-453D-B763-34340D7036F6}" type="slidenum">
+              <a:rPr lang="en-US" smtClean="0"/>
+              <a:t>21</a:t>
+            </a:fld>
+            <a:endParaRPr lang="en-US" dirty="0"/>
+          </a:p>
+        </p:txBody>
+      </p:sp>
+    </p:spTree>
+    <p:extLst>
+      <p:ext uri="{BB962C8B-B14F-4D97-AF65-F5344CB8AC3E}">
+        <p14:creationId xmlns:p14="http://schemas.microsoft.com/office/powerpoint/2010/main" val="3084981542"/>
       </p:ext>
     </p:extLst>
   </p:cSld>
@@ -12518,7 +16164,7 @@
           <p:cNvPr id="2" name="Title 1">
             <a:extLst>
               <a:ext uri="{FF2B5EF4-FFF2-40B4-BE49-F238E27FC236}">
-                <a16:creationId xmlns:a16="http://schemas.microsoft.com/office/drawing/2014/main" id="{143B5247-4B5C-44D2-AE13-25DD403557B4}"/>
+                <a16:creationId xmlns:a16="http://schemas.microsoft.com/office/drawing/2014/main" id="{AB41612C-CDF9-4105-A76A-E0AC444F5641}"/>
               </a:ext>
             </a:extLst>
           </p:cNvPr>
@@ -12538,8 +16184,85 @@
           <a:p>
             <a:r>
               <a:rPr lang="en-US" dirty="0"/>
-              <a:t>Questions?</a:t>
-            </a:r>
+              <a:t>Background and Motivation – Tracking</a:t>
+            </a:r>
+          </a:p>
+        </p:txBody>
+      </p:sp>
+      <p:sp>
+        <p:nvSpPr>
+          <p:cNvPr id="3" name="Content Placeholder 2">
+            <a:extLst>
+              <a:ext uri="{FF2B5EF4-FFF2-40B4-BE49-F238E27FC236}">
+                <a16:creationId xmlns:a16="http://schemas.microsoft.com/office/drawing/2014/main" id="{A470BF20-1EA3-41E8-9E42-65E12E31A1AA}"/>
+              </a:ext>
+            </a:extLst>
+          </p:cNvPr>
+          <p:cNvSpPr>
+            <a:spLocks noGrp="1"/>
+          </p:cNvSpPr>
+          <p:nvPr>
+            <p:ph idx="1"/>
+          </p:nvPr>
+        </p:nvSpPr>
+        <p:spPr/>
+        <p:txBody>
+          <a:bodyPr/>
+          <a:lstStyle/>
+          <a:p>
+            <a:r>
+              <a:rPr lang="en-US" dirty="0"/>
+              <a:t>This method produces good results, however:</a:t>
+            </a:r>
+          </a:p>
+          <a:p>
+            <a:endParaRPr lang="en-US" dirty="0"/>
+          </a:p>
+          <a:p>
+            <a:pPr lvl="1"/>
+            <a:r>
+              <a:rPr lang="en-US" dirty="0"/>
+              <a:t>It still has limited precision</a:t>
+            </a:r>
+          </a:p>
+          <a:p>
+            <a:pPr lvl="1"/>
+            <a:endParaRPr lang="en-US" dirty="0"/>
+          </a:p>
+          <a:p>
+            <a:pPr lvl="1"/>
+            <a:r>
+              <a:rPr lang="en-US" dirty="0"/>
+              <a:t>The refining stage, as good as it may be, can only be used as part of its original tracker – it lacks </a:t>
+            </a:r>
+            <a:r>
+              <a:rPr lang="en-US" i="1" dirty="0"/>
+              <a:t>transferability</a:t>
+            </a:r>
+          </a:p>
+          <a:p>
+            <a:endParaRPr lang="en-US" dirty="0"/>
+          </a:p>
+          <a:p>
+            <a:r>
+              <a:rPr lang="en-US" dirty="0"/>
+              <a:t>For these reasons, Bin Yan et al proposed a novel method of refining tracker results called - </a:t>
+            </a:r>
+            <a:r>
+              <a:rPr lang="en-US" i="1" dirty="0"/>
+              <a:t>AlphaRefine.</a:t>
+            </a:r>
+          </a:p>
+          <a:p>
+            <a:endParaRPr lang="en-US" dirty="0"/>
+          </a:p>
+          <a:p>
+            <a:pPr lvl="1"/>
+            <a:endParaRPr lang="en-US" b="1" dirty="0"/>
+          </a:p>
+          <a:p>
+            <a:pPr lvl="1"/>
+            <a:endParaRPr lang="en-US" dirty="0"/>
           </a:p>
         </p:txBody>
       </p:sp>
@@ -12548,7 +16271,7 @@
           <p:cNvPr id="4" name="Date Placeholder 3">
             <a:extLst>
               <a:ext uri="{FF2B5EF4-FFF2-40B4-BE49-F238E27FC236}">
-                <a16:creationId xmlns:a16="http://schemas.microsoft.com/office/drawing/2014/main" id="{59913B85-3B4F-43D3-A7E9-D06F5E37C6C1}"/>
+                <a16:creationId xmlns:a16="http://schemas.microsoft.com/office/drawing/2014/main" id="{49F36727-99BC-4C5B-AAE3-B13AA9C619DD}"/>
               </a:ext>
             </a:extLst>
           </p:cNvPr>
@@ -12577,7 +16300,7 @@
           <p:cNvPr id="5" name="Footer Placeholder 4">
             <a:extLst>
               <a:ext uri="{FF2B5EF4-FFF2-40B4-BE49-F238E27FC236}">
-                <a16:creationId xmlns:a16="http://schemas.microsoft.com/office/drawing/2014/main" id="{C5649577-8229-4DC9-AE82-59C3A5BA0515}"/>
+                <a16:creationId xmlns:a16="http://schemas.microsoft.com/office/drawing/2014/main" id="{33CF2F71-992C-4D6D-94ED-BA14A60B0C74}"/>
               </a:ext>
             </a:extLst>
           </p:cNvPr>
@@ -12605,7 +16328,7 @@
           <p:cNvPr id="6" name="Slide Number Placeholder 5">
             <a:extLst>
               <a:ext uri="{FF2B5EF4-FFF2-40B4-BE49-F238E27FC236}">
-                <a16:creationId xmlns:a16="http://schemas.microsoft.com/office/drawing/2014/main" id="{1B57282B-C25D-48B2-A667-C1D467EB1137}"/>
+                <a16:creationId xmlns:a16="http://schemas.microsoft.com/office/drawing/2014/main" id="{1E169B89-C40B-43EE-B5FA-F08E04F40685}"/>
               </a:ext>
             </a:extLst>
           </p:cNvPr>
@@ -12632,7 +16355,7 @@
     </p:spTree>
     <p:extLst>
       <p:ext uri="{BB962C8B-B14F-4D97-AF65-F5344CB8AC3E}">
-        <p14:creationId xmlns:p14="http://schemas.microsoft.com/office/powerpoint/2010/main" val="2088741019"/>
+        <p14:creationId xmlns:p14="http://schemas.microsoft.com/office/powerpoint/2010/main" val="1162494772"/>
       </p:ext>
     </p:extLst>
   </p:cSld>
